--- a/2025/2025Thumbnail.pptx
+++ b/2025/2025Thumbnail.pptx
@@ -6,7 +6,8 @@
   </p:sldMasterIdLst>
   <p:sldIdLst>
     <p:sldId id="267" r:id="rId2"/>
-    <p:sldId id="275" r:id="rId3"/>
+    <p:sldId id="276" r:id="rId3"/>
+    <p:sldId id="275" r:id="rId4"/>
   </p:sldIdLst>
   <p:sldSz cx="12192000" cy="6858000"/>
   <p:notesSz cx="6858000" cy="9144000"/>
@@ -260,7 +261,7 @@
           <a:p>
             <a:fld id="{3816CC03-B68F-4642-A2B8-7A8633A67F21}" type="datetimeFigureOut">
               <a:rPr lang="en-US" smtClean="0"/>
-              <a:t>1/31/2025</a:t>
+              <a:t>2/27/2025</a:t>
             </a:fld>
             <a:endParaRPr lang="en-US"/>
           </a:p>
@@ -458,7 +459,7 @@
           <a:p>
             <a:fld id="{3816CC03-B68F-4642-A2B8-7A8633A67F21}" type="datetimeFigureOut">
               <a:rPr lang="en-US" smtClean="0"/>
-              <a:t>1/31/2025</a:t>
+              <a:t>2/27/2025</a:t>
             </a:fld>
             <a:endParaRPr lang="en-US"/>
           </a:p>
@@ -666,7 +667,7 @@
           <a:p>
             <a:fld id="{3816CC03-B68F-4642-A2B8-7A8633A67F21}" type="datetimeFigureOut">
               <a:rPr lang="en-US" smtClean="0"/>
-              <a:t>1/31/2025</a:t>
+              <a:t>2/27/2025</a:t>
             </a:fld>
             <a:endParaRPr lang="en-US"/>
           </a:p>
@@ -864,7 +865,7 @@
           <a:p>
             <a:fld id="{3816CC03-B68F-4642-A2B8-7A8633A67F21}" type="datetimeFigureOut">
               <a:rPr lang="en-US" smtClean="0"/>
-              <a:t>1/31/2025</a:t>
+              <a:t>2/27/2025</a:t>
             </a:fld>
             <a:endParaRPr lang="en-US"/>
           </a:p>
@@ -1139,7 +1140,7 @@
           <a:p>
             <a:fld id="{3816CC03-B68F-4642-A2B8-7A8633A67F21}" type="datetimeFigureOut">
               <a:rPr lang="en-US" smtClean="0"/>
-              <a:t>1/31/2025</a:t>
+              <a:t>2/27/2025</a:t>
             </a:fld>
             <a:endParaRPr lang="en-US"/>
           </a:p>
@@ -1404,7 +1405,7 @@
           <a:p>
             <a:fld id="{3816CC03-B68F-4642-A2B8-7A8633A67F21}" type="datetimeFigureOut">
               <a:rPr lang="en-US" smtClean="0"/>
-              <a:t>1/31/2025</a:t>
+              <a:t>2/27/2025</a:t>
             </a:fld>
             <a:endParaRPr lang="en-US"/>
           </a:p>
@@ -1816,7 +1817,7 @@
           <a:p>
             <a:fld id="{3816CC03-B68F-4642-A2B8-7A8633A67F21}" type="datetimeFigureOut">
               <a:rPr lang="en-US" smtClean="0"/>
-              <a:t>1/31/2025</a:t>
+              <a:t>2/27/2025</a:t>
             </a:fld>
             <a:endParaRPr lang="en-US"/>
           </a:p>
@@ -1957,7 +1958,7 @@
           <a:p>
             <a:fld id="{3816CC03-B68F-4642-A2B8-7A8633A67F21}" type="datetimeFigureOut">
               <a:rPr lang="en-US" smtClean="0"/>
-              <a:t>1/31/2025</a:t>
+              <a:t>2/27/2025</a:t>
             </a:fld>
             <a:endParaRPr lang="en-US"/>
           </a:p>
@@ -2070,7 +2071,7 @@
           <a:p>
             <a:fld id="{3816CC03-B68F-4642-A2B8-7A8633A67F21}" type="datetimeFigureOut">
               <a:rPr lang="en-US" smtClean="0"/>
-              <a:t>1/31/2025</a:t>
+              <a:t>2/27/2025</a:t>
             </a:fld>
             <a:endParaRPr lang="en-US"/>
           </a:p>
@@ -2417,7 +2418,7 @@
           <a:p>
             <a:fld id="{3816CC03-B68F-4642-A2B8-7A8633A67F21}" type="datetimeFigureOut">
               <a:rPr lang="en-US" smtClean="0"/>
-              <a:t>1/31/2025</a:t>
+              <a:t>2/27/2025</a:t>
             </a:fld>
             <a:endParaRPr lang="en-US"/>
           </a:p>
@@ -2705,7 +2706,7 @@
           <a:p>
             <a:fld id="{3816CC03-B68F-4642-A2B8-7A8633A67F21}" type="datetimeFigureOut">
               <a:rPr lang="en-US" smtClean="0"/>
-              <a:t>1/31/2025</a:t>
+              <a:t>2/27/2025</a:t>
             </a:fld>
             <a:endParaRPr lang="en-US"/>
           </a:p>
@@ -2946,7 +2947,7 @@
           <a:p>
             <a:fld id="{3816CC03-B68F-4642-A2B8-7A8633A67F21}" type="datetimeFigureOut">
               <a:rPr lang="en-US" smtClean="0"/>
-              <a:t>1/31/2025</a:t>
+              <a:t>2/27/2025</a:t>
             </a:fld>
             <a:endParaRPr lang="en-US"/>
           </a:p>
@@ -3393,6 +3394,483 @@
           <a:chExt cx="0" cy="0"/>
         </a:xfrm>
       </p:grpSpPr>
+      <p:sp>
+        <p:nvSpPr>
+          <p:cNvPr id="53" name="TextBox 52">
+            <a:extLst>
+              <a:ext uri="{FF2B5EF4-FFF2-40B4-BE49-F238E27FC236}">
+                <a16:creationId xmlns:a16="http://schemas.microsoft.com/office/drawing/2014/main" id="{5913AFFF-7AF8-9C8A-344F-602999E65A7D}"/>
+              </a:ext>
+            </a:extLst>
+          </p:cNvPr>
+          <p:cNvSpPr txBox="1"/>
+          <p:nvPr/>
+        </p:nvSpPr>
+        <p:spPr>
+          <a:xfrm>
+            <a:off x="590326" y="802805"/>
+            <a:ext cx="11011348" cy="1323439"/>
+          </a:xfrm>
+          <a:prstGeom prst="rect">
+            <a:avLst/>
+          </a:prstGeom>
+          <a:noFill/>
+        </p:spPr>
+        <p:txBody>
+          <a:bodyPr wrap="none" rtlCol="0">
+            <a:spAutoFit/>
+          </a:bodyPr>
+          <a:lstStyle/>
+          <a:p>
+            <a:r>
+              <a:rPr lang="en-US" sz="8000" dirty="0">
+                <a:latin typeface="Alice" panose="00000500000000000000" pitchFamily="2" charset="0"/>
+              </a:rPr>
+              <a:t>Why three dimensions?</a:t>
+            </a:r>
+            <a:endParaRPr lang="en-US" sz="7200" dirty="0">
+              <a:latin typeface="Alice" panose="00000500000000000000" pitchFamily="2" charset="0"/>
+            </a:endParaRPr>
+          </a:p>
+        </p:txBody>
+      </p:sp>
+      <p:cxnSp>
+        <p:nvCxnSpPr>
+          <p:cNvPr id="5" name="Straight Arrow Connector 4">
+            <a:extLst>
+              <a:ext uri="{FF2B5EF4-FFF2-40B4-BE49-F238E27FC236}">
+                <a16:creationId xmlns:a16="http://schemas.microsoft.com/office/drawing/2014/main" id="{117084B4-9785-DF7D-5B60-9DEA93F9D30F}"/>
+              </a:ext>
+            </a:extLst>
+          </p:cNvPr>
+          <p:cNvCxnSpPr/>
+          <p:nvPr/>
+        </p:nvCxnSpPr>
+        <p:spPr>
+          <a:xfrm flipV="1">
+            <a:off x="6383708" y="2982482"/>
+            <a:ext cx="0" cy="1743342"/>
+          </a:xfrm>
+          <a:prstGeom prst="straightConnector1">
+            <a:avLst/>
+          </a:prstGeom>
+          <a:ln w="38100">
+            <a:tailEnd type="triangle"/>
+          </a:ln>
+        </p:spPr>
+        <p:style>
+          <a:lnRef idx="1">
+            <a:schemeClr val="accent1"/>
+          </a:lnRef>
+          <a:fillRef idx="0">
+            <a:schemeClr val="accent1"/>
+          </a:fillRef>
+          <a:effectRef idx="0">
+            <a:schemeClr val="accent1"/>
+          </a:effectRef>
+          <a:fontRef idx="minor">
+            <a:schemeClr val="tx1"/>
+          </a:fontRef>
+        </p:style>
+      </p:cxnSp>
+      <p:cxnSp>
+        <p:nvCxnSpPr>
+          <p:cNvPr id="9" name="Straight Arrow Connector 8">
+            <a:extLst>
+              <a:ext uri="{FF2B5EF4-FFF2-40B4-BE49-F238E27FC236}">
+                <a16:creationId xmlns:a16="http://schemas.microsoft.com/office/drawing/2014/main" id="{347AD5CD-B1F6-4BF2-821C-5A297BE44276}"/>
+              </a:ext>
+            </a:extLst>
+          </p:cNvPr>
+          <p:cNvCxnSpPr/>
+          <p:nvPr/>
+        </p:nvCxnSpPr>
+        <p:spPr>
+          <a:xfrm flipH="1">
+            <a:off x="5187297" y="4725824"/>
+            <a:ext cx="1196411" cy="1068225"/>
+          </a:xfrm>
+          <a:prstGeom prst="straightConnector1">
+            <a:avLst/>
+          </a:prstGeom>
+          <a:ln w="38100">
+            <a:tailEnd type="triangle"/>
+          </a:ln>
+        </p:spPr>
+        <p:style>
+          <a:lnRef idx="1">
+            <a:schemeClr val="accent1"/>
+          </a:lnRef>
+          <a:fillRef idx="0">
+            <a:schemeClr val="accent1"/>
+          </a:fillRef>
+          <a:effectRef idx="0">
+            <a:schemeClr val="accent1"/>
+          </a:effectRef>
+          <a:fontRef idx="minor">
+            <a:schemeClr val="tx1"/>
+          </a:fontRef>
+        </p:style>
+      </p:cxnSp>
+      <p:cxnSp>
+        <p:nvCxnSpPr>
+          <p:cNvPr id="11" name="Straight Arrow Connector 10">
+            <a:extLst>
+              <a:ext uri="{FF2B5EF4-FFF2-40B4-BE49-F238E27FC236}">
+                <a16:creationId xmlns:a16="http://schemas.microsoft.com/office/drawing/2014/main" id="{F597CB34-EEF6-CEF6-CA5A-22CEE0510505}"/>
+              </a:ext>
+            </a:extLst>
+          </p:cNvPr>
+          <p:cNvCxnSpPr>
+            <a:cxnSpLocks/>
+          </p:cNvCxnSpPr>
+          <p:nvPr/>
+        </p:nvCxnSpPr>
+        <p:spPr>
+          <a:xfrm rot="5400000" flipV="1">
+            <a:off x="7255379" y="3854153"/>
+            <a:ext cx="0" cy="1743342"/>
+          </a:xfrm>
+          <a:prstGeom prst="straightConnector1">
+            <a:avLst/>
+          </a:prstGeom>
+          <a:ln w="38100">
+            <a:tailEnd type="triangle"/>
+          </a:ln>
+        </p:spPr>
+        <p:style>
+          <a:lnRef idx="1">
+            <a:schemeClr val="accent1"/>
+          </a:lnRef>
+          <a:fillRef idx="0">
+            <a:schemeClr val="accent1"/>
+          </a:fillRef>
+          <a:effectRef idx="0">
+            <a:schemeClr val="accent1"/>
+          </a:effectRef>
+          <a:fontRef idx="minor">
+            <a:schemeClr val="tx1"/>
+          </a:fontRef>
+        </p:style>
+      </p:cxnSp>
+      <mc:AlternateContent xmlns:mc="http://schemas.openxmlformats.org/markup-compatibility/2006" xmlns:a14="http://schemas.microsoft.com/office/drawing/2010/main">
+        <mc:Choice Requires="a14">
+          <p:sp>
+            <p:nvSpPr>
+              <p:cNvPr id="12" name="TextBox 11">
+                <a:extLst>
+                  <a:ext uri="{FF2B5EF4-FFF2-40B4-BE49-F238E27FC236}">
+                    <a16:creationId xmlns:a16="http://schemas.microsoft.com/office/drawing/2014/main" id="{0B7EDB65-E152-863E-5540-F330F50D671C}"/>
+                  </a:ext>
+                </a:extLst>
+              </p:cNvPr>
+              <p:cNvSpPr txBox="1"/>
+              <p:nvPr/>
+            </p:nvSpPr>
+            <p:spPr>
+              <a:xfrm>
+                <a:off x="5272755" y="5563217"/>
+                <a:ext cx="426399" cy="461665"/>
+              </a:xfrm>
+              <a:prstGeom prst="rect">
+                <a:avLst/>
+              </a:prstGeom>
+              <a:noFill/>
+            </p:spPr>
+            <p:txBody>
+              <a:bodyPr wrap="none" rtlCol="0">
+                <a:spAutoFit/>
+              </a:bodyPr>
+              <a:lstStyle/>
+              <a:p>
+                <a:pPr/>
+                <a14:m>
+                  <m:oMathPara xmlns:m="http://schemas.openxmlformats.org/officeDocument/2006/math">
+                    <m:oMathParaPr>
+                      <m:jc m:val="centerGroup"/>
+                    </m:oMathParaPr>
+                    <m:oMath xmlns:m="http://schemas.openxmlformats.org/officeDocument/2006/math">
+                      <m:r>
+                        <a:rPr lang="en-US" sz="2400" b="0" i="1" smtClean="0">
+                          <a:latin typeface="Cambria Math" panose="02040503050406030204" pitchFamily="18" charset="0"/>
+                        </a:rPr>
+                        <m:t>𝑥</m:t>
+                      </m:r>
+                    </m:oMath>
+                  </m:oMathPara>
+                </a14:m>
+                <a:endParaRPr lang="en-US" sz="2400" dirty="0"/>
+              </a:p>
+            </p:txBody>
+          </p:sp>
+        </mc:Choice>
+        <mc:Fallback xmlns="">
+          <p:sp>
+            <p:nvSpPr>
+              <p:cNvPr id="12" name="TextBox 11">
+                <a:extLst>
+                  <a:ext uri="{FF2B5EF4-FFF2-40B4-BE49-F238E27FC236}">
+                    <a16:creationId xmlns:a16="http://schemas.microsoft.com/office/drawing/2014/main" id="{0B7EDB65-E152-863E-5540-F330F50D671C}"/>
+                  </a:ext>
+                </a:extLst>
+              </p:cNvPr>
+              <p:cNvSpPr txBox="1">
+                <a:spLocks noRot="1" noChangeAspect="1" noMove="1" noResize="1" noEditPoints="1" noAdjustHandles="1" noChangeArrowheads="1" noChangeShapeType="1" noTextEdit="1"/>
+              </p:cNvSpPr>
+              <p:nvPr/>
+            </p:nvSpPr>
+            <p:spPr>
+              <a:xfrm>
+                <a:off x="5272755" y="5563217"/>
+                <a:ext cx="426399" cy="461665"/>
+              </a:xfrm>
+              <a:prstGeom prst="rect">
+                <a:avLst/>
+              </a:prstGeom>
+              <a:blipFill>
+                <a:blip r:embed="rId2"/>
+                <a:stretch>
+                  <a:fillRect/>
+                </a:stretch>
+              </a:blipFill>
+            </p:spPr>
+            <p:txBody>
+              <a:bodyPr/>
+              <a:lstStyle/>
+              <a:p>
+                <a:r>
+                  <a:rPr lang="en-US">
+                    <a:noFill/>
+                  </a:rPr>
+                  <a:t> </a:t>
+                </a:r>
+              </a:p>
+            </p:txBody>
+          </p:sp>
+        </mc:Fallback>
+      </mc:AlternateContent>
+      <mc:AlternateContent xmlns:mc="http://schemas.openxmlformats.org/markup-compatibility/2006" xmlns:a14="http://schemas.microsoft.com/office/drawing/2010/main">
+        <mc:Choice Requires="a14">
+          <p:sp>
+            <p:nvSpPr>
+              <p:cNvPr id="16" name="TextBox 15">
+                <a:extLst>
+                  <a:ext uri="{FF2B5EF4-FFF2-40B4-BE49-F238E27FC236}">
+                    <a16:creationId xmlns:a16="http://schemas.microsoft.com/office/drawing/2014/main" id="{18FDA6EF-EE63-5612-E432-92ADAC746176}"/>
+                  </a:ext>
+                </a:extLst>
+              </p:cNvPr>
+              <p:cNvSpPr txBox="1"/>
+              <p:nvPr/>
+            </p:nvSpPr>
+            <p:spPr>
+              <a:xfrm>
+                <a:off x="8031622" y="4264159"/>
+                <a:ext cx="430374" cy="461665"/>
+              </a:xfrm>
+              <a:prstGeom prst="rect">
+                <a:avLst/>
+              </a:prstGeom>
+              <a:noFill/>
+            </p:spPr>
+            <p:txBody>
+              <a:bodyPr wrap="none" rtlCol="0">
+                <a:spAutoFit/>
+              </a:bodyPr>
+              <a:lstStyle/>
+              <a:p>
+                <a:pPr/>
+                <a14:m>
+                  <m:oMathPara xmlns:m="http://schemas.openxmlformats.org/officeDocument/2006/math">
+                    <m:oMathParaPr>
+                      <m:jc m:val="centerGroup"/>
+                    </m:oMathParaPr>
+                    <m:oMath xmlns:m="http://schemas.openxmlformats.org/officeDocument/2006/math">
+                      <m:r>
+                        <a:rPr lang="en-US" sz="2400" b="0" i="1" smtClean="0">
+                          <a:latin typeface="Cambria Math" panose="02040503050406030204" pitchFamily="18" charset="0"/>
+                        </a:rPr>
+                        <m:t>𝑦</m:t>
+                      </m:r>
+                    </m:oMath>
+                  </m:oMathPara>
+                </a14:m>
+                <a:endParaRPr lang="en-US" sz="2400" dirty="0"/>
+              </a:p>
+            </p:txBody>
+          </p:sp>
+        </mc:Choice>
+        <mc:Fallback xmlns="">
+          <p:sp>
+            <p:nvSpPr>
+              <p:cNvPr id="16" name="TextBox 15">
+                <a:extLst>
+                  <a:ext uri="{FF2B5EF4-FFF2-40B4-BE49-F238E27FC236}">
+                    <a16:creationId xmlns:a16="http://schemas.microsoft.com/office/drawing/2014/main" id="{18FDA6EF-EE63-5612-E432-92ADAC746176}"/>
+                  </a:ext>
+                </a:extLst>
+              </p:cNvPr>
+              <p:cNvSpPr txBox="1">
+                <a:spLocks noRot="1" noChangeAspect="1" noMove="1" noResize="1" noEditPoints="1" noAdjustHandles="1" noChangeArrowheads="1" noChangeShapeType="1" noTextEdit="1"/>
+              </p:cNvSpPr>
+              <p:nvPr/>
+            </p:nvSpPr>
+            <p:spPr>
+              <a:xfrm>
+                <a:off x="8031622" y="4264159"/>
+                <a:ext cx="430374" cy="461665"/>
+              </a:xfrm>
+              <a:prstGeom prst="rect">
+                <a:avLst/>
+              </a:prstGeom>
+              <a:blipFill>
+                <a:blip r:embed="rId3"/>
+                <a:stretch>
+                  <a:fillRect b="-12000"/>
+                </a:stretch>
+              </a:blipFill>
+            </p:spPr>
+            <p:txBody>
+              <a:bodyPr/>
+              <a:lstStyle/>
+              <a:p>
+                <a:r>
+                  <a:rPr lang="en-US">
+                    <a:noFill/>
+                  </a:rPr>
+                  <a:t> </a:t>
+                </a:r>
+              </a:p>
+            </p:txBody>
+          </p:sp>
+        </mc:Fallback>
+      </mc:AlternateContent>
+      <mc:AlternateContent xmlns:mc="http://schemas.openxmlformats.org/markup-compatibility/2006" xmlns:a14="http://schemas.microsoft.com/office/drawing/2010/main">
+        <mc:Choice Requires="a14">
+          <p:sp>
+            <p:nvSpPr>
+              <p:cNvPr id="17" name="TextBox 16">
+                <a:extLst>
+                  <a:ext uri="{FF2B5EF4-FFF2-40B4-BE49-F238E27FC236}">
+                    <a16:creationId xmlns:a16="http://schemas.microsoft.com/office/drawing/2014/main" id="{7AEEFBD7-3413-01D2-994F-35EABE835D97}"/>
+                  </a:ext>
+                </a:extLst>
+              </p:cNvPr>
+              <p:cNvSpPr txBox="1"/>
+              <p:nvPr/>
+            </p:nvSpPr>
+            <p:spPr>
+              <a:xfrm>
+                <a:off x="5953334" y="2674544"/>
+                <a:ext cx="407932" cy="461665"/>
+              </a:xfrm>
+              <a:prstGeom prst="rect">
+                <a:avLst/>
+              </a:prstGeom>
+              <a:noFill/>
+            </p:spPr>
+            <p:txBody>
+              <a:bodyPr wrap="none" rtlCol="0">
+                <a:spAutoFit/>
+              </a:bodyPr>
+              <a:lstStyle/>
+              <a:p>
+                <a:pPr/>
+                <a14:m>
+                  <m:oMathPara xmlns:m="http://schemas.openxmlformats.org/officeDocument/2006/math">
+                    <m:oMathParaPr>
+                      <m:jc m:val="centerGroup"/>
+                    </m:oMathParaPr>
+                    <m:oMath xmlns:m="http://schemas.openxmlformats.org/officeDocument/2006/math">
+                      <m:r>
+                        <a:rPr lang="en-US" sz="2400" b="0" i="1" smtClean="0">
+                          <a:latin typeface="Cambria Math" panose="02040503050406030204" pitchFamily="18" charset="0"/>
+                        </a:rPr>
+                        <m:t>𝑧</m:t>
+                      </m:r>
+                    </m:oMath>
+                  </m:oMathPara>
+                </a14:m>
+                <a:endParaRPr lang="en-US" sz="2400" dirty="0"/>
+              </a:p>
+            </p:txBody>
+          </p:sp>
+        </mc:Choice>
+        <mc:Fallback xmlns="">
+          <p:sp>
+            <p:nvSpPr>
+              <p:cNvPr id="17" name="TextBox 16">
+                <a:extLst>
+                  <a:ext uri="{FF2B5EF4-FFF2-40B4-BE49-F238E27FC236}">
+                    <a16:creationId xmlns:a16="http://schemas.microsoft.com/office/drawing/2014/main" id="{7AEEFBD7-3413-01D2-994F-35EABE835D97}"/>
+                  </a:ext>
+                </a:extLst>
+              </p:cNvPr>
+              <p:cNvSpPr txBox="1">
+                <a:spLocks noRot="1" noChangeAspect="1" noMove="1" noResize="1" noEditPoints="1" noAdjustHandles="1" noChangeArrowheads="1" noChangeShapeType="1" noTextEdit="1"/>
+              </p:cNvSpPr>
+              <p:nvPr/>
+            </p:nvSpPr>
+            <p:spPr>
+              <a:xfrm>
+                <a:off x="5953334" y="2674544"/>
+                <a:ext cx="407932" cy="461665"/>
+              </a:xfrm>
+              <a:prstGeom prst="rect">
+                <a:avLst/>
+              </a:prstGeom>
+              <a:blipFill>
+                <a:blip r:embed="rId4"/>
+                <a:stretch>
+                  <a:fillRect/>
+                </a:stretch>
+              </a:blipFill>
+            </p:spPr>
+            <p:txBody>
+              <a:bodyPr/>
+              <a:lstStyle/>
+              <a:p>
+                <a:r>
+                  <a:rPr lang="en-US">
+                    <a:noFill/>
+                  </a:rPr>
+                  <a:t> </a:t>
+                </a:r>
+              </a:p>
+            </p:txBody>
+          </p:sp>
+        </mc:Fallback>
+      </mc:AlternateContent>
+    </p:spTree>
+    <p:extLst>
+      <p:ext uri="{BB962C8B-B14F-4D97-AF65-F5344CB8AC3E}">
+        <p14:creationId xmlns:p14="http://schemas.microsoft.com/office/powerpoint/2010/main" val="3537766234"/>
+      </p:ext>
+    </p:extLst>
+  </p:cSld>
+  <p:clrMapOvr>
+    <a:masterClrMapping/>
+  </p:clrMapOvr>
+</p:sld>
+</file>
+
+<file path=ppt/slides/slide3.xml><?xml version="1.0" encoding="utf-8"?>
+<p:sld xmlns:a="http://schemas.openxmlformats.org/drawingml/2006/main" xmlns:r="http://schemas.openxmlformats.org/officeDocument/2006/relationships" xmlns:p="http://schemas.openxmlformats.org/presentationml/2006/main">
+  <p:cSld>
+    <p:spTree>
+      <p:nvGrpSpPr>
+        <p:cNvPr id="1" name=""/>
+        <p:cNvGrpSpPr/>
+        <p:nvPr/>
+      </p:nvGrpSpPr>
+      <p:grpSpPr>
+        <a:xfrm>
+          <a:off x="0" y="0"/>
+          <a:ext cx="0" cy="0"/>
+          <a:chOff x="0" y="0"/>
+          <a:chExt cx="0" cy="0"/>
+        </a:xfrm>
+      </p:grpSpPr>
       <p:grpSp>
         <p:nvGrpSpPr>
           <p:cNvPr id="7" name="Group 6">

--- a/2025/2025Thumbnail.pptx
+++ b/2025/2025Thumbnail.pptx
@@ -8,6 +8,7 @@
     <p:sldId id="267" r:id="rId2"/>
     <p:sldId id="276" r:id="rId3"/>
     <p:sldId id="275" r:id="rId4"/>
+    <p:sldId id="277" r:id="rId5"/>
   </p:sldIdLst>
   <p:sldSz cx="12192000" cy="6858000"/>
   <p:notesSz cx="6858000" cy="9144000"/>
@@ -261,7 +262,7 @@
           <a:p>
             <a:fld id="{3816CC03-B68F-4642-A2B8-7A8633A67F21}" type="datetimeFigureOut">
               <a:rPr lang="en-US" smtClean="0"/>
-              <a:t>2/27/2025</a:t>
+              <a:t>2/28/2025</a:t>
             </a:fld>
             <a:endParaRPr lang="en-US"/>
           </a:p>
@@ -459,7 +460,7 @@
           <a:p>
             <a:fld id="{3816CC03-B68F-4642-A2B8-7A8633A67F21}" type="datetimeFigureOut">
               <a:rPr lang="en-US" smtClean="0"/>
-              <a:t>2/27/2025</a:t>
+              <a:t>2/28/2025</a:t>
             </a:fld>
             <a:endParaRPr lang="en-US"/>
           </a:p>
@@ -667,7 +668,7 @@
           <a:p>
             <a:fld id="{3816CC03-B68F-4642-A2B8-7A8633A67F21}" type="datetimeFigureOut">
               <a:rPr lang="en-US" smtClean="0"/>
-              <a:t>2/27/2025</a:t>
+              <a:t>2/28/2025</a:t>
             </a:fld>
             <a:endParaRPr lang="en-US"/>
           </a:p>
@@ -865,7 +866,7 @@
           <a:p>
             <a:fld id="{3816CC03-B68F-4642-A2B8-7A8633A67F21}" type="datetimeFigureOut">
               <a:rPr lang="en-US" smtClean="0"/>
-              <a:t>2/27/2025</a:t>
+              <a:t>2/28/2025</a:t>
             </a:fld>
             <a:endParaRPr lang="en-US"/>
           </a:p>
@@ -1140,7 +1141,7 @@
           <a:p>
             <a:fld id="{3816CC03-B68F-4642-A2B8-7A8633A67F21}" type="datetimeFigureOut">
               <a:rPr lang="en-US" smtClean="0"/>
-              <a:t>2/27/2025</a:t>
+              <a:t>2/28/2025</a:t>
             </a:fld>
             <a:endParaRPr lang="en-US"/>
           </a:p>
@@ -1405,7 +1406,7 @@
           <a:p>
             <a:fld id="{3816CC03-B68F-4642-A2B8-7A8633A67F21}" type="datetimeFigureOut">
               <a:rPr lang="en-US" smtClean="0"/>
-              <a:t>2/27/2025</a:t>
+              <a:t>2/28/2025</a:t>
             </a:fld>
             <a:endParaRPr lang="en-US"/>
           </a:p>
@@ -1817,7 +1818,7 @@
           <a:p>
             <a:fld id="{3816CC03-B68F-4642-A2B8-7A8633A67F21}" type="datetimeFigureOut">
               <a:rPr lang="en-US" smtClean="0"/>
-              <a:t>2/27/2025</a:t>
+              <a:t>2/28/2025</a:t>
             </a:fld>
             <a:endParaRPr lang="en-US"/>
           </a:p>
@@ -1958,7 +1959,7 @@
           <a:p>
             <a:fld id="{3816CC03-B68F-4642-A2B8-7A8633A67F21}" type="datetimeFigureOut">
               <a:rPr lang="en-US" smtClean="0"/>
-              <a:t>2/27/2025</a:t>
+              <a:t>2/28/2025</a:t>
             </a:fld>
             <a:endParaRPr lang="en-US"/>
           </a:p>
@@ -2071,7 +2072,7 @@
           <a:p>
             <a:fld id="{3816CC03-B68F-4642-A2B8-7A8633A67F21}" type="datetimeFigureOut">
               <a:rPr lang="en-US" smtClean="0"/>
-              <a:t>2/27/2025</a:t>
+              <a:t>2/28/2025</a:t>
             </a:fld>
             <a:endParaRPr lang="en-US"/>
           </a:p>
@@ -2418,7 +2419,7 @@
           <a:p>
             <a:fld id="{3816CC03-B68F-4642-A2B8-7A8633A67F21}" type="datetimeFigureOut">
               <a:rPr lang="en-US" smtClean="0"/>
-              <a:t>2/27/2025</a:t>
+              <a:t>2/28/2025</a:t>
             </a:fld>
             <a:endParaRPr lang="en-US"/>
           </a:p>
@@ -2706,7 +2707,7 @@
           <a:p>
             <a:fld id="{3816CC03-B68F-4642-A2B8-7A8633A67F21}" type="datetimeFigureOut">
               <a:rPr lang="en-US" smtClean="0"/>
-              <a:t>2/27/2025</a:t>
+              <a:t>2/28/2025</a:t>
             </a:fld>
             <a:endParaRPr lang="en-US"/>
           </a:p>
@@ -2947,7 +2948,7 @@
           <a:p>
             <a:fld id="{3816CC03-B68F-4642-A2B8-7A8633A67F21}" type="datetimeFigureOut">
               <a:rPr lang="en-US" smtClean="0"/>
-              <a:t>2/27/2025</a:t>
+              <a:t>2/28/2025</a:t>
             </a:fld>
             <a:endParaRPr lang="en-US"/>
           </a:p>
@@ -4060,6 +4061,321 @@
 </p:sld>
 </file>
 
+<file path=ppt/slides/slide4.xml><?xml version="1.0" encoding="utf-8"?>
+<p:sld xmlns:a="http://schemas.openxmlformats.org/drawingml/2006/main" xmlns:r="http://schemas.openxmlformats.org/officeDocument/2006/relationships" xmlns:p="http://schemas.openxmlformats.org/presentationml/2006/main">
+  <p:cSld>
+    <p:spTree>
+      <p:nvGrpSpPr>
+        <p:cNvPr id="1" name="">
+          <a:extLst>
+            <a:ext uri="{FF2B5EF4-FFF2-40B4-BE49-F238E27FC236}">
+              <a16:creationId xmlns:a16="http://schemas.microsoft.com/office/drawing/2014/main" id="{93ACA122-FFA2-A6F0-E6D6-4DA506C7BC58}"/>
+            </a:ext>
+          </a:extLst>
+        </p:cNvPr>
+        <p:cNvGrpSpPr/>
+        <p:nvPr/>
+      </p:nvGrpSpPr>
+      <p:grpSpPr>
+        <a:xfrm>
+          <a:off x="0" y="0"/>
+          <a:ext cx="0" cy="0"/>
+          <a:chOff x="0" y="0"/>
+          <a:chExt cx="0" cy="0"/>
+        </a:xfrm>
+      </p:grpSpPr>
+      <p:sp>
+        <p:nvSpPr>
+          <p:cNvPr id="53" name="TextBox 52">
+            <a:extLst>
+              <a:ext uri="{FF2B5EF4-FFF2-40B4-BE49-F238E27FC236}">
+                <a16:creationId xmlns:a16="http://schemas.microsoft.com/office/drawing/2014/main" id="{84012976-C469-E351-2668-A911E553E77E}"/>
+              </a:ext>
+            </a:extLst>
+          </p:cNvPr>
+          <p:cNvSpPr txBox="1"/>
+          <p:nvPr/>
+        </p:nvSpPr>
+        <p:spPr>
+          <a:xfrm>
+            <a:off x="1376429" y="353666"/>
+            <a:ext cx="9619941" cy="1862048"/>
+          </a:xfrm>
+          <a:prstGeom prst="rect">
+            <a:avLst/>
+          </a:prstGeom>
+          <a:noFill/>
+        </p:spPr>
+        <p:txBody>
+          <a:bodyPr wrap="none" rtlCol="0">
+            <a:spAutoFit/>
+          </a:bodyPr>
+          <a:lstStyle/>
+          <a:p>
+            <a:r>
+              <a:rPr lang="en-US" sz="11500" dirty="0">
+                <a:latin typeface="Alice" panose="00000500000000000000" pitchFamily="2" charset="0"/>
+              </a:rPr>
+              <a:t>Hilbert spaces</a:t>
+            </a:r>
+            <a:endParaRPr lang="en-US" sz="9600" dirty="0">
+              <a:latin typeface="Alice" panose="00000500000000000000" pitchFamily="2" charset="0"/>
+            </a:endParaRPr>
+          </a:p>
+        </p:txBody>
+      </p:sp>
+      <p:sp>
+        <p:nvSpPr>
+          <p:cNvPr id="4" name="TextBox 3">
+            <a:extLst>
+              <a:ext uri="{FF2B5EF4-FFF2-40B4-BE49-F238E27FC236}">
+                <a16:creationId xmlns:a16="http://schemas.microsoft.com/office/drawing/2014/main" id="{EF47101D-78AA-2F9B-6A61-80CFADBA8073}"/>
+              </a:ext>
+            </a:extLst>
+          </p:cNvPr>
+          <p:cNvSpPr txBox="1"/>
+          <p:nvPr/>
+        </p:nvSpPr>
+        <p:spPr>
+          <a:xfrm>
+            <a:off x="1248188" y="2215959"/>
+            <a:ext cx="9876422" cy="1862048"/>
+          </a:xfrm>
+          <a:prstGeom prst="rect">
+            <a:avLst/>
+          </a:prstGeom>
+          <a:noFill/>
+        </p:spPr>
+        <p:txBody>
+          <a:bodyPr wrap="none" rtlCol="0">
+            <a:spAutoFit/>
+          </a:bodyPr>
+          <a:lstStyle/>
+          <a:p>
+            <a:r>
+              <a:rPr lang="en-US" sz="11500" dirty="0">
+                <a:latin typeface="Alice" panose="00000500000000000000" pitchFamily="2" charset="0"/>
+              </a:rPr>
+              <a:t>are unphysical</a:t>
+            </a:r>
+            <a:endParaRPr lang="en-US" sz="9600" dirty="0">
+              <a:latin typeface="Alice" panose="00000500000000000000" pitchFamily="2" charset="0"/>
+            </a:endParaRPr>
+          </a:p>
+        </p:txBody>
+      </p:sp>
+      <p:sp>
+        <p:nvSpPr>
+          <p:cNvPr id="9" name="TextBox 8">
+            <a:extLst>
+              <a:ext uri="{FF2B5EF4-FFF2-40B4-BE49-F238E27FC236}">
+                <a16:creationId xmlns:a16="http://schemas.microsoft.com/office/drawing/2014/main" id="{11A53912-0705-8959-4FAD-471375DA72FA}"/>
+              </a:ext>
+            </a:extLst>
+          </p:cNvPr>
+          <p:cNvSpPr txBox="1"/>
+          <p:nvPr/>
+        </p:nvSpPr>
+        <p:spPr>
+          <a:xfrm>
+            <a:off x="6798474" y="4297736"/>
+            <a:ext cx="5062604" cy="584775"/>
+          </a:xfrm>
+          <a:prstGeom prst="rect">
+            <a:avLst/>
+          </a:prstGeom>
+          <a:noFill/>
+        </p:spPr>
+        <p:txBody>
+          <a:bodyPr wrap="none" rtlCol="0">
+            <a:spAutoFit/>
+          </a:bodyPr>
+          <a:lstStyle/>
+          <a:p>
+            <a:r>
+              <a:rPr lang="en-US" sz="3200" dirty="0"/>
+              <a:t>… for quantum mechanics</a:t>
+            </a:r>
+          </a:p>
+        </p:txBody>
+      </p:sp>
+      <mc:AlternateContent xmlns:mc="http://schemas.openxmlformats.org/markup-compatibility/2006">
+        <mc:Choice xmlns:a14="http://schemas.microsoft.com/office/drawing/2010/main" Requires="a14">
+          <p:sp>
+            <p:nvSpPr>
+              <p:cNvPr id="2" name="TextBox 1">
+                <a:extLst>
+                  <a:ext uri="{FF2B5EF4-FFF2-40B4-BE49-F238E27FC236}">
+                    <a16:creationId xmlns:a16="http://schemas.microsoft.com/office/drawing/2014/main" id="{50003E04-B322-3B9C-1C31-31A9DCC89EBA}"/>
+                  </a:ext>
+                </a:extLst>
+              </p:cNvPr>
+              <p:cNvSpPr txBox="1"/>
+              <p:nvPr/>
+            </p:nvSpPr>
+            <p:spPr>
+              <a:xfrm>
+                <a:off x="3193443" y="5392395"/>
+                <a:ext cx="5805115" cy="753861"/>
+              </a:xfrm>
+              <a:prstGeom prst="rect">
+                <a:avLst/>
+              </a:prstGeom>
+              <a:noFill/>
+            </p:spPr>
+            <p:txBody>
+              <a:bodyPr wrap="none" rtlCol="0">
+                <a:spAutoFit/>
+              </a:bodyPr>
+              <a:lstStyle/>
+              <a:p>
+                <a14:m>
+                  <m:oMath xmlns:m="http://schemas.openxmlformats.org/officeDocument/2006/math">
+                    <m:d>
+                      <m:dPr>
+                        <m:begChr m:val="⟨"/>
+                        <m:endChr m:val="⟩"/>
+                        <m:ctrlPr>
+                          <a:rPr lang="en-US" sz="4400" b="0" i="1" smtClean="0">
+                            <a:solidFill>
+                              <a:srgbClr val="C00000"/>
+                            </a:solidFill>
+                            <a:latin typeface="Cambria Math" panose="02040503050406030204" pitchFamily="18" charset="0"/>
+                          </a:rPr>
+                        </m:ctrlPr>
+                      </m:dPr>
+                      <m:e>
+                        <m:r>
+                          <a:rPr lang="en-US" sz="4400" b="0" i="1" smtClean="0">
+                            <a:solidFill>
+                              <a:srgbClr val="C00000"/>
+                            </a:solidFill>
+                            <a:latin typeface="Cambria Math" panose="02040503050406030204" pitchFamily="18" charset="0"/>
+                          </a:rPr>
+                          <m:t>𝜓</m:t>
+                        </m:r>
+                        <m:d>
+                          <m:dPr>
+                            <m:begChr m:val="|"/>
+                            <m:endChr m:val="|"/>
+                            <m:ctrlPr>
+                              <a:rPr lang="en-US" sz="4400" b="0" i="1" smtClean="0">
+                                <a:solidFill>
+                                  <a:srgbClr val="C00000"/>
+                                </a:solidFill>
+                                <a:latin typeface="Cambria Math" panose="02040503050406030204" pitchFamily="18" charset="0"/>
+                              </a:rPr>
+                            </m:ctrlPr>
+                          </m:dPr>
+                          <m:e>
+                            <m:r>
+                              <a:rPr lang="en-US" sz="4400" b="0" i="1" smtClean="0">
+                                <a:solidFill>
+                                  <a:srgbClr val="C00000"/>
+                                </a:solidFill>
+                                <a:latin typeface="Cambria Math" panose="02040503050406030204" pitchFamily="18" charset="0"/>
+                              </a:rPr>
+                              <m:t>𝑋</m:t>
+                            </m:r>
+                          </m:e>
+                        </m:d>
+                        <m:r>
+                          <a:rPr lang="en-US" sz="4400" b="0" i="1" smtClean="0">
+                            <a:solidFill>
+                              <a:srgbClr val="C00000"/>
+                            </a:solidFill>
+                            <a:latin typeface="Cambria Math" panose="02040503050406030204" pitchFamily="18" charset="0"/>
+                          </a:rPr>
+                          <m:t>𝜓</m:t>
+                        </m:r>
+                      </m:e>
+                    </m:d>
+                    <m:r>
+                      <a:rPr lang="en-US" sz="4400" b="0" i="1" smtClean="0">
+                        <a:solidFill>
+                          <a:srgbClr val="C00000"/>
+                        </a:solidFill>
+                        <a:latin typeface="Cambria Math" panose="02040503050406030204" pitchFamily="18" charset="0"/>
+                      </a:rPr>
+                      <m:t>→∞/</m:t>
+                    </m:r>
+                  </m:oMath>
+                </a14:m>
+                <a:r>
+                  <a:rPr lang="en-US" sz="3600" dirty="0">
+                    <a:solidFill>
+                      <a:srgbClr val="C00000"/>
+                    </a:solidFill>
+                  </a:rPr>
+                  <a:t>undefined</a:t>
+                </a:r>
+                <a:endParaRPr lang="en-US" sz="4400" dirty="0">
+                  <a:solidFill>
+                    <a:srgbClr val="C00000"/>
+                  </a:solidFill>
+                </a:endParaRPr>
+              </a:p>
+            </p:txBody>
+          </p:sp>
+        </mc:Choice>
+        <mc:Fallback>
+          <p:sp>
+            <p:nvSpPr>
+              <p:cNvPr id="2" name="TextBox 1">
+                <a:extLst>
+                  <a:ext uri="{FF2B5EF4-FFF2-40B4-BE49-F238E27FC236}">
+                    <a16:creationId xmlns:a16="http://schemas.microsoft.com/office/drawing/2014/main" id="{50003E04-B322-3B9C-1C31-31A9DCC89EBA}"/>
+                  </a:ext>
+                </a:extLst>
+              </p:cNvPr>
+              <p:cNvSpPr txBox="1">
+                <a:spLocks noRot="1" noChangeAspect="1" noMove="1" noResize="1" noEditPoints="1" noAdjustHandles="1" noChangeArrowheads="1" noChangeShapeType="1" noTextEdit="1"/>
+              </p:cNvSpPr>
+              <p:nvPr/>
+            </p:nvSpPr>
+            <p:spPr>
+              <a:xfrm>
+                <a:off x="3193443" y="5392395"/>
+                <a:ext cx="5805115" cy="753861"/>
+              </a:xfrm>
+              <a:prstGeom prst="rect">
+                <a:avLst/>
+              </a:prstGeom>
+              <a:blipFill>
+                <a:blip r:embed="rId2"/>
+                <a:stretch>
+                  <a:fillRect r="-2206" b="-29268"/>
+                </a:stretch>
+              </a:blipFill>
+            </p:spPr>
+            <p:txBody>
+              <a:bodyPr/>
+              <a:lstStyle/>
+              <a:p>
+                <a:r>
+                  <a:rPr lang="en-US">
+                    <a:noFill/>
+                  </a:rPr>
+                  <a:t> </a:t>
+                </a:r>
+              </a:p>
+            </p:txBody>
+          </p:sp>
+        </mc:Fallback>
+      </mc:AlternateContent>
+    </p:spTree>
+    <p:extLst>
+      <p:ext uri="{BB962C8B-B14F-4D97-AF65-F5344CB8AC3E}">
+        <p14:creationId xmlns:p14="http://schemas.microsoft.com/office/powerpoint/2010/main" val="3969135284"/>
+      </p:ext>
+    </p:extLst>
+  </p:cSld>
+  <p:clrMapOvr>
+    <a:masterClrMapping/>
+  </p:clrMapOvr>
+</p:sld>
+</file>
+
 <file path=ppt/theme/theme1.xml><?xml version="1.0" encoding="utf-8"?>
 <a:theme xmlns:a="http://schemas.openxmlformats.org/drawingml/2006/main" name="Office Theme">
   <a:themeElements>

--- a/2025/2025Thumbnail.pptx
+++ b/2025/2025Thumbnail.pptx
@@ -9,6 +9,7 @@
     <p:sldId id="276" r:id="rId3"/>
     <p:sldId id="275" r:id="rId4"/>
     <p:sldId id="277" r:id="rId5"/>
+    <p:sldId id="278" r:id="rId6"/>
   </p:sldIdLst>
   <p:sldSz cx="12192000" cy="6858000"/>
   <p:notesSz cx="6858000" cy="9144000"/>
@@ -262,7 +263,7 @@
           <a:p>
             <a:fld id="{3816CC03-B68F-4642-A2B8-7A8633A67F21}" type="datetimeFigureOut">
               <a:rPr lang="en-US" smtClean="0"/>
-              <a:t>2/28/2025</a:t>
+              <a:t>3/26/2025</a:t>
             </a:fld>
             <a:endParaRPr lang="en-US"/>
           </a:p>
@@ -460,7 +461,7 @@
           <a:p>
             <a:fld id="{3816CC03-B68F-4642-A2B8-7A8633A67F21}" type="datetimeFigureOut">
               <a:rPr lang="en-US" smtClean="0"/>
-              <a:t>2/28/2025</a:t>
+              <a:t>3/26/2025</a:t>
             </a:fld>
             <a:endParaRPr lang="en-US"/>
           </a:p>
@@ -668,7 +669,7 @@
           <a:p>
             <a:fld id="{3816CC03-B68F-4642-A2B8-7A8633A67F21}" type="datetimeFigureOut">
               <a:rPr lang="en-US" smtClean="0"/>
-              <a:t>2/28/2025</a:t>
+              <a:t>3/26/2025</a:t>
             </a:fld>
             <a:endParaRPr lang="en-US"/>
           </a:p>
@@ -866,7 +867,7 @@
           <a:p>
             <a:fld id="{3816CC03-B68F-4642-A2B8-7A8633A67F21}" type="datetimeFigureOut">
               <a:rPr lang="en-US" smtClean="0"/>
-              <a:t>2/28/2025</a:t>
+              <a:t>3/26/2025</a:t>
             </a:fld>
             <a:endParaRPr lang="en-US"/>
           </a:p>
@@ -1141,7 +1142,7 @@
           <a:p>
             <a:fld id="{3816CC03-B68F-4642-A2B8-7A8633A67F21}" type="datetimeFigureOut">
               <a:rPr lang="en-US" smtClean="0"/>
-              <a:t>2/28/2025</a:t>
+              <a:t>3/26/2025</a:t>
             </a:fld>
             <a:endParaRPr lang="en-US"/>
           </a:p>
@@ -1406,7 +1407,7 @@
           <a:p>
             <a:fld id="{3816CC03-B68F-4642-A2B8-7A8633A67F21}" type="datetimeFigureOut">
               <a:rPr lang="en-US" smtClean="0"/>
-              <a:t>2/28/2025</a:t>
+              <a:t>3/26/2025</a:t>
             </a:fld>
             <a:endParaRPr lang="en-US"/>
           </a:p>
@@ -1818,7 +1819,7 @@
           <a:p>
             <a:fld id="{3816CC03-B68F-4642-A2B8-7A8633A67F21}" type="datetimeFigureOut">
               <a:rPr lang="en-US" smtClean="0"/>
-              <a:t>2/28/2025</a:t>
+              <a:t>3/26/2025</a:t>
             </a:fld>
             <a:endParaRPr lang="en-US"/>
           </a:p>
@@ -1959,7 +1960,7 @@
           <a:p>
             <a:fld id="{3816CC03-B68F-4642-A2B8-7A8633A67F21}" type="datetimeFigureOut">
               <a:rPr lang="en-US" smtClean="0"/>
-              <a:t>2/28/2025</a:t>
+              <a:t>3/26/2025</a:t>
             </a:fld>
             <a:endParaRPr lang="en-US"/>
           </a:p>
@@ -2072,7 +2073,7 @@
           <a:p>
             <a:fld id="{3816CC03-B68F-4642-A2B8-7A8633A67F21}" type="datetimeFigureOut">
               <a:rPr lang="en-US" smtClean="0"/>
-              <a:t>2/28/2025</a:t>
+              <a:t>3/26/2025</a:t>
             </a:fld>
             <a:endParaRPr lang="en-US"/>
           </a:p>
@@ -2419,7 +2420,7 @@
           <a:p>
             <a:fld id="{3816CC03-B68F-4642-A2B8-7A8633A67F21}" type="datetimeFigureOut">
               <a:rPr lang="en-US" smtClean="0"/>
-              <a:t>2/28/2025</a:t>
+              <a:t>3/26/2025</a:t>
             </a:fld>
             <a:endParaRPr lang="en-US"/>
           </a:p>
@@ -2707,7 +2708,7 @@
           <a:p>
             <a:fld id="{3816CC03-B68F-4642-A2B8-7A8633A67F21}" type="datetimeFigureOut">
               <a:rPr lang="en-US" smtClean="0"/>
-              <a:t>2/28/2025</a:t>
+              <a:t>3/26/2025</a:t>
             </a:fld>
             <a:endParaRPr lang="en-US"/>
           </a:p>
@@ -2948,7 +2949,7 @@
           <a:p>
             <a:fld id="{3816CC03-B68F-4642-A2B8-7A8633A67F21}" type="datetimeFigureOut">
               <a:rPr lang="en-US" smtClean="0"/>
-              <a:t>2/28/2025</a:t>
+              <a:t>3/26/2025</a:t>
             </a:fld>
             <a:endParaRPr lang="en-US"/>
           </a:p>
@@ -4199,8 +4200,8 @@
           </a:p>
         </p:txBody>
       </p:sp>
-      <mc:AlternateContent xmlns:mc="http://schemas.openxmlformats.org/markup-compatibility/2006">
-        <mc:Choice xmlns:a14="http://schemas.microsoft.com/office/drawing/2010/main" Requires="a14">
+      <mc:AlternateContent xmlns:mc="http://schemas.openxmlformats.org/markup-compatibility/2006" xmlns:a14="http://schemas.microsoft.com/office/drawing/2010/main">
+        <mc:Choice Requires="a14">
           <p:sp>
             <p:nvSpPr>
               <p:cNvPr id="2" name="TextBox 1">
@@ -4318,7 +4319,7 @@
             </p:txBody>
           </p:sp>
         </mc:Choice>
-        <mc:Fallback>
+        <mc:Fallback xmlns="">
           <p:sp>
             <p:nvSpPr>
               <p:cNvPr id="2" name="TextBox 1">
@@ -4367,6 +4368,1460 @@
     <p:extLst>
       <p:ext uri="{BB962C8B-B14F-4D97-AF65-F5344CB8AC3E}">
         <p14:creationId xmlns:p14="http://schemas.microsoft.com/office/powerpoint/2010/main" val="3969135284"/>
+      </p:ext>
+    </p:extLst>
+  </p:cSld>
+  <p:clrMapOvr>
+    <a:masterClrMapping/>
+  </p:clrMapOvr>
+</p:sld>
+</file>
+
+<file path=ppt/slides/slide5.xml><?xml version="1.0" encoding="utf-8"?>
+<p:sld xmlns:a="http://schemas.openxmlformats.org/drawingml/2006/main" xmlns:r="http://schemas.openxmlformats.org/officeDocument/2006/relationships" xmlns:p="http://schemas.openxmlformats.org/presentationml/2006/main">
+  <p:cSld>
+    <p:spTree>
+      <p:nvGrpSpPr>
+        <p:cNvPr id="1" name="">
+          <a:extLst>
+            <a:ext uri="{FF2B5EF4-FFF2-40B4-BE49-F238E27FC236}">
+              <a16:creationId xmlns:a16="http://schemas.microsoft.com/office/drawing/2014/main" id="{2BE6C10C-2E50-4167-9E6B-92491F0F6DC9}"/>
+            </a:ext>
+          </a:extLst>
+        </p:cNvPr>
+        <p:cNvGrpSpPr/>
+        <p:nvPr/>
+      </p:nvGrpSpPr>
+      <p:grpSpPr>
+        <a:xfrm>
+          <a:off x="0" y="0"/>
+          <a:ext cx="0" cy="0"/>
+          <a:chOff x="0" y="0"/>
+          <a:chExt cx="0" cy="0"/>
+        </a:xfrm>
+      </p:grpSpPr>
+      <p:sp>
+        <p:nvSpPr>
+          <p:cNvPr id="53" name="TextBox 52">
+            <a:extLst>
+              <a:ext uri="{FF2B5EF4-FFF2-40B4-BE49-F238E27FC236}">
+                <a16:creationId xmlns:a16="http://schemas.microsoft.com/office/drawing/2014/main" id="{64309E8F-EA9A-F02E-1AE7-6C9707FF1973}"/>
+              </a:ext>
+            </a:extLst>
+          </p:cNvPr>
+          <p:cNvSpPr txBox="1"/>
+          <p:nvPr/>
+        </p:nvSpPr>
+        <p:spPr>
+          <a:xfrm>
+            <a:off x="337851" y="285299"/>
+            <a:ext cx="11516294" cy="1569660"/>
+          </a:xfrm>
+          <a:prstGeom prst="rect">
+            <a:avLst/>
+          </a:prstGeom>
+          <a:noFill/>
+        </p:spPr>
+        <p:txBody>
+          <a:bodyPr wrap="none" rtlCol="0">
+            <a:spAutoFit/>
+          </a:bodyPr>
+          <a:lstStyle/>
+          <a:p>
+            <a:r>
+              <a:rPr lang="en-US" sz="9600" dirty="0">
+                <a:latin typeface="Alice" panose="00000500000000000000" pitchFamily="2" charset="0"/>
+              </a:rPr>
+              <a:t>Negative probability</a:t>
+            </a:r>
+            <a:endParaRPr lang="en-US" sz="8800" dirty="0">
+              <a:latin typeface="Alice" panose="00000500000000000000" pitchFamily="2" charset="0"/>
+            </a:endParaRPr>
+          </a:p>
+        </p:txBody>
+      </p:sp>
+      <p:sp>
+        <p:nvSpPr>
+          <p:cNvPr id="4" name="TextBox 3">
+            <a:extLst>
+              <a:ext uri="{FF2B5EF4-FFF2-40B4-BE49-F238E27FC236}">
+                <a16:creationId xmlns:a16="http://schemas.microsoft.com/office/drawing/2014/main" id="{CD6F8D85-F198-4164-890B-2E19DF092899}"/>
+              </a:ext>
+            </a:extLst>
+          </p:cNvPr>
+          <p:cNvSpPr txBox="1"/>
+          <p:nvPr/>
+        </p:nvSpPr>
+        <p:spPr>
+          <a:xfrm>
+            <a:off x="750624" y="1977374"/>
+            <a:ext cx="10690747" cy="1323439"/>
+          </a:xfrm>
+          <a:prstGeom prst="rect">
+            <a:avLst/>
+          </a:prstGeom>
+          <a:noFill/>
+        </p:spPr>
+        <p:txBody>
+          <a:bodyPr wrap="none" rtlCol="0">
+            <a:spAutoFit/>
+          </a:bodyPr>
+          <a:lstStyle/>
+          <a:p>
+            <a:r>
+              <a:rPr lang="en-US" sz="8000" dirty="0">
+                <a:latin typeface="Alice" panose="00000500000000000000" pitchFamily="2" charset="0"/>
+              </a:rPr>
+              <a:t>in quantum mechanics</a:t>
+            </a:r>
+            <a:endParaRPr lang="en-US" sz="7200" dirty="0">
+              <a:latin typeface="Alice" panose="00000500000000000000" pitchFamily="2" charset="0"/>
+            </a:endParaRPr>
+          </a:p>
+        </p:txBody>
+      </p:sp>
+      <p:grpSp>
+        <p:nvGrpSpPr>
+          <p:cNvPr id="3" name="Group 2">
+            <a:extLst>
+              <a:ext uri="{FF2B5EF4-FFF2-40B4-BE49-F238E27FC236}">
+                <a16:creationId xmlns:a16="http://schemas.microsoft.com/office/drawing/2014/main" id="{9C488E38-A784-2957-46C8-D24395FD0C37}"/>
+              </a:ext>
+            </a:extLst>
+          </p:cNvPr>
+          <p:cNvGrpSpPr/>
+          <p:nvPr/>
+        </p:nvGrpSpPr>
+        <p:grpSpPr>
+          <a:xfrm>
+            <a:off x="1947164" y="3717813"/>
+            <a:ext cx="1391518" cy="1323440"/>
+            <a:chOff x="2789303" y="1586577"/>
+            <a:chExt cx="3299411" cy="3299413"/>
+          </a:xfrm>
+        </p:grpSpPr>
+        <p:sp>
+          <p:nvSpPr>
+            <p:cNvPr id="5" name="Oval 4">
+              <a:extLst>
+                <a:ext uri="{FF2B5EF4-FFF2-40B4-BE49-F238E27FC236}">
+                  <a16:creationId xmlns:a16="http://schemas.microsoft.com/office/drawing/2014/main" id="{EFB116E6-21DE-43C5-4400-DB3C128A2B71}"/>
+                </a:ext>
+              </a:extLst>
+            </p:cNvPr>
+            <p:cNvSpPr/>
+            <p:nvPr/>
+          </p:nvSpPr>
+          <p:spPr>
+            <a:xfrm rot="16200000">
+              <a:off x="4011275" y="2290465"/>
+              <a:ext cx="862365" cy="3063237"/>
+            </a:xfrm>
+            <a:prstGeom prst="ellipse">
+              <a:avLst/>
+            </a:prstGeom>
+            <a:noFill/>
+            <a:ln w="28575">
+              <a:solidFill>
+                <a:schemeClr val="accent1"/>
+              </a:solidFill>
+              <a:prstDash val="dash"/>
+            </a:ln>
+          </p:spPr>
+          <p:style>
+            <a:lnRef idx="2">
+              <a:schemeClr val="accent1">
+                <a:shade val="15000"/>
+              </a:schemeClr>
+            </a:lnRef>
+            <a:fillRef idx="1">
+              <a:schemeClr val="accent1"/>
+            </a:fillRef>
+            <a:effectRef idx="0">
+              <a:schemeClr val="accent1"/>
+            </a:effectRef>
+            <a:fontRef idx="minor">
+              <a:schemeClr val="lt1"/>
+            </a:fontRef>
+          </p:style>
+          <p:txBody>
+            <a:bodyPr rtlCol="0" anchor="ctr"/>
+            <a:lstStyle/>
+            <a:p>
+              <a:pPr algn="ctr"/>
+              <a:endParaRPr lang="en-US" dirty="0">
+                <a:solidFill>
+                  <a:schemeClr val="lt1"/>
+                </a:solidFill>
+              </a:endParaRPr>
+            </a:p>
+          </p:txBody>
+        </p:sp>
+        <p:sp>
+          <p:nvSpPr>
+            <p:cNvPr id="6" name="Oval 5">
+              <a:extLst>
+                <a:ext uri="{FF2B5EF4-FFF2-40B4-BE49-F238E27FC236}">
+                  <a16:creationId xmlns:a16="http://schemas.microsoft.com/office/drawing/2014/main" id="{7AE63ABE-F33A-3256-41AB-6763873D469E}"/>
+                </a:ext>
+              </a:extLst>
+            </p:cNvPr>
+            <p:cNvSpPr/>
+            <p:nvPr/>
+          </p:nvSpPr>
+          <p:spPr>
+            <a:xfrm>
+              <a:off x="3481235" y="1586577"/>
+              <a:ext cx="1915541" cy="3299410"/>
+            </a:xfrm>
+            <a:prstGeom prst="ellipse">
+              <a:avLst/>
+            </a:prstGeom>
+            <a:noFill/>
+            <a:ln w="28575">
+              <a:solidFill>
+                <a:schemeClr val="accent1"/>
+              </a:solidFill>
+              <a:prstDash val="dash"/>
+            </a:ln>
+          </p:spPr>
+          <p:style>
+            <a:lnRef idx="2">
+              <a:schemeClr val="accent1">
+                <a:shade val="15000"/>
+              </a:schemeClr>
+            </a:lnRef>
+            <a:fillRef idx="1">
+              <a:schemeClr val="accent1"/>
+            </a:fillRef>
+            <a:effectRef idx="0">
+              <a:schemeClr val="accent1"/>
+            </a:effectRef>
+            <a:fontRef idx="minor">
+              <a:schemeClr val="lt1"/>
+            </a:fontRef>
+          </p:style>
+          <p:txBody>
+            <a:bodyPr rtlCol="0" anchor="ctr"/>
+            <a:lstStyle/>
+            <a:p>
+              <a:pPr algn="ctr"/>
+              <a:endParaRPr lang="en-US" dirty="0">
+                <a:solidFill>
+                  <a:schemeClr val="lt1"/>
+                </a:solidFill>
+              </a:endParaRPr>
+            </a:p>
+          </p:txBody>
+        </p:sp>
+        <p:grpSp>
+          <p:nvGrpSpPr>
+            <p:cNvPr id="7" name="Group 6">
+              <a:extLst>
+                <a:ext uri="{FF2B5EF4-FFF2-40B4-BE49-F238E27FC236}">
+                  <a16:creationId xmlns:a16="http://schemas.microsoft.com/office/drawing/2014/main" id="{C4336D56-03B3-1F03-5EDF-035FC0F169E2}"/>
+                </a:ext>
+              </a:extLst>
+            </p:cNvPr>
+            <p:cNvGrpSpPr/>
+            <p:nvPr/>
+          </p:nvGrpSpPr>
+          <p:grpSpPr>
+            <a:xfrm>
+              <a:off x="3014640" y="1613430"/>
+              <a:ext cx="2696625" cy="2612985"/>
+              <a:chOff x="3393746" y="1561122"/>
+              <a:chExt cx="4452938" cy="4314824"/>
+            </a:xfrm>
+          </p:grpSpPr>
+          <p:sp>
+            <p:nvSpPr>
+              <p:cNvPr id="19" name="Freeform: Shape 18">
+                <a:extLst>
+                  <a:ext uri="{FF2B5EF4-FFF2-40B4-BE49-F238E27FC236}">
+                    <a16:creationId xmlns:a16="http://schemas.microsoft.com/office/drawing/2014/main" id="{9B07F02A-5D6F-6240-F608-FB6F5AFCF229}"/>
+                  </a:ext>
+                </a:extLst>
+              </p:cNvPr>
+              <p:cNvSpPr/>
+              <p:nvPr/>
+            </p:nvSpPr>
+            <p:spPr>
+              <a:xfrm>
+                <a:off x="3393746" y="1561122"/>
+                <a:ext cx="4452938" cy="4314824"/>
+              </a:xfrm>
+              <a:custGeom>
+                <a:avLst/>
+                <a:gdLst>
+                  <a:gd name="connsiteX0" fmla="*/ 2371725 w 4438650"/>
+                  <a:gd name="connsiteY0" fmla="*/ 0 h 4310062"/>
+                  <a:gd name="connsiteX1" fmla="*/ 4438650 w 4438650"/>
+                  <a:gd name="connsiteY1" fmla="*/ 3252787 h 4310062"/>
+                  <a:gd name="connsiteX2" fmla="*/ 2700337 w 4438650"/>
+                  <a:gd name="connsiteY2" fmla="*/ 4310062 h 4310062"/>
+                  <a:gd name="connsiteX3" fmla="*/ 0 w 4438650"/>
+                  <a:gd name="connsiteY3" fmla="*/ 3371850 h 4310062"/>
+                  <a:gd name="connsiteX4" fmla="*/ 2371725 w 4438650"/>
+                  <a:gd name="connsiteY4" fmla="*/ 0 h 4310062"/>
+                  <a:gd name="connsiteX0" fmla="*/ 2386013 w 4438650"/>
+                  <a:gd name="connsiteY0" fmla="*/ 0 h 4319587"/>
+                  <a:gd name="connsiteX1" fmla="*/ 4438650 w 4438650"/>
+                  <a:gd name="connsiteY1" fmla="*/ 3262312 h 4319587"/>
+                  <a:gd name="connsiteX2" fmla="*/ 2700337 w 4438650"/>
+                  <a:gd name="connsiteY2" fmla="*/ 4319587 h 4319587"/>
+                  <a:gd name="connsiteX3" fmla="*/ 0 w 4438650"/>
+                  <a:gd name="connsiteY3" fmla="*/ 3381375 h 4319587"/>
+                  <a:gd name="connsiteX4" fmla="*/ 2386013 w 4438650"/>
+                  <a:gd name="connsiteY4" fmla="*/ 0 h 4319587"/>
+                  <a:gd name="connsiteX0" fmla="*/ 2386013 w 4457700"/>
+                  <a:gd name="connsiteY0" fmla="*/ 0 h 4319587"/>
+                  <a:gd name="connsiteX1" fmla="*/ 4457700 w 4457700"/>
+                  <a:gd name="connsiteY1" fmla="*/ 3281362 h 4319587"/>
+                  <a:gd name="connsiteX2" fmla="*/ 2700337 w 4457700"/>
+                  <a:gd name="connsiteY2" fmla="*/ 4319587 h 4319587"/>
+                  <a:gd name="connsiteX3" fmla="*/ 0 w 4457700"/>
+                  <a:gd name="connsiteY3" fmla="*/ 3381375 h 4319587"/>
+                  <a:gd name="connsiteX4" fmla="*/ 2386013 w 4457700"/>
+                  <a:gd name="connsiteY4" fmla="*/ 0 h 4319587"/>
+                  <a:gd name="connsiteX0" fmla="*/ 2386013 w 4443412"/>
+                  <a:gd name="connsiteY0" fmla="*/ 0 h 4319587"/>
+                  <a:gd name="connsiteX1" fmla="*/ 4443412 w 4443412"/>
+                  <a:gd name="connsiteY1" fmla="*/ 3295649 h 4319587"/>
+                  <a:gd name="connsiteX2" fmla="*/ 2700337 w 4443412"/>
+                  <a:gd name="connsiteY2" fmla="*/ 4319587 h 4319587"/>
+                  <a:gd name="connsiteX3" fmla="*/ 0 w 4443412"/>
+                  <a:gd name="connsiteY3" fmla="*/ 3381375 h 4319587"/>
+                  <a:gd name="connsiteX4" fmla="*/ 2386013 w 4443412"/>
+                  <a:gd name="connsiteY4" fmla="*/ 0 h 4319587"/>
+                  <a:gd name="connsiteX0" fmla="*/ 2386013 w 4457700"/>
+                  <a:gd name="connsiteY0" fmla="*/ 0 h 4319587"/>
+                  <a:gd name="connsiteX1" fmla="*/ 4457700 w 4457700"/>
+                  <a:gd name="connsiteY1" fmla="*/ 3276599 h 4319587"/>
+                  <a:gd name="connsiteX2" fmla="*/ 2700337 w 4457700"/>
+                  <a:gd name="connsiteY2" fmla="*/ 4319587 h 4319587"/>
+                  <a:gd name="connsiteX3" fmla="*/ 0 w 4457700"/>
+                  <a:gd name="connsiteY3" fmla="*/ 3381375 h 4319587"/>
+                  <a:gd name="connsiteX4" fmla="*/ 2386013 w 4457700"/>
+                  <a:gd name="connsiteY4" fmla="*/ 0 h 4319587"/>
+                  <a:gd name="connsiteX0" fmla="*/ 2386013 w 4448175"/>
+                  <a:gd name="connsiteY0" fmla="*/ 0 h 4319587"/>
+                  <a:gd name="connsiteX1" fmla="*/ 4448175 w 4448175"/>
+                  <a:gd name="connsiteY1" fmla="*/ 3290887 h 4319587"/>
+                  <a:gd name="connsiteX2" fmla="*/ 2700337 w 4448175"/>
+                  <a:gd name="connsiteY2" fmla="*/ 4319587 h 4319587"/>
+                  <a:gd name="connsiteX3" fmla="*/ 0 w 4448175"/>
+                  <a:gd name="connsiteY3" fmla="*/ 3381375 h 4319587"/>
+                  <a:gd name="connsiteX4" fmla="*/ 2386013 w 4448175"/>
+                  <a:gd name="connsiteY4" fmla="*/ 0 h 4319587"/>
+                  <a:gd name="connsiteX0" fmla="*/ 2386013 w 4314825"/>
+                  <a:gd name="connsiteY0" fmla="*/ 0 h 4319587"/>
+                  <a:gd name="connsiteX1" fmla="*/ 4314825 w 4314825"/>
+                  <a:gd name="connsiteY1" fmla="*/ 3333750 h 4319587"/>
+                  <a:gd name="connsiteX2" fmla="*/ 2700337 w 4314825"/>
+                  <a:gd name="connsiteY2" fmla="*/ 4319587 h 4319587"/>
+                  <a:gd name="connsiteX3" fmla="*/ 0 w 4314825"/>
+                  <a:gd name="connsiteY3" fmla="*/ 3381375 h 4319587"/>
+                  <a:gd name="connsiteX4" fmla="*/ 2386013 w 4314825"/>
+                  <a:gd name="connsiteY4" fmla="*/ 0 h 4319587"/>
+                  <a:gd name="connsiteX0" fmla="*/ 2386013 w 4452938"/>
+                  <a:gd name="connsiteY0" fmla="*/ 0 h 4319587"/>
+                  <a:gd name="connsiteX1" fmla="*/ 4452938 w 4452938"/>
+                  <a:gd name="connsiteY1" fmla="*/ 3276600 h 4319587"/>
+                  <a:gd name="connsiteX2" fmla="*/ 2700337 w 4452938"/>
+                  <a:gd name="connsiteY2" fmla="*/ 4319587 h 4319587"/>
+                  <a:gd name="connsiteX3" fmla="*/ 0 w 4452938"/>
+                  <a:gd name="connsiteY3" fmla="*/ 3381375 h 4319587"/>
+                  <a:gd name="connsiteX4" fmla="*/ 2386013 w 4452938"/>
+                  <a:gd name="connsiteY4" fmla="*/ 0 h 4319587"/>
+                  <a:gd name="connsiteX0" fmla="*/ 2290763 w 4452938"/>
+                  <a:gd name="connsiteY0" fmla="*/ 0 h 4414837"/>
+                  <a:gd name="connsiteX1" fmla="*/ 4452938 w 4452938"/>
+                  <a:gd name="connsiteY1" fmla="*/ 3371850 h 4414837"/>
+                  <a:gd name="connsiteX2" fmla="*/ 2700337 w 4452938"/>
+                  <a:gd name="connsiteY2" fmla="*/ 4414837 h 4414837"/>
+                  <a:gd name="connsiteX3" fmla="*/ 0 w 4452938"/>
+                  <a:gd name="connsiteY3" fmla="*/ 3476625 h 4414837"/>
+                  <a:gd name="connsiteX4" fmla="*/ 2290763 w 4452938"/>
+                  <a:gd name="connsiteY4" fmla="*/ 0 h 4414837"/>
+                  <a:gd name="connsiteX0" fmla="*/ 2376488 w 4452938"/>
+                  <a:gd name="connsiteY0" fmla="*/ 0 h 4314824"/>
+                  <a:gd name="connsiteX1" fmla="*/ 4452938 w 4452938"/>
+                  <a:gd name="connsiteY1" fmla="*/ 3271837 h 4314824"/>
+                  <a:gd name="connsiteX2" fmla="*/ 2700337 w 4452938"/>
+                  <a:gd name="connsiteY2" fmla="*/ 4314824 h 4314824"/>
+                  <a:gd name="connsiteX3" fmla="*/ 0 w 4452938"/>
+                  <a:gd name="connsiteY3" fmla="*/ 3376612 h 4314824"/>
+                  <a:gd name="connsiteX4" fmla="*/ 2376488 w 4452938"/>
+                  <a:gd name="connsiteY4" fmla="*/ 0 h 4314824"/>
+                </a:gdLst>
+                <a:ahLst/>
+                <a:cxnLst>
+                  <a:cxn ang="0">
+                    <a:pos x="connsiteX0" y="connsiteY0"/>
+                  </a:cxn>
+                  <a:cxn ang="0">
+                    <a:pos x="connsiteX1" y="connsiteY1"/>
+                  </a:cxn>
+                  <a:cxn ang="0">
+                    <a:pos x="connsiteX2" y="connsiteY2"/>
+                  </a:cxn>
+                  <a:cxn ang="0">
+                    <a:pos x="connsiteX3" y="connsiteY3"/>
+                  </a:cxn>
+                  <a:cxn ang="0">
+                    <a:pos x="connsiteX4" y="connsiteY4"/>
+                  </a:cxn>
+                </a:cxnLst>
+                <a:rect l="l" t="t" r="r" b="b"/>
+                <a:pathLst>
+                  <a:path w="4452938" h="4314824">
+                    <a:moveTo>
+                      <a:pt x="2376488" y="0"/>
+                    </a:moveTo>
+                    <a:lnTo>
+                      <a:pt x="4452938" y="3271837"/>
+                    </a:lnTo>
+                    <a:lnTo>
+                      <a:pt x="2700337" y="4314824"/>
+                    </a:lnTo>
+                    <a:lnTo>
+                      <a:pt x="0" y="3376612"/>
+                    </a:lnTo>
+                    <a:lnTo>
+                      <a:pt x="2376488" y="0"/>
+                    </a:lnTo>
+                    <a:close/>
+                  </a:path>
+                </a:pathLst>
+              </a:custGeom>
+              <a:noFill/>
+              <a:ln w="28575">
+                <a:solidFill>
+                  <a:schemeClr val="tx1"/>
+                </a:solidFill>
+              </a:ln>
+            </p:spPr>
+            <p:style>
+              <a:lnRef idx="2">
+                <a:schemeClr val="accent1">
+                  <a:shade val="15000"/>
+                </a:schemeClr>
+              </a:lnRef>
+              <a:fillRef idx="1">
+                <a:schemeClr val="accent1"/>
+              </a:fillRef>
+              <a:effectRef idx="0">
+                <a:schemeClr val="accent1"/>
+              </a:effectRef>
+              <a:fontRef idx="minor">
+                <a:schemeClr val="lt1"/>
+              </a:fontRef>
+            </p:style>
+            <p:txBody>
+              <a:bodyPr rtlCol="0" anchor="ctr"/>
+              <a:lstStyle/>
+              <a:p>
+                <a:pPr algn="ctr"/>
+                <a:endParaRPr lang="en-US"/>
+              </a:p>
+            </p:txBody>
+          </p:sp>
+          <p:cxnSp>
+            <p:nvCxnSpPr>
+              <p:cNvPr id="20" name="Straight Connector 19">
+                <a:extLst>
+                  <a:ext uri="{FF2B5EF4-FFF2-40B4-BE49-F238E27FC236}">
+                    <a16:creationId xmlns:a16="http://schemas.microsoft.com/office/drawing/2014/main" id="{54AB6B1D-B43E-057F-6EE6-6EE4CAF75585}"/>
+                  </a:ext>
+                </a:extLst>
+              </p:cNvPr>
+              <p:cNvCxnSpPr>
+                <a:stCxn id="19" idx="3"/>
+                <a:endCxn id="19" idx="1"/>
+              </p:cNvCxnSpPr>
+              <p:nvPr/>
+            </p:nvCxnSpPr>
+            <p:spPr>
+              <a:xfrm flipV="1">
+                <a:off x="3393746" y="4832959"/>
+                <a:ext cx="4452938" cy="104775"/>
+              </a:xfrm>
+              <a:prstGeom prst="line">
+                <a:avLst/>
+              </a:prstGeom>
+              <a:ln w="28575">
+                <a:solidFill>
+                  <a:schemeClr val="tx1"/>
+                </a:solidFill>
+                <a:prstDash val="dash"/>
+              </a:ln>
+            </p:spPr>
+            <p:style>
+              <a:lnRef idx="1">
+                <a:schemeClr val="accent1"/>
+              </a:lnRef>
+              <a:fillRef idx="0">
+                <a:schemeClr val="accent1"/>
+              </a:fillRef>
+              <a:effectRef idx="0">
+                <a:schemeClr val="accent1"/>
+              </a:effectRef>
+              <a:fontRef idx="minor">
+                <a:schemeClr val="tx1"/>
+              </a:fontRef>
+            </p:style>
+          </p:cxnSp>
+          <p:cxnSp>
+            <p:nvCxnSpPr>
+              <p:cNvPr id="21" name="Straight Connector 20">
+                <a:extLst>
+                  <a:ext uri="{FF2B5EF4-FFF2-40B4-BE49-F238E27FC236}">
+                    <a16:creationId xmlns:a16="http://schemas.microsoft.com/office/drawing/2014/main" id="{3238677D-B5E3-09A4-30D3-21633B972146}"/>
+                  </a:ext>
+                </a:extLst>
+              </p:cNvPr>
+              <p:cNvCxnSpPr>
+                <a:cxnSpLocks/>
+                <a:stCxn id="19" idx="0"/>
+                <a:endCxn id="19" idx="2"/>
+              </p:cNvCxnSpPr>
+              <p:nvPr/>
+            </p:nvCxnSpPr>
+            <p:spPr>
+              <a:xfrm>
+                <a:off x="5770234" y="1561122"/>
+                <a:ext cx="323849" cy="4314824"/>
+              </a:xfrm>
+              <a:prstGeom prst="line">
+                <a:avLst/>
+              </a:prstGeom>
+              <a:ln w="28575">
+                <a:solidFill>
+                  <a:schemeClr val="tx1"/>
+                </a:solidFill>
+              </a:ln>
+            </p:spPr>
+            <p:style>
+              <a:lnRef idx="1">
+                <a:schemeClr val="accent1"/>
+              </a:lnRef>
+              <a:fillRef idx="0">
+                <a:schemeClr val="accent1"/>
+              </a:fillRef>
+              <a:effectRef idx="0">
+                <a:schemeClr val="accent1"/>
+              </a:effectRef>
+              <a:fontRef idx="minor">
+                <a:schemeClr val="tx1"/>
+              </a:fontRef>
+            </p:style>
+          </p:cxnSp>
+        </p:grpSp>
+        <p:sp>
+          <p:nvSpPr>
+            <p:cNvPr id="8" name="Oval 9">
+              <a:extLst>
+                <a:ext uri="{FF2B5EF4-FFF2-40B4-BE49-F238E27FC236}">
+                  <a16:creationId xmlns:a16="http://schemas.microsoft.com/office/drawing/2014/main" id="{A3321E47-16CD-EEDD-EDCA-40C64E8C0922}"/>
+                </a:ext>
+              </a:extLst>
+            </p:cNvPr>
+            <p:cNvSpPr/>
+            <p:nvPr/>
+          </p:nvSpPr>
+          <p:spPr>
+            <a:xfrm rot="16200000" flipH="1">
+              <a:off x="4226868" y="2506055"/>
+              <a:ext cx="431183" cy="3063240"/>
+            </a:xfrm>
+            <a:custGeom>
+              <a:avLst/>
+              <a:gdLst>
+                <a:gd name="connsiteX0" fmla="*/ 0 w 687355"/>
+                <a:gd name="connsiteY0" fmla="*/ 555172 h 1110343"/>
+                <a:gd name="connsiteX1" fmla="*/ 343678 w 687355"/>
+                <a:gd name="connsiteY1" fmla="*/ 0 h 1110343"/>
+                <a:gd name="connsiteX2" fmla="*/ 687356 w 687355"/>
+                <a:gd name="connsiteY2" fmla="*/ 555172 h 1110343"/>
+                <a:gd name="connsiteX3" fmla="*/ 343678 w 687355"/>
+                <a:gd name="connsiteY3" fmla="*/ 1110344 h 1110343"/>
+                <a:gd name="connsiteX4" fmla="*/ 0 w 687355"/>
+                <a:gd name="connsiteY4" fmla="*/ 555172 h 1110343"/>
+                <a:gd name="connsiteX0" fmla="*/ 0 w 687356"/>
+                <a:gd name="connsiteY0" fmla="*/ 555172 h 1110344"/>
+                <a:gd name="connsiteX1" fmla="*/ 343678 w 687356"/>
+                <a:gd name="connsiteY1" fmla="*/ 0 h 1110344"/>
+                <a:gd name="connsiteX2" fmla="*/ 687356 w 687356"/>
+                <a:gd name="connsiteY2" fmla="*/ 555172 h 1110344"/>
+                <a:gd name="connsiteX3" fmla="*/ 343678 w 687356"/>
+                <a:gd name="connsiteY3" fmla="*/ 1110344 h 1110344"/>
+                <a:gd name="connsiteX4" fmla="*/ 91440 w 687356"/>
+                <a:gd name="connsiteY4" fmla="*/ 646612 h 1110344"/>
+                <a:gd name="connsiteX0" fmla="*/ 0 w 687356"/>
+                <a:gd name="connsiteY0" fmla="*/ 555172 h 1110344"/>
+                <a:gd name="connsiteX1" fmla="*/ 343678 w 687356"/>
+                <a:gd name="connsiteY1" fmla="*/ 0 h 1110344"/>
+                <a:gd name="connsiteX2" fmla="*/ 687356 w 687356"/>
+                <a:gd name="connsiteY2" fmla="*/ 555172 h 1110344"/>
+                <a:gd name="connsiteX3" fmla="*/ 343678 w 687356"/>
+                <a:gd name="connsiteY3" fmla="*/ 1110344 h 1110344"/>
+                <a:gd name="connsiteX0" fmla="*/ 0 w 343678"/>
+                <a:gd name="connsiteY0" fmla="*/ 0 h 1110344"/>
+                <a:gd name="connsiteX1" fmla="*/ 343678 w 343678"/>
+                <a:gd name="connsiteY1" fmla="*/ 555172 h 1110344"/>
+                <a:gd name="connsiteX2" fmla="*/ 0 w 343678"/>
+                <a:gd name="connsiteY2" fmla="*/ 1110344 h 1110344"/>
+              </a:gdLst>
+              <a:ahLst/>
+              <a:cxnLst>
+                <a:cxn ang="0">
+                  <a:pos x="connsiteX0" y="connsiteY0"/>
+                </a:cxn>
+                <a:cxn ang="0">
+                  <a:pos x="connsiteX1" y="connsiteY1"/>
+                </a:cxn>
+                <a:cxn ang="0">
+                  <a:pos x="connsiteX2" y="connsiteY2"/>
+                </a:cxn>
+              </a:cxnLst>
+              <a:rect l="l" t="t" r="r" b="b"/>
+              <a:pathLst>
+                <a:path w="343678" h="1110344">
+                  <a:moveTo>
+                    <a:pt x="0" y="0"/>
+                  </a:moveTo>
+                  <a:cubicBezTo>
+                    <a:pt x="189808" y="0"/>
+                    <a:pt x="343678" y="248559"/>
+                    <a:pt x="343678" y="555172"/>
+                  </a:cubicBezTo>
+                  <a:cubicBezTo>
+                    <a:pt x="343678" y="861785"/>
+                    <a:pt x="189808" y="1110344"/>
+                    <a:pt x="0" y="1110344"/>
+                  </a:cubicBezTo>
+                </a:path>
+              </a:pathLst>
+            </a:custGeom>
+            <a:noFill/>
+            <a:ln w="28575">
+              <a:solidFill>
+                <a:schemeClr val="accent1"/>
+              </a:solidFill>
+              <a:prstDash val="solid"/>
+            </a:ln>
+          </p:spPr>
+          <p:style>
+            <a:lnRef idx="2">
+              <a:schemeClr val="accent1">
+                <a:shade val="15000"/>
+              </a:schemeClr>
+            </a:lnRef>
+            <a:fillRef idx="1">
+              <a:schemeClr val="accent1"/>
+            </a:fillRef>
+            <a:effectRef idx="0">
+              <a:schemeClr val="accent1"/>
+            </a:effectRef>
+            <a:fontRef idx="minor">
+              <a:schemeClr val="lt1"/>
+            </a:fontRef>
+          </p:style>
+          <p:txBody>
+            <a:bodyPr rtlCol="0" anchor="ctr"/>
+            <a:lstStyle/>
+            <a:p>
+              <a:pPr algn="ctr"/>
+              <a:endParaRPr lang="en-US">
+                <a:solidFill>
+                  <a:schemeClr val="lt1"/>
+                </a:solidFill>
+              </a:endParaRPr>
+            </a:p>
+          </p:txBody>
+        </p:sp>
+        <p:sp>
+          <p:nvSpPr>
+            <p:cNvPr id="11" name="Oval 10">
+              <a:extLst>
+                <a:ext uri="{FF2B5EF4-FFF2-40B4-BE49-F238E27FC236}">
+                  <a16:creationId xmlns:a16="http://schemas.microsoft.com/office/drawing/2014/main" id="{9518D377-4655-CF15-4930-E54E2D673B7F}"/>
+                </a:ext>
+              </a:extLst>
+            </p:cNvPr>
+            <p:cNvSpPr/>
+            <p:nvPr/>
+          </p:nvSpPr>
+          <p:spPr>
+            <a:xfrm>
+              <a:off x="2789303" y="1586577"/>
+              <a:ext cx="3299409" cy="3299410"/>
+            </a:xfrm>
+            <a:prstGeom prst="ellipse">
+              <a:avLst/>
+            </a:prstGeom>
+            <a:ln w="12700">
+              <a:solidFill>
+                <a:schemeClr val="tx1"/>
+              </a:solidFill>
+            </a:ln>
+          </p:spPr>
+          <p:style>
+            <a:lnRef idx="1">
+              <a:schemeClr val="accent1"/>
+            </a:lnRef>
+            <a:fillRef idx="0">
+              <a:schemeClr val="accent1"/>
+            </a:fillRef>
+            <a:effectRef idx="0">
+              <a:schemeClr val="accent1"/>
+            </a:effectRef>
+            <a:fontRef idx="minor">
+              <a:schemeClr val="tx1"/>
+            </a:fontRef>
+          </p:style>
+          <p:txBody>
+            <a:bodyPr rtlCol="0" anchor="ctr"/>
+            <a:lstStyle/>
+            <a:p>
+              <a:pPr algn="ctr"/>
+              <a:endParaRPr lang="en-US"/>
+            </a:p>
+          </p:txBody>
+        </p:sp>
+        <p:sp>
+          <p:nvSpPr>
+            <p:cNvPr id="12" name="Oval 31">
+              <a:extLst>
+                <a:ext uri="{FF2B5EF4-FFF2-40B4-BE49-F238E27FC236}">
+                  <a16:creationId xmlns:a16="http://schemas.microsoft.com/office/drawing/2014/main" id="{EF91B0A0-FD93-154F-BA21-EF0BB271C496}"/>
+                </a:ext>
+              </a:extLst>
+            </p:cNvPr>
+            <p:cNvSpPr/>
+            <p:nvPr/>
+          </p:nvSpPr>
+          <p:spPr>
+            <a:xfrm>
+              <a:off x="2789303" y="1586579"/>
+              <a:ext cx="3299409" cy="1649705"/>
+            </a:xfrm>
+            <a:custGeom>
+              <a:avLst/>
+              <a:gdLst>
+                <a:gd name="connsiteX0" fmla="*/ 0 w 1916264"/>
+                <a:gd name="connsiteY0" fmla="*/ 958132 h 1916264"/>
+                <a:gd name="connsiteX1" fmla="*/ 958132 w 1916264"/>
+                <a:gd name="connsiteY1" fmla="*/ 0 h 1916264"/>
+                <a:gd name="connsiteX2" fmla="*/ 1916264 w 1916264"/>
+                <a:gd name="connsiteY2" fmla="*/ 958132 h 1916264"/>
+                <a:gd name="connsiteX3" fmla="*/ 958132 w 1916264"/>
+                <a:gd name="connsiteY3" fmla="*/ 1916264 h 1916264"/>
+                <a:gd name="connsiteX4" fmla="*/ 0 w 1916264"/>
+                <a:gd name="connsiteY4" fmla="*/ 958132 h 1916264"/>
+                <a:gd name="connsiteX0" fmla="*/ 958132 w 1916264"/>
+                <a:gd name="connsiteY0" fmla="*/ 1916264 h 2007704"/>
+                <a:gd name="connsiteX1" fmla="*/ 0 w 1916264"/>
+                <a:gd name="connsiteY1" fmla="*/ 958132 h 2007704"/>
+                <a:gd name="connsiteX2" fmla="*/ 958132 w 1916264"/>
+                <a:gd name="connsiteY2" fmla="*/ 0 h 2007704"/>
+                <a:gd name="connsiteX3" fmla="*/ 1916264 w 1916264"/>
+                <a:gd name="connsiteY3" fmla="*/ 958132 h 2007704"/>
+                <a:gd name="connsiteX4" fmla="*/ 1049572 w 1916264"/>
+                <a:gd name="connsiteY4" fmla="*/ 2007704 h 2007704"/>
+                <a:gd name="connsiteX0" fmla="*/ 958132 w 1916264"/>
+                <a:gd name="connsiteY0" fmla="*/ 1916264 h 1916264"/>
+                <a:gd name="connsiteX1" fmla="*/ 0 w 1916264"/>
+                <a:gd name="connsiteY1" fmla="*/ 958132 h 1916264"/>
+                <a:gd name="connsiteX2" fmla="*/ 958132 w 1916264"/>
+                <a:gd name="connsiteY2" fmla="*/ 0 h 1916264"/>
+                <a:gd name="connsiteX3" fmla="*/ 1916264 w 1916264"/>
+                <a:gd name="connsiteY3" fmla="*/ 958132 h 1916264"/>
+                <a:gd name="connsiteX0" fmla="*/ 0 w 1916264"/>
+                <a:gd name="connsiteY0" fmla="*/ 958132 h 958132"/>
+                <a:gd name="connsiteX1" fmla="*/ 958132 w 1916264"/>
+                <a:gd name="connsiteY1" fmla="*/ 0 h 958132"/>
+                <a:gd name="connsiteX2" fmla="*/ 1916264 w 1916264"/>
+                <a:gd name="connsiteY2" fmla="*/ 958132 h 958132"/>
+              </a:gdLst>
+              <a:ahLst/>
+              <a:cxnLst>
+                <a:cxn ang="0">
+                  <a:pos x="connsiteX0" y="connsiteY0"/>
+                </a:cxn>
+                <a:cxn ang="0">
+                  <a:pos x="connsiteX1" y="connsiteY1"/>
+                </a:cxn>
+                <a:cxn ang="0">
+                  <a:pos x="connsiteX2" y="connsiteY2"/>
+                </a:cxn>
+              </a:cxnLst>
+              <a:rect l="l" t="t" r="r" b="b"/>
+              <a:pathLst>
+                <a:path w="1916264" h="958132">
+                  <a:moveTo>
+                    <a:pt x="0" y="958132"/>
+                  </a:moveTo>
+                  <a:cubicBezTo>
+                    <a:pt x="0" y="428970"/>
+                    <a:pt x="428970" y="0"/>
+                    <a:pt x="958132" y="0"/>
+                  </a:cubicBezTo>
+                  <a:cubicBezTo>
+                    <a:pt x="1487294" y="0"/>
+                    <a:pt x="1916264" y="428970"/>
+                    <a:pt x="1916264" y="958132"/>
+                  </a:cubicBezTo>
+                </a:path>
+              </a:pathLst>
+            </a:custGeom>
+            <a:noFill/>
+            <a:ln w="28575">
+              <a:solidFill>
+                <a:schemeClr val="accent1"/>
+              </a:solidFill>
+            </a:ln>
+          </p:spPr>
+          <p:style>
+            <a:lnRef idx="2">
+              <a:schemeClr val="accent1">
+                <a:shade val="15000"/>
+              </a:schemeClr>
+            </a:lnRef>
+            <a:fillRef idx="1">
+              <a:schemeClr val="accent1"/>
+            </a:fillRef>
+            <a:effectRef idx="0">
+              <a:schemeClr val="accent1"/>
+            </a:effectRef>
+            <a:fontRef idx="minor">
+              <a:schemeClr val="lt1"/>
+            </a:fontRef>
+          </p:style>
+          <p:txBody>
+            <a:bodyPr rtlCol="0" anchor="ctr"/>
+            <a:lstStyle/>
+            <a:p>
+              <a:pPr algn="ctr"/>
+              <a:endParaRPr lang="en-US"/>
+            </a:p>
+          </p:txBody>
+        </p:sp>
+        <p:sp>
+          <p:nvSpPr>
+            <p:cNvPr id="13" name="Oval 12">
+              <a:extLst>
+                <a:ext uri="{FF2B5EF4-FFF2-40B4-BE49-F238E27FC236}">
+                  <a16:creationId xmlns:a16="http://schemas.microsoft.com/office/drawing/2014/main" id="{91EA2B88-9D08-C8FD-28EC-D6F3C8EB24CA}"/>
+                </a:ext>
+              </a:extLst>
+            </p:cNvPr>
+            <p:cNvSpPr/>
+            <p:nvPr/>
+          </p:nvSpPr>
+          <p:spPr>
+            <a:xfrm>
+              <a:off x="2789303" y="1586577"/>
+              <a:ext cx="3299411" cy="3299410"/>
+            </a:xfrm>
+            <a:prstGeom prst="ellipse">
+              <a:avLst/>
+            </a:prstGeom>
+            <a:noFill/>
+            <a:ln w="28575">
+              <a:solidFill>
+                <a:schemeClr val="accent1"/>
+              </a:solidFill>
+            </a:ln>
+          </p:spPr>
+          <p:style>
+            <a:lnRef idx="2">
+              <a:schemeClr val="accent1">
+                <a:shade val="15000"/>
+              </a:schemeClr>
+            </a:lnRef>
+            <a:fillRef idx="1">
+              <a:schemeClr val="accent1"/>
+            </a:fillRef>
+            <a:effectRef idx="0">
+              <a:schemeClr val="accent1"/>
+            </a:effectRef>
+            <a:fontRef idx="minor">
+              <a:schemeClr val="lt1"/>
+            </a:fontRef>
+          </p:style>
+          <p:txBody>
+            <a:bodyPr rtlCol="0" anchor="ctr"/>
+            <a:lstStyle/>
+            <a:p>
+              <a:pPr algn="ctr"/>
+              <a:endParaRPr lang="en-US">
+                <a:solidFill>
+                  <a:schemeClr val="lt1"/>
+                </a:solidFill>
+              </a:endParaRPr>
+            </a:p>
+          </p:txBody>
+        </p:sp>
+        <p:sp>
+          <p:nvSpPr>
+            <p:cNvPr id="14" name="Oval 9">
+              <a:extLst>
+                <a:ext uri="{FF2B5EF4-FFF2-40B4-BE49-F238E27FC236}">
+                  <a16:creationId xmlns:a16="http://schemas.microsoft.com/office/drawing/2014/main" id="{E5C6BD80-223F-D3F9-79C6-67AA3FB7D713}"/>
+                </a:ext>
+              </a:extLst>
+            </p:cNvPr>
+            <p:cNvSpPr/>
+            <p:nvPr/>
+          </p:nvSpPr>
+          <p:spPr>
+            <a:xfrm flipH="1">
+              <a:off x="3481233" y="1586577"/>
+              <a:ext cx="957772" cy="3299413"/>
+            </a:xfrm>
+            <a:custGeom>
+              <a:avLst/>
+              <a:gdLst>
+                <a:gd name="connsiteX0" fmla="*/ 0 w 687355"/>
+                <a:gd name="connsiteY0" fmla="*/ 555172 h 1110343"/>
+                <a:gd name="connsiteX1" fmla="*/ 343678 w 687355"/>
+                <a:gd name="connsiteY1" fmla="*/ 0 h 1110343"/>
+                <a:gd name="connsiteX2" fmla="*/ 687356 w 687355"/>
+                <a:gd name="connsiteY2" fmla="*/ 555172 h 1110343"/>
+                <a:gd name="connsiteX3" fmla="*/ 343678 w 687355"/>
+                <a:gd name="connsiteY3" fmla="*/ 1110344 h 1110343"/>
+                <a:gd name="connsiteX4" fmla="*/ 0 w 687355"/>
+                <a:gd name="connsiteY4" fmla="*/ 555172 h 1110343"/>
+                <a:gd name="connsiteX0" fmla="*/ 0 w 687356"/>
+                <a:gd name="connsiteY0" fmla="*/ 555172 h 1110344"/>
+                <a:gd name="connsiteX1" fmla="*/ 343678 w 687356"/>
+                <a:gd name="connsiteY1" fmla="*/ 0 h 1110344"/>
+                <a:gd name="connsiteX2" fmla="*/ 687356 w 687356"/>
+                <a:gd name="connsiteY2" fmla="*/ 555172 h 1110344"/>
+                <a:gd name="connsiteX3" fmla="*/ 343678 w 687356"/>
+                <a:gd name="connsiteY3" fmla="*/ 1110344 h 1110344"/>
+                <a:gd name="connsiteX4" fmla="*/ 91440 w 687356"/>
+                <a:gd name="connsiteY4" fmla="*/ 646612 h 1110344"/>
+                <a:gd name="connsiteX0" fmla="*/ 0 w 687356"/>
+                <a:gd name="connsiteY0" fmla="*/ 555172 h 1110344"/>
+                <a:gd name="connsiteX1" fmla="*/ 343678 w 687356"/>
+                <a:gd name="connsiteY1" fmla="*/ 0 h 1110344"/>
+                <a:gd name="connsiteX2" fmla="*/ 687356 w 687356"/>
+                <a:gd name="connsiteY2" fmla="*/ 555172 h 1110344"/>
+                <a:gd name="connsiteX3" fmla="*/ 343678 w 687356"/>
+                <a:gd name="connsiteY3" fmla="*/ 1110344 h 1110344"/>
+                <a:gd name="connsiteX0" fmla="*/ 0 w 343678"/>
+                <a:gd name="connsiteY0" fmla="*/ 0 h 1110344"/>
+                <a:gd name="connsiteX1" fmla="*/ 343678 w 343678"/>
+                <a:gd name="connsiteY1" fmla="*/ 555172 h 1110344"/>
+                <a:gd name="connsiteX2" fmla="*/ 0 w 343678"/>
+                <a:gd name="connsiteY2" fmla="*/ 1110344 h 1110344"/>
+              </a:gdLst>
+              <a:ahLst/>
+              <a:cxnLst>
+                <a:cxn ang="0">
+                  <a:pos x="connsiteX0" y="connsiteY0"/>
+                </a:cxn>
+                <a:cxn ang="0">
+                  <a:pos x="connsiteX1" y="connsiteY1"/>
+                </a:cxn>
+                <a:cxn ang="0">
+                  <a:pos x="connsiteX2" y="connsiteY2"/>
+                </a:cxn>
+              </a:cxnLst>
+              <a:rect l="l" t="t" r="r" b="b"/>
+              <a:pathLst>
+                <a:path w="343678" h="1110344">
+                  <a:moveTo>
+                    <a:pt x="0" y="0"/>
+                  </a:moveTo>
+                  <a:cubicBezTo>
+                    <a:pt x="189808" y="0"/>
+                    <a:pt x="343678" y="248559"/>
+                    <a:pt x="343678" y="555172"/>
+                  </a:cubicBezTo>
+                  <a:cubicBezTo>
+                    <a:pt x="343678" y="861785"/>
+                    <a:pt x="189808" y="1110344"/>
+                    <a:pt x="0" y="1110344"/>
+                  </a:cubicBezTo>
+                </a:path>
+              </a:pathLst>
+            </a:custGeom>
+            <a:noFill/>
+            <a:ln w="28575">
+              <a:solidFill>
+                <a:schemeClr val="accent1"/>
+              </a:solidFill>
+              <a:prstDash val="solid"/>
+            </a:ln>
+          </p:spPr>
+          <p:style>
+            <a:lnRef idx="2">
+              <a:schemeClr val="accent1">
+                <a:shade val="15000"/>
+              </a:schemeClr>
+            </a:lnRef>
+            <a:fillRef idx="1">
+              <a:schemeClr val="accent1"/>
+            </a:fillRef>
+            <a:effectRef idx="0">
+              <a:schemeClr val="accent1"/>
+            </a:effectRef>
+            <a:fontRef idx="minor">
+              <a:schemeClr val="lt1"/>
+            </a:fontRef>
+          </p:style>
+          <p:txBody>
+            <a:bodyPr rtlCol="0" anchor="ctr"/>
+            <a:lstStyle/>
+            <a:p>
+              <a:pPr algn="ctr"/>
+              <a:endParaRPr lang="en-US">
+                <a:solidFill>
+                  <a:schemeClr val="lt1"/>
+                </a:solidFill>
+              </a:endParaRPr>
+            </a:p>
+          </p:txBody>
+        </p:sp>
+      </p:grpSp>
+      <p:sp>
+        <p:nvSpPr>
+          <p:cNvPr id="22" name="TextBox 21">
+            <a:extLst>
+              <a:ext uri="{FF2B5EF4-FFF2-40B4-BE49-F238E27FC236}">
+                <a16:creationId xmlns:a16="http://schemas.microsoft.com/office/drawing/2014/main" id="{969EB041-D9BC-6C2C-5EBD-012FF4FCDDB1}"/>
+              </a:ext>
+            </a:extLst>
+          </p:cNvPr>
+          <p:cNvSpPr txBox="1"/>
+          <p:nvPr/>
+        </p:nvSpPr>
+        <p:spPr>
+          <a:xfrm>
+            <a:off x="3779877" y="4086013"/>
+            <a:ext cx="3829895" cy="646331"/>
+          </a:xfrm>
+          <a:prstGeom prst="rect">
+            <a:avLst/>
+          </a:prstGeom>
+          <a:noFill/>
+        </p:spPr>
+        <p:txBody>
+          <a:bodyPr wrap="none" rtlCol="0">
+            <a:spAutoFit/>
+          </a:bodyPr>
+          <a:lstStyle/>
+          <a:p>
+            <a:r>
+              <a:rPr lang="en-US" sz="3600" dirty="0">
+                <a:latin typeface="Alice" panose="00000500000000000000" pitchFamily="2" charset="0"/>
+              </a:rPr>
+              <a:t>Basic explanation</a:t>
+            </a:r>
+            <a:endParaRPr lang="en-US" sz="3200" dirty="0">
+              <a:latin typeface="Alice" panose="00000500000000000000" pitchFamily="2" charset="0"/>
+            </a:endParaRPr>
+          </a:p>
+        </p:txBody>
+      </p:sp>
+      <p:sp>
+        <p:nvSpPr>
+          <p:cNvPr id="23" name="TextBox 22">
+            <a:extLst>
+              <a:ext uri="{FF2B5EF4-FFF2-40B4-BE49-F238E27FC236}">
+                <a16:creationId xmlns:a16="http://schemas.microsoft.com/office/drawing/2014/main" id="{F5EC31CE-883E-2D30-EA9D-20CCEA328C98}"/>
+              </a:ext>
+            </a:extLst>
+          </p:cNvPr>
+          <p:cNvSpPr txBox="1"/>
+          <p:nvPr/>
+        </p:nvSpPr>
+        <p:spPr>
+          <a:xfrm>
+            <a:off x="3293365" y="5458253"/>
+            <a:ext cx="4802918" cy="646331"/>
+          </a:xfrm>
+          <a:prstGeom prst="rect">
+            <a:avLst/>
+          </a:prstGeom>
+          <a:noFill/>
+        </p:spPr>
+        <p:txBody>
+          <a:bodyPr wrap="none" rtlCol="0">
+            <a:spAutoFit/>
+          </a:bodyPr>
+          <a:lstStyle/>
+          <a:p>
+            <a:r>
+              <a:rPr lang="en-US" sz="3600" dirty="0">
+                <a:latin typeface="Alice" panose="00000500000000000000" pitchFamily="2" charset="0"/>
+              </a:rPr>
+              <a:t>Advanced explanation</a:t>
+            </a:r>
+            <a:endParaRPr lang="en-US" sz="3200" dirty="0">
+              <a:latin typeface="Alice" panose="00000500000000000000" pitchFamily="2" charset="0"/>
+            </a:endParaRPr>
+          </a:p>
+        </p:txBody>
+      </p:sp>
+      <mc:AlternateContent xmlns:mc="http://schemas.openxmlformats.org/markup-compatibility/2006">
+        <mc:Choice xmlns:a14="http://schemas.microsoft.com/office/drawing/2010/main" Requires="a14">
+          <p:sp>
+            <p:nvSpPr>
+              <p:cNvPr id="24" name="TextBox 23">
+                <a:extLst>
+                  <a:ext uri="{FF2B5EF4-FFF2-40B4-BE49-F238E27FC236}">
+                    <a16:creationId xmlns:a16="http://schemas.microsoft.com/office/drawing/2014/main" id="{6F05A2ED-2B5C-83B1-3885-1A672BA39EDF}"/>
+                  </a:ext>
+                </a:extLst>
+              </p:cNvPr>
+              <p:cNvSpPr txBox="1"/>
+              <p:nvPr/>
+            </p:nvSpPr>
+            <p:spPr>
+              <a:xfrm>
+                <a:off x="8347616" y="5470299"/>
+                <a:ext cx="3251531" cy="674993"/>
+              </a:xfrm>
+              <a:prstGeom prst="rect">
+                <a:avLst/>
+              </a:prstGeom>
+              <a:noFill/>
+            </p:spPr>
+            <p:txBody>
+              <a:bodyPr wrap="none" rtlCol="0">
+                <a:spAutoFit/>
+              </a:bodyPr>
+              <a:lstStyle/>
+              <a:p>
+                <a:pPr/>
+                <a14:m>
+                  <m:oMathPara xmlns:m="http://schemas.openxmlformats.org/officeDocument/2006/math">
+                    <m:oMathParaPr>
+                      <m:jc m:val="centerGroup"/>
+                    </m:oMathParaPr>
+                    <m:oMath xmlns:m="http://schemas.openxmlformats.org/officeDocument/2006/math">
+                      <m:f>
+                        <m:fPr>
+                          <m:ctrlPr>
+                            <a:rPr lang="en-US" b="0" i="1" smtClean="0">
+                              <a:latin typeface="Cambria Math" panose="02040503050406030204" pitchFamily="18" charset="0"/>
+                            </a:rPr>
+                          </m:ctrlPr>
+                        </m:fPr>
+                        <m:num>
+                          <m:r>
+                            <a:rPr lang="en-US" b="0" i="1" smtClean="0">
+                              <a:latin typeface="Cambria Math" panose="02040503050406030204" pitchFamily="18" charset="0"/>
+                            </a:rPr>
+                            <m:t>1</m:t>
+                          </m:r>
+                        </m:num>
+                        <m:den>
+                          <m:r>
+                            <a:rPr lang="en-US" b="0" i="1" smtClean="0">
+                              <a:latin typeface="Cambria Math" panose="02040503050406030204" pitchFamily="18" charset="0"/>
+                            </a:rPr>
+                            <m:t>𝜋</m:t>
+                          </m:r>
+                          <m:r>
+                            <a:rPr lang="en-US" b="0" i="1" smtClean="0">
+                              <a:latin typeface="Cambria Math" panose="02040503050406030204" pitchFamily="18" charset="0"/>
+                            </a:rPr>
+                            <m:t>ℏ</m:t>
+                          </m:r>
+                        </m:den>
+                      </m:f>
+                      <m:nary>
+                        <m:naryPr>
+                          <m:supHide m:val="on"/>
+                          <m:ctrlPr>
+                            <a:rPr lang="en-US" b="0" i="1" smtClean="0">
+                              <a:latin typeface="Cambria Math" panose="02040503050406030204" pitchFamily="18" charset="0"/>
+                            </a:rPr>
+                          </m:ctrlPr>
+                        </m:naryPr>
+                        <m:sub>
+                          <m:r>
+                            <a:rPr lang="en-US" b="0" i="1" smtClean="0">
+                              <a:latin typeface="Cambria Math" panose="02040503050406030204" pitchFamily="18" charset="0"/>
+                            </a:rPr>
+                            <m:t>𝑋</m:t>
+                          </m:r>
+                        </m:sub>
+                        <m:sup/>
+                        <m:e>
+                          <m:d>
+                            <m:dPr>
+                              <m:begChr m:val="⟨"/>
+                              <m:endChr m:val="⟩"/>
+                              <m:ctrlPr>
+                                <a:rPr lang="en-US" i="1">
+                                  <a:latin typeface="Cambria Math" panose="02040503050406030204" pitchFamily="18" charset="0"/>
+                                </a:rPr>
+                              </m:ctrlPr>
+                            </m:dPr>
+                            <m:e>
+                              <m:r>
+                                <a:rPr lang="en-US" i="1">
+                                  <a:latin typeface="Cambria Math" panose="02040503050406030204" pitchFamily="18" charset="0"/>
+                                </a:rPr>
+                                <m:t>𝑥</m:t>
+                              </m:r>
+                              <m:r>
+                                <a:rPr lang="en-US" i="1">
+                                  <a:latin typeface="Cambria Math" panose="02040503050406030204" pitchFamily="18" charset="0"/>
+                                </a:rPr>
+                                <m:t>−</m:t>
+                              </m:r>
+                              <m:r>
+                                <a:rPr lang="en-US" i="1">
+                                  <a:latin typeface="Cambria Math" panose="02040503050406030204" pitchFamily="18" charset="0"/>
+                                </a:rPr>
+                                <m:t>𝑦</m:t>
+                              </m:r>
+                              <m:d>
+                                <m:dPr>
+                                  <m:begChr m:val="|"/>
+                                  <m:endChr m:val="|"/>
+                                  <m:ctrlPr>
+                                    <a:rPr lang="en-US" i="1">
+                                      <a:latin typeface="Cambria Math" panose="02040503050406030204" pitchFamily="18" charset="0"/>
+                                    </a:rPr>
+                                  </m:ctrlPr>
+                                </m:dPr>
+                                <m:e>
+                                  <m:r>
+                                    <a:rPr lang="en-US" i="1">
+                                      <a:latin typeface="Cambria Math" panose="02040503050406030204" pitchFamily="18" charset="0"/>
+                                    </a:rPr>
+                                    <m:t>𝜌</m:t>
+                                  </m:r>
+                                </m:e>
+                              </m:d>
+                              <m:r>
+                                <a:rPr lang="en-US" i="1">
+                                  <a:latin typeface="Cambria Math" panose="02040503050406030204" pitchFamily="18" charset="0"/>
+                                </a:rPr>
+                                <m:t>𝑥</m:t>
+                              </m:r>
+                              <m:r>
+                                <a:rPr lang="en-US" i="1">
+                                  <a:latin typeface="Cambria Math" panose="02040503050406030204" pitchFamily="18" charset="0"/>
+                                </a:rPr>
+                                <m:t>+</m:t>
+                              </m:r>
+                              <m:r>
+                                <a:rPr lang="en-US" i="1">
+                                  <a:latin typeface="Cambria Math" panose="02040503050406030204" pitchFamily="18" charset="0"/>
+                                </a:rPr>
+                                <m:t>𝑦</m:t>
+                              </m:r>
+                            </m:e>
+                          </m:d>
+                          <m:sSup>
+                            <m:sSupPr>
+                              <m:ctrlPr>
+                                <a:rPr lang="en-US" b="0" i="1" smtClean="0">
+                                  <a:latin typeface="Cambria Math" panose="02040503050406030204" pitchFamily="18" charset="0"/>
+                                </a:rPr>
+                              </m:ctrlPr>
+                            </m:sSupPr>
+                            <m:e>
+                              <m:r>
+                                <a:rPr lang="en-US" b="0" i="1" smtClean="0">
+                                  <a:latin typeface="Cambria Math" panose="02040503050406030204" pitchFamily="18" charset="0"/>
+                                </a:rPr>
+                                <m:t>𝑒</m:t>
+                              </m:r>
+                            </m:e>
+                            <m:sup>
+                              <m:r>
+                                <a:rPr lang="en-US" b="0" i="1" smtClean="0">
+                                  <a:latin typeface="Cambria Math" panose="02040503050406030204" pitchFamily="18" charset="0"/>
+                                </a:rPr>
+                                <m:t>2</m:t>
+                              </m:r>
+                              <m:r>
+                                <a:rPr lang="en-US" b="0" i="1" smtClean="0">
+                                  <a:latin typeface="Cambria Math" panose="02040503050406030204" pitchFamily="18" charset="0"/>
+                                </a:rPr>
+                                <m:t>𝚤𝑝𝑦</m:t>
+                              </m:r>
+                              <m:r>
+                                <a:rPr lang="en-US" i="1">
+                                  <a:latin typeface="Cambria Math" panose="02040503050406030204" pitchFamily="18" charset="0"/>
+                                </a:rPr>
+                                <m:t>/ℏ</m:t>
+                              </m:r>
+                            </m:sup>
+                          </m:sSup>
+                          <m:r>
+                            <a:rPr lang="en-US" b="0" i="1" smtClean="0">
+                              <a:latin typeface="Cambria Math" panose="02040503050406030204" pitchFamily="18" charset="0"/>
+                            </a:rPr>
+                            <m:t>𝑑𝑦</m:t>
+                          </m:r>
+                        </m:e>
+                      </m:nary>
+                    </m:oMath>
+                  </m:oMathPara>
+                </a14:m>
+                <a:endParaRPr lang="en-US" dirty="0"/>
+              </a:p>
+            </p:txBody>
+          </p:sp>
+        </mc:Choice>
+        <mc:Fallback>
+          <p:sp>
+            <p:nvSpPr>
+              <p:cNvPr id="24" name="TextBox 23">
+                <a:extLst>
+                  <a:ext uri="{FF2B5EF4-FFF2-40B4-BE49-F238E27FC236}">
+                    <a16:creationId xmlns:a16="http://schemas.microsoft.com/office/drawing/2014/main" id="{6F05A2ED-2B5C-83B1-3885-1A672BA39EDF}"/>
+                  </a:ext>
+                </a:extLst>
+              </p:cNvPr>
+              <p:cNvSpPr txBox="1">
+                <a:spLocks noRot="1" noChangeAspect="1" noMove="1" noResize="1" noEditPoints="1" noAdjustHandles="1" noChangeArrowheads="1" noChangeShapeType="1" noTextEdit="1"/>
+              </p:cNvSpPr>
+              <p:nvPr/>
+            </p:nvSpPr>
+            <p:spPr>
+              <a:xfrm>
+                <a:off x="8347616" y="5470299"/>
+                <a:ext cx="3251531" cy="674993"/>
+              </a:xfrm>
+              <a:prstGeom prst="rect">
+                <a:avLst/>
+              </a:prstGeom>
+              <a:blipFill>
+                <a:blip r:embed="rId2"/>
+                <a:stretch>
+                  <a:fillRect/>
+                </a:stretch>
+              </a:blipFill>
+            </p:spPr>
+            <p:txBody>
+              <a:bodyPr/>
+              <a:lstStyle/>
+              <a:p>
+                <a:r>
+                  <a:rPr lang="en-US">
+                    <a:noFill/>
+                  </a:rPr>
+                  <a:t> </a:t>
+                </a:r>
+              </a:p>
+            </p:txBody>
+          </p:sp>
+        </mc:Fallback>
+      </mc:AlternateContent>
+      <mc:AlternateContent xmlns:mc="http://schemas.openxmlformats.org/markup-compatibility/2006">
+        <mc:Choice xmlns:a14="http://schemas.microsoft.com/office/drawing/2010/main" Requires="a14">
+          <p:sp>
+            <p:nvSpPr>
+              <p:cNvPr id="25" name="TextBox 24">
+                <a:extLst>
+                  <a:ext uri="{FF2B5EF4-FFF2-40B4-BE49-F238E27FC236}">
+                    <a16:creationId xmlns:a16="http://schemas.microsoft.com/office/drawing/2014/main" id="{A08B4ECA-DD9E-3442-C18A-4119B9023362}"/>
+                  </a:ext>
+                </a:extLst>
+              </p:cNvPr>
+              <p:cNvSpPr txBox="1"/>
+              <p:nvPr/>
+            </p:nvSpPr>
+            <p:spPr>
+              <a:xfrm>
+                <a:off x="5378873" y="4772133"/>
+                <a:ext cx="631903" cy="646331"/>
+              </a:xfrm>
+              <a:prstGeom prst="rect">
+                <a:avLst/>
+              </a:prstGeom>
+              <a:noFill/>
+            </p:spPr>
+            <p:txBody>
+              <a:bodyPr wrap="none" rtlCol="0">
+                <a:spAutoFit/>
+              </a:bodyPr>
+              <a:lstStyle/>
+              <a:p>
+                <a14:m>
+                  <m:oMathPara xmlns:m="http://schemas.openxmlformats.org/officeDocument/2006/math">
+                    <m:oMathParaPr>
+                      <m:jc m:val="centerGroup"/>
+                    </m:oMathParaPr>
+                    <m:oMath xmlns:m="http://schemas.openxmlformats.org/officeDocument/2006/math">
+                      <m:r>
+                        <a:rPr lang="en-US" sz="3600" b="0" i="1" smtClean="0">
+                          <a:latin typeface="Cambria Math" panose="02040503050406030204" pitchFamily="18" charset="0"/>
+                        </a:rPr>
+                        <m:t>+</m:t>
+                      </m:r>
+                    </m:oMath>
+                  </m:oMathPara>
+                </a14:m>
+                <a:endParaRPr lang="en-US" sz="3200" dirty="0">
+                  <a:latin typeface="Alice" panose="00000500000000000000" pitchFamily="2" charset="0"/>
+                </a:endParaRPr>
+              </a:p>
+            </p:txBody>
+          </p:sp>
+        </mc:Choice>
+        <mc:Fallback>
+          <p:sp>
+            <p:nvSpPr>
+              <p:cNvPr id="25" name="TextBox 24">
+                <a:extLst>
+                  <a:ext uri="{FF2B5EF4-FFF2-40B4-BE49-F238E27FC236}">
+                    <a16:creationId xmlns:a16="http://schemas.microsoft.com/office/drawing/2014/main" id="{A08B4ECA-DD9E-3442-C18A-4119B9023362}"/>
+                  </a:ext>
+                </a:extLst>
+              </p:cNvPr>
+              <p:cNvSpPr txBox="1">
+                <a:spLocks noRot="1" noChangeAspect="1" noMove="1" noResize="1" noEditPoints="1" noAdjustHandles="1" noChangeArrowheads="1" noChangeShapeType="1" noTextEdit="1"/>
+              </p:cNvSpPr>
+              <p:nvPr/>
+            </p:nvSpPr>
+            <p:spPr>
+              <a:xfrm>
+                <a:off x="5378873" y="4772133"/>
+                <a:ext cx="631903" cy="646331"/>
+              </a:xfrm>
+              <a:prstGeom prst="rect">
+                <a:avLst/>
+              </a:prstGeom>
+              <a:blipFill>
+                <a:blip r:embed="rId3"/>
+                <a:stretch>
+                  <a:fillRect/>
+                </a:stretch>
+              </a:blipFill>
+            </p:spPr>
+            <p:txBody>
+              <a:bodyPr/>
+              <a:lstStyle/>
+              <a:p>
+                <a:r>
+                  <a:rPr lang="en-US">
+                    <a:noFill/>
+                  </a:rPr>
+                  <a:t> </a:t>
+                </a:r>
+              </a:p>
+            </p:txBody>
+          </p:sp>
+        </mc:Fallback>
+      </mc:AlternateContent>
+    </p:spTree>
+    <p:extLst>
+      <p:ext uri="{BB962C8B-B14F-4D97-AF65-F5344CB8AC3E}">
+        <p14:creationId xmlns:p14="http://schemas.microsoft.com/office/powerpoint/2010/main" val="128352903"/>
       </p:ext>
     </p:extLst>
   </p:cSld>

--- a/2025/2025Thumbnail.pptx
+++ b/2025/2025Thumbnail.pptx
@@ -10,6 +10,11 @@
     <p:sldId id="275" r:id="rId4"/>
     <p:sldId id="277" r:id="rId5"/>
     <p:sldId id="278" r:id="rId6"/>
+    <p:sldId id="279" r:id="rId7"/>
+    <p:sldId id="281" r:id="rId8"/>
+    <p:sldId id="283" r:id="rId9"/>
+    <p:sldId id="284" r:id="rId10"/>
+    <p:sldId id="282" r:id="rId11"/>
   </p:sldIdLst>
   <p:sldSz cx="12192000" cy="6858000"/>
   <p:notesSz cx="6858000" cy="9144000"/>
@@ -263,7 +268,7 @@
           <a:p>
             <a:fld id="{3816CC03-B68F-4642-A2B8-7A8633A67F21}" type="datetimeFigureOut">
               <a:rPr lang="en-US" smtClean="0"/>
-              <a:t>3/26/2025</a:t>
+              <a:t>7/25/2025</a:t>
             </a:fld>
             <a:endParaRPr lang="en-US"/>
           </a:p>
@@ -461,7 +466,7 @@
           <a:p>
             <a:fld id="{3816CC03-B68F-4642-A2B8-7A8633A67F21}" type="datetimeFigureOut">
               <a:rPr lang="en-US" smtClean="0"/>
-              <a:t>3/26/2025</a:t>
+              <a:t>7/25/2025</a:t>
             </a:fld>
             <a:endParaRPr lang="en-US"/>
           </a:p>
@@ -669,7 +674,7 @@
           <a:p>
             <a:fld id="{3816CC03-B68F-4642-A2B8-7A8633A67F21}" type="datetimeFigureOut">
               <a:rPr lang="en-US" smtClean="0"/>
-              <a:t>3/26/2025</a:t>
+              <a:t>7/25/2025</a:t>
             </a:fld>
             <a:endParaRPr lang="en-US"/>
           </a:p>
@@ -867,7 +872,7 @@
           <a:p>
             <a:fld id="{3816CC03-B68F-4642-A2B8-7A8633A67F21}" type="datetimeFigureOut">
               <a:rPr lang="en-US" smtClean="0"/>
-              <a:t>3/26/2025</a:t>
+              <a:t>7/25/2025</a:t>
             </a:fld>
             <a:endParaRPr lang="en-US"/>
           </a:p>
@@ -1142,7 +1147,7 @@
           <a:p>
             <a:fld id="{3816CC03-B68F-4642-A2B8-7A8633A67F21}" type="datetimeFigureOut">
               <a:rPr lang="en-US" smtClean="0"/>
-              <a:t>3/26/2025</a:t>
+              <a:t>7/25/2025</a:t>
             </a:fld>
             <a:endParaRPr lang="en-US"/>
           </a:p>
@@ -1407,7 +1412,7 @@
           <a:p>
             <a:fld id="{3816CC03-B68F-4642-A2B8-7A8633A67F21}" type="datetimeFigureOut">
               <a:rPr lang="en-US" smtClean="0"/>
-              <a:t>3/26/2025</a:t>
+              <a:t>7/25/2025</a:t>
             </a:fld>
             <a:endParaRPr lang="en-US"/>
           </a:p>
@@ -1819,7 +1824,7 @@
           <a:p>
             <a:fld id="{3816CC03-B68F-4642-A2B8-7A8633A67F21}" type="datetimeFigureOut">
               <a:rPr lang="en-US" smtClean="0"/>
-              <a:t>3/26/2025</a:t>
+              <a:t>7/25/2025</a:t>
             </a:fld>
             <a:endParaRPr lang="en-US"/>
           </a:p>
@@ -1960,7 +1965,7 @@
           <a:p>
             <a:fld id="{3816CC03-B68F-4642-A2B8-7A8633A67F21}" type="datetimeFigureOut">
               <a:rPr lang="en-US" smtClean="0"/>
-              <a:t>3/26/2025</a:t>
+              <a:t>7/25/2025</a:t>
             </a:fld>
             <a:endParaRPr lang="en-US"/>
           </a:p>
@@ -2073,7 +2078,7 @@
           <a:p>
             <a:fld id="{3816CC03-B68F-4642-A2B8-7A8633A67F21}" type="datetimeFigureOut">
               <a:rPr lang="en-US" smtClean="0"/>
-              <a:t>3/26/2025</a:t>
+              <a:t>7/25/2025</a:t>
             </a:fld>
             <a:endParaRPr lang="en-US"/>
           </a:p>
@@ -2420,7 +2425,7 @@
           <a:p>
             <a:fld id="{3816CC03-B68F-4642-A2B8-7A8633A67F21}" type="datetimeFigureOut">
               <a:rPr lang="en-US" smtClean="0"/>
-              <a:t>3/26/2025</a:t>
+              <a:t>7/25/2025</a:t>
             </a:fld>
             <a:endParaRPr lang="en-US"/>
           </a:p>
@@ -2708,7 +2713,7 @@
           <a:p>
             <a:fld id="{3816CC03-B68F-4642-A2B8-7A8633A67F21}" type="datetimeFigureOut">
               <a:rPr lang="en-US" smtClean="0"/>
-              <a:t>3/26/2025</a:t>
+              <a:t>7/25/2025</a:t>
             </a:fld>
             <a:endParaRPr lang="en-US"/>
           </a:p>
@@ -2949,7 +2954,7 @@
           <a:p>
             <a:fld id="{3816CC03-B68F-4642-A2B8-7A8633A67F21}" type="datetimeFigureOut">
               <a:rPr lang="en-US" smtClean="0"/>
-              <a:t>3/26/2025</a:t>
+              <a:t>7/25/2025</a:t>
             </a:fld>
             <a:endParaRPr lang="en-US"/>
           </a:p>
@@ -3370,6 +3375,218 @@
     <p:extLst>
       <p:ext uri="{BB962C8B-B14F-4D97-AF65-F5344CB8AC3E}">
         <p14:creationId xmlns:p14="http://schemas.microsoft.com/office/powerpoint/2010/main" val="850848741"/>
+      </p:ext>
+    </p:extLst>
+  </p:cSld>
+  <p:clrMapOvr>
+    <a:masterClrMapping/>
+  </p:clrMapOvr>
+</p:sld>
+</file>
+
+<file path=ppt/slides/slide10.xml><?xml version="1.0" encoding="utf-8"?>
+<p:sld xmlns:a="http://schemas.openxmlformats.org/drawingml/2006/main" xmlns:r="http://schemas.openxmlformats.org/officeDocument/2006/relationships" xmlns:p="http://schemas.openxmlformats.org/presentationml/2006/main">
+  <p:cSld>
+    <p:spTree>
+      <p:nvGrpSpPr>
+        <p:cNvPr id="1" name="">
+          <a:extLst>
+            <a:ext uri="{FF2B5EF4-FFF2-40B4-BE49-F238E27FC236}">
+              <a16:creationId xmlns:a16="http://schemas.microsoft.com/office/drawing/2014/main" id="{4A80087C-F8A6-31C5-F4AF-9A36BB9F3CBB}"/>
+            </a:ext>
+          </a:extLst>
+        </p:cNvPr>
+        <p:cNvGrpSpPr/>
+        <p:nvPr/>
+      </p:nvGrpSpPr>
+      <p:grpSpPr>
+        <a:xfrm>
+          <a:off x="0" y="0"/>
+          <a:ext cx="0" cy="0"/>
+          <a:chOff x="0" y="0"/>
+          <a:chExt cx="0" cy="0"/>
+        </a:xfrm>
+      </p:grpSpPr>
+      <p:sp>
+        <p:nvSpPr>
+          <p:cNvPr id="53" name="TextBox 52">
+            <a:extLst>
+              <a:ext uri="{FF2B5EF4-FFF2-40B4-BE49-F238E27FC236}">
+                <a16:creationId xmlns:a16="http://schemas.microsoft.com/office/drawing/2014/main" id="{8083CF50-4B15-6253-981A-4B874A089B70}"/>
+              </a:ext>
+            </a:extLst>
+          </p:cNvPr>
+          <p:cNvSpPr txBox="1"/>
+          <p:nvPr/>
+        </p:nvSpPr>
+        <p:spPr>
+          <a:xfrm>
+            <a:off x="3769624" y="197429"/>
+            <a:ext cx="4796506" cy="1569660"/>
+          </a:xfrm>
+          <a:prstGeom prst="rect">
+            <a:avLst/>
+          </a:prstGeom>
+          <a:noFill/>
+        </p:spPr>
+        <p:txBody>
+          <a:bodyPr wrap="none" rtlCol="0">
+            <a:spAutoFit/>
+          </a:bodyPr>
+          <a:lstStyle/>
+          <a:p>
+            <a:r>
+              <a:rPr lang="en-US" sz="9600" dirty="0">
+                <a:solidFill>
+                  <a:schemeClr val="accent6">
+                    <a:lumMod val="75000"/>
+                  </a:schemeClr>
+                </a:solidFill>
+                <a:latin typeface="Alice" panose="00000500000000000000" pitchFamily="2" charset="0"/>
+              </a:rPr>
+              <a:t>Physical</a:t>
+            </a:r>
+            <a:endParaRPr lang="en-US" sz="8800" dirty="0">
+              <a:solidFill>
+                <a:schemeClr val="accent6">
+                  <a:lumMod val="75000"/>
+                </a:schemeClr>
+              </a:solidFill>
+              <a:latin typeface="Alice" panose="00000500000000000000" pitchFamily="2" charset="0"/>
+            </a:endParaRPr>
+          </a:p>
+        </p:txBody>
+      </p:sp>
+      <p:sp>
+        <p:nvSpPr>
+          <p:cNvPr id="5" name="TextBox 4">
+            <a:extLst>
+              <a:ext uri="{FF2B5EF4-FFF2-40B4-BE49-F238E27FC236}">
+                <a16:creationId xmlns:a16="http://schemas.microsoft.com/office/drawing/2014/main" id="{17D29744-A06C-AA6A-2AC3-4A7C293A0BA2}"/>
+              </a:ext>
+            </a:extLst>
+          </p:cNvPr>
+          <p:cNvSpPr txBox="1"/>
+          <p:nvPr/>
+        </p:nvSpPr>
+        <p:spPr>
+          <a:xfrm>
+            <a:off x="5693228" y="1766735"/>
+            <a:ext cx="949299" cy="1015663"/>
+          </a:xfrm>
+          <a:prstGeom prst="rect">
+            <a:avLst/>
+          </a:prstGeom>
+          <a:noFill/>
+        </p:spPr>
+        <p:txBody>
+          <a:bodyPr wrap="none" rtlCol="0">
+            <a:spAutoFit/>
+          </a:bodyPr>
+          <a:lstStyle/>
+          <a:p>
+            <a:r>
+              <a:rPr lang="en-US" sz="6000" dirty="0">
+                <a:latin typeface="Alice" panose="00000500000000000000" pitchFamily="2" charset="0"/>
+              </a:rPr>
+              <a:t>vs</a:t>
+            </a:r>
+            <a:endParaRPr lang="en-US" sz="5400" dirty="0">
+              <a:latin typeface="Alice" panose="00000500000000000000" pitchFamily="2" charset="0"/>
+            </a:endParaRPr>
+          </a:p>
+        </p:txBody>
+      </p:sp>
+      <p:sp>
+        <p:nvSpPr>
+          <p:cNvPr id="2" name="TextBox 1">
+            <a:extLst>
+              <a:ext uri="{FF2B5EF4-FFF2-40B4-BE49-F238E27FC236}">
+                <a16:creationId xmlns:a16="http://schemas.microsoft.com/office/drawing/2014/main" id="{E3B8FB97-A004-1632-C332-A2C987E6BCEF}"/>
+              </a:ext>
+            </a:extLst>
+          </p:cNvPr>
+          <p:cNvSpPr txBox="1"/>
+          <p:nvPr/>
+        </p:nvSpPr>
+        <p:spPr>
+          <a:xfrm>
+            <a:off x="2969726" y="2820234"/>
+            <a:ext cx="6396303" cy="1569660"/>
+          </a:xfrm>
+          <a:prstGeom prst="rect">
+            <a:avLst/>
+          </a:prstGeom>
+          <a:noFill/>
+        </p:spPr>
+        <p:txBody>
+          <a:bodyPr wrap="none" rtlCol="0">
+            <a:spAutoFit/>
+          </a:bodyPr>
+          <a:lstStyle/>
+          <a:p>
+            <a:r>
+              <a:rPr lang="en-US" sz="9600" dirty="0">
+                <a:solidFill>
+                  <a:srgbClr val="C00000"/>
+                </a:solidFill>
+                <a:latin typeface="Alice" panose="00000500000000000000" pitchFamily="2" charset="0"/>
+              </a:rPr>
+              <a:t>Unphysical</a:t>
+            </a:r>
+            <a:endParaRPr lang="en-US" sz="8800" dirty="0">
+              <a:solidFill>
+                <a:srgbClr val="C00000"/>
+              </a:solidFill>
+              <a:latin typeface="Alice" panose="00000500000000000000" pitchFamily="2" charset="0"/>
+            </a:endParaRPr>
+          </a:p>
+        </p:txBody>
+      </p:sp>
+      <p:sp>
+        <p:nvSpPr>
+          <p:cNvPr id="3" name="TextBox 2">
+            <a:extLst>
+              <a:ext uri="{FF2B5EF4-FFF2-40B4-BE49-F238E27FC236}">
+                <a16:creationId xmlns:a16="http://schemas.microsoft.com/office/drawing/2014/main" id="{17E148FA-8C9F-FB94-F4EC-AE88E9F33F69}"/>
+              </a:ext>
+            </a:extLst>
+          </p:cNvPr>
+          <p:cNvSpPr txBox="1"/>
+          <p:nvPr/>
+        </p:nvSpPr>
+        <p:spPr>
+          <a:xfrm>
+            <a:off x="2474398" y="4607822"/>
+            <a:ext cx="7386959" cy="1569660"/>
+          </a:xfrm>
+          <a:prstGeom prst="rect">
+            <a:avLst/>
+          </a:prstGeom>
+          <a:noFill/>
+        </p:spPr>
+        <p:txBody>
+          <a:bodyPr wrap="none" rtlCol="0">
+            <a:spAutoFit/>
+          </a:bodyPr>
+          <a:lstStyle/>
+          <a:p>
+            <a:r>
+              <a:rPr lang="en-US" sz="9600" dirty="0">
+                <a:latin typeface="Alice" panose="00000500000000000000" pitchFamily="2" charset="0"/>
+              </a:rPr>
+              <a:t>Mathematics</a:t>
+            </a:r>
+            <a:endParaRPr lang="en-US" sz="8800" dirty="0">
+              <a:latin typeface="Alice" panose="00000500000000000000" pitchFamily="2" charset="0"/>
+            </a:endParaRPr>
+          </a:p>
+        </p:txBody>
+      </p:sp>
+    </p:spTree>
+    <p:extLst>
+      <p:ext uri="{BB962C8B-B14F-4D97-AF65-F5344CB8AC3E}">
+        <p14:creationId xmlns:p14="http://schemas.microsoft.com/office/powerpoint/2010/main" val="3699704841"/>
       </p:ext>
     </p:extLst>
   </p:cSld>
@@ -5468,8 +5685,8 @@
           </a:p>
         </p:txBody>
       </p:sp>
-      <mc:AlternateContent xmlns:mc="http://schemas.openxmlformats.org/markup-compatibility/2006">
-        <mc:Choice xmlns:a14="http://schemas.microsoft.com/office/drawing/2010/main" Requires="a14">
+      <mc:AlternateContent xmlns:mc="http://schemas.openxmlformats.org/markup-compatibility/2006" xmlns:a14="http://schemas.microsoft.com/office/drawing/2010/main">
+        <mc:Choice Requires="a14">
           <p:sp>
             <p:nvSpPr>
               <p:cNvPr id="24" name="TextBox 23">
@@ -5676,7 +5893,7 @@
             </p:txBody>
           </p:sp>
         </mc:Choice>
-        <mc:Fallback>
+        <mc:Fallback xmlns="">
           <p:sp>
             <p:nvSpPr>
               <p:cNvPr id="24" name="TextBox 23">
@@ -5721,8 +5938,8 @@
           </p:sp>
         </mc:Fallback>
       </mc:AlternateContent>
-      <mc:AlternateContent xmlns:mc="http://schemas.openxmlformats.org/markup-compatibility/2006">
-        <mc:Choice xmlns:a14="http://schemas.microsoft.com/office/drawing/2010/main" Requires="a14">
+      <mc:AlternateContent xmlns:mc="http://schemas.openxmlformats.org/markup-compatibility/2006" xmlns:a14="http://schemas.microsoft.com/office/drawing/2010/main">
+        <mc:Choice Requires="a14">
           <p:sp>
             <p:nvSpPr>
               <p:cNvPr id="25" name="TextBox 24">
@@ -5751,6 +5968,7 @@
               </a:bodyPr>
               <a:lstStyle/>
               <a:p>
+                <a:pPr/>
                 <a14:m>
                   <m:oMathPara xmlns:m="http://schemas.openxmlformats.org/officeDocument/2006/math">
                     <m:oMathParaPr>
@@ -5773,7 +5991,7 @@
             </p:txBody>
           </p:sp>
         </mc:Choice>
-        <mc:Fallback>
+        <mc:Fallback xmlns="">
           <p:sp>
             <p:nvSpPr>
               <p:cNvPr id="25" name="TextBox 24">
@@ -5822,6 +6040,889 @@
     <p:extLst>
       <p:ext uri="{BB962C8B-B14F-4D97-AF65-F5344CB8AC3E}">
         <p14:creationId xmlns:p14="http://schemas.microsoft.com/office/powerpoint/2010/main" val="128352903"/>
+      </p:ext>
+    </p:extLst>
+  </p:cSld>
+  <p:clrMapOvr>
+    <a:masterClrMapping/>
+  </p:clrMapOvr>
+</p:sld>
+</file>
+
+<file path=ppt/slides/slide6.xml><?xml version="1.0" encoding="utf-8"?>
+<p:sld xmlns:a="http://schemas.openxmlformats.org/drawingml/2006/main" xmlns:r="http://schemas.openxmlformats.org/officeDocument/2006/relationships" xmlns:p="http://schemas.openxmlformats.org/presentationml/2006/main">
+  <p:cSld>
+    <p:spTree>
+      <p:nvGrpSpPr>
+        <p:cNvPr id="1" name="">
+          <a:extLst>
+            <a:ext uri="{FF2B5EF4-FFF2-40B4-BE49-F238E27FC236}">
+              <a16:creationId xmlns:a16="http://schemas.microsoft.com/office/drawing/2014/main" id="{E6BD4B26-5FC5-71DA-A942-EEED8550E853}"/>
+            </a:ext>
+          </a:extLst>
+        </p:cNvPr>
+        <p:cNvGrpSpPr/>
+        <p:nvPr/>
+      </p:nvGrpSpPr>
+      <p:grpSpPr>
+        <a:xfrm>
+          <a:off x="0" y="0"/>
+          <a:ext cx="0" cy="0"/>
+          <a:chOff x="0" y="0"/>
+          <a:chExt cx="0" cy="0"/>
+        </a:xfrm>
+      </p:grpSpPr>
+      <p:sp>
+        <p:nvSpPr>
+          <p:cNvPr id="53" name="TextBox 52">
+            <a:extLst>
+              <a:ext uri="{FF2B5EF4-FFF2-40B4-BE49-F238E27FC236}">
+                <a16:creationId xmlns:a16="http://schemas.microsoft.com/office/drawing/2014/main" id="{E23C0D87-203E-5693-2A3B-A6DFA84DD93D}"/>
+              </a:ext>
+            </a:extLst>
+          </p:cNvPr>
+          <p:cNvSpPr txBox="1"/>
+          <p:nvPr/>
+        </p:nvSpPr>
+        <p:spPr>
+          <a:xfrm>
+            <a:off x="96602" y="345120"/>
+            <a:ext cx="11998798" cy="2308324"/>
+          </a:xfrm>
+          <a:prstGeom prst="rect">
+            <a:avLst/>
+          </a:prstGeom>
+          <a:noFill/>
+        </p:spPr>
+        <p:txBody>
+          <a:bodyPr wrap="none" rtlCol="0">
+            <a:spAutoFit/>
+          </a:bodyPr>
+          <a:lstStyle/>
+          <a:p>
+            <a:pPr algn="ctr"/>
+            <a:r>
+              <a:rPr lang="en-US" sz="7200" dirty="0">
+                <a:latin typeface="Alice" panose="00000500000000000000" pitchFamily="2" charset="0"/>
+              </a:rPr>
+              <a:t>Why no general time/energy</a:t>
+            </a:r>
+            <a:br>
+              <a:rPr lang="en-US" sz="7200" dirty="0">
+                <a:latin typeface="Alice" panose="00000500000000000000" pitchFamily="2" charset="0"/>
+              </a:rPr>
+            </a:br>
+            <a:r>
+              <a:rPr lang="en-US" sz="7200" dirty="0">
+                <a:latin typeface="Alice" panose="00000500000000000000" pitchFamily="2" charset="0"/>
+              </a:rPr>
+              <a:t>uncertainty relationship?</a:t>
+            </a:r>
+          </a:p>
+        </p:txBody>
+      </p:sp>
+      <mc:AlternateContent xmlns:mc="http://schemas.openxmlformats.org/markup-compatibility/2006" xmlns:a14="http://schemas.microsoft.com/office/drawing/2010/main">
+        <mc:Choice Requires="a14">
+          <p:sp>
+            <p:nvSpPr>
+              <p:cNvPr id="4" name="TextBox 3">
+                <a:extLst>
+                  <a:ext uri="{FF2B5EF4-FFF2-40B4-BE49-F238E27FC236}">
+                    <a16:creationId xmlns:a16="http://schemas.microsoft.com/office/drawing/2014/main" id="{D645CB81-2EE9-0391-D01E-56A84E379B9E}"/>
+                  </a:ext>
+                </a:extLst>
+              </p:cNvPr>
+              <p:cNvSpPr txBox="1"/>
+              <p:nvPr/>
+            </p:nvSpPr>
+            <p:spPr>
+              <a:xfrm>
+                <a:off x="3763855" y="2923183"/>
+                <a:ext cx="4664290" cy="2421689"/>
+              </a:xfrm>
+              <a:prstGeom prst="rect">
+                <a:avLst/>
+              </a:prstGeom>
+              <a:noFill/>
+            </p:spPr>
+            <p:txBody>
+              <a:bodyPr wrap="none" rtlCol="0">
+                <a:spAutoFit/>
+              </a:bodyPr>
+              <a:lstStyle/>
+              <a:p>
+                <a:pPr/>
+                <a14:m>
+                  <m:oMathPara xmlns:m="http://schemas.openxmlformats.org/officeDocument/2006/math">
+                    <m:oMathParaPr>
+                      <m:jc m:val="centerGroup"/>
+                    </m:oMathParaPr>
+                    <m:oMath xmlns:m="http://schemas.openxmlformats.org/officeDocument/2006/math">
+                      <m:r>
+                        <m:rPr>
+                          <m:sty m:val="p"/>
+                        </m:rPr>
+                        <a:rPr lang="en-US" sz="8000" b="0" i="0" smtClean="0">
+                          <a:latin typeface="Cambria Math" panose="02040503050406030204" pitchFamily="18" charset="0"/>
+                        </a:rPr>
+                        <m:t>Δ</m:t>
+                      </m:r>
+                      <m:r>
+                        <a:rPr lang="en-US" sz="8000" b="0" i="1" smtClean="0">
+                          <a:latin typeface="Cambria Math" panose="02040503050406030204" pitchFamily="18" charset="0"/>
+                        </a:rPr>
+                        <m:t>𝑡</m:t>
+                      </m:r>
+                      <m:r>
+                        <m:rPr>
+                          <m:sty m:val="p"/>
+                        </m:rPr>
+                        <a:rPr lang="en-US" sz="8000" b="0" i="0" smtClean="0">
+                          <a:latin typeface="Cambria Math" panose="02040503050406030204" pitchFamily="18" charset="0"/>
+                        </a:rPr>
+                        <m:t>Δ</m:t>
+                      </m:r>
+                      <m:r>
+                        <a:rPr lang="en-US" sz="8000" b="0" i="1" smtClean="0">
+                          <a:latin typeface="Cambria Math" panose="02040503050406030204" pitchFamily="18" charset="0"/>
+                        </a:rPr>
+                        <m:t>𝐸</m:t>
+                      </m:r>
+                      <m:r>
+                        <a:rPr lang="en-US" sz="8000" b="0" i="1" smtClean="0">
+                          <a:latin typeface="Cambria Math" panose="02040503050406030204" pitchFamily="18" charset="0"/>
+                        </a:rPr>
+                        <m:t>≥</m:t>
+                      </m:r>
+                      <m:f>
+                        <m:fPr>
+                          <m:ctrlPr>
+                            <a:rPr lang="en-US" sz="8000" b="0" i="1" smtClean="0">
+                              <a:latin typeface="Cambria Math" panose="02040503050406030204" pitchFamily="18" charset="0"/>
+                            </a:rPr>
+                          </m:ctrlPr>
+                        </m:fPr>
+                        <m:num>
+                          <m:r>
+                            <a:rPr lang="en-US" sz="8000" b="0" i="1" smtClean="0">
+                              <a:latin typeface="Cambria Math" panose="02040503050406030204" pitchFamily="18" charset="0"/>
+                            </a:rPr>
+                            <m:t>ℏ</m:t>
+                          </m:r>
+                        </m:num>
+                        <m:den>
+                          <m:r>
+                            <a:rPr lang="en-US" sz="8000" b="0" i="1" smtClean="0">
+                              <a:latin typeface="Cambria Math" panose="02040503050406030204" pitchFamily="18" charset="0"/>
+                            </a:rPr>
+                            <m:t>2</m:t>
+                          </m:r>
+                        </m:den>
+                      </m:f>
+                    </m:oMath>
+                  </m:oMathPara>
+                </a14:m>
+                <a:endParaRPr lang="en-US" sz="7200" dirty="0">
+                  <a:latin typeface="Alice" panose="00000500000000000000" pitchFamily="2" charset="0"/>
+                </a:endParaRPr>
+              </a:p>
+            </p:txBody>
+          </p:sp>
+        </mc:Choice>
+        <mc:Fallback xmlns="">
+          <p:sp>
+            <p:nvSpPr>
+              <p:cNvPr id="4" name="TextBox 3">
+                <a:extLst>
+                  <a:ext uri="{FF2B5EF4-FFF2-40B4-BE49-F238E27FC236}">
+                    <a16:creationId xmlns:a16="http://schemas.microsoft.com/office/drawing/2014/main" id="{D645CB81-2EE9-0391-D01E-56A84E379B9E}"/>
+                  </a:ext>
+                </a:extLst>
+              </p:cNvPr>
+              <p:cNvSpPr txBox="1">
+                <a:spLocks noRot="1" noChangeAspect="1" noMove="1" noResize="1" noEditPoints="1" noAdjustHandles="1" noChangeArrowheads="1" noChangeShapeType="1" noTextEdit="1"/>
+              </p:cNvSpPr>
+              <p:nvPr/>
+            </p:nvSpPr>
+            <p:spPr>
+              <a:xfrm>
+                <a:off x="3763855" y="2923183"/>
+                <a:ext cx="4664290" cy="2421689"/>
+              </a:xfrm>
+              <a:prstGeom prst="rect">
+                <a:avLst/>
+              </a:prstGeom>
+              <a:blipFill>
+                <a:blip r:embed="rId2"/>
+                <a:stretch>
+                  <a:fillRect/>
+                </a:stretch>
+              </a:blipFill>
+            </p:spPr>
+            <p:txBody>
+              <a:bodyPr/>
+              <a:lstStyle/>
+              <a:p>
+                <a:r>
+                  <a:rPr lang="en-US">
+                    <a:noFill/>
+                  </a:rPr>
+                  <a:t> </a:t>
+                </a:r>
+              </a:p>
+            </p:txBody>
+          </p:sp>
+        </mc:Fallback>
+      </mc:AlternateContent>
+      <p:cxnSp>
+        <p:nvCxnSpPr>
+          <p:cNvPr id="10" name="Straight Connector 9">
+            <a:extLst>
+              <a:ext uri="{FF2B5EF4-FFF2-40B4-BE49-F238E27FC236}">
+                <a16:creationId xmlns:a16="http://schemas.microsoft.com/office/drawing/2014/main" id="{847F6F3F-B2A7-6ED5-CBEA-B5C3B8DC39FC}"/>
+              </a:ext>
+            </a:extLst>
+          </p:cNvPr>
+          <p:cNvCxnSpPr>
+            <a:cxnSpLocks/>
+          </p:cNvCxnSpPr>
+          <p:nvPr/>
+        </p:nvCxnSpPr>
+        <p:spPr>
+          <a:xfrm flipV="1">
+            <a:off x="3580688" y="3093578"/>
+            <a:ext cx="4847457" cy="2251294"/>
+          </a:xfrm>
+          <a:prstGeom prst="line">
+            <a:avLst/>
+          </a:prstGeom>
+          <a:ln w="76200">
+            <a:solidFill>
+              <a:srgbClr val="C00000"/>
+            </a:solidFill>
+          </a:ln>
+        </p:spPr>
+        <p:style>
+          <a:lnRef idx="1">
+            <a:schemeClr val="accent1"/>
+          </a:lnRef>
+          <a:fillRef idx="0">
+            <a:schemeClr val="accent1"/>
+          </a:fillRef>
+          <a:effectRef idx="0">
+            <a:schemeClr val="accent1"/>
+          </a:effectRef>
+          <a:fontRef idx="minor">
+            <a:schemeClr val="tx1"/>
+          </a:fontRef>
+        </p:style>
+      </p:cxnSp>
+    </p:spTree>
+    <p:extLst>
+      <p:ext uri="{BB962C8B-B14F-4D97-AF65-F5344CB8AC3E}">
+        <p14:creationId xmlns:p14="http://schemas.microsoft.com/office/powerpoint/2010/main" val="483206461"/>
+      </p:ext>
+    </p:extLst>
+  </p:cSld>
+  <p:clrMapOvr>
+    <a:masterClrMapping/>
+  </p:clrMapOvr>
+</p:sld>
+</file>
+
+<file path=ppt/slides/slide7.xml><?xml version="1.0" encoding="utf-8"?>
+<p:sld xmlns:a="http://schemas.openxmlformats.org/drawingml/2006/main" xmlns:r="http://schemas.openxmlformats.org/officeDocument/2006/relationships" xmlns:p="http://schemas.openxmlformats.org/presentationml/2006/main">
+  <p:cSld>
+    <p:spTree>
+      <p:nvGrpSpPr>
+        <p:cNvPr id="1" name="">
+          <a:extLst>
+            <a:ext uri="{FF2B5EF4-FFF2-40B4-BE49-F238E27FC236}">
+              <a16:creationId xmlns:a16="http://schemas.microsoft.com/office/drawing/2014/main" id="{EC1D994F-CB67-A9BB-07A2-9C03B0E530BE}"/>
+            </a:ext>
+          </a:extLst>
+        </p:cNvPr>
+        <p:cNvGrpSpPr/>
+        <p:nvPr/>
+      </p:nvGrpSpPr>
+      <p:grpSpPr>
+        <a:xfrm>
+          <a:off x="0" y="0"/>
+          <a:ext cx="0" cy="0"/>
+          <a:chOff x="0" y="0"/>
+          <a:chExt cx="0" cy="0"/>
+        </a:xfrm>
+      </p:grpSpPr>
+      <p:grpSp>
+        <p:nvGrpSpPr>
+          <p:cNvPr id="7" name="Group 6">
+            <a:extLst>
+              <a:ext uri="{FF2B5EF4-FFF2-40B4-BE49-F238E27FC236}">
+                <a16:creationId xmlns:a16="http://schemas.microsoft.com/office/drawing/2014/main" id="{F2AFEB67-55B3-E508-9FEA-0870A52E3ECC}"/>
+              </a:ext>
+            </a:extLst>
+          </p:cNvPr>
+          <p:cNvGrpSpPr/>
+          <p:nvPr/>
+        </p:nvGrpSpPr>
+        <p:grpSpPr>
+          <a:xfrm>
+            <a:off x="3092613" y="578429"/>
+            <a:ext cx="6006773" cy="5417863"/>
+            <a:chOff x="2988819" y="682008"/>
+            <a:chExt cx="6006773" cy="5417863"/>
+          </a:xfrm>
+        </p:grpSpPr>
+        <p:sp>
+          <p:nvSpPr>
+            <p:cNvPr id="53" name="TextBox 52">
+              <a:extLst>
+                <a:ext uri="{FF2B5EF4-FFF2-40B4-BE49-F238E27FC236}">
+                  <a16:creationId xmlns:a16="http://schemas.microsoft.com/office/drawing/2014/main" id="{749F40CB-2D41-32F5-0DB3-87F321751A41}"/>
+                </a:ext>
+              </a:extLst>
+            </p:cNvPr>
+            <p:cNvSpPr txBox="1"/>
+            <p:nvPr/>
+          </p:nvSpPr>
+          <p:spPr>
+            <a:xfrm>
+              <a:off x="3185988" y="682008"/>
+              <a:ext cx="5612434" cy="1862048"/>
+            </a:xfrm>
+            <a:prstGeom prst="rect">
+              <a:avLst/>
+            </a:prstGeom>
+            <a:noFill/>
+          </p:spPr>
+          <p:txBody>
+            <a:bodyPr wrap="none" rtlCol="0">
+              <a:spAutoFit/>
+            </a:bodyPr>
+            <a:lstStyle/>
+            <a:p>
+              <a:r>
+                <a:rPr lang="en-US" sz="11500" dirty="0">
+                  <a:latin typeface="Alice" panose="00000500000000000000" pitchFamily="2" charset="0"/>
+                </a:rPr>
+                <a:t>Entropy</a:t>
+              </a:r>
+              <a:endParaRPr lang="en-US" sz="9600" dirty="0">
+                <a:latin typeface="Alice" panose="00000500000000000000" pitchFamily="2" charset="0"/>
+              </a:endParaRPr>
+            </a:p>
+          </p:txBody>
+        </p:sp>
+        <p:sp>
+          <p:nvSpPr>
+            <p:cNvPr id="4" name="TextBox 3">
+              <a:extLst>
+                <a:ext uri="{FF2B5EF4-FFF2-40B4-BE49-F238E27FC236}">
+                  <a16:creationId xmlns:a16="http://schemas.microsoft.com/office/drawing/2014/main" id="{D956BC66-DC68-6F86-1EA1-A44DC5C26987}"/>
+                </a:ext>
+              </a:extLst>
+            </p:cNvPr>
+            <p:cNvSpPr txBox="1"/>
+            <p:nvPr/>
+          </p:nvSpPr>
+          <p:spPr>
+            <a:xfrm>
+              <a:off x="2988819" y="4237823"/>
+              <a:ext cx="6006773" cy="1862048"/>
+            </a:xfrm>
+            <a:prstGeom prst="rect">
+              <a:avLst/>
+            </a:prstGeom>
+            <a:noFill/>
+          </p:spPr>
+          <p:txBody>
+            <a:bodyPr wrap="none" rtlCol="0">
+              <a:spAutoFit/>
+            </a:bodyPr>
+            <a:lstStyle/>
+            <a:p>
+              <a:r>
+                <a:rPr lang="en-US" sz="11500" dirty="0">
+                  <a:latin typeface="Alice" panose="00000500000000000000" pitchFamily="2" charset="0"/>
+                </a:rPr>
+                <a:t>Disorder</a:t>
+              </a:r>
+              <a:endParaRPr lang="en-US" sz="9600" dirty="0">
+                <a:latin typeface="Alice" panose="00000500000000000000" pitchFamily="2" charset="0"/>
+              </a:endParaRPr>
+            </a:p>
+          </p:txBody>
+        </p:sp>
+        <p:sp>
+          <p:nvSpPr>
+            <p:cNvPr id="5" name="TextBox 4">
+              <a:extLst>
+                <a:ext uri="{FF2B5EF4-FFF2-40B4-BE49-F238E27FC236}">
+                  <a16:creationId xmlns:a16="http://schemas.microsoft.com/office/drawing/2014/main" id="{A1D914E4-CC11-9654-2430-B1FEC856B77E}"/>
+                </a:ext>
+              </a:extLst>
+            </p:cNvPr>
+            <p:cNvSpPr txBox="1"/>
+            <p:nvPr/>
+          </p:nvSpPr>
+          <p:spPr>
+            <a:xfrm>
+              <a:off x="4495642" y="2667664"/>
+              <a:ext cx="2993127" cy="1446550"/>
+            </a:xfrm>
+            <a:prstGeom prst="rect">
+              <a:avLst/>
+            </a:prstGeom>
+            <a:noFill/>
+          </p:spPr>
+          <p:txBody>
+            <a:bodyPr wrap="none" rtlCol="0">
+              <a:spAutoFit/>
+            </a:bodyPr>
+            <a:lstStyle/>
+            <a:p>
+              <a:r>
+                <a:rPr lang="en-US" sz="8800" dirty="0">
+                  <a:latin typeface="Alice" panose="00000500000000000000" pitchFamily="2" charset="0"/>
+                </a:rPr>
+                <a:t>is not</a:t>
+              </a:r>
+              <a:endParaRPr lang="en-US" sz="8000" dirty="0">
+                <a:latin typeface="Alice" panose="00000500000000000000" pitchFamily="2" charset="0"/>
+              </a:endParaRPr>
+            </a:p>
+          </p:txBody>
+        </p:sp>
+      </p:grpSp>
+      <p:sp>
+        <p:nvSpPr>
+          <p:cNvPr id="9" name="TextBox 8">
+            <a:extLst>
+              <a:ext uri="{FF2B5EF4-FFF2-40B4-BE49-F238E27FC236}">
+                <a16:creationId xmlns:a16="http://schemas.microsoft.com/office/drawing/2014/main" id="{65AB0FBA-FE12-0142-1E27-4FD314FF6D02}"/>
+              </a:ext>
+            </a:extLst>
+          </p:cNvPr>
+          <p:cNvSpPr txBox="1"/>
+          <p:nvPr/>
+        </p:nvSpPr>
+        <p:spPr>
+          <a:xfrm>
+            <a:off x="8580014" y="316819"/>
+            <a:ext cx="3323346" cy="523220"/>
+          </a:xfrm>
+          <a:prstGeom prst="rect">
+            <a:avLst/>
+          </a:prstGeom>
+          <a:noFill/>
+        </p:spPr>
+        <p:txBody>
+          <a:bodyPr wrap="none" rtlCol="0">
+            <a:spAutoFit/>
+          </a:bodyPr>
+          <a:lstStyle/>
+          <a:p>
+            <a:r>
+              <a:rPr lang="en-US" sz="2800" dirty="0"/>
+              <a:t>In physical theories</a:t>
+            </a:r>
+          </a:p>
+        </p:txBody>
+      </p:sp>
+    </p:spTree>
+    <p:extLst>
+      <p:ext uri="{BB962C8B-B14F-4D97-AF65-F5344CB8AC3E}">
+        <p14:creationId xmlns:p14="http://schemas.microsoft.com/office/powerpoint/2010/main" val="687920563"/>
+      </p:ext>
+    </p:extLst>
+  </p:cSld>
+  <p:clrMapOvr>
+    <a:masterClrMapping/>
+  </p:clrMapOvr>
+</p:sld>
+</file>
+
+<file path=ppt/slides/slide8.xml><?xml version="1.0" encoding="utf-8"?>
+<p:sld xmlns:a="http://schemas.openxmlformats.org/drawingml/2006/main" xmlns:r="http://schemas.openxmlformats.org/officeDocument/2006/relationships" xmlns:p="http://schemas.openxmlformats.org/presentationml/2006/main">
+  <p:cSld>
+    <p:spTree>
+      <p:nvGrpSpPr>
+        <p:cNvPr id="1" name="">
+          <a:extLst>
+            <a:ext uri="{FF2B5EF4-FFF2-40B4-BE49-F238E27FC236}">
+              <a16:creationId xmlns:a16="http://schemas.microsoft.com/office/drawing/2014/main" id="{F936AB43-04D5-C5CE-0AA3-24CEE930377E}"/>
+            </a:ext>
+          </a:extLst>
+        </p:cNvPr>
+        <p:cNvGrpSpPr/>
+        <p:nvPr/>
+      </p:nvGrpSpPr>
+      <p:grpSpPr>
+        <a:xfrm>
+          <a:off x="0" y="0"/>
+          <a:ext cx="0" cy="0"/>
+          <a:chOff x="0" y="0"/>
+          <a:chExt cx="0" cy="0"/>
+        </a:xfrm>
+      </p:grpSpPr>
+      <p:grpSp>
+        <p:nvGrpSpPr>
+          <p:cNvPr id="7" name="Group 6">
+            <a:extLst>
+              <a:ext uri="{FF2B5EF4-FFF2-40B4-BE49-F238E27FC236}">
+                <a16:creationId xmlns:a16="http://schemas.microsoft.com/office/drawing/2014/main" id="{FA379307-476C-ED89-EE70-68C97784B936}"/>
+              </a:ext>
+            </a:extLst>
+          </p:cNvPr>
+          <p:cNvGrpSpPr/>
+          <p:nvPr/>
+        </p:nvGrpSpPr>
+        <p:grpSpPr>
+          <a:xfrm>
+            <a:off x="2933917" y="197429"/>
+            <a:ext cx="6324167" cy="6463142"/>
+            <a:chOff x="2240965" y="301008"/>
+            <a:chExt cx="6324167" cy="6463142"/>
+          </a:xfrm>
+        </p:grpSpPr>
+        <p:sp>
+          <p:nvSpPr>
+            <p:cNvPr id="53" name="TextBox 52">
+              <a:extLst>
+                <a:ext uri="{FF2B5EF4-FFF2-40B4-BE49-F238E27FC236}">
+                  <a16:creationId xmlns:a16="http://schemas.microsoft.com/office/drawing/2014/main" id="{FB6C9890-FB42-07FE-FE2D-0A28D063D1C0}"/>
+                </a:ext>
+              </a:extLst>
+            </p:cNvPr>
+            <p:cNvSpPr txBox="1"/>
+            <p:nvPr/>
+          </p:nvSpPr>
+          <p:spPr>
+            <a:xfrm>
+              <a:off x="2801217" y="301008"/>
+              <a:ext cx="5203669" cy="1862048"/>
+            </a:xfrm>
+            <a:prstGeom prst="rect">
+              <a:avLst/>
+            </a:prstGeom>
+            <a:noFill/>
+          </p:spPr>
+          <p:txBody>
+            <a:bodyPr wrap="none" rtlCol="0">
+              <a:spAutoFit/>
+            </a:bodyPr>
+            <a:lstStyle/>
+            <a:p>
+              <a:r>
+                <a:rPr lang="en-US" sz="11500" dirty="0">
+                  <a:latin typeface="Alice" panose="00000500000000000000" pitchFamily="2" charset="0"/>
+                </a:rPr>
+                <a:t>Physics</a:t>
+              </a:r>
+              <a:endParaRPr lang="en-US" sz="9600" dirty="0">
+                <a:latin typeface="Alice" panose="00000500000000000000" pitchFamily="2" charset="0"/>
+              </a:endParaRPr>
+            </a:p>
+          </p:txBody>
+        </p:sp>
+        <p:sp>
+          <p:nvSpPr>
+            <p:cNvPr id="4" name="TextBox 3">
+              <a:extLst>
+                <a:ext uri="{FF2B5EF4-FFF2-40B4-BE49-F238E27FC236}">
+                  <a16:creationId xmlns:a16="http://schemas.microsoft.com/office/drawing/2014/main" id="{9A4FC8A9-A19C-C221-0F3F-CAE924EBE43B}"/>
+                </a:ext>
+              </a:extLst>
+            </p:cNvPr>
+            <p:cNvSpPr txBox="1"/>
+            <p:nvPr/>
+          </p:nvSpPr>
+          <p:spPr>
+            <a:xfrm>
+              <a:off x="2240965" y="3132387"/>
+              <a:ext cx="6324167" cy="3631763"/>
+            </a:xfrm>
+            <a:prstGeom prst="rect">
+              <a:avLst/>
+            </a:prstGeom>
+            <a:noFill/>
+          </p:spPr>
+          <p:txBody>
+            <a:bodyPr wrap="none" rtlCol="0">
+              <a:spAutoFit/>
+            </a:bodyPr>
+            <a:lstStyle/>
+            <a:p>
+              <a:pPr algn="ctr"/>
+              <a:r>
+                <a:rPr lang="en-US" sz="11500" dirty="0">
+                  <a:latin typeface="All of us will die" panose="02000500000000000000" pitchFamily="2" charset="0"/>
+                </a:rPr>
+                <a:t>The wrong</a:t>
+              </a:r>
+              <a:br>
+                <a:rPr lang="en-US" sz="11500" dirty="0">
+                  <a:latin typeface="All of us will die" panose="02000500000000000000" pitchFamily="2" charset="0"/>
+                </a:rPr>
+              </a:br>
+              <a:r>
+                <a:rPr lang="en-US" sz="11500" dirty="0">
+                  <a:latin typeface="All of us will die" panose="02000500000000000000" pitchFamily="2" charset="0"/>
+                </a:rPr>
+                <a:t>math</a:t>
+              </a:r>
+              <a:endParaRPr lang="en-US" sz="9600" dirty="0">
+                <a:latin typeface="All of us will die" panose="02000500000000000000" pitchFamily="2" charset="0"/>
+              </a:endParaRPr>
+            </a:p>
+          </p:txBody>
+        </p:sp>
+        <p:sp>
+          <p:nvSpPr>
+            <p:cNvPr id="5" name="TextBox 4">
+              <a:extLst>
+                <a:ext uri="{FF2B5EF4-FFF2-40B4-BE49-F238E27FC236}">
+                  <a16:creationId xmlns:a16="http://schemas.microsoft.com/office/drawing/2014/main" id="{2B45A6F3-0C3E-6026-5672-DE5F243F6BCA}"/>
+                </a:ext>
+              </a:extLst>
+            </p:cNvPr>
+            <p:cNvSpPr txBox="1"/>
+            <p:nvPr/>
+          </p:nvSpPr>
+          <p:spPr>
+            <a:xfrm>
+              <a:off x="4664706" y="2163056"/>
+              <a:ext cx="1476686" cy="1015663"/>
+            </a:xfrm>
+            <a:prstGeom prst="rect">
+              <a:avLst/>
+            </a:prstGeom>
+            <a:noFill/>
+          </p:spPr>
+          <p:txBody>
+            <a:bodyPr wrap="none" rtlCol="0">
+              <a:spAutoFit/>
+            </a:bodyPr>
+            <a:lstStyle/>
+            <a:p>
+              <a:r>
+                <a:rPr lang="en-US" sz="6000" dirty="0">
+                  <a:latin typeface="Alice" panose="00000500000000000000" pitchFamily="2" charset="0"/>
+                </a:rPr>
+                <a:t>and</a:t>
+              </a:r>
+              <a:endParaRPr lang="en-US" sz="5400" dirty="0">
+                <a:latin typeface="Alice" panose="00000500000000000000" pitchFamily="2" charset="0"/>
+              </a:endParaRPr>
+            </a:p>
+          </p:txBody>
+        </p:sp>
+      </p:grpSp>
+    </p:spTree>
+    <p:extLst>
+      <p:ext uri="{BB962C8B-B14F-4D97-AF65-F5344CB8AC3E}">
+        <p14:creationId xmlns:p14="http://schemas.microsoft.com/office/powerpoint/2010/main" val="3636475003"/>
+      </p:ext>
+    </p:extLst>
+  </p:cSld>
+  <p:clrMapOvr>
+    <a:masterClrMapping/>
+  </p:clrMapOvr>
+</p:sld>
+</file>
+
+<file path=ppt/slides/slide9.xml><?xml version="1.0" encoding="utf-8"?>
+<p:sld xmlns:a="http://schemas.openxmlformats.org/drawingml/2006/main" xmlns:r="http://schemas.openxmlformats.org/officeDocument/2006/relationships" xmlns:p="http://schemas.openxmlformats.org/presentationml/2006/main">
+  <p:cSld>
+    <p:spTree>
+      <p:nvGrpSpPr>
+        <p:cNvPr id="1" name="">
+          <a:extLst>
+            <a:ext uri="{FF2B5EF4-FFF2-40B4-BE49-F238E27FC236}">
+              <a16:creationId xmlns:a16="http://schemas.microsoft.com/office/drawing/2014/main" id="{020D629B-423B-C20B-9E56-D4B8D7AEBEC8}"/>
+            </a:ext>
+          </a:extLst>
+        </p:cNvPr>
+        <p:cNvGrpSpPr/>
+        <p:nvPr/>
+      </p:nvGrpSpPr>
+      <p:grpSpPr>
+        <a:xfrm>
+          <a:off x="0" y="0"/>
+          <a:ext cx="0" cy="0"/>
+          <a:chOff x="0" y="0"/>
+          <a:chExt cx="0" cy="0"/>
+        </a:xfrm>
+      </p:grpSpPr>
+      <p:grpSp>
+        <p:nvGrpSpPr>
+          <p:cNvPr id="7" name="Group 6">
+            <a:extLst>
+              <a:ext uri="{FF2B5EF4-FFF2-40B4-BE49-F238E27FC236}">
+                <a16:creationId xmlns:a16="http://schemas.microsoft.com/office/drawing/2014/main" id="{C98587BE-EE31-970A-319F-4AE01836D067}"/>
+              </a:ext>
+            </a:extLst>
+          </p:cNvPr>
+          <p:cNvGrpSpPr/>
+          <p:nvPr/>
+        </p:nvGrpSpPr>
+        <p:grpSpPr>
+          <a:xfrm>
+            <a:off x="2933917" y="197429"/>
+            <a:ext cx="6324167" cy="6463142"/>
+            <a:chOff x="2240965" y="301008"/>
+            <a:chExt cx="6324167" cy="6463142"/>
+          </a:xfrm>
+        </p:grpSpPr>
+        <p:sp>
+          <p:nvSpPr>
+            <p:cNvPr id="53" name="TextBox 52">
+              <a:extLst>
+                <a:ext uri="{FF2B5EF4-FFF2-40B4-BE49-F238E27FC236}">
+                  <a16:creationId xmlns:a16="http://schemas.microsoft.com/office/drawing/2014/main" id="{E3E16257-C250-0FCA-3A6E-5AF7A4D8E64A}"/>
+                </a:ext>
+              </a:extLst>
+            </p:cNvPr>
+            <p:cNvSpPr txBox="1"/>
+            <p:nvPr/>
+          </p:nvSpPr>
+          <p:spPr>
+            <a:xfrm>
+              <a:off x="2801217" y="301008"/>
+              <a:ext cx="5203669" cy="1862048"/>
+            </a:xfrm>
+            <a:prstGeom prst="rect">
+              <a:avLst/>
+            </a:prstGeom>
+            <a:noFill/>
+          </p:spPr>
+          <p:txBody>
+            <a:bodyPr wrap="none" rtlCol="0">
+              <a:spAutoFit/>
+            </a:bodyPr>
+            <a:lstStyle/>
+            <a:p>
+              <a:r>
+                <a:rPr lang="en-US" sz="11500" dirty="0">
+                  <a:latin typeface="Alice" panose="00000500000000000000" pitchFamily="2" charset="0"/>
+                </a:rPr>
+                <a:t>Physics</a:t>
+              </a:r>
+              <a:endParaRPr lang="en-US" sz="9600" dirty="0">
+                <a:latin typeface="Alice" panose="00000500000000000000" pitchFamily="2" charset="0"/>
+              </a:endParaRPr>
+            </a:p>
+          </p:txBody>
+        </p:sp>
+        <p:sp>
+          <p:nvSpPr>
+            <p:cNvPr id="4" name="TextBox 3">
+              <a:extLst>
+                <a:ext uri="{FF2B5EF4-FFF2-40B4-BE49-F238E27FC236}">
+                  <a16:creationId xmlns:a16="http://schemas.microsoft.com/office/drawing/2014/main" id="{4C1869AC-8E31-5349-6BD3-9E182013DCD1}"/>
+                </a:ext>
+              </a:extLst>
+            </p:cNvPr>
+            <p:cNvSpPr txBox="1"/>
+            <p:nvPr/>
+          </p:nvSpPr>
+          <p:spPr>
+            <a:xfrm>
+              <a:off x="2240965" y="3132387"/>
+              <a:ext cx="6324167" cy="3631763"/>
+            </a:xfrm>
+            <a:prstGeom prst="rect">
+              <a:avLst/>
+            </a:prstGeom>
+            <a:noFill/>
+          </p:spPr>
+          <p:txBody>
+            <a:bodyPr wrap="none" rtlCol="0">
+              <a:spAutoFit/>
+            </a:bodyPr>
+            <a:lstStyle/>
+            <a:p>
+              <a:pPr algn="ctr"/>
+              <a:r>
+                <a:rPr lang="en-US" sz="11500" dirty="0">
+                  <a:solidFill>
+                    <a:srgbClr val="C00000"/>
+                  </a:solidFill>
+                  <a:latin typeface="All of us will die" panose="02000500000000000000" pitchFamily="2" charset="0"/>
+                </a:rPr>
+                <a:t>The wrong</a:t>
+              </a:r>
+              <a:br>
+                <a:rPr lang="en-US" sz="11500" dirty="0">
+                  <a:solidFill>
+                    <a:srgbClr val="C00000"/>
+                  </a:solidFill>
+                  <a:latin typeface="All of us will die" panose="02000500000000000000" pitchFamily="2" charset="0"/>
+                </a:rPr>
+              </a:br>
+              <a:r>
+                <a:rPr lang="en-US" sz="11500" dirty="0">
+                  <a:solidFill>
+                    <a:srgbClr val="C00000"/>
+                  </a:solidFill>
+                  <a:latin typeface="All of us will die" panose="02000500000000000000" pitchFamily="2" charset="0"/>
+                </a:rPr>
+                <a:t>math</a:t>
+              </a:r>
+              <a:endParaRPr lang="en-US" sz="9600" dirty="0">
+                <a:solidFill>
+                  <a:srgbClr val="C00000"/>
+                </a:solidFill>
+                <a:latin typeface="All of us will die" panose="02000500000000000000" pitchFamily="2" charset="0"/>
+              </a:endParaRPr>
+            </a:p>
+          </p:txBody>
+        </p:sp>
+        <p:sp>
+          <p:nvSpPr>
+            <p:cNvPr id="5" name="TextBox 4">
+              <a:extLst>
+                <a:ext uri="{FF2B5EF4-FFF2-40B4-BE49-F238E27FC236}">
+                  <a16:creationId xmlns:a16="http://schemas.microsoft.com/office/drawing/2014/main" id="{EB615951-160E-FF70-007A-7A7F3A61198E}"/>
+                </a:ext>
+              </a:extLst>
+            </p:cNvPr>
+            <p:cNvSpPr txBox="1"/>
+            <p:nvPr/>
+          </p:nvSpPr>
+          <p:spPr>
+            <a:xfrm>
+              <a:off x="4664706" y="2163056"/>
+              <a:ext cx="1476686" cy="1015663"/>
+            </a:xfrm>
+            <a:prstGeom prst="rect">
+              <a:avLst/>
+            </a:prstGeom>
+            <a:noFill/>
+          </p:spPr>
+          <p:txBody>
+            <a:bodyPr wrap="none" rtlCol="0">
+              <a:spAutoFit/>
+            </a:bodyPr>
+            <a:lstStyle/>
+            <a:p>
+              <a:r>
+                <a:rPr lang="en-US" sz="6000" dirty="0">
+                  <a:latin typeface="Alice" panose="00000500000000000000" pitchFamily="2" charset="0"/>
+                </a:rPr>
+                <a:t>and</a:t>
+              </a:r>
+              <a:endParaRPr lang="en-US" sz="5400" dirty="0">
+                <a:latin typeface="Alice" panose="00000500000000000000" pitchFamily="2" charset="0"/>
+              </a:endParaRPr>
+            </a:p>
+          </p:txBody>
+        </p:sp>
+      </p:grpSp>
+    </p:spTree>
+    <p:extLst>
+      <p:ext uri="{BB962C8B-B14F-4D97-AF65-F5344CB8AC3E}">
+        <p14:creationId xmlns:p14="http://schemas.microsoft.com/office/powerpoint/2010/main" val="212718882"/>
       </p:ext>
     </p:extLst>
   </p:cSld>

--- a/2025/2025Thumbnail.pptx
+++ b/2025/2025Thumbnail.pptx
@@ -15,6 +15,7 @@
     <p:sldId id="283" r:id="rId9"/>
     <p:sldId id="284" r:id="rId10"/>
     <p:sldId id="282" r:id="rId11"/>
+    <p:sldId id="285" r:id="rId12"/>
   </p:sldIdLst>
   <p:sldSz cx="12192000" cy="6858000"/>
   <p:notesSz cx="6858000" cy="9144000"/>
@@ -268,7 +269,7 @@
           <a:p>
             <a:fld id="{3816CC03-B68F-4642-A2B8-7A8633A67F21}" type="datetimeFigureOut">
               <a:rPr lang="en-US" smtClean="0"/>
-              <a:t>7/25/2025</a:t>
+              <a:t>8/25/2025</a:t>
             </a:fld>
             <a:endParaRPr lang="en-US"/>
           </a:p>
@@ -466,7 +467,7 @@
           <a:p>
             <a:fld id="{3816CC03-B68F-4642-A2B8-7A8633A67F21}" type="datetimeFigureOut">
               <a:rPr lang="en-US" smtClean="0"/>
-              <a:t>7/25/2025</a:t>
+              <a:t>8/25/2025</a:t>
             </a:fld>
             <a:endParaRPr lang="en-US"/>
           </a:p>
@@ -674,7 +675,7 @@
           <a:p>
             <a:fld id="{3816CC03-B68F-4642-A2B8-7A8633A67F21}" type="datetimeFigureOut">
               <a:rPr lang="en-US" smtClean="0"/>
-              <a:t>7/25/2025</a:t>
+              <a:t>8/25/2025</a:t>
             </a:fld>
             <a:endParaRPr lang="en-US"/>
           </a:p>
@@ -872,7 +873,7 @@
           <a:p>
             <a:fld id="{3816CC03-B68F-4642-A2B8-7A8633A67F21}" type="datetimeFigureOut">
               <a:rPr lang="en-US" smtClean="0"/>
-              <a:t>7/25/2025</a:t>
+              <a:t>8/25/2025</a:t>
             </a:fld>
             <a:endParaRPr lang="en-US"/>
           </a:p>
@@ -1147,7 +1148,7 @@
           <a:p>
             <a:fld id="{3816CC03-B68F-4642-A2B8-7A8633A67F21}" type="datetimeFigureOut">
               <a:rPr lang="en-US" smtClean="0"/>
-              <a:t>7/25/2025</a:t>
+              <a:t>8/25/2025</a:t>
             </a:fld>
             <a:endParaRPr lang="en-US"/>
           </a:p>
@@ -1412,7 +1413,7 @@
           <a:p>
             <a:fld id="{3816CC03-B68F-4642-A2B8-7A8633A67F21}" type="datetimeFigureOut">
               <a:rPr lang="en-US" smtClean="0"/>
-              <a:t>7/25/2025</a:t>
+              <a:t>8/25/2025</a:t>
             </a:fld>
             <a:endParaRPr lang="en-US"/>
           </a:p>
@@ -1824,7 +1825,7 @@
           <a:p>
             <a:fld id="{3816CC03-B68F-4642-A2B8-7A8633A67F21}" type="datetimeFigureOut">
               <a:rPr lang="en-US" smtClean="0"/>
-              <a:t>7/25/2025</a:t>
+              <a:t>8/25/2025</a:t>
             </a:fld>
             <a:endParaRPr lang="en-US"/>
           </a:p>
@@ -1965,7 +1966,7 @@
           <a:p>
             <a:fld id="{3816CC03-B68F-4642-A2B8-7A8633A67F21}" type="datetimeFigureOut">
               <a:rPr lang="en-US" smtClean="0"/>
-              <a:t>7/25/2025</a:t>
+              <a:t>8/25/2025</a:t>
             </a:fld>
             <a:endParaRPr lang="en-US"/>
           </a:p>
@@ -2078,7 +2079,7 @@
           <a:p>
             <a:fld id="{3816CC03-B68F-4642-A2B8-7A8633A67F21}" type="datetimeFigureOut">
               <a:rPr lang="en-US" smtClean="0"/>
-              <a:t>7/25/2025</a:t>
+              <a:t>8/25/2025</a:t>
             </a:fld>
             <a:endParaRPr lang="en-US"/>
           </a:p>
@@ -2425,7 +2426,7 @@
           <a:p>
             <a:fld id="{3816CC03-B68F-4642-A2B8-7A8633A67F21}" type="datetimeFigureOut">
               <a:rPr lang="en-US" smtClean="0"/>
-              <a:t>7/25/2025</a:t>
+              <a:t>8/25/2025</a:t>
             </a:fld>
             <a:endParaRPr lang="en-US"/>
           </a:p>
@@ -2713,7 +2714,7 @@
           <a:p>
             <a:fld id="{3816CC03-B68F-4642-A2B8-7A8633A67F21}" type="datetimeFigureOut">
               <a:rPr lang="en-US" smtClean="0"/>
-              <a:t>7/25/2025</a:t>
+              <a:t>8/25/2025</a:t>
             </a:fld>
             <a:endParaRPr lang="en-US"/>
           </a:p>
@@ -2954,7 +2955,7 @@
           <a:p>
             <a:fld id="{3816CC03-B68F-4642-A2B8-7A8633A67F21}" type="datetimeFigureOut">
               <a:rPr lang="en-US" smtClean="0"/>
-              <a:t>7/25/2025</a:t>
+              <a:t>8/25/2025</a:t>
             </a:fld>
             <a:endParaRPr lang="en-US"/>
           </a:p>
@@ -3587,6 +3588,340 @@
     <p:extLst>
       <p:ext uri="{BB962C8B-B14F-4D97-AF65-F5344CB8AC3E}">
         <p14:creationId xmlns:p14="http://schemas.microsoft.com/office/powerpoint/2010/main" val="3699704841"/>
+      </p:ext>
+    </p:extLst>
+  </p:cSld>
+  <p:clrMapOvr>
+    <a:masterClrMapping/>
+  </p:clrMapOvr>
+</p:sld>
+</file>
+
+<file path=ppt/slides/slide11.xml><?xml version="1.0" encoding="utf-8"?>
+<p:sld xmlns:a="http://schemas.openxmlformats.org/drawingml/2006/main" xmlns:r="http://schemas.openxmlformats.org/officeDocument/2006/relationships" xmlns:p="http://schemas.openxmlformats.org/presentationml/2006/main">
+  <p:cSld>
+    <p:spTree>
+      <p:nvGrpSpPr>
+        <p:cNvPr id="1" name="">
+          <a:extLst>
+            <a:ext uri="{FF2B5EF4-FFF2-40B4-BE49-F238E27FC236}">
+              <a16:creationId xmlns:a16="http://schemas.microsoft.com/office/drawing/2014/main" id="{5530A2B8-B527-4E14-3D14-E5CA0F227725}"/>
+            </a:ext>
+          </a:extLst>
+        </p:cNvPr>
+        <p:cNvGrpSpPr/>
+        <p:nvPr/>
+      </p:nvGrpSpPr>
+      <p:grpSpPr>
+        <a:xfrm>
+          <a:off x="0" y="0"/>
+          <a:ext cx="0" cy="0"/>
+          <a:chOff x="0" y="0"/>
+          <a:chExt cx="0" cy="0"/>
+        </a:xfrm>
+      </p:grpSpPr>
+      <p:cxnSp>
+        <p:nvCxnSpPr>
+          <p:cNvPr id="8" name="Straight Arrow Connector 7">
+            <a:extLst>
+              <a:ext uri="{FF2B5EF4-FFF2-40B4-BE49-F238E27FC236}">
+                <a16:creationId xmlns:a16="http://schemas.microsoft.com/office/drawing/2014/main" id="{3221656F-D2C2-F583-91EF-8C136D731A14}"/>
+              </a:ext>
+            </a:extLst>
+          </p:cNvPr>
+          <p:cNvCxnSpPr>
+            <a:cxnSpLocks/>
+          </p:cNvCxnSpPr>
+          <p:nvPr/>
+        </p:nvCxnSpPr>
+        <p:spPr>
+          <a:xfrm>
+            <a:off x="5760720" y="1564640"/>
+            <a:ext cx="2672080" cy="1493520"/>
+          </a:xfrm>
+          <a:prstGeom prst="straightConnector1">
+            <a:avLst/>
+          </a:prstGeom>
+          <a:ln w="76200">
+            <a:tailEnd type="triangle" w="lg" len="lg"/>
+          </a:ln>
+        </p:spPr>
+        <p:style>
+          <a:lnRef idx="1">
+            <a:schemeClr val="accent1"/>
+          </a:lnRef>
+          <a:fillRef idx="0">
+            <a:schemeClr val="accent1"/>
+          </a:fillRef>
+          <a:effectRef idx="0">
+            <a:schemeClr val="accent1"/>
+          </a:effectRef>
+          <a:fontRef idx="minor">
+            <a:schemeClr val="tx1"/>
+          </a:fontRef>
+        </p:style>
+      </p:cxnSp>
+      <mc:AlternateContent xmlns:mc="http://schemas.openxmlformats.org/markup-compatibility/2006" xmlns:a14="http://schemas.microsoft.com/office/drawing/2010/main">
+        <mc:Choice Requires="a14">
+          <p:sp>
+            <p:nvSpPr>
+              <p:cNvPr id="2" name="TextBox 1">
+                <a:extLst>
+                  <a:ext uri="{FF2B5EF4-FFF2-40B4-BE49-F238E27FC236}">
+                    <a16:creationId xmlns:a16="http://schemas.microsoft.com/office/drawing/2014/main" id="{56A3BA75-7452-7AFE-B614-22BC49E65C6F}"/>
+                  </a:ext>
+                </a:extLst>
+              </p:cNvPr>
+              <p:cNvSpPr txBox="1"/>
+              <p:nvPr/>
+            </p:nvSpPr>
+            <p:spPr>
+              <a:xfrm>
+                <a:off x="2323524" y="2602716"/>
+                <a:ext cx="7544951" cy="1652568"/>
+              </a:xfrm>
+              <a:prstGeom prst="rect">
+                <a:avLst/>
+              </a:prstGeom>
+              <a:noFill/>
+            </p:spPr>
+            <p:txBody>
+              <a:bodyPr wrap="none" rtlCol="0">
+                <a:spAutoFit/>
+              </a:bodyPr>
+              <a:lstStyle/>
+              <a:p>
+                <a14:m>
+                  <m:oMath xmlns:m="http://schemas.openxmlformats.org/officeDocument/2006/math">
+                    <m:r>
+                      <a:rPr lang="en-US" sz="9600" b="0" i="1" smtClean="0">
+                        <a:latin typeface="Cambria Math" panose="02040503050406030204" pitchFamily="18" charset="0"/>
+                      </a:rPr>
+                      <m:t>𝑣</m:t>
+                    </m:r>
+                    <m:r>
+                      <a:rPr lang="en-US" sz="9600" b="0" i="1" smtClean="0">
+                        <a:latin typeface="Cambria Math" panose="02040503050406030204" pitchFamily="18" charset="0"/>
+                      </a:rPr>
+                      <m:t>=</m:t>
+                    </m:r>
+                    <m:nary>
+                      <m:naryPr>
+                        <m:chr m:val="∑"/>
+                        <m:ctrlPr>
+                          <a:rPr lang="en-US" sz="9600" b="0" i="1" smtClean="0">
+                            <a:latin typeface="Cambria Math" panose="02040503050406030204" pitchFamily="18" charset="0"/>
+                          </a:rPr>
+                        </m:ctrlPr>
+                      </m:naryPr>
+                      <m:sub>
+                        <m:r>
+                          <a:rPr lang="en-US" sz="9600" b="0" i="1" smtClean="0">
+                            <a:latin typeface="Cambria Math" panose="02040503050406030204" pitchFamily="18" charset="0"/>
+                          </a:rPr>
+                          <m:t>𝑖</m:t>
+                        </m:r>
+                        <m:r>
+                          <a:rPr lang="en-US" sz="9600" b="0" i="1" smtClean="0">
+                            <a:latin typeface="Cambria Math" panose="02040503050406030204" pitchFamily="18" charset="0"/>
+                          </a:rPr>
+                          <m:t>=1</m:t>
+                        </m:r>
+                      </m:sub>
+                      <m:sup>
+                        <m:r>
+                          <a:rPr lang="en-US" sz="9600" b="0" i="1" smtClean="0">
+                            <a:latin typeface="Cambria Math" panose="02040503050406030204" pitchFamily="18" charset="0"/>
+                          </a:rPr>
+                          <m:t>∞</m:t>
+                        </m:r>
+                      </m:sup>
+                      <m:e>
+                        <m:sSup>
+                          <m:sSupPr>
+                            <m:ctrlPr>
+                              <a:rPr lang="en-US" sz="9600" b="0" i="1" smtClean="0">
+                                <a:latin typeface="Cambria Math" panose="02040503050406030204" pitchFamily="18" charset="0"/>
+                              </a:rPr>
+                            </m:ctrlPr>
+                          </m:sSupPr>
+                          <m:e>
+                            <m:r>
+                              <a:rPr lang="en-US" sz="9600" b="0" i="1" smtClean="0">
+                                <a:latin typeface="Cambria Math" panose="02040503050406030204" pitchFamily="18" charset="0"/>
+                              </a:rPr>
+                              <m:t>𝑣</m:t>
+                            </m:r>
+                          </m:e>
+                          <m:sup>
+                            <m:r>
+                              <a:rPr lang="en-US" sz="9600" b="0" i="1" smtClean="0">
+                                <a:latin typeface="Cambria Math" panose="02040503050406030204" pitchFamily="18" charset="0"/>
+                              </a:rPr>
+                              <m:t>𝑖</m:t>
+                            </m:r>
+                          </m:sup>
+                        </m:sSup>
+                        <m:sSub>
+                          <m:sSubPr>
+                            <m:ctrlPr>
+                              <a:rPr lang="en-US" sz="9600" b="0" i="1" smtClean="0">
+                                <a:latin typeface="Cambria Math" panose="02040503050406030204" pitchFamily="18" charset="0"/>
+                              </a:rPr>
+                            </m:ctrlPr>
+                          </m:sSubPr>
+                          <m:e>
+                            <m:r>
+                              <a:rPr lang="en-US" sz="9600" b="0" i="1" smtClean="0">
+                                <a:latin typeface="Cambria Math" panose="02040503050406030204" pitchFamily="18" charset="0"/>
+                              </a:rPr>
+                              <m:t>𝜕</m:t>
+                            </m:r>
+                          </m:e>
+                          <m:sub>
+                            <m:r>
+                              <a:rPr lang="en-US" sz="9600" b="0" i="1" smtClean="0">
+                                <a:latin typeface="Cambria Math" panose="02040503050406030204" pitchFamily="18" charset="0"/>
+                              </a:rPr>
+                              <m:t>𝑖</m:t>
+                            </m:r>
+                          </m:sub>
+                        </m:sSub>
+                      </m:e>
+                    </m:nary>
+                  </m:oMath>
+                </a14:m>
+                <a:r>
+                  <a:rPr lang="en-US" sz="9600" dirty="0"/>
+                  <a:t> </a:t>
+                </a:r>
+              </a:p>
+            </p:txBody>
+          </p:sp>
+        </mc:Choice>
+        <mc:Fallback xmlns="">
+          <p:sp>
+            <p:nvSpPr>
+              <p:cNvPr id="2" name="TextBox 1">
+                <a:extLst>
+                  <a:ext uri="{FF2B5EF4-FFF2-40B4-BE49-F238E27FC236}">
+                    <a16:creationId xmlns:a16="http://schemas.microsoft.com/office/drawing/2014/main" id="{56A3BA75-7452-7AFE-B614-22BC49E65C6F}"/>
+                  </a:ext>
+                </a:extLst>
+              </p:cNvPr>
+              <p:cNvSpPr txBox="1">
+                <a:spLocks noRot="1" noChangeAspect="1" noMove="1" noResize="1" noEditPoints="1" noAdjustHandles="1" noChangeArrowheads="1" noChangeShapeType="1" noTextEdit="1"/>
+              </p:cNvSpPr>
+              <p:nvPr/>
+            </p:nvSpPr>
+            <p:spPr>
+              <a:xfrm>
+                <a:off x="2323524" y="2602716"/>
+                <a:ext cx="7544951" cy="1652568"/>
+              </a:xfrm>
+              <a:prstGeom prst="rect">
+                <a:avLst/>
+              </a:prstGeom>
+              <a:blipFill>
+                <a:blip r:embed="rId2"/>
+                <a:stretch>
+                  <a:fillRect/>
+                </a:stretch>
+              </a:blipFill>
+            </p:spPr>
+            <p:txBody>
+              <a:bodyPr/>
+              <a:lstStyle/>
+              <a:p>
+                <a:r>
+                  <a:rPr lang="en-US">
+                    <a:noFill/>
+                  </a:rPr>
+                  <a:t> </a:t>
+                </a:r>
+              </a:p>
+            </p:txBody>
+          </p:sp>
+        </mc:Fallback>
+      </mc:AlternateContent>
+      <p:sp>
+        <p:nvSpPr>
+          <p:cNvPr id="3" name="TextBox 2">
+            <a:extLst>
+              <a:ext uri="{FF2B5EF4-FFF2-40B4-BE49-F238E27FC236}">
+                <a16:creationId xmlns:a16="http://schemas.microsoft.com/office/drawing/2014/main" id="{FF1E3F6D-E40D-CDAA-289A-5C473C1EC022}"/>
+              </a:ext>
+            </a:extLst>
+          </p:cNvPr>
+          <p:cNvSpPr txBox="1"/>
+          <p:nvPr/>
+        </p:nvSpPr>
+        <p:spPr>
+          <a:xfrm>
+            <a:off x="2191617" y="528320"/>
+            <a:ext cx="7653057" cy="1107996"/>
+          </a:xfrm>
+          <a:prstGeom prst="rect">
+            <a:avLst/>
+          </a:prstGeom>
+          <a:noFill/>
+        </p:spPr>
+        <p:txBody>
+          <a:bodyPr wrap="none" rtlCol="0">
+            <a:spAutoFit/>
+          </a:bodyPr>
+          <a:lstStyle/>
+          <a:p>
+            <a:r>
+              <a:rPr lang="en-US" sz="6600" dirty="0">
+                <a:solidFill>
+                  <a:srgbClr val="C00000"/>
+                </a:solidFill>
+              </a:rPr>
+              <a:t>This can’t be a basis</a:t>
+            </a:r>
+          </a:p>
+        </p:txBody>
+      </p:sp>
+      <p:sp>
+        <p:nvSpPr>
+          <p:cNvPr id="11" name="TextBox 10">
+            <a:extLst>
+              <a:ext uri="{FF2B5EF4-FFF2-40B4-BE49-F238E27FC236}">
+                <a16:creationId xmlns:a16="http://schemas.microsoft.com/office/drawing/2014/main" id="{9938BC55-305A-6960-6248-73B0E835E068}"/>
+              </a:ext>
+            </a:extLst>
+          </p:cNvPr>
+          <p:cNvSpPr txBox="1"/>
+          <p:nvPr/>
+        </p:nvSpPr>
+        <p:spPr>
+          <a:xfrm>
+            <a:off x="9083645" y="1564640"/>
+            <a:ext cx="1569660" cy="461665"/>
+          </a:xfrm>
+          <a:prstGeom prst="rect">
+            <a:avLst/>
+          </a:prstGeom>
+          <a:noFill/>
+        </p:spPr>
+        <p:txBody>
+          <a:bodyPr wrap="none" rtlCol="0">
+            <a:spAutoFit/>
+          </a:bodyPr>
+          <a:lstStyle/>
+          <a:p>
+            <a:r>
+              <a:rPr lang="en-US" sz="2400" dirty="0"/>
+              <a:t>in physics</a:t>
+            </a:r>
+          </a:p>
+        </p:txBody>
+      </p:sp>
+    </p:spTree>
+    <p:extLst>
+      <p:ext uri="{BB962C8B-B14F-4D97-AF65-F5344CB8AC3E}">
+        <p14:creationId xmlns:p14="http://schemas.microsoft.com/office/powerpoint/2010/main" val="306426358"/>
       </p:ext>
     </p:extLst>
   </p:cSld>

--- a/2025/2025Thumbnail.pptx
+++ b/2025/2025Thumbnail.pptx
@@ -16,6 +16,9 @@
     <p:sldId id="284" r:id="rId10"/>
     <p:sldId id="282" r:id="rId11"/>
     <p:sldId id="285" r:id="rId12"/>
+    <p:sldId id="935" r:id="rId13"/>
+    <p:sldId id="936" r:id="rId14"/>
+    <p:sldId id="937" r:id="rId15"/>
   </p:sldIdLst>
   <p:sldSz cx="12192000" cy="6858000"/>
   <p:notesSz cx="6858000" cy="9144000"/>
@@ -269,7 +272,7 @@
           <a:p>
             <a:fld id="{3816CC03-B68F-4642-A2B8-7A8633A67F21}" type="datetimeFigureOut">
               <a:rPr lang="en-US" smtClean="0"/>
-              <a:t>8/25/2025</a:t>
+              <a:t>11/30/2025</a:t>
             </a:fld>
             <a:endParaRPr lang="en-US"/>
           </a:p>
@@ -467,7 +470,7 @@
           <a:p>
             <a:fld id="{3816CC03-B68F-4642-A2B8-7A8633A67F21}" type="datetimeFigureOut">
               <a:rPr lang="en-US" smtClean="0"/>
-              <a:t>8/25/2025</a:t>
+              <a:t>11/30/2025</a:t>
             </a:fld>
             <a:endParaRPr lang="en-US"/>
           </a:p>
@@ -675,7 +678,7 @@
           <a:p>
             <a:fld id="{3816CC03-B68F-4642-A2B8-7A8633A67F21}" type="datetimeFigureOut">
               <a:rPr lang="en-US" smtClean="0"/>
-              <a:t>8/25/2025</a:t>
+              <a:t>11/30/2025</a:t>
             </a:fld>
             <a:endParaRPr lang="en-US"/>
           </a:p>
@@ -873,7 +876,7 @@
           <a:p>
             <a:fld id="{3816CC03-B68F-4642-A2B8-7A8633A67F21}" type="datetimeFigureOut">
               <a:rPr lang="en-US" smtClean="0"/>
-              <a:t>8/25/2025</a:t>
+              <a:t>11/30/2025</a:t>
             </a:fld>
             <a:endParaRPr lang="en-US"/>
           </a:p>
@@ -1148,7 +1151,7 @@
           <a:p>
             <a:fld id="{3816CC03-B68F-4642-A2B8-7A8633A67F21}" type="datetimeFigureOut">
               <a:rPr lang="en-US" smtClean="0"/>
-              <a:t>8/25/2025</a:t>
+              <a:t>11/30/2025</a:t>
             </a:fld>
             <a:endParaRPr lang="en-US"/>
           </a:p>
@@ -1413,7 +1416,7 @@
           <a:p>
             <a:fld id="{3816CC03-B68F-4642-A2B8-7A8633A67F21}" type="datetimeFigureOut">
               <a:rPr lang="en-US" smtClean="0"/>
-              <a:t>8/25/2025</a:t>
+              <a:t>11/30/2025</a:t>
             </a:fld>
             <a:endParaRPr lang="en-US"/>
           </a:p>
@@ -1825,7 +1828,7 @@
           <a:p>
             <a:fld id="{3816CC03-B68F-4642-A2B8-7A8633A67F21}" type="datetimeFigureOut">
               <a:rPr lang="en-US" smtClean="0"/>
-              <a:t>8/25/2025</a:t>
+              <a:t>11/30/2025</a:t>
             </a:fld>
             <a:endParaRPr lang="en-US"/>
           </a:p>
@@ -1966,7 +1969,7 @@
           <a:p>
             <a:fld id="{3816CC03-B68F-4642-A2B8-7A8633A67F21}" type="datetimeFigureOut">
               <a:rPr lang="en-US" smtClean="0"/>
-              <a:t>8/25/2025</a:t>
+              <a:t>11/30/2025</a:t>
             </a:fld>
             <a:endParaRPr lang="en-US"/>
           </a:p>
@@ -2079,7 +2082,7 @@
           <a:p>
             <a:fld id="{3816CC03-B68F-4642-A2B8-7A8633A67F21}" type="datetimeFigureOut">
               <a:rPr lang="en-US" smtClean="0"/>
-              <a:t>8/25/2025</a:t>
+              <a:t>11/30/2025</a:t>
             </a:fld>
             <a:endParaRPr lang="en-US"/>
           </a:p>
@@ -2426,7 +2429,7 @@
           <a:p>
             <a:fld id="{3816CC03-B68F-4642-A2B8-7A8633A67F21}" type="datetimeFigureOut">
               <a:rPr lang="en-US" smtClean="0"/>
-              <a:t>8/25/2025</a:t>
+              <a:t>11/30/2025</a:t>
             </a:fld>
             <a:endParaRPr lang="en-US"/>
           </a:p>
@@ -2714,7 +2717,7 @@
           <a:p>
             <a:fld id="{3816CC03-B68F-4642-A2B8-7A8633A67F21}" type="datetimeFigureOut">
               <a:rPr lang="en-US" smtClean="0"/>
-              <a:t>8/25/2025</a:t>
+              <a:t>11/30/2025</a:t>
             </a:fld>
             <a:endParaRPr lang="en-US"/>
           </a:p>
@@ -2955,7 +2958,7 @@
           <a:p>
             <a:fld id="{3816CC03-B68F-4642-A2B8-7A8633A67F21}" type="datetimeFigureOut">
               <a:rPr lang="en-US" smtClean="0"/>
-              <a:t>8/25/2025</a:t>
+              <a:t>11/30/2025</a:t>
             </a:fld>
             <a:endParaRPr lang="en-US"/>
           </a:p>
@@ -3922,6 +3925,9713 @@
     <p:extLst>
       <p:ext uri="{BB962C8B-B14F-4D97-AF65-F5344CB8AC3E}">
         <p14:creationId xmlns:p14="http://schemas.microsoft.com/office/powerpoint/2010/main" val="306426358"/>
+      </p:ext>
+    </p:extLst>
+  </p:cSld>
+  <p:clrMapOvr>
+    <a:masterClrMapping/>
+  </p:clrMapOvr>
+</p:sld>
+</file>
+
+<file path=ppt/slides/slide12.xml><?xml version="1.0" encoding="utf-8"?>
+<p:sld xmlns:a="http://schemas.openxmlformats.org/drawingml/2006/main" xmlns:r="http://schemas.openxmlformats.org/officeDocument/2006/relationships" xmlns:p="http://schemas.openxmlformats.org/presentationml/2006/main">
+  <p:cSld>
+    <p:spTree>
+      <p:nvGrpSpPr>
+        <p:cNvPr id="1" name="">
+          <a:extLst>
+            <a:ext uri="{FF2B5EF4-FFF2-40B4-BE49-F238E27FC236}">
+              <a16:creationId xmlns:a16="http://schemas.microsoft.com/office/drawing/2014/main" id="{76079383-1C45-B6BB-AC7B-4680E56F3247}"/>
+            </a:ext>
+          </a:extLst>
+        </p:cNvPr>
+        <p:cNvGrpSpPr/>
+        <p:nvPr/>
+      </p:nvGrpSpPr>
+      <p:grpSpPr>
+        <a:xfrm>
+          <a:off x="0" y="0"/>
+          <a:ext cx="0" cy="0"/>
+          <a:chOff x="0" y="0"/>
+          <a:chExt cx="0" cy="0"/>
+        </a:xfrm>
+      </p:grpSpPr>
+      <p:grpSp>
+        <p:nvGrpSpPr>
+          <p:cNvPr id="2" name="Group 1">
+            <a:extLst>
+              <a:ext uri="{FF2B5EF4-FFF2-40B4-BE49-F238E27FC236}">
+                <a16:creationId xmlns:a16="http://schemas.microsoft.com/office/drawing/2014/main" id="{151308D2-8027-4669-338C-CB6877DCA062}"/>
+              </a:ext>
+            </a:extLst>
+          </p:cNvPr>
+          <p:cNvGrpSpPr/>
+          <p:nvPr/>
+        </p:nvGrpSpPr>
+        <p:grpSpPr>
+          <a:xfrm>
+            <a:off x="521724" y="1594851"/>
+            <a:ext cx="4890533" cy="4800441"/>
+            <a:chOff x="7537708" y="528483"/>
+            <a:chExt cx="3948431" cy="3875694"/>
+          </a:xfrm>
+        </p:grpSpPr>
+        <p:cxnSp>
+          <p:nvCxnSpPr>
+            <p:cNvPr id="3" name="Straight Connector 2">
+              <a:extLst>
+                <a:ext uri="{FF2B5EF4-FFF2-40B4-BE49-F238E27FC236}">
+                  <a16:creationId xmlns:a16="http://schemas.microsoft.com/office/drawing/2014/main" id="{44892A3F-791A-DB32-C857-5657D10B5573}"/>
+                </a:ext>
+              </a:extLst>
+            </p:cNvPr>
+            <p:cNvCxnSpPr>
+              <a:cxnSpLocks/>
+            </p:cNvCxnSpPr>
+            <p:nvPr/>
+          </p:nvCxnSpPr>
+          <p:spPr>
+            <a:xfrm>
+              <a:off x="8175625" y="1984375"/>
+              <a:ext cx="1597025" cy="1989487"/>
+            </a:xfrm>
+            <a:prstGeom prst="line">
+              <a:avLst/>
+            </a:prstGeom>
+            <a:noFill/>
+            <a:ln w="38100">
+              <a:solidFill>
+                <a:schemeClr val="accent5"/>
+              </a:solidFill>
+            </a:ln>
+          </p:spPr>
+          <p:style>
+            <a:lnRef idx="2">
+              <a:schemeClr val="accent1">
+                <a:shade val="15000"/>
+              </a:schemeClr>
+            </a:lnRef>
+            <a:fillRef idx="1">
+              <a:schemeClr val="accent1"/>
+            </a:fillRef>
+            <a:effectRef idx="0">
+              <a:schemeClr val="accent1"/>
+            </a:effectRef>
+            <a:fontRef idx="minor">
+              <a:schemeClr val="lt1"/>
+            </a:fontRef>
+          </p:style>
+        </p:cxnSp>
+        <p:cxnSp>
+          <p:nvCxnSpPr>
+            <p:cNvPr id="4" name="Straight Connector 3">
+              <a:extLst>
+                <a:ext uri="{FF2B5EF4-FFF2-40B4-BE49-F238E27FC236}">
+                  <a16:creationId xmlns:a16="http://schemas.microsoft.com/office/drawing/2014/main" id="{62E0EDF9-C2F9-6FDC-C13C-F64651707CE0}"/>
+                </a:ext>
+              </a:extLst>
+            </p:cNvPr>
+            <p:cNvCxnSpPr>
+              <a:cxnSpLocks/>
+            </p:cNvCxnSpPr>
+            <p:nvPr/>
+          </p:nvCxnSpPr>
+          <p:spPr>
+            <a:xfrm flipV="1">
+              <a:off x="9772650" y="1142999"/>
+              <a:ext cx="1611630" cy="2830863"/>
+            </a:xfrm>
+            <a:prstGeom prst="line">
+              <a:avLst/>
+            </a:prstGeom>
+            <a:noFill/>
+            <a:ln w="38100">
+              <a:solidFill>
+                <a:schemeClr val="accent5"/>
+              </a:solidFill>
+            </a:ln>
+          </p:spPr>
+          <p:style>
+            <a:lnRef idx="2">
+              <a:schemeClr val="accent1">
+                <a:shade val="15000"/>
+              </a:schemeClr>
+            </a:lnRef>
+            <a:fillRef idx="1">
+              <a:schemeClr val="accent1"/>
+            </a:fillRef>
+            <a:effectRef idx="0">
+              <a:schemeClr val="accent1"/>
+            </a:effectRef>
+            <a:fontRef idx="minor">
+              <a:schemeClr val="lt1"/>
+            </a:fontRef>
+          </p:style>
+        </p:cxnSp>
+        <mc:AlternateContent xmlns:mc="http://schemas.openxmlformats.org/markup-compatibility/2006" xmlns:a14="http://schemas.microsoft.com/office/drawing/2010/main">
+          <mc:Choice Requires="a14">
+            <p:sp>
+              <p:nvSpPr>
+                <p:cNvPr id="5" name="TextBox 4">
+                  <a:extLst>
+                    <a:ext uri="{FF2B5EF4-FFF2-40B4-BE49-F238E27FC236}">
+                      <a16:creationId xmlns:a16="http://schemas.microsoft.com/office/drawing/2014/main" id="{281B7C11-DD8D-15A1-EB61-64AAC62D55AA}"/>
+                    </a:ext>
+                  </a:extLst>
+                </p:cNvPr>
+                <p:cNvSpPr txBox="1"/>
+                <p:nvPr/>
+              </p:nvSpPr>
+              <p:spPr>
+                <a:xfrm>
+                  <a:off x="7537708" y="1478280"/>
+                  <a:ext cx="623312" cy="523220"/>
+                </a:xfrm>
+                <a:prstGeom prst="rect">
+                  <a:avLst/>
+                </a:prstGeom>
+                <a:noFill/>
+              </p:spPr>
+              <p:txBody>
+                <a:bodyPr wrap="none" rtlCol="0">
+                  <a:spAutoFit/>
+                </a:bodyPr>
+                <a:lstStyle/>
+                <a:p>
+                  <a:pPr/>
+                  <a14:m>
+                    <m:oMathPara xmlns:m="http://schemas.openxmlformats.org/officeDocument/2006/math">
+                      <m:oMathParaPr>
+                        <m:jc m:val="centerGroup"/>
+                      </m:oMathParaPr>
+                      <m:oMath xmlns:m="http://schemas.openxmlformats.org/officeDocument/2006/math">
+                        <m:sSub>
+                          <m:sSubPr>
+                            <m:ctrlPr>
+                              <a:rPr lang="en-US" sz="2800" b="0" i="1" smtClean="0">
+                                <a:latin typeface="Cambria Math" panose="02040503050406030204" pitchFamily="18" charset="0"/>
+                              </a:rPr>
+                            </m:ctrlPr>
+                          </m:sSubPr>
+                          <m:e>
+                            <m:r>
+                              <a:rPr lang="en-US" sz="2800" b="0" i="1" smtClean="0">
+                                <a:latin typeface="Cambria Math" panose="02040503050406030204" pitchFamily="18" charset="0"/>
+                              </a:rPr>
+                              <m:t>𝑃</m:t>
+                            </m:r>
+                          </m:e>
+                          <m:sub>
+                            <m:r>
+                              <a:rPr lang="en-US" sz="2800" b="0" i="1" smtClean="0">
+                                <a:latin typeface="Cambria Math" panose="02040503050406030204" pitchFamily="18" charset="0"/>
+                              </a:rPr>
+                              <m:t>𝐴</m:t>
+                            </m:r>
+                          </m:sub>
+                        </m:sSub>
+                      </m:oMath>
+                    </m:oMathPara>
+                  </a14:m>
+                  <a:endParaRPr lang="en-US" sz="2800" b="0" dirty="0"/>
+                </a:p>
+              </p:txBody>
+            </p:sp>
+          </mc:Choice>
+          <mc:Fallback xmlns="">
+            <p:sp>
+              <p:nvSpPr>
+                <p:cNvPr id="5" name="TextBox 4">
+                  <a:extLst>
+                    <a:ext uri="{FF2B5EF4-FFF2-40B4-BE49-F238E27FC236}">
+                      <a16:creationId xmlns:a16="http://schemas.microsoft.com/office/drawing/2014/main" id="{281B7C11-DD8D-15A1-EB61-64AAC62D55AA}"/>
+                    </a:ext>
+                  </a:extLst>
+                </p:cNvPr>
+                <p:cNvSpPr txBox="1">
+                  <a:spLocks noRot="1" noChangeAspect="1" noMove="1" noResize="1" noEditPoints="1" noAdjustHandles="1" noChangeArrowheads="1" noChangeShapeType="1" noTextEdit="1"/>
+                </p:cNvSpPr>
+                <p:nvPr/>
+              </p:nvSpPr>
+              <p:spPr>
+                <a:xfrm>
+                  <a:off x="7537708" y="1478280"/>
+                  <a:ext cx="623312" cy="523220"/>
+                </a:xfrm>
+                <a:prstGeom prst="rect">
+                  <a:avLst/>
+                </a:prstGeom>
+                <a:blipFill>
+                  <a:blip r:embed="rId2"/>
+                  <a:stretch>
+                    <a:fillRect/>
+                  </a:stretch>
+                </a:blipFill>
+              </p:spPr>
+              <p:txBody>
+                <a:bodyPr/>
+                <a:lstStyle/>
+                <a:p>
+                  <a:r>
+                    <a:rPr lang="en-US">
+                      <a:noFill/>
+                    </a:rPr>
+                    <a:t> </a:t>
+                  </a:r>
+                </a:p>
+              </p:txBody>
+            </p:sp>
+          </mc:Fallback>
+        </mc:AlternateContent>
+        <mc:AlternateContent xmlns:mc="http://schemas.openxmlformats.org/markup-compatibility/2006" xmlns:a14="http://schemas.microsoft.com/office/drawing/2010/main">
+          <mc:Choice Requires="a14">
+            <p:sp>
+              <p:nvSpPr>
+                <p:cNvPr id="6" name="TextBox 5">
+                  <a:extLst>
+                    <a:ext uri="{FF2B5EF4-FFF2-40B4-BE49-F238E27FC236}">
+                      <a16:creationId xmlns:a16="http://schemas.microsoft.com/office/drawing/2014/main" id="{ED5FE76E-F32B-922D-06EE-79557219E7EC}"/>
+                    </a:ext>
+                  </a:extLst>
+                </p:cNvPr>
+                <p:cNvSpPr txBox="1"/>
+                <p:nvPr/>
+              </p:nvSpPr>
+              <p:spPr>
+                <a:xfrm>
+                  <a:off x="10835641" y="643882"/>
+                  <a:ext cx="650498" cy="523220"/>
+                </a:xfrm>
+                <a:prstGeom prst="rect">
+                  <a:avLst/>
+                </a:prstGeom>
+                <a:noFill/>
+              </p:spPr>
+              <p:txBody>
+                <a:bodyPr wrap="none" rtlCol="0">
+                  <a:spAutoFit/>
+                </a:bodyPr>
+                <a:lstStyle/>
+                <a:p>
+                  <a:pPr/>
+                  <a14:m>
+                    <m:oMathPara xmlns:m="http://schemas.openxmlformats.org/officeDocument/2006/math">
+                      <m:oMathParaPr>
+                        <m:jc m:val="centerGroup"/>
+                      </m:oMathParaPr>
+                      <m:oMath xmlns:m="http://schemas.openxmlformats.org/officeDocument/2006/math">
+                        <m:sSub>
+                          <m:sSubPr>
+                            <m:ctrlPr>
+                              <a:rPr lang="en-US" sz="2800" b="0" i="1" smtClean="0">
+                                <a:latin typeface="Cambria Math" panose="02040503050406030204" pitchFamily="18" charset="0"/>
+                              </a:rPr>
+                            </m:ctrlPr>
+                          </m:sSubPr>
+                          <m:e>
+                            <m:r>
+                              <a:rPr lang="en-US" sz="2800" b="0" i="1" smtClean="0">
+                                <a:latin typeface="Cambria Math" panose="02040503050406030204" pitchFamily="18" charset="0"/>
+                              </a:rPr>
+                              <m:t>𝑃</m:t>
+                            </m:r>
+                          </m:e>
+                          <m:sub>
+                            <m:r>
+                              <a:rPr lang="en-US" sz="2800" b="0" i="1" smtClean="0">
+                                <a:latin typeface="Cambria Math" panose="02040503050406030204" pitchFamily="18" charset="0"/>
+                              </a:rPr>
+                              <m:t>𝐵</m:t>
+                            </m:r>
+                          </m:sub>
+                        </m:sSub>
+                      </m:oMath>
+                    </m:oMathPara>
+                  </a14:m>
+                  <a:endParaRPr lang="en-US" sz="2800" b="0" dirty="0"/>
+                </a:p>
+              </p:txBody>
+            </p:sp>
+          </mc:Choice>
+          <mc:Fallback xmlns="">
+            <p:sp>
+              <p:nvSpPr>
+                <p:cNvPr id="6" name="TextBox 5">
+                  <a:extLst>
+                    <a:ext uri="{FF2B5EF4-FFF2-40B4-BE49-F238E27FC236}">
+                      <a16:creationId xmlns:a16="http://schemas.microsoft.com/office/drawing/2014/main" id="{ED5FE76E-F32B-922D-06EE-79557219E7EC}"/>
+                    </a:ext>
+                  </a:extLst>
+                </p:cNvPr>
+                <p:cNvSpPr txBox="1">
+                  <a:spLocks noRot="1" noChangeAspect="1" noMove="1" noResize="1" noEditPoints="1" noAdjustHandles="1" noChangeArrowheads="1" noChangeShapeType="1" noTextEdit="1"/>
+                </p:cNvSpPr>
+                <p:nvPr/>
+              </p:nvSpPr>
+              <p:spPr>
+                <a:xfrm>
+                  <a:off x="10835641" y="643882"/>
+                  <a:ext cx="650498" cy="523220"/>
+                </a:xfrm>
+                <a:prstGeom prst="rect">
+                  <a:avLst/>
+                </a:prstGeom>
+                <a:blipFill>
+                  <a:blip r:embed="rId3"/>
+                  <a:stretch>
+                    <a:fillRect/>
+                  </a:stretch>
+                </a:blipFill>
+              </p:spPr>
+              <p:txBody>
+                <a:bodyPr/>
+                <a:lstStyle/>
+                <a:p>
+                  <a:r>
+                    <a:rPr lang="en-US">
+                      <a:noFill/>
+                    </a:rPr>
+                    <a:t> </a:t>
+                  </a:r>
+                </a:p>
+              </p:txBody>
+            </p:sp>
+          </mc:Fallback>
+        </mc:AlternateContent>
+        <mc:AlternateContent xmlns:mc="http://schemas.openxmlformats.org/markup-compatibility/2006" xmlns:a14="http://schemas.microsoft.com/office/drawing/2010/main">
+          <mc:Choice Requires="a14">
+            <p:sp>
+              <p:nvSpPr>
+                <p:cNvPr id="7" name="TextBox 6">
+                  <a:extLst>
+                    <a:ext uri="{FF2B5EF4-FFF2-40B4-BE49-F238E27FC236}">
+                      <a16:creationId xmlns:a16="http://schemas.microsoft.com/office/drawing/2014/main" id="{68F311E9-EEBC-8FDF-E474-C77922D67450}"/>
+                    </a:ext>
+                  </a:extLst>
+                </p:cNvPr>
+                <p:cNvSpPr txBox="1"/>
+                <p:nvPr/>
+              </p:nvSpPr>
+              <p:spPr>
+                <a:xfrm>
+                  <a:off x="10660528" y="2182010"/>
+                  <a:ext cx="825611" cy="523220"/>
+                </a:xfrm>
+                <a:prstGeom prst="rect">
+                  <a:avLst/>
+                </a:prstGeom>
+                <a:noFill/>
+              </p:spPr>
+              <p:txBody>
+                <a:bodyPr wrap="none" rtlCol="0">
+                  <a:spAutoFit/>
+                </a:bodyPr>
+                <a:lstStyle/>
+                <a:p>
+                  <a:pPr/>
+                  <a14:m>
+                    <m:oMathPara xmlns:m="http://schemas.openxmlformats.org/officeDocument/2006/math">
+                      <m:oMathParaPr>
+                        <m:jc m:val="centerGroup"/>
+                      </m:oMathParaPr>
+                      <m:oMath xmlns:m="http://schemas.openxmlformats.org/officeDocument/2006/math">
+                        <m:sSub>
+                          <m:sSubPr>
+                            <m:ctrlPr>
+                              <a:rPr lang="en-US" sz="2800" b="0" i="1" smtClean="0">
+                                <a:latin typeface="Cambria Math" panose="02040503050406030204" pitchFamily="18" charset="0"/>
+                              </a:rPr>
+                            </m:ctrlPr>
+                          </m:sSubPr>
+                          <m:e>
+                            <m:r>
+                              <a:rPr lang="en-US" sz="2800" b="0" i="1" smtClean="0">
+                                <a:latin typeface="Cambria Math" panose="02040503050406030204" pitchFamily="18" charset="0"/>
+                              </a:rPr>
+                              <m:t>𝛾</m:t>
+                            </m:r>
+                          </m:e>
+                          <m:sub>
+                            <m:r>
+                              <a:rPr lang="en-US" sz="2800" b="0" i="1" smtClean="0">
+                                <a:latin typeface="Cambria Math" panose="02040503050406030204" pitchFamily="18" charset="0"/>
+                              </a:rPr>
+                              <m:t>𝐵𝑂</m:t>
+                            </m:r>
+                          </m:sub>
+                        </m:sSub>
+                      </m:oMath>
+                    </m:oMathPara>
+                  </a14:m>
+                  <a:endParaRPr lang="en-US" sz="2800" b="0" dirty="0"/>
+                </a:p>
+              </p:txBody>
+            </p:sp>
+          </mc:Choice>
+          <mc:Fallback xmlns="">
+            <p:sp>
+              <p:nvSpPr>
+                <p:cNvPr id="7" name="TextBox 6">
+                  <a:extLst>
+                    <a:ext uri="{FF2B5EF4-FFF2-40B4-BE49-F238E27FC236}">
+                      <a16:creationId xmlns:a16="http://schemas.microsoft.com/office/drawing/2014/main" id="{68F311E9-EEBC-8FDF-E474-C77922D67450}"/>
+                    </a:ext>
+                  </a:extLst>
+                </p:cNvPr>
+                <p:cNvSpPr txBox="1">
+                  <a:spLocks noRot="1" noChangeAspect="1" noMove="1" noResize="1" noEditPoints="1" noAdjustHandles="1" noChangeArrowheads="1" noChangeShapeType="1" noTextEdit="1"/>
+                </p:cNvSpPr>
+                <p:nvPr/>
+              </p:nvSpPr>
+              <p:spPr>
+                <a:xfrm>
+                  <a:off x="10660528" y="2182010"/>
+                  <a:ext cx="825611" cy="523220"/>
+                </a:xfrm>
+                <a:prstGeom prst="rect">
+                  <a:avLst/>
+                </a:prstGeom>
+                <a:blipFill>
+                  <a:blip r:embed="rId4"/>
+                  <a:stretch>
+                    <a:fillRect/>
+                  </a:stretch>
+                </a:blipFill>
+              </p:spPr>
+              <p:txBody>
+                <a:bodyPr/>
+                <a:lstStyle/>
+                <a:p>
+                  <a:r>
+                    <a:rPr lang="en-US">
+                      <a:noFill/>
+                    </a:rPr>
+                    <a:t> </a:t>
+                  </a:r>
+                </a:p>
+              </p:txBody>
+            </p:sp>
+          </mc:Fallback>
+        </mc:AlternateContent>
+        <mc:AlternateContent xmlns:mc="http://schemas.openxmlformats.org/markup-compatibility/2006" xmlns:a14="http://schemas.microsoft.com/office/drawing/2010/main">
+          <mc:Choice Requires="a14">
+            <p:sp>
+              <p:nvSpPr>
+                <p:cNvPr id="8" name="TextBox 7">
+                  <a:extLst>
+                    <a:ext uri="{FF2B5EF4-FFF2-40B4-BE49-F238E27FC236}">
+                      <a16:creationId xmlns:a16="http://schemas.microsoft.com/office/drawing/2014/main" id="{C042D0FC-BFB6-2037-01B2-0853E00AE876}"/>
+                    </a:ext>
+                  </a:extLst>
+                </p:cNvPr>
+                <p:cNvSpPr txBox="1"/>
+                <p:nvPr/>
+              </p:nvSpPr>
+              <p:spPr>
+                <a:xfrm>
+                  <a:off x="7921815" y="2360918"/>
+                  <a:ext cx="802912" cy="523220"/>
+                </a:xfrm>
+                <a:prstGeom prst="rect">
+                  <a:avLst/>
+                </a:prstGeom>
+                <a:noFill/>
+              </p:spPr>
+              <p:txBody>
+                <a:bodyPr wrap="none" rtlCol="0">
+                  <a:spAutoFit/>
+                </a:bodyPr>
+                <a:lstStyle/>
+                <a:p>
+                  <a:pPr/>
+                  <a14:m>
+                    <m:oMathPara xmlns:m="http://schemas.openxmlformats.org/officeDocument/2006/math">
+                      <m:oMathParaPr>
+                        <m:jc m:val="centerGroup"/>
+                      </m:oMathParaPr>
+                      <m:oMath xmlns:m="http://schemas.openxmlformats.org/officeDocument/2006/math">
+                        <m:sSub>
+                          <m:sSubPr>
+                            <m:ctrlPr>
+                              <a:rPr lang="en-US" sz="2800" b="0" i="1" smtClean="0">
+                                <a:latin typeface="Cambria Math" panose="02040503050406030204" pitchFamily="18" charset="0"/>
+                              </a:rPr>
+                            </m:ctrlPr>
+                          </m:sSubPr>
+                          <m:e>
+                            <m:r>
+                              <a:rPr lang="en-US" sz="2800" b="0" i="1" smtClean="0">
+                                <a:latin typeface="Cambria Math" panose="02040503050406030204" pitchFamily="18" charset="0"/>
+                              </a:rPr>
+                              <m:t>𝛾</m:t>
+                            </m:r>
+                          </m:e>
+                          <m:sub>
+                            <m:r>
+                              <a:rPr lang="en-US" sz="2800" b="0" i="1" smtClean="0">
+                                <a:latin typeface="Cambria Math" panose="02040503050406030204" pitchFamily="18" charset="0"/>
+                              </a:rPr>
+                              <m:t>𝐴𝑂</m:t>
+                            </m:r>
+                          </m:sub>
+                        </m:sSub>
+                      </m:oMath>
+                    </m:oMathPara>
+                  </a14:m>
+                  <a:endParaRPr lang="en-US" sz="2800" b="0" dirty="0"/>
+                </a:p>
+              </p:txBody>
+            </p:sp>
+          </mc:Choice>
+          <mc:Fallback xmlns="">
+            <p:sp>
+              <p:nvSpPr>
+                <p:cNvPr id="8" name="TextBox 7">
+                  <a:extLst>
+                    <a:ext uri="{FF2B5EF4-FFF2-40B4-BE49-F238E27FC236}">
+                      <a16:creationId xmlns:a16="http://schemas.microsoft.com/office/drawing/2014/main" id="{C042D0FC-BFB6-2037-01B2-0853E00AE876}"/>
+                    </a:ext>
+                  </a:extLst>
+                </p:cNvPr>
+                <p:cNvSpPr txBox="1">
+                  <a:spLocks noRot="1" noChangeAspect="1" noMove="1" noResize="1" noEditPoints="1" noAdjustHandles="1" noChangeArrowheads="1" noChangeShapeType="1" noTextEdit="1"/>
+                </p:cNvSpPr>
+                <p:nvPr/>
+              </p:nvSpPr>
+              <p:spPr>
+                <a:xfrm>
+                  <a:off x="7921815" y="2360918"/>
+                  <a:ext cx="802912" cy="523220"/>
+                </a:xfrm>
+                <a:prstGeom prst="rect">
+                  <a:avLst/>
+                </a:prstGeom>
+                <a:blipFill>
+                  <a:blip r:embed="rId5"/>
+                  <a:stretch>
+                    <a:fillRect/>
+                  </a:stretch>
+                </a:blipFill>
+              </p:spPr>
+              <p:txBody>
+                <a:bodyPr/>
+                <a:lstStyle/>
+                <a:p>
+                  <a:r>
+                    <a:rPr lang="en-US">
+                      <a:noFill/>
+                    </a:rPr>
+                    <a:t> </a:t>
+                  </a:r>
+                </a:p>
+              </p:txBody>
+            </p:sp>
+          </mc:Fallback>
+        </mc:AlternateContent>
+        <p:sp>
+          <p:nvSpPr>
+            <p:cNvPr id="9" name="Isosceles Triangle 8">
+              <a:extLst>
+                <a:ext uri="{FF2B5EF4-FFF2-40B4-BE49-F238E27FC236}">
+                  <a16:creationId xmlns:a16="http://schemas.microsoft.com/office/drawing/2014/main" id="{ABB0C568-8FD4-2440-3E10-C7D6F584AC49}"/>
+                </a:ext>
+              </a:extLst>
+            </p:cNvPr>
+            <p:cNvSpPr/>
+            <p:nvPr/>
+          </p:nvSpPr>
+          <p:spPr>
+            <a:xfrm rot="1876746">
+              <a:off x="10489043" y="2478419"/>
+              <a:ext cx="178842" cy="160020"/>
+            </a:xfrm>
+            <a:prstGeom prst="triangle">
+              <a:avLst/>
+            </a:prstGeom>
+            <a:ln>
+              <a:noFill/>
+            </a:ln>
+          </p:spPr>
+          <p:style>
+            <a:lnRef idx="2">
+              <a:schemeClr val="accent1">
+                <a:shade val="15000"/>
+              </a:schemeClr>
+            </a:lnRef>
+            <a:fillRef idx="1">
+              <a:schemeClr val="accent1"/>
+            </a:fillRef>
+            <a:effectRef idx="0">
+              <a:schemeClr val="accent1"/>
+            </a:effectRef>
+            <a:fontRef idx="minor">
+              <a:schemeClr val="lt1"/>
+            </a:fontRef>
+          </p:style>
+          <p:txBody>
+            <a:bodyPr rtlCol="0" anchor="ctr"/>
+            <a:lstStyle/>
+            <a:p>
+              <a:pPr algn="ctr"/>
+              <a:endParaRPr lang="en-US"/>
+            </a:p>
+          </p:txBody>
+        </p:sp>
+        <p:sp>
+          <p:nvSpPr>
+            <p:cNvPr id="10" name="Isosceles Triangle 9">
+              <a:extLst>
+                <a:ext uri="{FF2B5EF4-FFF2-40B4-BE49-F238E27FC236}">
+                  <a16:creationId xmlns:a16="http://schemas.microsoft.com/office/drawing/2014/main" id="{CE01726A-79FC-EE3E-76C1-0ACE643A5F70}"/>
+                </a:ext>
+              </a:extLst>
+            </p:cNvPr>
+            <p:cNvSpPr/>
+            <p:nvPr/>
+          </p:nvSpPr>
+          <p:spPr>
+            <a:xfrm rot="19137032">
+              <a:off x="8686237" y="2658051"/>
+              <a:ext cx="178842" cy="160020"/>
+            </a:xfrm>
+            <a:prstGeom prst="triangle">
+              <a:avLst/>
+            </a:prstGeom>
+            <a:ln>
+              <a:noFill/>
+            </a:ln>
+          </p:spPr>
+          <p:style>
+            <a:lnRef idx="2">
+              <a:schemeClr val="accent1">
+                <a:shade val="15000"/>
+              </a:schemeClr>
+            </a:lnRef>
+            <a:fillRef idx="1">
+              <a:schemeClr val="accent1"/>
+            </a:fillRef>
+            <a:effectRef idx="0">
+              <a:schemeClr val="accent1"/>
+            </a:effectRef>
+            <a:fontRef idx="minor">
+              <a:schemeClr val="lt1"/>
+            </a:fontRef>
+          </p:style>
+          <p:txBody>
+            <a:bodyPr rtlCol="0" anchor="ctr"/>
+            <a:lstStyle/>
+            <a:p>
+              <a:pPr algn="ctr"/>
+              <a:endParaRPr lang="en-US"/>
+            </a:p>
+          </p:txBody>
+        </p:sp>
+        <p:sp>
+          <p:nvSpPr>
+            <p:cNvPr id="11" name="Freeform: Shape 10">
+              <a:extLst>
+                <a:ext uri="{FF2B5EF4-FFF2-40B4-BE49-F238E27FC236}">
+                  <a16:creationId xmlns:a16="http://schemas.microsoft.com/office/drawing/2014/main" id="{12B85EAD-E8FA-3B7D-B15E-E69167F2E031}"/>
+                </a:ext>
+              </a:extLst>
+            </p:cNvPr>
+            <p:cNvSpPr/>
+            <p:nvPr/>
+          </p:nvSpPr>
+          <p:spPr>
+            <a:xfrm>
+              <a:off x="8161020" y="1142999"/>
+              <a:ext cx="3223260" cy="861137"/>
+            </a:xfrm>
+            <a:custGeom>
+              <a:avLst/>
+              <a:gdLst>
+                <a:gd name="connsiteX0" fmla="*/ 0 w 2682240"/>
+                <a:gd name="connsiteY0" fmla="*/ 662940 h 662940"/>
+                <a:gd name="connsiteX1" fmla="*/ 830580 w 2682240"/>
+                <a:gd name="connsiteY1" fmla="*/ 274320 h 662940"/>
+                <a:gd name="connsiteX2" fmla="*/ 1950720 w 2682240"/>
+                <a:gd name="connsiteY2" fmla="*/ 312420 h 662940"/>
+                <a:gd name="connsiteX3" fmla="*/ 2682240 w 2682240"/>
+                <a:gd name="connsiteY3" fmla="*/ 0 h 662940"/>
+                <a:gd name="connsiteX0" fmla="*/ 0 w 2682240"/>
+                <a:gd name="connsiteY0" fmla="*/ 662940 h 662940"/>
+                <a:gd name="connsiteX1" fmla="*/ 783023 w 2682240"/>
+                <a:gd name="connsiteY1" fmla="*/ 98334 h 662940"/>
+                <a:gd name="connsiteX2" fmla="*/ 1950720 w 2682240"/>
+                <a:gd name="connsiteY2" fmla="*/ 312420 h 662940"/>
+                <a:gd name="connsiteX3" fmla="*/ 2682240 w 2682240"/>
+                <a:gd name="connsiteY3" fmla="*/ 0 h 662940"/>
+                <a:gd name="connsiteX0" fmla="*/ 0 w 2682240"/>
+                <a:gd name="connsiteY0" fmla="*/ 662940 h 662940"/>
+                <a:gd name="connsiteX1" fmla="*/ 783023 w 2682240"/>
+                <a:gd name="connsiteY1" fmla="*/ 98334 h 662940"/>
+                <a:gd name="connsiteX2" fmla="*/ 2040551 w 2682240"/>
+                <a:gd name="connsiteY2" fmla="*/ 141322 h 662940"/>
+                <a:gd name="connsiteX3" fmla="*/ 2682240 w 2682240"/>
+                <a:gd name="connsiteY3" fmla="*/ 0 h 662940"/>
+                <a:gd name="connsiteX0" fmla="*/ 0 w 2682240"/>
+                <a:gd name="connsiteY0" fmla="*/ 662940 h 662940"/>
+                <a:gd name="connsiteX1" fmla="*/ 783023 w 2682240"/>
+                <a:gd name="connsiteY1" fmla="*/ 98334 h 662940"/>
+                <a:gd name="connsiteX2" fmla="*/ 2040551 w 2682240"/>
+                <a:gd name="connsiteY2" fmla="*/ 141322 h 662940"/>
+                <a:gd name="connsiteX3" fmla="*/ 2682240 w 2682240"/>
+                <a:gd name="connsiteY3" fmla="*/ 0 h 662940"/>
+                <a:gd name="connsiteX0" fmla="*/ 0 w 2682240"/>
+                <a:gd name="connsiteY0" fmla="*/ 662940 h 662940"/>
+                <a:gd name="connsiteX1" fmla="*/ 783023 w 2682240"/>
+                <a:gd name="connsiteY1" fmla="*/ 98334 h 662940"/>
+                <a:gd name="connsiteX2" fmla="*/ 2040551 w 2682240"/>
+                <a:gd name="connsiteY2" fmla="*/ 141322 h 662940"/>
+                <a:gd name="connsiteX3" fmla="*/ 2682240 w 2682240"/>
+                <a:gd name="connsiteY3" fmla="*/ 0 h 662940"/>
+              </a:gdLst>
+              <a:ahLst/>
+              <a:cxnLst>
+                <a:cxn ang="0">
+                  <a:pos x="connsiteX0" y="connsiteY0"/>
+                </a:cxn>
+                <a:cxn ang="0">
+                  <a:pos x="connsiteX1" y="connsiteY1"/>
+                </a:cxn>
+                <a:cxn ang="0">
+                  <a:pos x="connsiteX2" y="connsiteY2"/>
+                </a:cxn>
+                <a:cxn ang="0">
+                  <a:pos x="connsiteX3" y="connsiteY3"/>
+                </a:cxn>
+              </a:cxnLst>
+              <a:rect l="l" t="t" r="r" b="b"/>
+              <a:pathLst>
+                <a:path w="2682240" h="662940">
+                  <a:moveTo>
+                    <a:pt x="0" y="662940"/>
+                  </a:moveTo>
+                  <a:cubicBezTo>
+                    <a:pt x="252730" y="497840"/>
+                    <a:pt x="442931" y="185270"/>
+                    <a:pt x="783023" y="98334"/>
+                  </a:cubicBezTo>
+                  <a:cubicBezTo>
+                    <a:pt x="1123115" y="11398"/>
+                    <a:pt x="1726656" y="113714"/>
+                    <a:pt x="2040551" y="141322"/>
+                  </a:cubicBezTo>
+                  <a:cubicBezTo>
+                    <a:pt x="2354446" y="168930"/>
+                    <a:pt x="2470785" y="133350"/>
+                    <a:pt x="2682240" y="0"/>
+                  </a:cubicBezTo>
+                </a:path>
+              </a:pathLst>
+            </a:custGeom>
+            <a:noFill/>
+            <a:ln w="38100">
+              <a:solidFill>
+                <a:schemeClr val="accent5"/>
+              </a:solidFill>
+            </a:ln>
+          </p:spPr>
+          <p:style>
+            <a:lnRef idx="2">
+              <a:schemeClr val="accent1">
+                <a:shade val="15000"/>
+              </a:schemeClr>
+            </a:lnRef>
+            <a:fillRef idx="1">
+              <a:schemeClr val="accent1"/>
+            </a:fillRef>
+            <a:effectRef idx="0">
+              <a:schemeClr val="accent1"/>
+            </a:effectRef>
+            <a:fontRef idx="minor">
+              <a:schemeClr val="lt1"/>
+            </a:fontRef>
+          </p:style>
+          <p:txBody>
+            <a:bodyPr rtlCol="0" anchor="ctr"/>
+            <a:lstStyle/>
+            <a:p>
+              <a:pPr algn="ctr"/>
+              <a:endParaRPr lang="en-US"/>
+            </a:p>
+          </p:txBody>
+        </p:sp>
+        <p:sp>
+          <p:nvSpPr>
+            <p:cNvPr id="12" name="Isosceles Triangle 11">
+              <a:extLst>
+                <a:ext uri="{FF2B5EF4-FFF2-40B4-BE49-F238E27FC236}">
+                  <a16:creationId xmlns:a16="http://schemas.microsoft.com/office/drawing/2014/main" id="{19B98ED1-0CF0-1075-4411-54FE08BE3A21}"/>
+                </a:ext>
+              </a:extLst>
+            </p:cNvPr>
+            <p:cNvSpPr/>
+            <p:nvPr/>
+          </p:nvSpPr>
+          <p:spPr>
+            <a:xfrm rot="5868436">
+              <a:off x="9635153" y="1139782"/>
+              <a:ext cx="178842" cy="160020"/>
+            </a:xfrm>
+            <a:prstGeom prst="triangle">
+              <a:avLst/>
+            </a:prstGeom>
+            <a:ln>
+              <a:noFill/>
+            </a:ln>
+          </p:spPr>
+          <p:style>
+            <a:lnRef idx="2">
+              <a:schemeClr val="accent1">
+                <a:shade val="15000"/>
+              </a:schemeClr>
+            </a:lnRef>
+            <a:fillRef idx="1">
+              <a:schemeClr val="accent1"/>
+            </a:fillRef>
+            <a:effectRef idx="0">
+              <a:schemeClr val="accent1"/>
+            </a:effectRef>
+            <a:fontRef idx="minor">
+              <a:schemeClr val="lt1"/>
+            </a:fontRef>
+          </p:style>
+          <p:txBody>
+            <a:bodyPr rtlCol="0" anchor="ctr"/>
+            <a:lstStyle/>
+            <a:p>
+              <a:pPr algn="ctr"/>
+              <a:endParaRPr lang="en-US"/>
+            </a:p>
+          </p:txBody>
+        </p:sp>
+        <mc:AlternateContent xmlns:mc="http://schemas.openxmlformats.org/markup-compatibility/2006" xmlns:a14="http://schemas.microsoft.com/office/drawing/2010/main">
+          <mc:Choice Requires="a14">
+            <p:sp>
+              <p:nvSpPr>
+                <p:cNvPr id="13" name="TextBox 12">
+                  <a:extLst>
+                    <a:ext uri="{FF2B5EF4-FFF2-40B4-BE49-F238E27FC236}">
+                      <a16:creationId xmlns:a16="http://schemas.microsoft.com/office/drawing/2014/main" id="{9446BF0A-0C53-2DBD-3AB1-D4E755C8B928}"/>
+                    </a:ext>
+                  </a:extLst>
+                </p:cNvPr>
+                <p:cNvSpPr txBox="1"/>
+                <p:nvPr/>
+              </p:nvSpPr>
+              <p:spPr>
+                <a:xfrm>
+                  <a:off x="9315498" y="528483"/>
+                  <a:ext cx="465191" cy="523220"/>
+                </a:xfrm>
+                <a:prstGeom prst="rect">
+                  <a:avLst/>
+                </a:prstGeom>
+                <a:noFill/>
+              </p:spPr>
+              <p:txBody>
+                <a:bodyPr wrap="none" rtlCol="0">
+                  <a:spAutoFit/>
+                </a:bodyPr>
+                <a:lstStyle/>
+                <a:p>
+                  <a:pPr/>
+                  <a14:m>
+                    <m:oMathPara xmlns:m="http://schemas.openxmlformats.org/officeDocument/2006/math">
+                      <m:oMathParaPr>
+                        <m:jc m:val="centerGroup"/>
+                      </m:oMathParaPr>
+                      <m:oMath xmlns:m="http://schemas.openxmlformats.org/officeDocument/2006/math">
+                        <m:r>
+                          <a:rPr lang="en-US" sz="2800" b="0" i="1" smtClean="0">
+                            <a:latin typeface="Cambria Math" panose="02040503050406030204" pitchFamily="18" charset="0"/>
+                          </a:rPr>
+                          <m:t>𝛾</m:t>
+                        </m:r>
+                      </m:oMath>
+                    </m:oMathPara>
+                  </a14:m>
+                  <a:endParaRPr lang="en-US" sz="2800" b="0" dirty="0"/>
+                </a:p>
+              </p:txBody>
+            </p:sp>
+          </mc:Choice>
+          <mc:Fallback xmlns="">
+            <p:sp>
+              <p:nvSpPr>
+                <p:cNvPr id="13" name="TextBox 12">
+                  <a:extLst>
+                    <a:ext uri="{FF2B5EF4-FFF2-40B4-BE49-F238E27FC236}">
+                      <a16:creationId xmlns:a16="http://schemas.microsoft.com/office/drawing/2014/main" id="{9446BF0A-0C53-2DBD-3AB1-D4E755C8B928}"/>
+                    </a:ext>
+                  </a:extLst>
+                </p:cNvPr>
+                <p:cNvSpPr txBox="1">
+                  <a:spLocks noRot="1" noChangeAspect="1" noMove="1" noResize="1" noEditPoints="1" noAdjustHandles="1" noChangeArrowheads="1" noChangeShapeType="1" noTextEdit="1"/>
+                </p:cNvSpPr>
+                <p:nvPr/>
+              </p:nvSpPr>
+              <p:spPr>
+                <a:xfrm>
+                  <a:off x="9315498" y="528483"/>
+                  <a:ext cx="465191" cy="523220"/>
+                </a:xfrm>
+                <a:prstGeom prst="rect">
+                  <a:avLst/>
+                </a:prstGeom>
+                <a:blipFill>
+                  <a:blip r:embed="rId6"/>
+                  <a:stretch>
+                    <a:fillRect/>
+                  </a:stretch>
+                </a:blipFill>
+              </p:spPr>
+              <p:txBody>
+                <a:bodyPr/>
+                <a:lstStyle/>
+                <a:p>
+                  <a:r>
+                    <a:rPr lang="en-US">
+                      <a:noFill/>
+                    </a:rPr>
+                    <a:t> </a:t>
+                  </a:r>
+                </a:p>
+              </p:txBody>
+            </p:sp>
+          </mc:Fallback>
+        </mc:AlternateContent>
+        <mc:AlternateContent xmlns:mc="http://schemas.openxmlformats.org/markup-compatibility/2006" xmlns:a14="http://schemas.microsoft.com/office/drawing/2010/main">
+          <mc:Choice Requires="a14">
+            <p:sp>
+              <p:nvSpPr>
+                <p:cNvPr id="28" name="TextBox 27">
+                  <a:extLst>
+                    <a:ext uri="{FF2B5EF4-FFF2-40B4-BE49-F238E27FC236}">
+                      <a16:creationId xmlns:a16="http://schemas.microsoft.com/office/drawing/2014/main" id="{F2E3ABFB-9B4B-5536-C034-4FB1EA268C83}"/>
+                    </a:ext>
+                  </a:extLst>
+                </p:cNvPr>
+                <p:cNvSpPr txBox="1"/>
+                <p:nvPr/>
+              </p:nvSpPr>
+              <p:spPr>
+                <a:xfrm>
+                  <a:off x="9663232" y="3880957"/>
+                  <a:ext cx="654666" cy="523220"/>
+                </a:xfrm>
+                <a:prstGeom prst="rect">
+                  <a:avLst/>
+                </a:prstGeom>
+                <a:noFill/>
+              </p:spPr>
+              <p:txBody>
+                <a:bodyPr wrap="none" rtlCol="0">
+                  <a:spAutoFit/>
+                </a:bodyPr>
+                <a:lstStyle/>
+                <a:p>
+                  <a:pPr/>
+                  <a14:m>
+                    <m:oMathPara xmlns:m="http://schemas.openxmlformats.org/officeDocument/2006/math">
+                      <m:oMathParaPr>
+                        <m:jc m:val="centerGroup"/>
+                      </m:oMathParaPr>
+                      <m:oMath xmlns:m="http://schemas.openxmlformats.org/officeDocument/2006/math">
+                        <m:sSub>
+                          <m:sSubPr>
+                            <m:ctrlPr>
+                              <a:rPr lang="en-US" sz="2800" b="0" i="1" smtClean="0">
+                                <a:latin typeface="Cambria Math" panose="02040503050406030204" pitchFamily="18" charset="0"/>
+                              </a:rPr>
+                            </m:ctrlPr>
+                          </m:sSubPr>
+                          <m:e>
+                            <m:r>
+                              <a:rPr lang="en-US" sz="2800" b="0" i="1" smtClean="0">
+                                <a:latin typeface="Cambria Math" panose="02040503050406030204" pitchFamily="18" charset="0"/>
+                              </a:rPr>
+                              <m:t>𝑃</m:t>
+                            </m:r>
+                          </m:e>
+                          <m:sub>
+                            <m:r>
+                              <a:rPr lang="en-US" sz="2800" b="0" i="1" smtClean="0">
+                                <a:latin typeface="Cambria Math" panose="02040503050406030204" pitchFamily="18" charset="0"/>
+                              </a:rPr>
+                              <m:t>𝑂</m:t>
+                            </m:r>
+                          </m:sub>
+                        </m:sSub>
+                      </m:oMath>
+                    </m:oMathPara>
+                  </a14:m>
+                  <a:endParaRPr lang="en-US" sz="2800" b="0" dirty="0"/>
+                </a:p>
+              </p:txBody>
+            </p:sp>
+          </mc:Choice>
+          <mc:Fallback xmlns="">
+            <p:sp>
+              <p:nvSpPr>
+                <p:cNvPr id="28" name="TextBox 27">
+                  <a:extLst>
+                    <a:ext uri="{FF2B5EF4-FFF2-40B4-BE49-F238E27FC236}">
+                      <a16:creationId xmlns:a16="http://schemas.microsoft.com/office/drawing/2014/main" id="{F2E3ABFB-9B4B-5536-C034-4FB1EA268C83}"/>
+                    </a:ext>
+                  </a:extLst>
+                </p:cNvPr>
+                <p:cNvSpPr txBox="1">
+                  <a:spLocks noRot="1" noChangeAspect="1" noMove="1" noResize="1" noEditPoints="1" noAdjustHandles="1" noChangeArrowheads="1" noChangeShapeType="1" noTextEdit="1"/>
+                </p:cNvSpPr>
+                <p:nvPr/>
+              </p:nvSpPr>
+              <p:spPr>
+                <a:xfrm>
+                  <a:off x="9663232" y="3880957"/>
+                  <a:ext cx="654666" cy="523220"/>
+                </a:xfrm>
+                <a:prstGeom prst="rect">
+                  <a:avLst/>
+                </a:prstGeom>
+                <a:blipFill>
+                  <a:blip r:embed="rId7"/>
+                  <a:stretch>
+                    <a:fillRect/>
+                  </a:stretch>
+                </a:blipFill>
+              </p:spPr>
+              <p:txBody>
+                <a:bodyPr/>
+                <a:lstStyle/>
+                <a:p>
+                  <a:r>
+                    <a:rPr lang="en-US">
+                      <a:noFill/>
+                    </a:rPr>
+                    <a:t> </a:t>
+                  </a:r>
+                </a:p>
+              </p:txBody>
+            </p:sp>
+          </mc:Fallback>
+        </mc:AlternateContent>
+      </p:grpSp>
+      <p:grpSp>
+        <p:nvGrpSpPr>
+          <p:cNvPr id="14" name="Group 13">
+            <a:extLst>
+              <a:ext uri="{FF2B5EF4-FFF2-40B4-BE49-F238E27FC236}">
+                <a16:creationId xmlns:a16="http://schemas.microsoft.com/office/drawing/2014/main" id="{9B582954-3BBB-7AFA-4F5C-09A6793C944A}"/>
+              </a:ext>
+            </a:extLst>
+          </p:cNvPr>
+          <p:cNvGrpSpPr/>
+          <p:nvPr/>
+        </p:nvGrpSpPr>
+        <p:grpSpPr>
+          <a:xfrm>
+            <a:off x="7107054" y="1363587"/>
+            <a:ext cx="4136416" cy="4955550"/>
+            <a:chOff x="7492546" y="207002"/>
+            <a:chExt cx="3673978" cy="4401535"/>
+          </a:xfrm>
+        </p:grpSpPr>
+        <p:grpSp>
+          <p:nvGrpSpPr>
+            <p:cNvPr id="15" name="Group 14">
+              <a:extLst>
+                <a:ext uri="{FF2B5EF4-FFF2-40B4-BE49-F238E27FC236}">
+                  <a16:creationId xmlns:a16="http://schemas.microsoft.com/office/drawing/2014/main" id="{40080AED-41E1-9713-ED8B-1BB78A477F33}"/>
+                </a:ext>
+              </a:extLst>
+            </p:cNvPr>
+            <p:cNvGrpSpPr/>
+            <p:nvPr/>
+          </p:nvGrpSpPr>
+          <p:grpSpPr>
+            <a:xfrm>
+              <a:off x="7492546" y="207002"/>
+              <a:ext cx="3673978" cy="4401535"/>
+              <a:chOff x="1221579" y="1260711"/>
+              <a:chExt cx="3673978" cy="4401535"/>
+            </a:xfrm>
+          </p:grpSpPr>
+          <p:grpSp>
+            <p:nvGrpSpPr>
+              <p:cNvPr id="20" name="Group 19">
+                <a:extLst>
+                  <a:ext uri="{FF2B5EF4-FFF2-40B4-BE49-F238E27FC236}">
+                    <a16:creationId xmlns:a16="http://schemas.microsoft.com/office/drawing/2014/main" id="{1DA1AEC6-4D76-06FF-A058-C7857E331BAD}"/>
+                  </a:ext>
+                </a:extLst>
+              </p:cNvPr>
+              <p:cNvGrpSpPr/>
+              <p:nvPr/>
+            </p:nvGrpSpPr>
+            <p:grpSpPr>
+              <a:xfrm>
+                <a:off x="1221579" y="1447610"/>
+                <a:ext cx="3673978" cy="4214636"/>
+                <a:chOff x="1390391" y="1651592"/>
+                <a:chExt cx="2399570" cy="3136308"/>
+              </a:xfrm>
+            </p:grpSpPr>
+            <p:sp>
+              <p:nvSpPr>
+                <p:cNvPr id="29" name="Freeform: Shape 28">
+                  <a:extLst>
+                    <a:ext uri="{FF2B5EF4-FFF2-40B4-BE49-F238E27FC236}">
+                      <a16:creationId xmlns:a16="http://schemas.microsoft.com/office/drawing/2014/main" id="{F001C1D6-1C25-1BD7-5962-E7EE9CD6F434}"/>
+                    </a:ext>
+                  </a:extLst>
+                </p:cNvPr>
+                <p:cNvSpPr/>
+                <p:nvPr/>
+              </p:nvSpPr>
+              <p:spPr>
+                <a:xfrm>
+                  <a:off x="1390724" y="2701572"/>
+                  <a:ext cx="1260926" cy="506587"/>
+                </a:xfrm>
+                <a:custGeom>
+                  <a:avLst/>
+                  <a:gdLst>
+                    <a:gd name="connsiteX0" fmla="*/ 0 w 1139483"/>
+                    <a:gd name="connsiteY0" fmla="*/ 0 h 506437"/>
+                    <a:gd name="connsiteX1" fmla="*/ 295421 w 1139483"/>
+                    <a:gd name="connsiteY1" fmla="*/ 393896 h 506437"/>
+                    <a:gd name="connsiteX2" fmla="*/ 1139483 w 1139483"/>
+                    <a:gd name="connsiteY2" fmla="*/ 506437 h 506437"/>
+                    <a:gd name="connsiteX0" fmla="*/ 0 w 1139483"/>
+                    <a:gd name="connsiteY0" fmla="*/ 0 h 506437"/>
+                    <a:gd name="connsiteX1" fmla="*/ 295421 w 1139483"/>
+                    <a:gd name="connsiteY1" fmla="*/ 393896 h 506437"/>
+                    <a:gd name="connsiteX2" fmla="*/ 1139483 w 1139483"/>
+                    <a:gd name="connsiteY2" fmla="*/ 506437 h 506437"/>
+                    <a:gd name="connsiteX0" fmla="*/ 0 w 1260926"/>
+                    <a:gd name="connsiteY0" fmla="*/ 0 h 506437"/>
+                    <a:gd name="connsiteX1" fmla="*/ 295421 w 1260926"/>
+                    <a:gd name="connsiteY1" fmla="*/ 393896 h 506437"/>
+                    <a:gd name="connsiteX2" fmla="*/ 1260926 w 1260926"/>
+                    <a:gd name="connsiteY2" fmla="*/ 506437 h 506437"/>
+                    <a:gd name="connsiteX0" fmla="*/ 0 w 1260926"/>
+                    <a:gd name="connsiteY0" fmla="*/ 0 h 506587"/>
+                    <a:gd name="connsiteX1" fmla="*/ 295421 w 1260926"/>
+                    <a:gd name="connsiteY1" fmla="*/ 393896 h 506587"/>
+                    <a:gd name="connsiteX2" fmla="*/ 1260926 w 1260926"/>
+                    <a:gd name="connsiteY2" fmla="*/ 506437 h 506587"/>
+                  </a:gdLst>
+                  <a:ahLst/>
+                  <a:cxnLst>
+                    <a:cxn ang="0">
+                      <a:pos x="connsiteX0" y="connsiteY0"/>
+                    </a:cxn>
+                    <a:cxn ang="0">
+                      <a:pos x="connsiteX1" y="connsiteY1"/>
+                    </a:cxn>
+                    <a:cxn ang="0">
+                      <a:pos x="connsiteX2" y="connsiteY2"/>
+                    </a:cxn>
+                  </a:cxnLst>
+                  <a:rect l="l" t="t" r="r" b="b"/>
+                  <a:pathLst>
+                    <a:path w="1260926" h="506587">
+                      <a:moveTo>
+                        <a:pt x="0" y="0"/>
+                      </a:moveTo>
+                      <a:cubicBezTo>
+                        <a:pt x="365" y="178558"/>
+                        <a:pt x="105507" y="309490"/>
+                        <a:pt x="295421" y="393896"/>
+                      </a:cubicBezTo>
+                      <a:cubicBezTo>
+                        <a:pt x="485335" y="478302"/>
+                        <a:pt x="924327" y="509037"/>
+                        <a:pt x="1260926" y="506437"/>
+                      </a:cubicBezTo>
+                    </a:path>
+                  </a:pathLst>
+                </a:custGeom>
+                <a:noFill/>
+                <a:ln w="38100">
+                  <a:solidFill>
+                    <a:schemeClr val="accent5"/>
+                  </a:solidFill>
+                </a:ln>
+              </p:spPr>
+              <p:style>
+                <a:lnRef idx="2">
+                  <a:schemeClr val="accent1">
+                    <a:shade val="15000"/>
+                  </a:schemeClr>
+                </a:lnRef>
+                <a:fillRef idx="1">
+                  <a:schemeClr val="accent1"/>
+                </a:fillRef>
+                <a:effectRef idx="0">
+                  <a:schemeClr val="accent1"/>
+                </a:effectRef>
+                <a:fontRef idx="minor">
+                  <a:schemeClr val="lt1"/>
+                </a:fontRef>
+              </p:style>
+              <p:txBody>
+                <a:bodyPr rtlCol="0" anchor="ctr"/>
+                <a:lstStyle/>
+                <a:p>
+                  <a:pPr algn="ctr"/>
+                  <a:endParaRPr lang="en-US"/>
+                </a:p>
+              </p:txBody>
+            </p:sp>
+            <p:sp>
+              <p:nvSpPr>
+                <p:cNvPr id="30" name="Freeform: Shape 29">
+                  <a:extLst>
+                    <a:ext uri="{FF2B5EF4-FFF2-40B4-BE49-F238E27FC236}">
+                      <a16:creationId xmlns:a16="http://schemas.microsoft.com/office/drawing/2014/main" id="{B39D0295-EF79-B01D-1C6A-DBBF9229E829}"/>
+                    </a:ext>
+                  </a:extLst>
+                </p:cNvPr>
+                <p:cNvSpPr/>
+                <p:nvPr/>
+              </p:nvSpPr>
+              <p:spPr>
+                <a:xfrm flipH="1">
+                  <a:off x="2649270" y="2700479"/>
+                  <a:ext cx="1139510" cy="507382"/>
+                </a:xfrm>
+                <a:custGeom>
+                  <a:avLst/>
+                  <a:gdLst>
+                    <a:gd name="connsiteX0" fmla="*/ 0 w 1139483"/>
+                    <a:gd name="connsiteY0" fmla="*/ 0 h 506437"/>
+                    <a:gd name="connsiteX1" fmla="*/ 295421 w 1139483"/>
+                    <a:gd name="connsiteY1" fmla="*/ 393896 h 506437"/>
+                    <a:gd name="connsiteX2" fmla="*/ 1139483 w 1139483"/>
+                    <a:gd name="connsiteY2" fmla="*/ 506437 h 506437"/>
+                    <a:gd name="connsiteX0" fmla="*/ 0 w 1139483"/>
+                    <a:gd name="connsiteY0" fmla="*/ 0 h 507382"/>
+                    <a:gd name="connsiteX1" fmla="*/ 295421 w 1139483"/>
+                    <a:gd name="connsiteY1" fmla="*/ 393896 h 507382"/>
+                    <a:gd name="connsiteX2" fmla="*/ 1139483 w 1139483"/>
+                    <a:gd name="connsiteY2" fmla="*/ 506437 h 507382"/>
+                    <a:gd name="connsiteX0" fmla="*/ 27 w 1139510"/>
+                    <a:gd name="connsiteY0" fmla="*/ 0 h 507382"/>
+                    <a:gd name="connsiteX1" fmla="*/ 295448 w 1139510"/>
+                    <a:gd name="connsiteY1" fmla="*/ 393896 h 507382"/>
+                    <a:gd name="connsiteX2" fmla="*/ 1139510 w 1139510"/>
+                    <a:gd name="connsiteY2" fmla="*/ 506437 h 507382"/>
+                  </a:gdLst>
+                  <a:ahLst/>
+                  <a:cxnLst>
+                    <a:cxn ang="0">
+                      <a:pos x="connsiteX0" y="connsiteY0"/>
+                    </a:cxn>
+                    <a:cxn ang="0">
+                      <a:pos x="connsiteX1" y="connsiteY1"/>
+                    </a:cxn>
+                    <a:cxn ang="0">
+                      <a:pos x="connsiteX2" y="connsiteY2"/>
+                    </a:cxn>
+                  </a:cxnLst>
+                  <a:rect l="l" t="t" r="r" b="b"/>
+                  <a:pathLst>
+                    <a:path w="1139510" h="507382">
+                      <a:moveTo>
+                        <a:pt x="27" y="0"/>
+                      </a:moveTo>
+                      <a:cubicBezTo>
+                        <a:pt x="-1989" y="195227"/>
+                        <a:pt x="105534" y="309490"/>
+                        <a:pt x="295448" y="393896"/>
+                      </a:cubicBezTo>
+                      <a:cubicBezTo>
+                        <a:pt x="485362" y="478302"/>
+                        <a:pt x="812436" y="513801"/>
+                        <a:pt x="1139510" y="506437"/>
+                      </a:cubicBezTo>
+                    </a:path>
+                  </a:pathLst>
+                </a:custGeom>
+                <a:noFill/>
+                <a:ln w="38100">
+                  <a:solidFill>
+                    <a:schemeClr val="accent5"/>
+                  </a:solidFill>
+                </a:ln>
+              </p:spPr>
+              <p:style>
+                <a:lnRef idx="2">
+                  <a:schemeClr val="accent1">
+                    <a:shade val="15000"/>
+                  </a:schemeClr>
+                </a:lnRef>
+                <a:fillRef idx="1">
+                  <a:schemeClr val="accent1"/>
+                </a:fillRef>
+                <a:effectRef idx="0">
+                  <a:schemeClr val="accent1"/>
+                </a:effectRef>
+                <a:fontRef idx="minor">
+                  <a:schemeClr val="lt1"/>
+                </a:fontRef>
+              </p:style>
+              <p:txBody>
+                <a:bodyPr rtlCol="0" anchor="ctr"/>
+                <a:lstStyle/>
+                <a:p>
+                  <a:pPr algn="ctr"/>
+                  <a:endParaRPr lang="en-US"/>
+                </a:p>
+              </p:txBody>
+            </p:sp>
+            <p:sp>
+              <p:nvSpPr>
+                <p:cNvPr id="31" name="Freeform: Shape 30">
+                  <a:extLst>
+                    <a:ext uri="{FF2B5EF4-FFF2-40B4-BE49-F238E27FC236}">
+                      <a16:creationId xmlns:a16="http://schemas.microsoft.com/office/drawing/2014/main" id="{73A02543-09C1-E049-A9EB-98BBE32099FF}"/>
+                    </a:ext>
+                  </a:extLst>
+                </p:cNvPr>
+                <p:cNvSpPr/>
+                <p:nvPr/>
+              </p:nvSpPr>
+              <p:spPr>
+                <a:xfrm flipV="1">
+                  <a:off x="1390723" y="2297475"/>
+                  <a:ext cx="982320" cy="404098"/>
+                </a:xfrm>
+                <a:custGeom>
+                  <a:avLst/>
+                  <a:gdLst>
+                    <a:gd name="connsiteX0" fmla="*/ 0 w 1139483"/>
+                    <a:gd name="connsiteY0" fmla="*/ 0 h 506437"/>
+                    <a:gd name="connsiteX1" fmla="*/ 295421 w 1139483"/>
+                    <a:gd name="connsiteY1" fmla="*/ 393896 h 506437"/>
+                    <a:gd name="connsiteX2" fmla="*/ 1139483 w 1139483"/>
+                    <a:gd name="connsiteY2" fmla="*/ 506437 h 506437"/>
+                    <a:gd name="connsiteX0" fmla="*/ 0 w 1139483"/>
+                    <a:gd name="connsiteY0" fmla="*/ 0 h 506437"/>
+                    <a:gd name="connsiteX1" fmla="*/ 295421 w 1139483"/>
+                    <a:gd name="connsiteY1" fmla="*/ 393896 h 506437"/>
+                    <a:gd name="connsiteX2" fmla="*/ 1139483 w 1139483"/>
+                    <a:gd name="connsiteY2" fmla="*/ 506437 h 506437"/>
+                    <a:gd name="connsiteX0" fmla="*/ 0 w 994226"/>
+                    <a:gd name="connsiteY0" fmla="*/ 0 h 465956"/>
+                    <a:gd name="connsiteX1" fmla="*/ 295421 w 994226"/>
+                    <a:gd name="connsiteY1" fmla="*/ 393896 h 465956"/>
+                    <a:gd name="connsiteX2" fmla="*/ 994226 w 994226"/>
+                    <a:gd name="connsiteY2" fmla="*/ 465956 h 465956"/>
+                    <a:gd name="connsiteX0" fmla="*/ 0 w 994226"/>
+                    <a:gd name="connsiteY0" fmla="*/ 0 h 465956"/>
+                    <a:gd name="connsiteX1" fmla="*/ 321615 w 994226"/>
+                    <a:gd name="connsiteY1" fmla="*/ 358178 h 465956"/>
+                    <a:gd name="connsiteX2" fmla="*/ 994226 w 994226"/>
+                    <a:gd name="connsiteY2" fmla="*/ 465956 h 465956"/>
+                    <a:gd name="connsiteX0" fmla="*/ 0 w 982320"/>
+                    <a:gd name="connsiteY0" fmla="*/ 0 h 396466"/>
+                    <a:gd name="connsiteX1" fmla="*/ 321615 w 982320"/>
+                    <a:gd name="connsiteY1" fmla="*/ 358178 h 396466"/>
+                    <a:gd name="connsiteX2" fmla="*/ 982320 w 982320"/>
+                    <a:gd name="connsiteY2" fmla="*/ 373087 h 396466"/>
+                    <a:gd name="connsiteX0" fmla="*/ 0 w 982320"/>
+                    <a:gd name="connsiteY0" fmla="*/ 0 h 404098"/>
+                    <a:gd name="connsiteX1" fmla="*/ 321615 w 982320"/>
+                    <a:gd name="connsiteY1" fmla="*/ 358178 h 404098"/>
+                    <a:gd name="connsiteX2" fmla="*/ 982320 w 982320"/>
+                    <a:gd name="connsiteY2" fmla="*/ 373087 h 404098"/>
+                  </a:gdLst>
+                  <a:ahLst/>
+                  <a:cxnLst>
+                    <a:cxn ang="0">
+                      <a:pos x="connsiteX0" y="connsiteY0"/>
+                    </a:cxn>
+                    <a:cxn ang="0">
+                      <a:pos x="connsiteX1" y="connsiteY1"/>
+                    </a:cxn>
+                    <a:cxn ang="0">
+                      <a:pos x="connsiteX2" y="connsiteY2"/>
+                    </a:cxn>
+                  </a:cxnLst>
+                  <a:rect l="l" t="t" r="r" b="b"/>
+                  <a:pathLst>
+                    <a:path w="982320" h="404098">
+                      <a:moveTo>
+                        <a:pt x="0" y="0"/>
+                      </a:moveTo>
+                      <a:cubicBezTo>
+                        <a:pt x="2747" y="169032"/>
+                        <a:pt x="131701" y="273772"/>
+                        <a:pt x="321615" y="358178"/>
+                      </a:cubicBezTo>
+                      <a:cubicBezTo>
+                        <a:pt x="511529" y="442584"/>
+                        <a:pt x="648102" y="387594"/>
+                        <a:pt x="982320" y="373087"/>
+                      </a:cubicBezTo>
+                    </a:path>
+                  </a:pathLst>
+                </a:custGeom>
+                <a:noFill/>
+                <a:ln w="38100">
+                  <a:solidFill>
+                    <a:schemeClr val="accent5"/>
+                  </a:solidFill>
+                  <a:prstDash val="dash"/>
+                </a:ln>
+              </p:spPr>
+              <p:style>
+                <a:lnRef idx="2">
+                  <a:schemeClr val="accent1">
+                    <a:shade val="15000"/>
+                  </a:schemeClr>
+                </a:lnRef>
+                <a:fillRef idx="1">
+                  <a:schemeClr val="accent1"/>
+                </a:fillRef>
+                <a:effectRef idx="0">
+                  <a:schemeClr val="accent1"/>
+                </a:effectRef>
+                <a:fontRef idx="minor">
+                  <a:schemeClr val="lt1"/>
+                </a:fontRef>
+              </p:style>
+              <p:txBody>
+                <a:bodyPr rtlCol="0" anchor="ctr"/>
+                <a:lstStyle/>
+                <a:p>
+                  <a:pPr algn="ctr"/>
+                  <a:endParaRPr lang="en-US"/>
+                </a:p>
+              </p:txBody>
+            </p:sp>
+            <p:sp>
+              <p:nvSpPr>
+                <p:cNvPr id="32" name="Freeform: Shape 31">
+                  <a:extLst>
+                    <a:ext uri="{FF2B5EF4-FFF2-40B4-BE49-F238E27FC236}">
+                      <a16:creationId xmlns:a16="http://schemas.microsoft.com/office/drawing/2014/main" id="{72B0182A-6735-27D5-B5B5-DFAFB1534AFA}"/>
+                    </a:ext>
+                  </a:extLst>
+                </p:cNvPr>
+                <p:cNvSpPr/>
+                <p:nvPr/>
+              </p:nvSpPr>
+              <p:spPr>
+                <a:xfrm flipH="1" flipV="1">
+                  <a:off x="2464740" y="2297853"/>
+                  <a:ext cx="1325221" cy="410203"/>
+                </a:xfrm>
+                <a:custGeom>
+                  <a:avLst/>
+                  <a:gdLst>
+                    <a:gd name="connsiteX0" fmla="*/ 0 w 1139483"/>
+                    <a:gd name="connsiteY0" fmla="*/ 0 h 506437"/>
+                    <a:gd name="connsiteX1" fmla="*/ 295421 w 1139483"/>
+                    <a:gd name="connsiteY1" fmla="*/ 393896 h 506437"/>
+                    <a:gd name="connsiteX2" fmla="*/ 1139483 w 1139483"/>
+                    <a:gd name="connsiteY2" fmla="*/ 506437 h 506437"/>
+                    <a:gd name="connsiteX0" fmla="*/ 0 w 1210921"/>
+                    <a:gd name="connsiteY0" fmla="*/ 0 h 370706"/>
+                    <a:gd name="connsiteX1" fmla="*/ 366859 w 1210921"/>
+                    <a:gd name="connsiteY1" fmla="*/ 258165 h 370706"/>
+                    <a:gd name="connsiteX2" fmla="*/ 1210921 w 1210921"/>
+                    <a:gd name="connsiteY2" fmla="*/ 370706 h 370706"/>
+                    <a:gd name="connsiteX0" fmla="*/ 0 w 1210921"/>
+                    <a:gd name="connsiteY0" fmla="*/ 0 h 370706"/>
+                    <a:gd name="connsiteX1" fmla="*/ 366859 w 1210921"/>
+                    <a:gd name="connsiteY1" fmla="*/ 258165 h 370706"/>
+                    <a:gd name="connsiteX2" fmla="*/ 1210921 w 1210921"/>
+                    <a:gd name="connsiteY2" fmla="*/ 370706 h 370706"/>
+                    <a:gd name="connsiteX0" fmla="*/ 0 w 1210921"/>
+                    <a:gd name="connsiteY0" fmla="*/ 0 h 373087"/>
+                    <a:gd name="connsiteX1" fmla="*/ 366859 w 1210921"/>
+                    <a:gd name="connsiteY1" fmla="*/ 260546 h 373087"/>
+                    <a:gd name="connsiteX2" fmla="*/ 1210921 w 1210921"/>
+                    <a:gd name="connsiteY2" fmla="*/ 373087 h 373087"/>
+                    <a:gd name="connsiteX0" fmla="*/ 0 w 1087096"/>
+                    <a:gd name="connsiteY0" fmla="*/ 0 h 365944"/>
+                    <a:gd name="connsiteX1" fmla="*/ 243034 w 1087096"/>
+                    <a:gd name="connsiteY1" fmla="*/ 253403 h 365944"/>
+                    <a:gd name="connsiteX2" fmla="*/ 1087096 w 1087096"/>
+                    <a:gd name="connsiteY2" fmla="*/ 365944 h 365944"/>
+                    <a:gd name="connsiteX0" fmla="*/ 0 w 1208540"/>
+                    <a:gd name="connsiteY0" fmla="*/ 0 h 363563"/>
+                    <a:gd name="connsiteX1" fmla="*/ 364478 w 1208540"/>
+                    <a:gd name="connsiteY1" fmla="*/ 251022 h 363563"/>
+                    <a:gd name="connsiteX2" fmla="*/ 1208540 w 1208540"/>
+                    <a:gd name="connsiteY2" fmla="*/ 363563 h 363563"/>
+                    <a:gd name="connsiteX0" fmla="*/ 0 w 1208540"/>
+                    <a:gd name="connsiteY0" fmla="*/ 0 h 363563"/>
+                    <a:gd name="connsiteX1" fmla="*/ 364478 w 1208540"/>
+                    <a:gd name="connsiteY1" fmla="*/ 251022 h 363563"/>
+                    <a:gd name="connsiteX2" fmla="*/ 1208540 w 1208540"/>
+                    <a:gd name="connsiteY2" fmla="*/ 363563 h 363563"/>
+                    <a:gd name="connsiteX0" fmla="*/ 0 w 1210921"/>
+                    <a:gd name="connsiteY0" fmla="*/ 0 h 368325"/>
+                    <a:gd name="connsiteX1" fmla="*/ 366859 w 1210921"/>
+                    <a:gd name="connsiteY1" fmla="*/ 255784 h 368325"/>
+                    <a:gd name="connsiteX2" fmla="*/ 1210921 w 1210921"/>
+                    <a:gd name="connsiteY2" fmla="*/ 368325 h 368325"/>
+                    <a:gd name="connsiteX0" fmla="*/ 0 w 1208540"/>
+                    <a:gd name="connsiteY0" fmla="*/ 0 h 373087"/>
+                    <a:gd name="connsiteX1" fmla="*/ 364478 w 1208540"/>
+                    <a:gd name="connsiteY1" fmla="*/ 260546 h 373087"/>
+                    <a:gd name="connsiteX2" fmla="*/ 1208540 w 1208540"/>
+                    <a:gd name="connsiteY2" fmla="*/ 373087 h 373087"/>
+                    <a:gd name="connsiteX0" fmla="*/ 0 w 1363321"/>
+                    <a:gd name="connsiteY0" fmla="*/ 0 h 380231"/>
+                    <a:gd name="connsiteX1" fmla="*/ 364478 w 1363321"/>
+                    <a:gd name="connsiteY1" fmla="*/ 260546 h 380231"/>
+                    <a:gd name="connsiteX2" fmla="*/ 1363321 w 1363321"/>
+                    <a:gd name="connsiteY2" fmla="*/ 380231 h 380231"/>
+                    <a:gd name="connsiteX0" fmla="*/ 0 w 1325221"/>
+                    <a:gd name="connsiteY0" fmla="*/ 0 h 377850"/>
+                    <a:gd name="connsiteX1" fmla="*/ 364478 w 1325221"/>
+                    <a:gd name="connsiteY1" fmla="*/ 260546 h 377850"/>
+                    <a:gd name="connsiteX2" fmla="*/ 1325221 w 1325221"/>
+                    <a:gd name="connsiteY2" fmla="*/ 377850 h 377850"/>
+                    <a:gd name="connsiteX0" fmla="*/ 0 w 1325221"/>
+                    <a:gd name="connsiteY0" fmla="*/ 0 h 377982"/>
+                    <a:gd name="connsiteX1" fmla="*/ 364478 w 1325221"/>
+                    <a:gd name="connsiteY1" fmla="*/ 260546 h 377982"/>
+                    <a:gd name="connsiteX2" fmla="*/ 1325221 w 1325221"/>
+                    <a:gd name="connsiteY2" fmla="*/ 377850 h 377982"/>
+                    <a:gd name="connsiteX0" fmla="*/ 0 w 1325221"/>
+                    <a:gd name="connsiteY0" fmla="*/ 0 h 378132"/>
+                    <a:gd name="connsiteX1" fmla="*/ 219222 w 1325221"/>
+                    <a:gd name="connsiteY1" fmla="*/ 281977 h 378132"/>
+                    <a:gd name="connsiteX2" fmla="*/ 1325221 w 1325221"/>
+                    <a:gd name="connsiteY2" fmla="*/ 377850 h 378132"/>
+                    <a:gd name="connsiteX0" fmla="*/ 0 w 1325221"/>
+                    <a:gd name="connsiteY0" fmla="*/ 0 h 377912"/>
+                    <a:gd name="connsiteX1" fmla="*/ 254941 w 1325221"/>
+                    <a:gd name="connsiteY1" fmla="*/ 217683 h 377912"/>
+                    <a:gd name="connsiteX2" fmla="*/ 1325221 w 1325221"/>
+                    <a:gd name="connsiteY2" fmla="*/ 377850 h 377912"/>
+                    <a:gd name="connsiteX0" fmla="*/ 0 w 1325221"/>
+                    <a:gd name="connsiteY0" fmla="*/ 0 h 377912"/>
+                    <a:gd name="connsiteX1" fmla="*/ 254941 w 1325221"/>
+                    <a:gd name="connsiteY1" fmla="*/ 217683 h 377912"/>
+                    <a:gd name="connsiteX2" fmla="*/ 1325221 w 1325221"/>
+                    <a:gd name="connsiteY2" fmla="*/ 377850 h 377912"/>
+                    <a:gd name="connsiteX0" fmla="*/ 0 w 1325221"/>
+                    <a:gd name="connsiteY0" fmla="*/ 0 h 377912"/>
+                    <a:gd name="connsiteX1" fmla="*/ 254941 w 1325221"/>
+                    <a:gd name="connsiteY1" fmla="*/ 217683 h 377912"/>
+                    <a:gd name="connsiteX2" fmla="*/ 1325221 w 1325221"/>
+                    <a:gd name="connsiteY2" fmla="*/ 377850 h 377912"/>
+                    <a:gd name="connsiteX0" fmla="*/ 0 w 1325221"/>
+                    <a:gd name="connsiteY0" fmla="*/ 0 h 407062"/>
+                    <a:gd name="connsiteX1" fmla="*/ 433534 w 1325221"/>
+                    <a:gd name="connsiteY1" fmla="*/ 365320 h 407062"/>
+                    <a:gd name="connsiteX2" fmla="*/ 1325221 w 1325221"/>
+                    <a:gd name="connsiteY2" fmla="*/ 377850 h 407062"/>
+                    <a:gd name="connsiteX0" fmla="*/ 0 w 1325221"/>
+                    <a:gd name="connsiteY0" fmla="*/ 0 h 410203"/>
+                    <a:gd name="connsiteX1" fmla="*/ 433534 w 1325221"/>
+                    <a:gd name="connsiteY1" fmla="*/ 365320 h 410203"/>
+                    <a:gd name="connsiteX2" fmla="*/ 1325221 w 1325221"/>
+                    <a:gd name="connsiteY2" fmla="*/ 377850 h 410203"/>
+                    <a:gd name="connsiteX0" fmla="*/ 0 w 1325221"/>
+                    <a:gd name="connsiteY0" fmla="*/ 0 h 410203"/>
+                    <a:gd name="connsiteX1" fmla="*/ 433534 w 1325221"/>
+                    <a:gd name="connsiteY1" fmla="*/ 365320 h 410203"/>
+                    <a:gd name="connsiteX2" fmla="*/ 1325221 w 1325221"/>
+                    <a:gd name="connsiteY2" fmla="*/ 377850 h 410203"/>
+                    <a:gd name="connsiteX0" fmla="*/ 0 w 1325221"/>
+                    <a:gd name="connsiteY0" fmla="*/ 0 h 410203"/>
+                    <a:gd name="connsiteX1" fmla="*/ 433534 w 1325221"/>
+                    <a:gd name="connsiteY1" fmla="*/ 365320 h 410203"/>
+                    <a:gd name="connsiteX2" fmla="*/ 1325221 w 1325221"/>
+                    <a:gd name="connsiteY2" fmla="*/ 377850 h 410203"/>
+                  </a:gdLst>
+                  <a:ahLst/>
+                  <a:cxnLst>
+                    <a:cxn ang="0">
+                      <a:pos x="connsiteX0" y="connsiteY0"/>
+                    </a:cxn>
+                    <a:cxn ang="0">
+                      <a:pos x="connsiteX1" y="connsiteY1"/>
+                    </a:cxn>
+                    <a:cxn ang="0">
+                      <a:pos x="connsiteX2" y="connsiteY2"/>
+                    </a:cxn>
+                  </a:cxnLst>
+                  <a:rect l="l" t="t" r="r" b="b"/>
+                  <a:pathLst>
+                    <a:path w="1325221" h="410203">
+                      <a:moveTo>
+                        <a:pt x="0" y="0"/>
+                      </a:moveTo>
+                      <a:cubicBezTo>
+                        <a:pt x="7510" y="116645"/>
+                        <a:pt x="243620" y="273770"/>
+                        <a:pt x="433534" y="365320"/>
+                      </a:cubicBezTo>
+                      <a:cubicBezTo>
+                        <a:pt x="623448" y="456870"/>
+                        <a:pt x="1000529" y="380450"/>
+                        <a:pt x="1325221" y="377850"/>
+                      </a:cubicBezTo>
+                    </a:path>
+                  </a:pathLst>
+                </a:custGeom>
+                <a:noFill/>
+                <a:ln w="38100">
+                  <a:solidFill>
+                    <a:schemeClr val="accent5"/>
+                  </a:solidFill>
+                  <a:prstDash val="dash"/>
+                </a:ln>
+              </p:spPr>
+              <p:style>
+                <a:lnRef idx="2">
+                  <a:schemeClr val="accent1">
+                    <a:shade val="15000"/>
+                  </a:schemeClr>
+                </a:lnRef>
+                <a:fillRef idx="1">
+                  <a:schemeClr val="accent1"/>
+                </a:fillRef>
+                <a:effectRef idx="0">
+                  <a:schemeClr val="accent1"/>
+                </a:effectRef>
+                <a:fontRef idx="minor">
+                  <a:schemeClr val="lt1"/>
+                </a:fontRef>
+              </p:style>
+              <p:txBody>
+                <a:bodyPr rtlCol="0" anchor="ctr"/>
+                <a:lstStyle/>
+                <a:p>
+                  <a:pPr algn="ctr"/>
+                  <a:endParaRPr lang="en-US"/>
+                </a:p>
+              </p:txBody>
+            </p:sp>
+            <p:cxnSp>
+              <p:nvCxnSpPr>
+                <p:cNvPr id="33" name="Straight Connector 32">
+                  <a:extLst>
+                    <a:ext uri="{FF2B5EF4-FFF2-40B4-BE49-F238E27FC236}">
+                      <a16:creationId xmlns:a16="http://schemas.microsoft.com/office/drawing/2014/main" id="{1E3F4ADE-BE4E-6FED-850F-67CD4B9FF48C}"/>
+                    </a:ext>
+                  </a:extLst>
+                </p:cNvPr>
+                <p:cNvCxnSpPr>
+                  <a:cxnSpLocks/>
+                </p:cNvCxnSpPr>
+                <p:nvPr/>
+              </p:nvCxnSpPr>
+              <p:spPr>
+                <a:xfrm>
+                  <a:off x="1419225" y="2863850"/>
+                  <a:ext cx="953818" cy="1924050"/>
+                </a:xfrm>
+                <a:prstGeom prst="line">
+                  <a:avLst/>
+                </a:prstGeom>
+                <a:noFill/>
+                <a:ln w="38100">
+                  <a:solidFill>
+                    <a:schemeClr val="accent5"/>
+                  </a:solidFill>
+                </a:ln>
+              </p:spPr>
+              <p:style>
+                <a:lnRef idx="2">
+                  <a:schemeClr val="accent1">
+                    <a:shade val="15000"/>
+                  </a:schemeClr>
+                </a:lnRef>
+                <a:fillRef idx="1">
+                  <a:schemeClr val="accent1"/>
+                </a:fillRef>
+                <a:effectRef idx="0">
+                  <a:schemeClr val="accent1"/>
+                </a:effectRef>
+                <a:fontRef idx="minor">
+                  <a:schemeClr val="lt1"/>
+                </a:fontRef>
+              </p:style>
+            </p:cxnSp>
+            <p:cxnSp>
+              <p:nvCxnSpPr>
+                <p:cNvPr id="34" name="Straight Connector 33">
+                  <a:extLst>
+                    <a:ext uri="{FF2B5EF4-FFF2-40B4-BE49-F238E27FC236}">
+                      <a16:creationId xmlns:a16="http://schemas.microsoft.com/office/drawing/2014/main" id="{8372E297-E0F7-EAA6-8070-D2BE7B34AF3E}"/>
+                    </a:ext>
+                  </a:extLst>
+                </p:cNvPr>
+                <p:cNvCxnSpPr>
+                  <a:cxnSpLocks/>
+                </p:cNvCxnSpPr>
+                <p:nvPr/>
+              </p:nvCxnSpPr>
+              <p:spPr>
+                <a:xfrm flipH="1">
+                  <a:off x="2373043" y="2901293"/>
+                  <a:ext cx="1371265" cy="1886607"/>
+                </a:xfrm>
+                <a:prstGeom prst="line">
+                  <a:avLst/>
+                </a:prstGeom>
+                <a:noFill/>
+                <a:ln w="38100">
+                  <a:solidFill>
+                    <a:schemeClr val="accent5"/>
+                  </a:solidFill>
+                </a:ln>
+              </p:spPr>
+              <p:style>
+                <a:lnRef idx="2">
+                  <a:schemeClr val="accent1">
+                    <a:shade val="15000"/>
+                  </a:schemeClr>
+                </a:lnRef>
+                <a:fillRef idx="1">
+                  <a:schemeClr val="accent1"/>
+                </a:fillRef>
+                <a:effectRef idx="0">
+                  <a:schemeClr val="accent1"/>
+                </a:effectRef>
+                <a:fontRef idx="minor">
+                  <a:schemeClr val="lt1"/>
+                </a:fontRef>
+              </p:style>
+            </p:cxnSp>
+            <p:cxnSp>
+              <p:nvCxnSpPr>
+                <p:cNvPr id="35" name="Straight Connector 34">
+                  <a:extLst>
+                    <a:ext uri="{FF2B5EF4-FFF2-40B4-BE49-F238E27FC236}">
+                      <a16:creationId xmlns:a16="http://schemas.microsoft.com/office/drawing/2014/main" id="{E36243CF-83E0-3DFF-FFD0-0DE5374D4E32}"/>
+                    </a:ext>
+                  </a:extLst>
+                </p:cNvPr>
+                <p:cNvCxnSpPr>
+                  <a:stCxn id="30" idx="2"/>
+                </p:cNvCxnSpPr>
+                <p:nvPr/>
+              </p:nvCxnSpPr>
+              <p:spPr>
+                <a:xfrm flipH="1">
+                  <a:off x="2373043" y="3206916"/>
+                  <a:ext cx="276227" cy="1580984"/>
+                </a:xfrm>
+                <a:prstGeom prst="line">
+                  <a:avLst/>
+                </a:prstGeom>
+                <a:noFill/>
+                <a:ln w="38100">
+                  <a:solidFill>
+                    <a:schemeClr val="accent5"/>
+                  </a:solidFill>
+                </a:ln>
+              </p:spPr>
+              <p:style>
+                <a:lnRef idx="2">
+                  <a:schemeClr val="accent1">
+                    <a:shade val="15000"/>
+                  </a:schemeClr>
+                </a:lnRef>
+                <a:fillRef idx="1">
+                  <a:schemeClr val="accent1"/>
+                </a:fillRef>
+                <a:effectRef idx="0">
+                  <a:schemeClr val="accent1"/>
+                </a:effectRef>
+                <a:fontRef idx="minor">
+                  <a:schemeClr val="lt1"/>
+                </a:fontRef>
+              </p:style>
+            </p:cxnSp>
+            <p:cxnSp>
+              <p:nvCxnSpPr>
+                <p:cNvPr id="36" name="Straight Connector 35">
+                  <a:extLst>
+                    <a:ext uri="{FF2B5EF4-FFF2-40B4-BE49-F238E27FC236}">
+                      <a16:creationId xmlns:a16="http://schemas.microsoft.com/office/drawing/2014/main" id="{20413AF3-7355-86E2-24E7-B687A17D686D}"/>
+                    </a:ext>
+                  </a:extLst>
+                </p:cNvPr>
+                <p:cNvCxnSpPr>
+                  <a:cxnSpLocks/>
+                </p:cNvCxnSpPr>
+                <p:nvPr/>
+              </p:nvCxnSpPr>
+              <p:spPr>
+                <a:xfrm>
+                  <a:off x="2373043" y="2343150"/>
+                  <a:ext cx="0" cy="2444750"/>
+                </a:xfrm>
+                <a:prstGeom prst="line">
+                  <a:avLst/>
+                </a:prstGeom>
+                <a:noFill/>
+                <a:ln w="38100">
+                  <a:solidFill>
+                    <a:schemeClr val="accent5"/>
+                  </a:solidFill>
+                  <a:prstDash val="dash"/>
+                </a:ln>
+              </p:spPr>
+              <p:style>
+                <a:lnRef idx="2">
+                  <a:schemeClr val="accent1">
+                    <a:shade val="15000"/>
+                  </a:schemeClr>
+                </a:lnRef>
+                <a:fillRef idx="1">
+                  <a:schemeClr val="accent1"/>
+                </a:fillRef>
+                <a:effectRef idx="0">
+                  <a:schemeClr val="accent1"/>
+                </a:effectRef>
+                <a:fontRef idx="minor">
+                  <a:schemeClr val="lt1"/>
+                </a:fontRef>
+              </p:style>
+            </p:cxnSp>
+            <p:sp>
+              <p:nvSpPr>
+                <p:cNvPr id="37" name="Freeform: Shape 36">
+                  <a:extLst>
+                    <a:ext uri="{FF2B5EF4-FFF2-40B4-BE49-F238E27FC236}">
+                      <a16:creationId xmlns:a16="http://schemas.microsoft.com/office/drawing/2014/main" id="{5CFDF366-7B2F-47D1-7E81-04514EA9350F}"/>
+                    </a:ext>
+                  </a:extLst>
+                </p:cNvPr>
+                <p:cNvSpPr/>
+                <p:nvPr/>
+              </p:nvSpPr>
+              <p:spPr>
+                <a:xfrm>
+                  <a:off x="1390391" y="1651592"/>
+                  <a:ext cx="2397188" cy="1060211"/>
+                </a:xfrm>
+                <a:custGeom>
+                  <a:avLst/>
+                  <a:gdLst>
+                    <a:gd name="connsiteX0" fmla="*/ 0 w 2194560"/>
+                    <a:gd name="connsiteY0" fmla="*/ 799656 h 884062"/>
+                    <a:gd name="connsiteX1" fmla="*/ 527538 w 2194560"/>
+                    <a:gd name="connsiteY1" fmla="*/ 159576 h 884062"/>
+                    <a:gd name="connsiteX2" fmla="*/ 1463040 w 2194560"/>
+                    <a:gd name="connsiteY2" fmla="*/ 54069 h 884062"/>
+                    <a:gd name="connsiteX3" fmla="*/ 2194560 w 2194560"/>
+                    <a:gd name="connsiteY3" fmla="*/ 884062 h 884062"/>
+                    <a:gd name="connsiteX0" fmla="*/ 0 w 2194560"/>
+                    <a:gd name="connsiteY0" fmla="*/ 799656 h 884062"/>
+                    <a:gd name="connsiteX1" fmla="*/ 527538 w 2194560"/>
+                    <a:gd name="connsiteY1" fmla="*/ 159576 h 884062"/>
+                    <a:gd name="connsiteX2" fmla="*/ 1463040 w 2194560"/>
+                    <a:gd name="connsiteY2" fmla="*/ 54069 h 884062"/>
+                    <a:gd name="connsiteX3" fmla="*/ 2194560 w 2194560"/>
+                    <a:gd name="connsiteY3" fmla="*/ 884062 h 884062"/>
+                    <a:gd name="connsiteX0" fmla="*/ 0 w 2194560"/>
+                    <a:gd name="connsiteY0" fmla="*/ 799656 h 884062"/>
+                    <a:gd name="connsiteX1" fmla="*/ 527538 w 2194560"/>
+                    <a:gd name="connsiteY1" fmla="*/ 159576 h 884062"/>
+                    <a:gd name="connsiteX2" fmla="*/ 1463040 w 2194560"/>
+                    <a:gd name="connsiteY2" fmla="*/ 54069 h 884062"/>
+                    <a:gd name="connsiteX3" fmla="*/ 2194560 w 2194560"/>
+                    <a:gd name="connsiteY3" fmla="*/ 884062 h 884062"/>
+                    <a:gd name="connsiteX0" fmla="*/ 0 w 2330291"/>
+                    <a:gd name="connsiteY0" fmla="*/ 1288023 h 1288023"/>
+                    <a:gd name="connsiteX1" fmla="*/ 663269 w 2330291"/>
+                    <a:gd name="connsiteY1" fmla="*/ 178837 h 1288023"/>
+                    <a:gd name="connsiteX2" fmla="*/ 1598771 w 2330291"/>
+                    <a:gd name="connsiteY2" fmla="*/ 73330 h 1288023"/>
+                    <a:gd name="connsiteX3" fmla="*/ 2330291 w 2330291"/>
+                    <a:gd name="connsiteY3" fmla="*/ 903323 h 1288023"/>
+                    <a:gd name="connsiteX0" fmla="*/ 165 w 2330456"/>
+                    <a:gd name="connsiteY0" fmla="*/ 1288023 h 1288023"/>
+                    <a:gd name="connsiteX1" fmla="*/ 663434 w 2330456"/>
+                    <a:gd name="connsiteY1" fmla="*/ 178837 h 1288023"/>
+                    <a:gd name="connsiteX2" fmla="*/ 1598936 w 2330456"/>
+                    <a:gd name="connsiteY2" fmla="*/ 73330 h 1288023"/>
+                    <a:gd name="connsiteX3" fmla="*/ 2330456 w 2330456"/>
+                    <a:gd name="connsiteY3" fmla="*/ 903323 h 1288023"/>
+                    <a:gd name="connsiteX0" fmla="*/ 165 w 2330456"/>
+                    <a:gd name="connsiteY0" fmla="*/ 1273056 h 1273056"/>
+                    <a:gd name="connsiteX1" fmla="*/ 663434 w 2330456"/>
+                    <a:gd name="connsiteY1" fmla="*/ 178158 h 1273056"/>
+                    <a:gd name="connsiteX2" fmla="*/ 1598936 w 2330456"/>
+                    <a:gd name="connsiteY2" fmla="*/ 72651 h 1273056"/>
+                    <a:gd name="connsiteX3" fmla="*/ 2330456 w 2330456"/>
+                    <a:gd name="connsiteY3" fmla="*/ 902644 h 1273056"/>
+                    <a:gd name="connsiteX0" fmla="*/ 211 w 2330502"/>
+                    <a:gd name="connsiteY0" fmla="*/ 1242225 h 1242225"/>
+                    <a:gd name="connsiteX1" fmla="*/ 572992 w 2330502"/>
+                    <a:gd name="connsiteY1" fmla="*/ 280677 h 1242225"/>
+                    <a:gd name="connsiteX2" fmla="*/ 1598982 w 2330502"/>
+                    <a:gd name="connsiteY2" fmla="*/ 41820 h 1242225"/>
+                    <a:gd name="connsiteX3" fmla="*/ 2330502 w 2330502"/>
+                    <a:gd name="connsiteY3" fmla="*/ 871813 h 1242225"/>
+                    <a:gd name="connsiteX0" fmla="*/ 222 w 2330513"/>
+                    <a:gd name="connsiteY0" fmla="*/ 1032955 h 1032955"/>
+                    <a:gd name="connsiteX1" fmla="*/ 573003 w 2330513"/>
+                    <a:gd name="connsiteY1" fmla="*/ 71407 h 1032955"/>
+                    <a:gd name="connsiteX2" fmla="*/ 1689481 w 2330513"/>
+                    <a:gd name="connsiteY2" fmla="*/ 151638 h 1032955"/>
+                    <a:gd name="connsiteX3" fmla="*/ 2330513 w 2330513"/>
+                    <a:gd name="connsiteY3" fmla="*/ 662543 h 1032955"/>
+                    <a:gd name="connsiteX0" fmla="*/ 222 w 2397188"/>
+                    <a:gd name="connsiteY0" fmla="*/ 1032955 h 1060211"/>
+                    <a:gd name="connsiteX1" fmla="*/ 573003 w 2397188"/>
+                    <a:gd name="connsiteY1" fmla="*/ 71407 h 1060211"/>
+                    <a:gd name="connsiteX2" fmla="*/ 1689481 w 2397188"/>
+                    <a:gd name="connsiteY2" fmla="*/ 151638 h 1060211"/>
+                    <a:gd name="connsiteX3" fmla="*/ 2397188 w 2397188"/>
+                    <a:gd name="connsiteY3" fmla="*/ 1060211 h 1060211"/>
+                    <a:gd name="connsiteX0" fmla="*/ 222 w 2397188"/>
+                    <a:gd name="connsiteY0" fmla="*/ 1032955 h 1060211"/>
+                    <a:gd name="connsiteX1" fmla="*/ 573003 w 2397188"/>
+                    <a:gd name="connsiteY1" fmla="*/ 71407 h 1060211"/>
+                    <a:gd name="connsiteX2" fmla="*/ 1689481 w 2397188"/>
+                    <a:gd name="connsiteY2" fmla="*/ 151638 h 1060211"/>
+                    <a:gd name="connsiteX3" fmla="*/ 2397188 w 2397188"/>
+                    <a:gd name="connsiteY3" fmla="*/ 1060211 h 1060211"/>
+                  </a:gdLst>
+                  <a:ahLst/>
+                  <a:cxnLst>
+                    <a:cxn ang="0">
+                      <a:pos x="connsiteX0" y="connsiteY0"/>
+                    </a:cxn>
+                    <a:cxn ang="0">
+                      <a:pos x="connsiteX1" y="connsiteY1"/>
+                    </a:cxn>
+                    <a:cxn ang="0">
+                      <a:pos x="connsiteX2" y="connsiteY2"/>
+                    </a:cxn>
+                    <a:cxn ang="0">
+                      <a:pos x="connsiteX3" y="connsiteY3"/>
+                    </a:cxn>
+                  </a:cxnLst>
+                  <a:rect l="l" t="t" r="r" b="b"/>
+                  <a:pathLst>
+                    <a:path w="2397188" h="1060211">
+                      <a:moveTo>
+                        <a:pt x="222" y="1032955"/>
+                      </a:moveTo>
+                      <a:cubicBezTo>
+                        <a:pt x="-9340" y="677636"/>
+                        <a:pt x="291460" y="218293"/>
+                        <a:pt x="573003" y="71407"/>
+                      </a:cubicBezTo>
+                      <a:cubicBezTo>
+                        <a:pt x="854546" y="-75479"/>
+                        <a:pt x="1411644" y="30890"/>
+                        <a:pt x="1689481" y="151638"/>
+                      </a:cubicBezTo>
+                      <a:cubicBezTo>
+                        <a:pt x="1967318" y="272386"/>
+                        <a:pt x="2386234" y="705588"/>
+                        <a:pt x="2397188" y="1060211"/>
+                      </a:cubicBezTo>
+                    </a:path>
+                  </a:pathLst>
+                </a:custGeom>
+                <a:noFill/>
+                <a:ln w="38100">
+                  <a:solidFill>
+                    <a:schemeClr val="accent5"/>
+                  </a:solidFill>
+                </a:ln>
+              </p:spPr>
+              <p:style>
+                <a:lnRef idx="2">
+                  <a:schemeClr val="accent1">
+                    <a:shade val="15000"/>
+                  </a:schemeClr>
+                </a:lnRef>
+                <a:fillRef idx="1">
+                  <a:schemeClr val="accent1"/>
+                </a:fillRef>
+                <a:effectRef idx="0">
+                  <a:schemeClr val="accent1"/>
+                </a:effectRef>
+                <a:fontRef idx="minor">
+                  <a:schemeClr val="lt1"/>
+                </a:fontRef>
+              </p:style>
+              <p:txBody>
+                <a:bodyPr rtlCol="0" anchor="ctr"/>
+                <a:lstStyle/>
+                <a:p>
+                  <a:pPr algn="ctr"/>
+                  <a:endParaRPr lang="en-US"/>
+                </a:p>
+              </p:txBody>
+            </p:sp>
+          </p:grpSp>
+          <mc:AlternateContent xmlns:mc="http://schemas.openxmlformats.org/markup-compatibility/2006" xmlns:a14="http://schemas.microsoft.com/office/drawing/2010/main">
+            <mc:Choice Requires="a14">
+              <p:sp>
+                <p:nvSpPr>
+                  <p:cNvPr id="21" name="TextBox 20">
+                    <a:extLst>
+                      <a:ext uri="{FF2B5EF4-FFF2-40B4-BE49-F238E27FC236}">
+                        <a16:creationId xmlns:a16="http://schemas.microsoft.com/office/drawing/2014/main" id="{119BD0A1-4391-5E8F-FE27-F04711DA90C0}"/>
+                      </a:ext>
+                    </a:extLst>
+                  </p:cNvPr>
+                  <p:cNvSpPr txBox="1"/>
+                  <p:nvPr/>
+                </p:nvSpPr>
+                <p:spPr>
+                  <a:xfrm>
+                    <a:off x="3789604" y="1260711"/>
+                    <a:ext cx="463588" cy="523220"/>
+                  </a:xfrm>
+                  <a:prstGeom prst="rect">
+                    <a:avLst/>
+                  </a:prstGeom>
+                  <a:noFill/>
+                </p:spPr>
+                <p:txBody>
+                  <a:bodyPr wrap="none" rtlCol="0">
+                    <a:spAutoFit/>
+                  </a:bodyPr>
+                  <a:lstStyle/>
+                  <a:p>
+                    <a:pPr/>
+                    <a14:m>
+                      <m:oMathPara xmlns:m="http://schemas.openxmlformats.org/officeDocument/2006/math">
+                        <m:oMathParaPr>
+                          <m:jc m:val="centerGroup"/>
+                        </m:oMathParaPr>
+                        <m:oMath xmlns:m="http://schemas.openxmlformats.org/officeDocument/2006/math">
+                          <m:r>
+                            <m:rPr>
+                              <m:sty m:val="p"/>
+                            </m:rPr>
+                            <a:rPr lang="en-US" sz="2800" b="0" i="1" smtClean="0">
+                              <a:latin typeface="Cambria Math" panose="02040503050406030204" pitchFamily="18" charset="0"/>
+                            </a:rPr>
+                            <m:t>Σ</m:t>
+                          </m:r>
+                        </m:oMath>
+                      </m:oMathPara>
+                    </a14:m>
+                    <a:endParaRPr lang="en-US" sz="2800" b="0" dirty="0"/>
+                  </a:p>
+                </p:txBody>
+              </p:sp>
+            </mc:Choice>
+            <mc:Fallback xmlns="">
+              <p:sp>
+                <p:nvSpPr>
+                  <p:cNvPr id="21" name="TextBox 20">
+                    <a:extLst>
+                      <a:ext uri="{FF2B5EF4-FFF2-40B4-BE49-F238E27FC236}">
+                        <a16:creationId xmlns:a16="http://schemas.microsoft.com/office/drawing/2014/main" id="{119BD0A1-4391-5E8F-FE27-F04711DA90C0}"/>
+                      </a:ext>
+                    </a:extLst>
+                  </p:cNvPr>
+                  <p:cNvSpPr txBox="1">
+                    <a:spLocks noRot="1" noChangeAspect="1" noMove="1" noResize="1" noEditPoints="1" noAdjustHandles="1" noChangeArrowheads="1" noChangeShapeType="1" noTextEdit="1"/>
+                  </p:cNvSpPr>
+                  <p:nvPr/>
+                </p:nvSpPr>
+                <p:spPr>
+                  <a:xfrm>
+                    <a:off x="3789604" y="1260711"/>
+                    <a:ext cx="463588" cy="523220"/>
+                  </a:xfrm>
+                  <a:prstGeom prst="rect">
+                    <a:avLst/>
+                  </a:prstGeom>
+                  <a:blipFill>
+                    <a:blip r:embed="rId8"/>
+                    <a:stretch>
+                      <a:fillRect/>
+                    </a:stretch>
+                  </a:blipFill>
+                </p:spPr>
+                <p:txBody>
+                  <a:bodyPr/>
+                  <a:lstStyle/>
+                  <a:p>
+                    <a:r>
+                      <a:rPr lang="en-US">
+                        <a:noFill/>
+                      </a:rPr>
+                      <a:t> </a:t>
+                    </a:r>
+                  </a:p>
+                </p:txBody>
+              </p:sp>
+            </mc:Fallback>
+          </mc:AlternateContent>
+          <mc:AlternateContent xmlns:mc="http://schemas.openxmlformats.org/markup-compatibility/2006" xmlns:a14="http://schemas.microsoft.com/office/drawing/2010/main">
+            <mc:Choice Requires="a14">
+              <p:sp>
+                <p:nvSpPr>
+                  <p:cNvPr id="23" name="TextBox 22">
+                    <a:extLst>
+                      <a:ext uri="{FF2B5EF4-FFF2-40B4-BE49-F238E27FC236}">
+                        <a16:creationId xmlns:a16="http://schemas.microsoft.com/office/drawing/2014/main" id="{AC6C6D18-591D-CD33-6EB2-B4AA511DC580}"/>
+                      </a:ext>
+                    </a:extLst>
+                  </p:cNvPr>
+                  <p:cNvSpPr txBox="1"/>
+                  <p:nvPr/>
+                </p:nvSpPr>
+                <p:spPr>
+                  <a:xfrm>
+                    <a:off x="1995921" y="1783931"/>
+                    <a:ext cx="616323" cy="523220"/>
+                  </a:xfrm>
+                  <a:prstGeom prst="rect">
+                    <a:avLst/>
+                  </a:prstGeom>
+                  <a:noFill/>
+                </p:spPr>
+                <p:txBody>
+                  <a:bodyPr wrap="none" rtlCol="0">
+                    <a:spAutoFit/>
+                  </a:bodyPr>
+                  <a:lstStyle/>
+                  <a:p>
+                    <a:pPr/>
+                    <a14:m>
+                      <m:oMathPara xmlns:m="http://schemas.openxmlformats.org/officeDocument/2006/math">
+                        <m:oMathParaPr>
+                          <m:jc m:val="centerGroup"/>
+                        </m:oMathParaPr>
+                        <m:oMath xmlns:m="http://schemas.openxmlformats.org/officeDocument/2006/math">
+                          <m:sSub>
+                            <m:sSubPr>
+                              <m:ctrlPr>
+                                <a:rPr lang="en-US" sz="2800" b="0" i="1" smtClean="0">
+                                  <a:latin typeface="Cambria Math" panose="02040503050406030204" pitchFamily="18" charset="0"/>
+                                </a:rPr>
+                              </m:ctrlPr>
+                            </m:sSubPr>
+                            <m:e>
+                              <m:r>
+                                <a:rPr lang="en-US" sz="2800" b="0" i="1" smtClean="0">
+                                  <a:latin typeface="Cambria Math" panose="02040503050406030204" pitchFamily="18" charset="0"/>
+                                </a:rPr>
+                                <m:t>𝛾</m:t>
+                              </m:r>
+                            </m:e>
+                            <m:sub>
+                              <m:r>
+                                <a:rPr lang="en-US" sz="2800" b="0" i="1" smtClean="0">
+                                  <a:latin typeface="Cambria Math" panose="02040503050406030204" pitchFamily="18" charset="0"/>
+                                </a:rPr>
+                                <m:t>𝐴</m:t>
+                              </m:r>
+                            </m:sub>
+                          </m:sSub>
+                        </m:oMath>
+                      </m:oMathPara>
+                    </a14:m>
+                    <a:endParaRPr lang="en-US" sz="2800" b="0" dirty="0"/>
+                  </a:p>
+                </p:txBody>
+              </p:sp>
+            </mc:Choice>
+            <mc:Fallback xmlns="">
+              <p:sp>
+                <p:nvSpPr>
+                  <p:cNvPr id="23" name="TextBox 22">
+                    <a:extLst>
+                      <a:ext uri="{FF2B5EF4-FFF2-40B4-BE49-F238E27FC236}">
+                        <a16:creationId xmlns:a16="http://schemas.microsoft.com/office/drawing/2014/main" id="{AC6C6D18-591D-CD33-6EB2-B4AA511DC580}"/>
+                      </a:ext>
+                    </a:extLst>
+                  </p:cNvPr>
+                  <p:cNvSpPr txBox="1">
+                    <a:spLocks noRot="1" noChangeAspect="1" noMove="1" noResize="1" noEditPoints="1" noAdjustHandles="1" noChangeArrowheads="1" noChangeShapeType="1" noTextEdit="1"/>
+                  </p:cNvSpPr>
+                  <p:nvPr/>
+                </p:nvSpPr>
+                <p:spPr>
+                  <a:xfrm>
+                    <a:off x="1995921" y="1783931"/>
+                    <a:ext cx="616323" cy="523220"/>
+                  </a:xfrm>
+                  <a:prstGeom prst="rect">
+                    <a:avLst/>
+                  </a:prstGeom>
+                  <a:blipFill>
+                    <a:blip r:embed="rId10"/>
+                    <a:stretch>
+                      <a:fillRect/>
+                    </a:stretch>
+                  </a:blipFill>
+                </p:spPr>
+                <p:txBody>
+                  <a:bodyPr/>
+                  <a:lstStyle/>
+                  <a:p>
+                    <a:r>
+                      <a:rPr lang="en-US">
+                        <a:noFill/>
+                      </a:rPr>
+                      <a:t> </a:t>
+                    </a:r>
+                  </a:p>
+                </p:txBody>
+              </p:sp>
+            </mc:Fallback>
+          </mc:AlternateContent>
+          <mc:AlternateContent xmlns:mc="http://schemas.openxmlformats.org/markup-compatibility/2006" xmlns:a14="http://schemas.microsoft.com/office/drawing/2010/main">
+            <mc:Choice Requires="a14">
+              <p:sp>
+                <p:nvSpPr>
+                  <p:cNvPr id="24" name="TextBox 23">
+                    <a:extLst>
+                      <a:ext uri="{FF2B5EF4-FFF2-40B4-BE49-F238E27FC236}">
+                        <a16:creationId xmlns:a16="http://schemas.microsoft.com/office/drawing/2014/main" id="{81C9719E-DD5F-816C-FC75-CE63173C88A7}"/>
+                      </a:ext>
+                    </a:extLst>
+                  </p:cNvPr>
+                  <p:cNvSpPr txBox="1"/>
+                  <p:nvPr/>
+                </p:nvSpPr>
+                <p:spPr>
+                  <a:xfrm>
+                    <a:off x="3784857" y="2936431"/>
+                    <a:ext cx="643509" cy="523220"/>
+                  </a:xfrm>
+                  <a:prstGeom prst="rect">
+                    <a:avLst/>
+                  </a:prstGeom>
+                  <a:noFill/>
+                </p:spPr>
+                <p:txBody>
+                  <a:bodyPr wrap="none" rtlCol="0">
+                    <a:spAutoFit/>
+                  </a:bodyPr>
+                  <a:lstStyle/>
+                  <a:p>
+                    <a:pPr/>
+                    <a14:m>
+                      <m:oMathPara xmlns:m="http://schemas.openxmlformats.org/officeDocument/2006/math">
+                        <m:oMathParaPr>
+                          <m:jc m:val="centerGroup"/>
+                        </m:oMathParaPr>
+                        <m:oMath xmlns:m="http://schemas.openxmlformats.org/officeDocument/2006/math">
+                          <m:sSub>
+                            <m:sSubPr>
+                              <m:ctrlPr>
+                                <a:rPr lang="en-US" sz="2800" b="0" i="1" smtClean="0">
+                                  <a:latin typeface="Cambria Math" panose="02040503050406030204" pitchFamily="18" charset="0"/>
+                                </a:rPr>
+                              </m:ctrlPr>
+                            </m:sSubPr>
+                            <m:e>
+                              <m:r>
+                                <a:rPr lang="en-US" sz="2800" b="0" i="1" smtClean="0">
+                                  <a:latin typeface="Cambria Math" panose="02040503050406030204" pitchFamily="18" charset="0"/>
+                                </a:rPr>
+                                <m:t>𝛾</m:t>
+                              </m:r>
+                            </m:e>
+                            <m:sub>
+                              <m:r>
+                                <a:rPr lang="en-US" sz="2800" b="0" i="1" smtClean="0">
+                                  <a:latin typeface="Cambria Math" panose="02040503050406030204" pitchFamily="18" charset="0"/>
+                                </a:rPr>
+                                <m:t>𝐵</m:t>
+                              </m:r>
+                            </m:sub>
+                          </m:sSub>
+                        </m:oMath>
+                      </m:oMathPara>
+                    </a14:m>
+                    <a:endParaRPr lang="en-US" sz="2800" b="0" dirty="0"/>
+                  </a:p>
+                </p:txBody>
+              </p:sp>
+            </mc:Choice>
+            <mc:Fallback xmlns="">
+              <p:sp>
+                <p:nvSpPr>
+                  <p:cNvPr id="24" name="TextBox 23">
+                    <a:extLst>
+                      <a:ext uri="{FF2B5EF4-FFF2-40B4-BE49-F238E27FC236}">
+                        <a16:creationId xmlns:a16="http://schemas.microsoft.com/office/drawing/2014/main" id="{81C9719E-DD5F-816C-FC75-CE63173C88A7}"/>
+                      </a:ext>
+                    </a:extLst>
+                  </p:cNvPr>
+                  <p:cNvSpPr txBox="1">
+                    <a:spLocks noRot="1" noChangeAspect="1" noMove="1" noResize="1" noEditPoints="1" noAdjustHandles="1" noChangeArrowheads="1" noChangeShapeType="1" noTextEdit="1"/>
+                  </p:cNvSpPr>
+                  <p:nvPr/>
+                </p:nvSpPr>
+                <p:spPr>
+                  <a:xfrm>
+                    <a:off x="3784857" y="2936431"/>
+                    <a:ext cx="643509" cy="523220"/>
+                  </a:xfrm>
+                  <a:prstGeom prst="rect">
+                    <a:avLst/>
+                  </a:prstGeom>
+                  <a:blipFill>
+                    <a:blip r:embed="rId11"/>
+                    <a:stretch>
+                      <a:fillRect/>
+                    </a:stretch>
+                  </a:blipFill>
+                </p:spPr>
+                <p:txBody>
+                  <a:bodyPr/>
+                  <a:lstStyle/>
+                  <a:p>
+                    <a:r>
+                      <a:rPr lang="en-US">
+                        <a:noFill/>
+                      </a:rPr>
+                      <a:t> </a:t>
+                    </a:r>
+                  </a:p>
+                </p:txBody>
+              </p:sp>
+            </mc:Fallback>
+          </mc:AlternateContent>
+          <mc:AlternateContent xmlns:mc="http://schemas.openxmlformats.org/markup-compatibility/2006" xmlns:a14="http://schemas.microsoft.com/office/drawing/2010/main">
+            <mc:Choice Requires="a14">
+              <p:sp>
+                <p:nvSpPr>
+                  <p:cNvPr id="25" name="TextBox 24">
+                    <a:extLst>
+                      <a:ext uri="{FF2B5EF4-FFF2-40B4-BE49-F238E27FC236}">
+                        <a16:creationId xmlns:a16="http://schemas.microsoft.com/office/drawing/2014/main" id="{04B9338E-9E54-BE82-988F-950C6B2D8C2D}"/>
+                      </a:ext>
+                    </a:extLst>
+                  </p:cNvPr>
+                  <p:cNvSpPr txBox="1"/>
+                  <p:nvPr/>
+                </p:nvSpPr>
+                <p:spPr>
+                  <a:xfrm>
+                    <a:off x="3778254" y="4276864"/>
+                    <a:ext cx="845552" cy="523220"/>
+                  </a:xfrm>
+                  <a:prstGeom prst="rect">
+                    <a:avLst/>
+                  </a:prstGeom>
+                  <a:noFill/>
+                </p:spPr>
+                <p:txBody>
+                  <a:bodyPr wrap="none" rtlCol="0">
+                    <a:spAutoFit/>
+                  </a:bodyPr>
+                  <a:lstStyle/>
+                  <a:p>
+                    <a:pPr/>
+                    <a14:m>
+                      <m:oMathPara xmlns:m="http://schemas.openxmlformats.org/officeDocument/2006/math">
+                        <m:oMathParaPr>
+                          <m:jc m:val="centerGroup"/>
+                        </m:oMathParaPr>
+                        <m:oMath xmlns:m="http://schemas.openxmlformats.org/officeDocument/2006/math">
+                          <m:sSub>
+                            <m:sSubPr>
+                              <m:ctrlPr>
+                                <a:rPr lang="en-US" sz="2800" b="0" i="1" smtClean="0">
+                                  <a:latin typeface="Cambria Math" panose="02040503050406030204" pitchFamily="18" charset="0"/>
+                                </a:rPr>
+                              </m:ctrlPr>
+                            </m:sSubPr>
+                            <m:e>
+                              <m:r>
+                                <m:rPr>
+                                  <m:sty m:val="p"/>
+                                </m:rPr>
+                                <a:rPr lang="en-US" sz="2800" b="0" i="0" smtClean="0">
+                                  <a:latin typeface="Cambria Math" panose="02040503050406030204" pitchFamily="18" charset="0"/>
+                                </a:rPr>
+                                <m:t>Σ</m:t>
+                              </m:r>
+                            </m:e>
+                            <m:sub>
+                              <m:r>
+                                <a:rPr lang="en-US" sz="2800" b="0" i="1" smtClean="0">
+                                  <a:latin typeface="Cambria Math" panose="02040503050406030204" pitchFamily="18" charset="0"/>
+                                </a:rPr>
+                                <m:t>𝐵𝑂</m:t>
+                              </m:r>
+                            </m:sub>
+                          </m:sSub>
+                        </m:oMath>
+                      </m:oMathPara>
+                    </a14:m>
+                    <a:endParaRPr lang="en-US" sz="2800" b="0" dirty="0"/>
+                  </a:p>
+                </p:txBody>
+              </p:sp>
+            </mc:Choice>
+            <mc:Fallback xmlns="">
+              <p:sp>
+                <p:nvSpPr>
+                  <p:cNvPr id="25" name="TextBox 24">
+                    <a:extLst>
+                      <a:ext uri="{FF2B5EF4-FFF2-40B4-BE49-F238E27FC236}">
+                        <a16:creationId xmlns:a16="http://schemas.microsoft.com/office/drawing/2014/main" id="{04B9338E-9E54-BE82-988F-950C6B2D8C2D}"/>
+                      </a:ext>
+                    </a:extLst>
+                  </p:cNvPr>
+                  <p:cNvSpPr txBox="1">
+                    <a:spLocks noRot="1" noChangeAspect="1" noMove="1" noResize="1" noEditPoints="1" noAdjustHandles="1" noChangeArrowheads="1" noChangeShapeType="1" noTextEdit="1"/>
+                  </p:cNvSpPr>
+                  <p:nvPr/>
+                </p:nvSpPr>
+                <p:spPr>
+                  <a:xfrm>
+                    <a:off x="3778254" y="4276864"/>
+                    <a:ext cx="845552" cy="523220"/>
+                  </a:xfrm>
+                  <a:prstGeom prst="rect">
+                    <a:avLst/>
+                  </a:prstGeom>
+                  <a:blipFill>
+                    <a:blip r:embed="rId12"/>
+                    <a:stretch>
+                      <a:fillRect/>
+                    </a:stretch>
+                  </a:blipFill>
+                </p:spPr>
+                <p:txBody>
+                  <a:bodyPr/>
+                  <a:lstStyle/>
+                  <a:p>
+                    <a:r>
+                      <a:rPr lang="en-US">
+                        <a:noFill/>
+                      </a:rPr>
+                      <a:t> </a:t>
+                    </a:r>
+                  </a:p>
+                </p:txBody>
+              </p:sp>
+            </mc:Fallback>
+          </mc:AlternateContent>
+          <mc:AlternateContent xmlns:mc="http://schemas.openxmlformats.org/markup-compatibility/2006" xmlns:a14="http://schemas.microsoft.com/office/drawing/2010/main">
+            <mc:Choice Requires="a14">
+              <p:sp>
+                <p:nvSpPr>
+                  <p:cNvPr id="26" name="TextBox 25">
+                    <a:extLst>
+                      <a:ext uri="{FF2B5EF4-FFF2-40B4-BE49-F238E27FC236}">
+                        <a16:creationId xmlns:a16="http://schemas.microsoft.com/office/drawing/2014/main" id="{DC4A7514-0D4E-B85E-B7AA-234987002CB2}"/>
+                      </a:ext>
+                    </a:extLst>
+                  </p:cNvPr>
+                  <p:cNvSpPr txBox="1"/>
+                  <p:nvPr/>
+                </p:nvSpPr>
+                <p:spPr>
+                  <a:xfrm>
+                    <a:off x="1274055" y="4184791"/>
+                    <a:ext cx="822854" cy="523220"/>
+                  </a:xfrm>
+                  <a:prstGeom prst="rect">
+                    <a:avLst/>
+                  </a:prstGeom>
+                  <a:noFill/>
+                </p:spPr>
+                <p:txBody>
+                  <a:bodyPr wrap="none" rtlCol="0">
+                    <a:spAutoFit/>
+                  </a:bodyPr>
+                  <a:lstStyle/>
+                  <a:p>
+                    <a:pPr/>
+                    <a14:m>
+                      <m:oMathPara xmlns:m="http://schemas.openxmlformats.org/officeDocument/2006/math">
+                        <m:oMathParaPr>
+                          <m:jc m:val="centerGroup"/>
+                        </m:oMathParaPr>
+                        <m:oMath xmlns:m="http://schemas.openxmlformats.org/officeDocument/2006/math">
+                          <m:sSub>
+                            <m:sSubPr>
+                              <m:ctrlPr>
+                                <a:rPr lang="en-US" sz="2800" b="0" i="1" smtClean="0">
+                                  <a:latin typeface="Cambria Math" panose="02040503050406030204" pitchFamily="18" charset="0"/>
+                                </a:rPr>
+                              </m:ctrlPr>
+                            </m:sSubPr>
+                            <m:e>
+                              <m:r>
+                                <m:rPr>
+                                  <m:sty m:val="p"/>
+                                </m:rPr>
+                                <a:rPr lang="en-US" sz="2800" b="0" i="0" smtClean="0">
+                                  <a:latin typeface="Cambria Math" panose="02040503050406030204" pitchFamily="18" charset="0"/>
+                                </a:rPr>
+                                <m:t>Σ</m:t>
+                              </m:r>
+                            </m:e>
+                            <m:sub>
+                              <m:r>
+                                <a:rPr lang="en-US" sz="2800" b="0" i="1" smtClean="0">
+                                  <a:latin typeface="Cambria Math" panose="02040503050406030204" pitchFamily="18" charset="0"/>
+                                </a:rPr>
+                                <m:t>𝐴𝑂</m:t>
+                              </m:r>
+                            </m:sub>
+                          </m:sSub>
+                        </m:oMath>
+                      </m:oMathPara>
+                    </a14:m>
+                    <a:endParaRPr lang="en-US" sz="2800" b="0" dirty="0"/>
+                  </a:p>
+                </p:txBody>
+              </p:sp>
+            </mc:Choice>
+            <mc:Fallback xmlns="">
+              <p:sp>
+                <p:nvSpPr>
+                  <p:cNvPr id="26" name="TextBox 25">
+                    <a:extLst>
+                      <a:ext uri="{FF2B5EF4-FFF2-40B4-BE49-F238E27FC236}">
+                        <a16:creationId xmlns:a16="http://schemas.microsoft.com/office/drawing/2014/main" id="{DC4A7514-0D4E-B85E-B7AA-234987002CB2}"/>
+                      </a:ext>
+                    </a:extLst>
+                  </p:cNvPr>
+                  <p:cNvSpPr txBox="1">
+                    <a:spLocks noRot="1" noChangeAspect="1" noMove="1" noResize="1" noEditPoints="1" noAdjustHandles="1" noChangeArrowheads="1" noChangeShapeType="1" noTextEdit="1"/>
+                  </p:cNvSpPr>
+                  <p:nvPr/>
+                </p:nvSpPr>
+                <p:spPr>
+                  <a:xfrm>
+                    <a:off x="1274055" y="4184791"/>
+                    <a:ext cx="822854" cy="523220"/>
+                  </a:xfrm>
+                  <a:prstGeom prst="rect">
+                    <a:avLst/>
+                  </a:prstGeom>
+                  <a:blipFill>
+                    <a:blip r:embed="rId13"/>
+                    <a:stretch>
+                      <a:fillRect/>
+                    </a:stretch>
+                  </a:blipFill>
+                </p:spPr>
+                <p:txBody>
+                  <a:bodyPr/>
+                  <a:lstStyle/>
+                  <a:p>
+                    <a:r>
+                      <a:rPr lang="en-US">
+                        <a:noFill/>
+                      </a:rPr>
+                      <a:t> </a:t>
+                    </a:r>
+                  </a:p>
+                </p:txBody>
+              </p:sp>
+            </mc:Fallback>
+          </mc:AlternateContent>
+          <mc:AlternateContent xmlns:mc="http://schemas.openxmlformats.org/markup-compatibility/2006" xmlns:a14="http://schemas.microsoft.com/office/drawing/2010/main">
+            <mc:Choice Requires="a14">
+              <p:sp>
+                <p:nvSpPr>
+                  <p:cNvPr id="27" name="TextBox 26">
+                    <a:extLst>
+                      <a:ext uri="{FF2B5EF4-FFF2-40B4-BE49-F238E27FC236}">
+                        <a16:creationId xmlns:a16="http://schemas.microsoft.com/office/drawing/2014/main" id="{81E62212-4ADE-E266-557D-9A0A0B0A6CF3}"/>
+                      </a:ext>
+                    </a:extLst>
+                  </p:cNvPr>
+                  <p:cNvSpPr txBox="1"/>
+                  <p:nvPr/>
+                </p:nvSpPr>
+                <p:spPr>
+                  <a:xfrm>
+                    <a:off x="2134469" y="3672178"/>
+                    <a:ext cx="647677" cy="523220"/>
+                  </a:xfrm>
+                  <a:prstGeom prst="rect">
+                    <a:avLst/>
+                  </a:prstGeom>
+                  <a:noFill/>
+                </p:spPr>
+                <p:txBody>
+                  <a:bodyPr wrap="none" rtlCol="0">
+                    <a:spAutoFit/>
+                  </a:bodyPr>
+                  <a:lstStyle/>
+                  <a:p>
+                    <a:pPr/>
+                    <a14:m>
+                      <m:oMathPara xmlns:m="http://schemas.openxmlformats.org/officeDocument/2006/math">
+                        <m:oMathParaPr>
+                          <m:jc m:val="centerGroup"/>
+                        </m:oMathParaPr>
+                        <m:oMath xmlns:m="http://schemas.openxmlformats.org/officeDocument/2006/math">
+                          <m:sSub>
+                            <m:sSubPr>
+                              <m:ctrlPr>
+                                <a:rPr lang="en-US" sz="2800" b="0" i="1" smtClean="0">
+                                  <a:latin typeface="Cambria Math" panose="02040503050406030204" pitchFamily="18" charset="0"/>
+                                </a:rPr>
+                              </m:ctrlPr>
+                            </m:sSubPr>
+                            <m:e>
+                              <m:r>
+                                <a:rPr lang="en-US" sz="2800" b="0" i="1" smtClean="0">
+                                  <a:latin typeface="Cambria Math" panose="02040503050406030204" pitchFamily="18" charset="0"/>
+                                </a:rPr>
+                                <m:t>𝛾</m:t>
+                              </m:r>
+                            </m:e>
+                            <m:sub>
+                              <m:r>
+                                <a:rPr lang="en-US" sz="2800" b="0" i="1" smtClean="0">
+                                  <a:latin typeface="Cambria Math" panose="02040503050406030204" pitchFamily="18" charset="0"/>
+                                </a:rPr>
+                                <m:t>𝑂</m:t>
+                              </m:r>
+                            </m:sub>
+                          </m:sSub>
+                        </m:oMath>
+                      </m:oMathPara>
+                    </a14:m>
+                    <a:endParaRPr lang="en-US" sz="2800" b="0" dirty="0"/>
+                  </a:p>
+                </p:txBody>
+              </p:sp>
+            </mc:Choice>
+            <mc:Fallback xmlns="">
+              <p:sp>
+                <p:nvSpPr>
+                  <p:cNvPr id="27" name="TextBox 26">
+                    <a:extLst>
+                      <a:ext uri="{FF2B5EF4-FFF2-40B4-BE49-F238E27FC236}">
+                        <a16:creationId xmlns:a16="http://schemas.microsoft.com/office/drawing/2014/main" id="{81E62212-4ADE-E266-557D-9A0A0B0A6CF3}"/>
+                      </a:ext>
+                    </a:extLst>
+                  </p:cNvPr>
+                  <p:cNvSpPr txBox="1">
+                    <a:spLocks noRot="1" noChangeAspect="1" noMove="1" noResize="1" noEditPoints="1" noAdjustHandles="1" noChangeArrowheads="1" noChangeShapeType="1" noTextEdit="1"/>
+                  </p:cNvSpPr>
+                  <p:nvPr/>
+                </p:nvSpPr>
+                <p:spPr>
+                  <a:xfrm>
+                    <a:off x="2134469" y="3672178"/>
+                    <a:ext cx="647677" cy="523220"/>
+                  </a:xfrm>
+                  <a:prstGeom prst="rect">
+                    <a:avLst/>
+                  </a:prstGeom>
+                  <a:blipFill>
+                    <a:blip r:embed="rId14"/>
+                    <a:stretch>
+                      <a:fillRect/>
+                    </a:stretch>
+                  </a:blipFill>
+                </p:spPr>
+                <p:txBody>
+                  <a:bodyPr/>
+                  <a:lstStyle/>
+                  <a:p>
+                    <a:r>
+                      <a:rPr lang="en-US">
+                        <a:noFill/>
+                      </a:rPr>
+                      <a:t> </a:t>
+                    </a:r>
+                  </a:p>
+                </p:txBody>
+              </p:sp>
+            </mc:Fallback>
+          </mc:AlternateContent>
+        </p:grpSp>
+        <p:sp>
+          <p:nvSpPr>
+            <p:cNvPr id="16" name="Isosceles Triangle 15">
+              <a:extLst>
+                <a:ext uri="{FF2B5EF4-FFF2-40B4-BE49-F238E27FC236}">
+                  <a16:creationId xmlns:a16="http://schemas.microsoft.com/office/drawing/2014/main" id="{9D8EDF8D-55AF-BFE4-2F14-8229D17D6A48}"/>
+                </a:ext>
+              </a:extLst>
+            </p:cNvPr>
+            <p:cNvSpPr/>
+            <p:nvPr/>
+          </p:nvSpPr>
+          <p:spPr>
+            <a:xfrm rot="4940850">
+              <a:off x="10116513" y="2365006"/>
+              <a:ext cx="178842" cy="160020"/>
+            </a:xfrm>
+            <a:prstGeom prst="triangle">
+              <a:avLst/>
+            </a:prstGeom>
+            <a:ln>
+              <a:noFill/>
+            </a:ln>
+          </p:spPr>
+          <p:style>
+            <a:lnRef idx="2">
+              <a:schemeClr val="accent1">
+                <a:shade val="15000"/>
+              </a:schemeClr>
+            </a:lnRef>
+            <a:fillRef idx="1">
+              <a:schemeClr val="accent1"/>
+            </a:fillRef>
+            <a:effectRef idx="0">
+              <a:schemeClr val="accent1"/>
+            </a:effectRef>
+            <a:fontRef idx="minor">
+              <a:schemeClr val="lt1"/>
+            </a:fontRef>
+          </p:style>
+          <p:txBody>
+            <a:bodyPr rtlCol="0" anchor="ctr"/>
+            <a:lstStyle/>
+            <a:p>
+              <a:pPr algn="ctr"/>
+              <a:endParaRPr lang="en-US"/>
+            </a:p>
+          </p:txBody>
+        </p:sp>
+        <p:sp>
+          <p:nvSpPr>
+            <p:cNvPr id="17" name="Isosceles Triangle 16">
+              <a:extLst>
+                <a:ext uri="{FF2B5EF4-FFF2-40B4-BE49-F238E27FC236}">
+                  <a16:creationId xmlns:a16="http://schemas.microsoft.com/office/drawing/2014/main" id="{1FC8E89C-2470-B0B7-040D-4600924267D2}"/>
+                </a:ext>
+              </a:extLst>
+            </p:cNvPr>
+            <p:cNvSpPr/>
+            <p:nvPr/>
+          </p:nvSpPr>
+          <p:spPr>
+            <a:xfrm rot="17040372">
+              <a:off x="8417053" y="2377577"/>
+              <a:ext cx="178842" cy="160020"/>
+            </a:xfrm>
+            <a:prstGeom prst="triangle">
+              <a:avLst/>
+            </a:prstGeom>
+            <a:ln>
+              <a:noFill/>
+            </a:ln>
+          </p:spPr>
+          <p:style>
+            <a:lnRef idx="2">
+              <a:schemeClr val="accent1">
+                <a:shade val="15000"/>
+              </a:schemeClr>
+            </a:lnRef>
+            <a:fillRef idx="1">
+              <a:schemeClr val="accent1"/>
+            </a:fillRef>
+            <a:effectRef idx="0">
+              <a:schemeClr val="accent1"/>
+            </a:effectRef>
+            <a:fontRef idx="minor">
+              <a:schemeClr val="lt1"/>
+            </a:fontRef>
+          </p:style>
+          <p:txBody>
+            <a:bodyPr rtlCol="0" anchor="ctr"/>
+            <a:lstStyle/>
+            <a:p>
+              <a:pPr algn="ctr"/>
+              <a:endParaRPr lang="en-US"/>
+            </a:p>
+          </p:txBody>
+        </p:sp>
+        <p:sp>
+          <p:nvSpPr>
+            <p:cNvPr id="18" name="Isosceles Triangle 17">
+              <a:extLst>
+                <a:ext uri="{FF2B5EF4-FFF2-40B4-BE49-F238E27FC236}">
+                  <a16:creationId xmlns:a16="http://schemas.microsoft.com/office/drawing/2014/main" id="{49E619E9-E4A6-E637-6D84-E881C6E3603D}"/>
+                </a:ext>
+              </a:extLst>
+            </p:cNvPr>
+            <p:cNvSpPr/>
+            <p:nvPr/>
+          </p:nvSpPr>
+          <p:spPr>
+            <a:xfrm rot="684613">
+              <a:off x="9157674" y="3274844"/>
+              <a:ext cx="178842" cy="160020"/>
+            </a:xfrm>
+            <a:prstGeom prst="triangle">
+              <a:avLst/>
+            </a:prstGeom>
+            <a:ln>
+              <a:noFill/>
+            </a:ln>
+          </p:spPr>
+          <p:style>
+            <a:lnRef idx="2">
+              <a:schemeClr val="accent1">
+                <a:shade val="15000"/>
+              </a:schemeClr>
+            </a:lnRef>
+            <a:fillRef idx="1">
+              <a:schemeClr val="accent1"/>
+            </a:fillRef>
+            <a:effectRef idx="0">
+              <a:schemeClr val="accent1"/>
+            </a:effectRef>
+            <a:fontRef idx="minor">
+              <a:schemeClr val="lt1"/>
+            </a:fontRef>
+          </p:style>
+          <p:txBody>
+            <a:bodyPr rtlCol="0" anchor="ctr"/>
+            <a:lstStyle/>
+            <a:p>
+              <a:pPr algn="ctr"/>
+              <a:endParaRPr lang="en-US"/>
+            </a:p>
+          </p:txBody>
+        </p:sp>
+        <p:sp>
+          <p:nvSpPr>
+            <p:cNvPr id="19" name="Isosceles Triangle 18">
+              <a:extLst>
+                <a:ext uri="{FF2B5EF4-FFF2-40B4-BE49-F238E27FC236}">
+                  <a16:creationId xmlns:a16="http://schemas.microsoft.com/office/drawing/2014/main" id="{ECA08F4C-7139-CD84-CADC-656390114A6E}"/>
+                </a:ext>
+              </a:extLst>
+            </p:cNvPr>
+            <p:cNvSpPr/>
+            <p:nvPr/>
+          </p:nvSpPr>
+          <p:spPr>
+            <a:xfrm rot="10800000">
+              <a:off x="8911333" y="3234473"/>
+              <a:ext cx="178842" cy="160020"/>
+            </a:xfrm>
+            <a:prstGeom prst="triangle">
+              <a:avLst/>
+            </a:prstGeom>
+            <a:ln>
+              <a:noFill/>
+            </a:ln>
+          </p:spPr>
+          <p:style>
+            <a:lnRef idx="2">
+              <a:schemeClr val="accent1">
+                <a:shade val="15000"/>
+              </a:schemeClr>
+            </a:lnRef>
+            <a:fillRef idx="1">
+              <a:schemeClr val="accent1"/>
+            </a:fillRef>
+            <a:effectRef idx="0">
+              <a:schemeClr val="accent1"/>
+            </a:effectRef>
+            <a:fontRef idx="minor">
+              <a:schemeClr val="lt1"/>
+            </a:fontRef>
+          </p:style>
+          <p:txBody>
+            <a:bodyPr rtlCol="0" anchor="ctr"/>
+            <a:lstStyle/>
+            <a:p>
+              <a:pPr algn="ctr"/>
+              <a:endParaRPr lang="en-US"/>
+            </a:p>
+          </p:txBody>
+        </p:sp>
+      </p:grpSp>
+      <p:sp>
+        <p:nvSpPr>
+          <p:cNvPr id="38" name="TextBox 37">
+            <a:extLst>
+              <a:ext uri="{FF2B5EF4-FFF2-40B4-BE49-F238E27FC236}">
+                <a16:creationId xmlns:a16="http://schemas.microsoft.com/office/drawing/2014/main" id="{E079FF23-6933-AD92-2C21-D42E6402FE3B}"/>
+              </a:ext>
+            </a:extLst>
+          </p:cNvPr>
+          <p:cNvSpPr txBox="1"/>
+          <p:nvPr/>
+        </p:nvSpPr>
+        <p:spPr>
+          <a:xfrm>
+            <a:off x="1176265" y="409531"/>
+            <a:ext cx="4150495" cy="769441"/>
+          </a:xfrm>
+          <a:prstGeom prst="rect">
+            <a:avLst/>
+          </a:prstGeom>
+          <a:noFill/>
+        </p:spPr>
+        <p:txBody>
+          <a:bodyPr wrap="none" rtlCol="0">
+            <a:spAutoFit/>
+          </a:bodyPr>
+          <a:lstStyle/>
+          <a:p>
+            <a:r>
+              <a:rPr lang="en-US" sz="4400" dirty="0"/>
+              <a:t>Scalar potential</a:t>
+            </a:r>
+          </a:p>
+        </p:txBody>
+      </p:sp>
+      <p:sp>
+        <p:nvSpPr>
+          <p:cNvPr id="39" name="TextBox 38">
+            <a:extLst>
+              <a:ext uri="{FF2B5EF4-FFF2-40B4-BE49-F238E27FC236}">
+                <a16:creationId xmlns:a16="http://schemas.microsoft.com/office/drawing/2014/main" id="{82433E13-BB84-63F7-C5BF-1B6F837474B7}"/>
+              </a:ext>
+            </a:extLst>
+          </p:cNvPr>
+          <p:cNvSpPr txBox="1"/>
+          <p:nvPr/>
+        </p:nvSpPr>
+        <p:spPr>
+          <a:xfrm>
+            <a:off x="6821760" y="409531"/>
+            <a:ext cx="4288353" cy="769441"/>
+          </a:xfrm>
+          <a:prstGeom prst="rect">
+            <a:avLst/>
+          </a:prstGeom>
+          <a:noFill/>
+        </p:spPr>
+        <p:txBody>
+          <a:bodyPr wrap="none" rtlCol="0">
+            <a:spAutoFit/>
+          </a:bodyPr>
+          <a:lstStyle/>
+          <a:p>
+            <a:r>
+              <a:rPr lang="en-US" sz="4400" dirty="0"/>
+              <a:t>Vector potential</a:t>
+            </a:r>
+          </a:p>
+        </p:txBody>
+      </p:sp>
+    </p:spTree>
+    <p:extLst>
+      <p:ext uri="{BB962C8B-B14F-4D97-AF65-F5344CB8AC3E}">
+        <p14:creationId xmlns:p14="http://schemas.microsoft.com/office/powerpoint/2010/main" val="3505235072"/>
+      </p:ext>
+    </p:extLst>
+  </p:cSld>
+  <p:clrMapOvr>
+    <a:masterClrMapping/>
+  </p:clrMapOvr>
+</p:sld>
+</file>
+
+<file path=ppt/slides/slide13.xml><?xml version="1.0" encoding="utf-8"?>
+<p:sld xmlns:a="http://schemas.openxmlformats.org/drawingml/2006/main" xmlns:r="http://schemas.openxmlformats.org/officeDocument/2006/relationships" xmlns:p="http://schemas.openxmlformats.org/presentationml/2006/main">
+  <p:cSld>
+    <p:spTree>
+      <p:nvGrpSpPr>
+        <p:cNvPr id="1" name="">
+          <a:extLst>
+            <a:ext uri="{FF2B5EF4-FFF2-40B4-BE49-F238E27FC236}">
+              <a16:creationId xmlns:a16="http://schemas.microsoft.com/office/drawing/2014/main" id="{1B0A9E8D-8752-1098-9555-93F6222B4ACD}"/>
+            </a:ext>
+          </a:extLst>
+        </p:cNvPr>
+        <p:cNvGrpSpPr/>
+        <p:nvPr/>
+      </p:nvGrpSpPr>
+      <p:grpSpPr>
+        <a:xfrm>
+          <a:off x="0" y="0"/>
+          <a:ext cx="0" cy="0"/>
+          <a:chOff x="0" y="0"/>
+          <a:chExt cx="0" cy="0"/>
+        </a:xfrm>
+      </p:grpSpPr>
+      <p:grpSp>
+        <p:nvGrpSpPr>
+          <p:cNvPr id="2" name="Group 1">
+            <a:extLst>
+              <a:ext uri="{FF2B5EF4-FFF2-40B4-BE49-F238E27FC236}">
+                <a16:creationId xmlns:a16="http://schemas.microsoft.com/office/drawing/2014/main" id="{273C5795-61AE-6FE7-BB74-A7D48A123967}"/>
+              </a:ext>
+            </a:extLst>
+          </p:cNvPr>
+          <p:cNvGrpSpPr/>
+          <p:nvPr/>
+        </p:nvGrpSpPr>
+        <p:grpSpPr>
+          <a:xfrm>
+            <a:off x="764562" y="1727283"/>
+            <a:ext cx="4239462" cy="4161364"/>
+            <a:chOff x="7537708" y="528483"/>
+            <a:chExt cx="3948431" cy="3875694"/>
+          </a:xfrm>
+        </p:grpSpPr>
+        <p:cxnSp>
+          <p:nvCxnSpPr>
+            <p:cNvPr id="3" name="Straight Connector 2">
+              <a:extLst>
+                <a:ext uri="{FF2B5EF4-FFF2-40B4-BE49-F238E27FC236}">
+                  <a16:creationId xmlns:a16="http://schemas.microsoft.com/office/drawing/2014/main" id="{467961EB-D0BE-A62E-B5ED-9AE75F995F1B}"/>
+                </a:ext>
+              </a:extLst>
+            </p:cNvPr>
+            <p:cNvCxnSpPr>
+              <a:cxnSpLocks/>
+            </p:cNvCxnSpPr>
+            <p:nvPr/>
+          </p:nvCxnSpPr>
+          <p:spPr>
+            <a:xfrm>
+              <a:off x="8175625" y="1984375"/>
+              <a:ext cx="1597025" cy="1989487"/>
+            </a:xfrm>
+            <a:prstGeom prst="line">
+              <a:avLst/>
+            </a:prstGeom>
+            <a:noFill/>
+            <a:ln w="38100">
+              <a:solidFill>
+                <a:schemeClr val="accent5"/>
+              </a:solidFill>
+            </a:ln>
+          </p:spPr>
+          <p:style>
+            <a:lnRef idx="2">
+              <a:schemeClr val="accent1">
+                <a:shade val="15000"/>
+              </a:schemeClr>
+            </a:lnRef>
+            <a:fillRef idx="1">
+              <a:schemeClr val="accent1"/>
+            </a:fillRef>
+            <a:effectRef idx="0">
+              <a:schemeClr val="accent1"/>
+            </a:effectRef>
+            <a:fontRef idx="minor">
+              <a:schemeClr val="lt1"/>
+            </a:fontRef>
+          </p:style>
+        </p:cxnSp>
+        <p:cxnSp>
+          <p:nvCxnSpPr>
+            <p:cNvPr id="4" name="Straight Connector 3">
+              <a:extLst>
+                <a:ext uri="{FF2B5EF4-FFF2-40B4-BE49-F238E27FC236}">
+                  <a16:creationId xmlns:a16="http://schemas.microsoft.com/office/drawing/2014/main" id="{92DFAFCC-A1D0-04E3-4D13-FEC975E2D25F}"/>
+                </a:ext>
+              </a:extLst>
+            </p:cNvPr>
+            <p:cNvCxnSpPr>
+              <a:cxnSpLocks/>
+            </p:cNvCxnSpPr>
+            <p:nvPr/>
+          </p:nvCxnSpPr>
+          <p:spPr>
+            <a:xfrm flipV="1">
+              <a:off x="9772650" y="1142999"/>
+              <a:ext cx="1611630" cy="2830863"/>
+            </a:xfrm>
+            <a:prstGeom prst="line">
+              <a:avLst/>
+            </a:prstGeom>
+            <a:noFill/>
+            <a:ln w="38100">
+              <a:solidFill>
+                <a:schemeClr val="accent5"/>
+              </a:solidFill>
+            </a:ln>
+          </p:spPr>
+          <p:style>
+            <a:lnRef idx="2">
+              <a:schemeClr val="accent1">
+                <a:shade val="15000"/>
+              </a:schemeClr>
+            </a:lnRef>
+            <a:fillRef idx="1">
+              <a:schemeClr val="accent1"/>
+            </a:fillRef>
+            <a:effectRef idx="0">
+              <a:schemeClr val="accent1"/>
+            </a:effectRef>
+            <a:fontRef idx="minor">
+              <a:schemeClr val="lt1"/>
+            </a:fontRef>
+          </p:style>
+        </p:cxnSp>
+        <mc:AlternateContent xmlns:mc="http://schemas.openxmlformats.org/markup-compatibility/2006" xmlns:a14="http://schemas.microsoft.com/office/drawing/2010/main">
+          <mc:Choice Requires="a14">
+            <p:sp>
+              <p:nvSpPr>
+                <p:cNvPr id="5" name="TextBox 4">
+                  <a:extLst>
+                    <a:ext uri="{FF2B5EF4-FFF2-40B4-BE49-F238E27FC236}">
+                      <a16:creationId xmlns:a16="http://schemas.microsoft.com/office/drawing/2014/main" id="{CF911FFA-1A62-F5BC-3E50-A714C2056A71}"/>
+                    </a:ext>
+                  </a:extLst>
+                </p:cNvPr>
+                <p:cNvSpPr txBox="1"/>
+                <p:nvPr/>
+              </p:nvSpPr>
+              <p:spPr>
+                <a:xfrm>
+                  <a:off x="7537708" y="1478280"/>
+                  <a:ext cx="623312" cy="523220"/>
+                </a:xfrm>
+                <a:prstGeom prst="rect">
+                  <a:avLst/>
+                </a:prstGeom>
+                <a:noFill/>
+              </p:spPr>
+              <p:txBody>
+                <a:bodyPr wrap="none" rtlCol="0">
+                  <a:spAutoFit/>
+                </a:bodyPr>
+                <a:lstStyle/>
+                <a:p>
+                  <a:pPr/>
+                  <a14:m>
+                    <m:oMathPara xmlns:m="http://schemas.openxmlformats.org/officeDocument/2006/math">
+                      <m:oMathParaPr>
+                        <m:jc m:val="centerGroup"/>
+                      </m:oMathParaPr>
+                      <m:oMath xmlns:m="http://schemas.openxmlformats.org/officeDocument/2006/math">
+                        <m:sSub>
+                          <m:sSubPr>
+                            <m:ctrlPr>
+                              <a:rPr lang="en-US" sz="2800" b="0" i="1" smtClean="0">
+                                <a:latin typeface="Cambria Math" panose="02040503050406030204" pitchFamily="18" charset="0"/>
+                              </a:rPr>
+                            </m:ctrlPr>
+                          </m:sSubPr>
+                          <m:e>
+                            <m:r>
+                              <a:rPr lang="en-US" sz="2800" b="0" i="1" smtClean="0">
+                                <a:latin typeface="Cambria Math" panose="02040503050406030204" pitchFamily="18" charset="0"/>
+                              </a:rPr>
+                              <m:t>𝑃</m:t>
+                            </m:r>
+                          </m:e>
+                          <m:sub>
+                            <m:r>
+                              <a:rPr lang="en-US" sz="2800" b="0" i="1" smtClean="0">
+                                <a:latin typeface="Cambria Math" panose="02040503050406030204" pitchFamily="18" charset="0"/>
+                              </a:rPr>
+                              <m:t>𝐴</m:t>
+                            </m:r>
+                          </m:sub>
+                        </m:sSub>
+                      </m:oMath>
+                    </m:oMathPara>
+                  </a14:m>
+                  <a:endParaRPr lang="en-US" sz="2800" b="0" dirty="0"/>
+                </a:p>
+              </p:txBody>
+            </p:sp>
+          </mc:Choice>
+          <mc:Fallback xmlns="">
+            <p:sp>
+              <p:nvSpPr>
+                <p:cNvPr id="5" name="TextBox 4">
+                  <a:extLst>
+                    <a:ext uri="{FF2B5EF4-FFF2-40B4-BE49-F238E27FC236}">
+                      <a16:creationId xmlns:a16="http://schemas.microsoft.com/office/drawing/2014/main" id="{281B7C11-DD8D-15A1-EB61-64AAC62D55AA}"/>
+                    </a:ext>
+                  </a:extLst>
+                </p:cNvPr>
+                <p:cNvSpPr txBox="1">
+                  <a:spLocks noRot="1" noChangeAspect="1" noMove="1" noResize="1" noEditPoints="1" noAdjustHandles="1" noChangeArrowheads="1" noChangeShapeType="1" noTextEdit="1"/>
+                </p:cNvSpPr>
+                <p:nvPr/>
+              </p:nvSpPr>
+              <p:spPr>
+                <a:xfrm>
+                  <a:off x="7537708" y="1478280"/>
+                  <a:ext cx="623312" cy="523220"/>
+                </a:xfrm>
+                <a:prstGeom prst="rect">
+                  <a:avLst/>
+                </a:prstGeom>
+                <a:blipFill>
+                  <a:blip r:embed="rId2"/>
+                  <a:stretch>
+                    <a:fillRect/>
+                  </a:stretch>
+                </a:blipFill>
+              </p:spPr>
+              <p:txBody>
+                <a:bodyPr/>
+                <a:lstStyle/>
+                <a:p>
+                  <a:r>
+                    <a:rPr lang="en-US">
+                      <a:noFill/>
+                    </a:rPr>
+                    <a:t> </a:t>
+                  </a:r>
+                </a:p>
+              </p:txBody>
+            </p:sp>
+          </mc:Fallback>
+        </mc:AlternateContent>
+        <mc:AlternateContent xmlns:mc="http://schemas.openxmlformats.org/markup-compatibility/2006" xmlns:a14="http://schemas.microsoft.com/office/drawing/2010/main">
+          <mc:Choice Requires="a14">
+            <p:sp>
+              <p:nvSpPr>
+                <p:cNvPr id="6" name="TextBox 5">
+                  <a:extLst>
+                    <a:ext uri="{FF2B5EF4-FFF2-40B4-BE49-F238E27FC236}">
+                      <a16:creationId xmlns:a16="http://schemas.microsoft.com/office/drawing/2014/main" id="{15DB4648-81BF-612E-AAF6-28A7DA49B186}"/>
+                    </a:ext>
+                  </a:extLst>
+                </p:cNvPr>
+                <p:cNvSpPr txBox="1"/>
+                <p:nvPr/>
+              </p:nvSpPr>
+              <p:spPr>
+                <a:xfrm>
+                  <a:off x="10835641" y="643882"/>
+                  <a:ext cx="650498" cy="523220"/>
+                </a:xfrm>
+                <a:prstGeom prst="rect">
+                  <a:avLst/>
+                </a:prstGeom>
+                <a:noFill/>
+              </p:spPr>
+              <p:txBody>
+                <a:bodyPr wrap="none" rtlCol="0">
+                  <a:spAutoFit/>
+                </a:bodyPr>
+                <a:lstStyle/>
+                <a:p>
+                  <a:pPr/>
+                  <a14:m>
+                    <m:oMathPara xmlns:m="http://schemas.openxmlformats.org/officeDocument/2006/math">
+                      <m:oMathParaPr>
+                        <m:jc m:val="centerGroup"/>
+                      </m:oMathParaPr>
+                      <m:oMath xmlns:m="http://schemas.openxmlformats.org/officeDocument/2006/math">
+                        <m:sSub>
+                          <m:sSubPr>
+                            <m:ctrlPr>
+                              <a:rPr lang="en-US" sz="2800" b="0" i="1" smtClean="0">
+                                <a:latin typeface="Cambria Math" panose="02040503050406030204" pitchFamily="18" charset="0"/>
+                              </a:rPr>
+                            </m:ctrlPr>
+                          </m:sSubPr>
+                          <m:e>
+                            <m:r>
+                              <a:rPr lang="en-US" sz="2800" b="0" i="1" smtClean="0">
+                                <a:latin typeface="Cambria Math" panose="02040503050406030204" pitchFamily="18" charset="0"/>
+                              </a:rPr>
+                              <m:t>𝑃</m:t>
+                            </m:r>
+                          </m:e>
+                          <m:sub>
+                            <m:r>
+                              <a:rPr lang="en-US" sz="2800" b="0" i="1" smtClean="0">
+                                <a:latin typeface="Cambria Math" panose="02040503050406030204" pitchFamily="18" charset="0"/>
+                              </a:rPr>
+                              <m:t>𝐵</m:t>
+                            </m:r>
+                          </m:sub>
+                        </m:sSub>
+                      </m:oMath>
+                    </m:oMathPara>
+                  </a14:m>
+                  <a:endParaRPr lang="en-US" sz="2800" b="0" dirty="0"/>
+                </a:p>
+              </p:txBody>
+            </p:sp>
+          </mc:Choice>
+          <mc:Fallback xmlns="">
+            <p:sp>
+              <p:nvSpPr>
+                <p:cNvPr id="6" name="TextBox 5">
+                  <a:extLst>
+                    <a:ext uri="{FF2B5EF4-FFF2-40B4-BE49-F238E27FC236}">
+                      <a16:creationId xmlns:a16="http://schemas.microsoft.com/office/drawing/2014/main" id="{ED5FE76E-F32B-922D-06EE-79557219E7EC}"/>
+                    </a:ext>
+                  </a:extLst>
+                </p:cNvPr>
+                <p:cNvSpPr txBox="1">
+                  <a:spLocks noRot="1" noChangeAspect="1" noMove="1" noResize="1" noEditPoints="1" noAdjustHandles="1" noChangeArrowheads="1" noChangeShapeType="1" noTextEdit="1"/>
+                </p:cNvSpPr>
+                <p:nvPr/>
+              </p:nvSpPr>
+              <p:spPr>
+                <a:xfrm>
+                  <a:off x="10835641" y="643882"/>
+                  <a:ext cx="650498" cy="523220"/>
+                </a:xfrm>
+                <a:prstGeom prst="rect">
+                  <a:avLst/>
+                </a:prstGeom>
+                <a:blipFill>
+                  <a:blip r:embed="rId3"/>
+                  <a:stretch>
+                    <a:fillRect/>
+                  </a:stretch>
+                </a:blipFill>
+              </p:spPr>
+              <p:txBody>
+                <a:bodyPr/>
+                <a:lstStyle/>
+                <a:p>
+                  <a:r>
+                    <a:rPr lang="en-US">
+                      <a:noFill/>
+                    </a:rPr>
+                    <a:t> </a:t>
+                  </a:r>
+                </a:p>
+              </p:txBody>
+            </p:sp>
+          </mc:Fallback>
+        </mc:AlternateContent>
+        <mc:AlternateContent xmlns:mc="http://schemas.openxmlformats.org/markup-compatibility/2006" xmlns:a14="http://schemas.microsoft.com/office/drawing/2010/main">
+          <mc:Choice Requires="a14">
+            <p:sp>
+              <p:nvSpPr>
+                <p:cNvPr id="7" name="TextBox 6">
+                  <a:extLst>
+                    <a:ext uri="{FF2B5EF4-FFF2-40B4-BE49-F238E27FC236}">
+                      <a16:creationId xmlns:a16="http://schemas.microsoft.com/office/drawing/2014/main" id="{F89C8C5A-9BA3-DEF3-37C6-E50782523CD3}"/>
+                    </a:ext>
+                  </a:extLst>
+                </p:cNvPr>
+                <p:cNvSpPr txBox="1"/>
+                <p:nvPr/>
+              </p:nvSpPr>
+              <p:spPr>
+                <a:xfrm>
+                  <a:off x="10660528" y="2182010"/>
+                  <a:ext cx="825611" cy="523220"/>
+                </a:xfrm>
+                <a:prstGeom prst="rect">
+                  <a:avLst/>
+                </a:prstGeom>
+                <a:noFill/>
+              </p:spPr>
+              <p:txBody>
+                <a:bodyPr wrap="none" rtlCol="0">
+                  <a:spAutoFit/>
+                </a:bodyPr>
+                <a:lstStyle/>
+                <a:p>
+                  <a:pPr/>
+                  <a14:m>
+                    <m:oMathPara xmlns:m="http://schemas.openxmlformats.org/officeDocument/2006/math">
+                      <m:oMathParaPr>
+                        <m:jc m:val="centerGroup"/>
+                      </m:oMathParaPr>
+                      <m:oMath xmlns:m="http://schemas.openxmlformats.org/officeDocument/2006/math">
+                        <m:sSub>
+                          <m:sSubPr>
+                            <m:ctrlPr>
+                              <a:rPr lang="en-US" sz="2800" b="0" i="1" smtClean="0">
+                                <a:latin typeface="Cambria Math" panose="02040503050406030204" pitchFamily="18" charset="0"/>
+                              </a:rPr>
+                            </m:ctrlPr>
+                          </m:sSubPr>
+                          <m:e>
+                            <m:r>
+                              <a:rPr lang="en-US" sz="2800" b="0" i="1" smtClean="0">
+                                <a:latin typeface="Cambria Math" panose="02040503050406030204" pitchFamily="18" charset="0"/>
+                              </a:rPr>
+                              <m:t>𝛾</m:t>
+                            </m:r>
+                          </m:e>
+                          <m:sub>
+                            <m:r>
+                              <a:rPr lang="en-US" sz="2800" b="0" i="1" smtClean="0">
+                                <a:latin typeface="Cambria Math" panose="02040503050406030204" pitchFamily="18" charset="0"/>
+                              </a:rPr>
+                              <m:t>𝐵𝑂</m:t>
+                            </m:r>
+                          </m:sub>
+                        </m:sSub>
+                      </m:oMath>
+                    </m:oMathPara>
+                  </a14:m>
+                  <a:endParaRPr lang="en-US" sz="2800" b="0" dirty="0"/>
+                </a:p>
+              </p:txBody>
+            </p:sp>
+          </mc:Choice>
+          <mc:Fallback xmlns="">
+            <p:sp>
+              <p:nvSpPr>
+                <p:cNvPr id="7" name="TextBox 6">
+                  <a:extLst>
+                    <a:ext uri="{FF2B5EF4-FFF2-40B4-BE49-F238E27FC236}">
+                      <a16:creationId xmlns:a16="http://schemas.microsoft.com/office/drawing/2014/main" id="{68F311E9-EEBC-8FDF-E474-C77922D67450}"/>
+                    </a:ext>
+                  </a:extLst>
+                </p:cNvPr>
+                <p:cNvSpPr txBox="1">
+                  <a:spLocks noRot="1" noChangeAspect="1" noMove="1" noResize="1" noEditPoints="1" noAdjustHandles="1" noChangeArrowheads="1" noChangeShapeType="1" noTextEdit="1"/>
+                </p:cNvSpPr>
+                <p:nvPr/>
+              </p:nvSpPr>
+              <p:spPr>
+                <a:xfrm>
+                  <a:off x="10660528" y="2182010"/>
+                  <a:ext cx="825611" cy="523220"/>
+                </a:xfrm>
+                <a:prstGeom prst="rect">
+                  <a:avLst/>
+                </a:prstGeom>
+                <a:blipFill>
+                  <a:blip r:embed="rId4"/>
+                  <a:stretch>
+                    <a:fillRect/>
+                  </a:stretch>
+                </a:blipFill>
+              </p:spPr>
+              <p:txBody>
+                <a:bodyPr/>
+                <a:lstStyle/>
+                <a:p>
+                  <a:r>
+                    <a:rPr lang="en-US">
+                      <a:noFill/>
+                    </a:rPr>
+                    <a:t> </a:t>
+                  </a:r>
+                </a:p>
+              </p:txBody>
+            </p:sp>
+          </mc:Fallback>
+        </mc:AlternateContent>
+        <mc:AlternateContent xmlns:mc="http://schemas.openxmlformats.org/markup-compatibility/2006" xmlns:a14="http://schemas.microsoft.com/office/drawing/2010/main">
+          <mc:Choice Requires="a14">
+            <p:sp>
+              <p:nvSpPr>
+                <p:cNvPr id="8" name="TextBox 7">
+                  <a:extLst>
+                    <a:ext uri="{FF2B5EF4-FFF2-40B4-BE49-F238E27FC236}">
+                      <a16:creationId xmlns:a16="http://schemas.microsoft.com/office/drawing/2014/main" id="{FCD9DA58-FC8F-0656-FDE6-2126C9AE6471}"/>
+                    </a:ext>
+                  </a:extLst>
+                </p:cNvPr>
+                <p:cNvSpPr txBox="1"/>
+                <p:nvPr/>
+              </p:nvSpPr>
+              <p:spPr>
+                <a:xfrm>
+                  <a:off x="7921815" y="2360918"/>
+                  <a:ext cx="802912" cy="523220"/>
+                </a:xfrm>
+                <a:prstGeom prst="rect">
+                  <a:avLst/>
+                </a:prstGeom>
+                <a:noFill/>
+              </p:spPr>
+              <p:txBody>
+                <a:bodyPr wrap="none" rtlCol="0">
+                  <a:spAutoFit/>
+                </a:bodyPr>
+                <a:lstStyle/>
+                <a:p>
+                  <a:pPr/>
+                  <a14:m>
+                    <m:oMathPara xmlns:m="http://schemas.openxmlformats.org/officeDocument/2006/math">
+                      <m:oMathParaPr>
+                        <m:jc m:val="centerGroup"/>
+                      </m:oMathParaPr>
+                      <m:oMath xmlns:m="http://schemas.openxmlformats.org/officeDocument/2006/math">
+                        <m:sSub>
+                          <m:sSubPr>
+                            <m:ctrlPr>
+                              <a:rPr lang="en-US" sz="2800" b="0" i="1" smtClean="0">
+                                <a:latin typeface="Cambria Math" panose="02040503050406030204" pitchFamily="18" charset="0"/>
+                              </a:rPr>
+                            </m:ctrlPr>
+                          </m:sSubPr>
+                          <m:e>
+                            <m:r>
+                              <a:rPr lang="en-US" sz="2800" b="0" i="1" smtClean="0">
+                                <a:latin typeface="Cambria Math" panose="02040503050406030204" pitchFamily="18" charset="0"/>
+                              </a:rPr>
+                              <m:t>𝛾</m:t>
+                            </m:r>
+                          </m:e>
+                          <m:sub>
+                            <m:r>
+                              <a:rPr lang="en-US" sz="2800" b="0" i="1" smtClean="0">
+                                <a:latin typeface="Cambria Math" panose="02040503050406030204" pitchFamily="18" charset="0"/>
+                              </a:rPr>
+                              <m:t>𝐴𝑂</m:t>
+                            </m:r>
+                          </m:sub>
+                        </m:sSub>
+                      </m:oMath>
+                    </m:oMathPara>
+                  </a14:m>
+                  <a:endParaRPr lang="en-US" sz="2800" b="0" dirty="0"/>
+                </a:p>
+              </p:txBody>
+            </p:sp>
+          </mc:Choice>
+          <mc:Fallback xmlns="">
+            <p:sp>
+              <p:nvSpPr>
+                <p:cNvPr id="8" name="TextBox 7">
+                  <a:extLst>
+                    <a:ext uri="{FF2B5EF4-FFF2-40B4-BE49-F238E27FC236}">
+                      <a16:creationId xmlns:a16="http://schemas.microsoft.com/office/drawing/2014/main" id="{C042D0FC-BFB6-2037-01B2-0853E00AE876}"/>
+                    </a:ext>
+                  </a:extLst>
+                </p:cNvPr>
+                <p:cNvSpPr txBox="1">
+                  <a:spLocks noRot="1" noChangeAspect="1" noMove="1" noResize="1" noEditPoints="1" noAdjustHandles="1" noChangeArrowheads="1" noChangeShapeType="1" noTextEdit="1"/>
+                </p:cNvSpPr>
+                <p:nvPr/>
+              </p:nvSpPr>
+              <p:spPr>
+                <a:xfrm>
+                  <a:off x="7921815" y="2360918"/>
+                  <a:ext cx="802912" cy="523220"/>
+                </a:xfrm>
+                <a:prstGeom prst="rect">
+                  <a:avLst/>
+                </a:prstGeom>
+                <a:blipFill>
+                  <a:blip r:embed="rId5"/>
+                  <a:stretch>
+                    <a:fillRect/>
+                  </a:stretch>
+                </a:blipFill>
+              </p:spPr>
+              <p:txBody>
+                <a:bodyPr/>
+                <a:lstStyle/>
+                <a:p>
+                  <a:r>
+                    <a:rPr lang="en-US">
+                      <a:noFill/>
+                    </a:rPr>
+                    <a:t> </a:t>
+                  </a:r>
+                </a:p>
+              </p:txBody>
+            </p:sp>
+          </mc:Fallback>
+        </mc:AlternateContent>
+        <p:sp>
+          <p:nvSpPr>
+            <p:cNvPr id="9" name="Isosceles Triangle 8">
+              <a:extLst>
+                <a:ext uri="{FF2B5EF4-FFF2-40B4-BE49-F238E27FC236}">
+                  <a16:creationId xmlns:a16="http://schemas.microsoft.com/office/drawing/2014/main" id="{A5A7369A-EED7-CABC-83E8-BDF712C83496}"/>
+                </a:ext>
+              </a:extLst>
+            </p:cNvPr>
+            <p:cNvSpPr/>
+            <p:nvPr/>
+          </p:nvSpPr>
+          <p:spPr>
+            <a:xfrm rot="1876746">
+              <a:off x="10489043" y="2478419"/>
+              <a:ext cx="178842" cy="160020"/>
+            </a:xfrm>
+            <a:prstGeom prst="triangle">
+              <a:avLst/>
+            </a:prstGeom>
+            <a:ln>
+              <a:noFill/>
+            </a:ln>
+          </p:spPr>
+          <p:style>
+            <a:lnRef idx="2">
+              <a:schemeClr val="accent1">
+                <a:shade val="15000"/>
+              </a:schemeClr>
+            </a:lnRef>
+            <a:fillRef idx="1">
+              <a:schemeClr val="accent1"/>
+            </a:fillRef>
+            <a:effectRef idx="0">
+              <a:schemeClr val="accent1"/>
+            </a:effectRef>
+            <a:fontRef idx="minor">
+              <a:schemeClr val="lt1"/>
+            </a:fontRef>
+          </p:style>
+          <p:txBody>
+            <a:bodyPr rtlCol="0" anchor="ctr"/>
+            <a:lstStyle/>
+            <a:p>
+              <a:pPr algn="ctr"/>
+              <a:endParaRPr lang="en-US"/>
+            </a:p>
+          </p:txBody>
+        </p:sp>
+        <p:sp>
+          <p:nvSpPr>
+            <p:cNvPr id="10" name="Isosceles Triangle 9">
+              <a:extLst>
+                <a:ext uri="{FF2B5EF4-FFF2-40B4-BE49-F238E27FC236}">
+                  <a16:creationId xmlns:a16="http://schemas.microsoft.com/office/drawing/2014/main" id="{07C1148E-5EA5-BC93-44D5-F07A7016C92F}"/>
+                </a:ext>
+              </a:extLst>
+            </p:cNvPr>
+            <p:cNvSpPr/>
+            <p:nvPr/>
+          </p:nvSpPr>
+          <p:spPr>
+            <a:xfrm rot="19137032">
+              <a:off x="8686237" y="2658051"/>
+              <a:ext cx="178842" cy="160020"/>
+            </a:xfrm>
+            <a:prstGeom prst="triangle">
+              <a:avLst/>
+            </a:prstGeom>
+            <a:ln>
+              <a:noFill/>
+            </a:ln>
+          </p:spPr>
+          <p:style>
+            <a:lnRef idx="2">
+              <a:schemeClr val="accent1">
+                <a:shade val="15000"/>
+              </a:schemeClr>
+            </a:lnRef>
+            <a:fillRef idx="1">
+              <a:schemeClr val="accent1"/>
+            </a:fillRef>
+            <a:effectRef idx="0">
+              <a:schemeClr val="accent1"/>
+            </a:effectRef>
+            <a:fontRef idx="minor">
+              <a:schemeClr val="lt1"/>
+            </a:fontRef>
+          </p:style>
+          <p:txBody>
+            <a:bodyPr rtlCol="0" anchor="ctr"/>
+            <a:lstStyle/>
+            <a:p>
+              <a:pPr algn="ctr"/>
+              <a:endParaRPr lang="en-US"/>
+            </a:p>
+          </p:txBody>
+        </p:sp>
+        <p:sp>
+          <p:nvSpPr>
+            <p:cNvPr id="11" name="Freeform: Shape 10">
+              <a:extLst>
+                <a:ext uri="{FF2B5EF4-FFF2-40B4-BE49-F238E27FC236}">
+                  <a16:creationId xmlns:a16="http://schemas.microsoft.com/office/drawing/2014/main" id="{A9C427E5-A62F-0352-CADB-44624074FBD2}"/>
+                </a:ext>
+              </a:extLst>
+            </p:cNvPr>
+            <p:cNvSpPr/>
+            <p:nvPr/>
+          </p:nvSpPr>
+          <p:spPr>
+            <a:xfrm>
+              <a:off x="8161020" y="1142999"/>
+              <a:ext cx="3223260" cy="861137"/>
+            </a:xfrm>
+            <a:custGeom>
+              <a:avLst/>
+              <a:gdLst>
+                <a:gd name="connsiteX0" fmla="*/ 0 w 2682240"/>
+                <a:gd name="connsiteY0" fmla="*/ 662940 h 662940"/>
+                <a:gd name="connsiteX1" fmla="*/ 830580 w 2682240"/>
+                <a:gd name="connsiteY1" fmla="*/ 274320 h 662940"/>
+                <a:gd name="connsiteX2" fmla="*/ 1950720 w 2682240"/>
+                <a:gd name="connsiteY2" fmla="*/ 312420 h 662940"/>
+                <a:gd name="connsiteX3" fmla="*/ 2682240 w 2682240"/>
+                <a:gd name="connsiteY3" fmla="*/ 0 h 662940"/>
+                <a:gd name="connsiteX0" fmla="*/ 0 w 2682240"/>
+                <a:gd name="connsiteY0" fmla="*/ 662940 h 662940"/>
+                <a:gd name="connsiteX1" fmla="*/ 783023 w 2682240"/>
+                <a:gd name="connsiteY1" fmla="*/ 98334 h 662940"/>
+                <a:gd name="connsiteX2" fmla="*/ 1950720 w 2682240"/>
+                <a:gd name="connsiteY2" fmla="*/ 312420 h 662940"/>
+                <a:gd name="connsiteX3" fmla="*/ 2682240 w 2682240"/>
+                <a:gd name="connsiteY3" fmla="*/ 0 h 662940"/>
+                <a:gd name="connsiteX0" fmla="*/ 0 w 2682240"/>
+                <a:gd name="connsiteY0" fmla="*/ 662940 h 662940"/>
+                <a:gd name="connsiteX1" fmla="*/ 783023 w 2682240"/>
+                <a:gd name="connsiteY1" fmla="*/ 98334 h 662940"/>
+                <a:gd name="connsiteX2" fmla="*/ 2040551 w 2682240"/>
+                <a:gd name="connsiteY2" fmla="*/ 141322 h 662940"/>
+                <a:gd name="connsiteX3" fmla="*/ 2682240 w 2682240"/>
+                <a:gd name="connsiteY3" fmla="*/ 0 h 662940"/>
+                <a:gd name="connsiteX0" fmla="*/ 0 w 2682240"/>
+                <a:gd name="connsiteY0" fmla="*/ 662940 h 662940"/>
+                <a:gd name="connsiteX1" fmla="*/ 783023 w 2682240"/>
+                <a:gd name="connsiteY1" fmla="*/ 98334 h 662940"/>
+                <a:gd name="connsiteX2" fmla="*/ 2040551 w 2682240"/>
+                <a:gd name="connsiteY2" fmla="*/ 141322 h 662940"/>
+                <a:gd name="connsiteX3" fmla="*/ 2682240 w 2682240"/>
+                <a:gd name="connsiteY3" fmla="*/ 0 h 662940"/>
+                <a:gd name="connsiteX0" fmla="*/ 0 w 2682240"/>
+                <a:gd name="connsiteY0" fmla="*/ 662940 h 662940"/>
+                <a:gd name="connsiteX1" fmla="*/ 783023 w 2682240"/>
+                <a:gd name="connsiteY1" fmla="*/ 98334 h 662940"/>
+                <a:gd name="connsiteX2" fmla="*/ 2040551 w 2682240"/>
+                <a:gd name="connsiteY2" fmla="*/ 141322 h 662940"/>
+                <a:gd name="connsiteX3" fmla="*/ 2682240 w 2682240"/>
+                <a:gd name="connsiteY3" fmla="*/ 0 h 662940"/>
+              </a:gdLst>
+              <a:ahLst/>
+              <a:cxnLst>
+                <a:cxn ang="0">
+                  <a:pos x="connsiteX0" y="connsiteY0"/>
+                </a:cxn>
+                <a:cxn ang="0">
+                  <a:pos x="connsiteX1" y="connsiteY1"/>
+                </a:cxn>
+                <a:cxn ang="0">
+                  <a:pos x="connsiteX2" y="connsiteY2"/>
+                </a:cxn>
+                <a:cxn ang="0">
+                  <a:pos x="connsiteX3" y="connsiteY3"/>
+                </a:cxn>
+              </a:cxnLst>
+              <a:rect l="l" t="t" r="r" b="b"/>
+              <a:pathLst>
+                <a:path w="2682240" h="662940">
+                  <a:moveTo>
+                    <a:pt x="0" y="662940"/>
+                  </a:moveTo>
+                  <a:cubicBezTo>
+                    <a:pt x="252730" y="497840"/>
+                    <a:pt x="442931" y="185270"/>
+                    <a:pt x="783023" y="98334"/>
+                  </a:cubicBezTo>
+                  <a:cubicBezTo>
+                    <a:pt x="1123115" y="11398"/>
+                    <a:pt x="1726656" y="113714"/>
+                    <a:pt x="2040551" y="141322"/>
+                  </a:cubicBezTo>
+                  <a:cubicBezTo>
+                    <a:pt x="2354446" y="168930"/>
+                    <a:pt x="2470785" y="133350"/>
+                    <a:pt x="2682240" y="0"/>
+                  </a:cubicBezTo>
+                </a:path>
+              </a:pathLst>
+            </a:custGeom>
+            <a:noFill/>
+            <a:ln w="38100">
+              <a:solidFill>
+                <a:schemeClr val="accent5"/>
+              </a:solidFill>
+            </a:ln>
+          </p:spPr>
+          <p:style>
+            <a:lnRef idx="2">
+              <a:schemeClr val="accent1">
+                <a:shade val="15000"/>
+              </a:schemeClr>
+            </a:lnRef>
+            <a:fillRef idx="1">
+              <a:schemeClr val="accent1"/>
+            </a:fillRef>
+            <a:effectRef idx="0">
+              <a:schemeClr val="accent1"/>
+            </a:effectRef>
+            <a:fontRef idx="minor">
+              <a:schemeClr val="lt1"/>
+            </a:fontRef>
+          </p:style>
+          <p:txBody>
+            <a:bodyPr rtlCol="0" anchor="ctr"/>
+            <a:lstStyle/>
+            <a:p>
+              <a:pPr algn="ctr"/>
+              <a:endParaRPr lang="en-US"/>
+            </a:p>
+          </p:txBody>
+        </p:sp>
+        <p:sp>
+          <p:nvSpPr>
+            <p:cNvPr id="12" name="Isosceles Triangle 11">
+              <a:extLst>
+                <a:ext uri="{FF2B5EF4-FFF2-40B4-BE49-F238E27FC236}">
+                  <a16:creationId xmlns:a16="http://schemas.microsoft.com/office/drawing/2014/main" id="{516E0089-F063-DE35-C8DF-B36B9BFF91A5}"/>
+                </a:ext>
+              </a:extLst>
+            </p:cNvPr>
+            <p:cNvSpPr/>
+            <p:nvPr/>
+          </p:nvSpPr>
+          <p:spPr>
+            <a:xfrm rot="5868436">
+              <a:off x="9635153" y="1139782"/>
+              <a:ext cx="178842" cy="160020"/>
+            </a:xfrm>
+            <a:prstGeom prst="triangle">
+              <a:avLst/>
+            </a:prstGeom>
+            <a:ln>
+              <a:noFill/>
+            </a:ln>
+          </p:spPr>
+          <p:style>
+            <a:lnRef idx="2">
+              <a:schemeClr val="accent1">
+                <a:shade val="15000"/>
+              </a:schemeClr>
+            </a:lnRef>
+            <a:fillRef idx="1">
+              <a:schemeClr val="accent1"/>
+            </a:fillRef>
+            <a:effectRef idx="0">
+              <a:schemeClr val="accent1"/>
+            </a:effectRef>
+            <a:fontRef idx="minor">
+              <a:schemeClr val="lt1"/>
+            </a:fontRef>
+          </p:style>
+          <p:txBody>
+            <a:bodyPr rtlCol="0" anchor="ctr"/>
+            <a:lstStyle/>
+            <a:p>
+              <a:pPr algn="ctr"/>
+              <a:endParaRPr lang="en-US"/>
+            </a:p>
+          </p:txBody>
+        </p:sp>
+        <mc:AlternateContent xmlns:mc="http://schemas.openxmlformats.org/markup-compatibility/2006" xmlns:a14="http://schemas.microsoft.com/office/drawing/2010/main">
+          <mc:Choice Requires="a14">
+            <p:sp>
+              <p:nvSpPr>
+                <p:cNvPr id="13" name="TextBox 12">
+                  <a:extLst>
+                    <a:ext uri="{FF2B5EF4-FFF2-40B4-BE49-F238E27FC236}">
+                      <a16:creationId xmlns:a16="http://schemas.microsoft.com/office/drawing/2014/main" id="{434D14BD-B626-2D58-68F3-5311F05E270A}"/>
+                    </a:ext>
+                  </a:extLst>
+                </p:cNvPr>
+                <p:cNvSpPr txBox="1"/>
+                <p:nvPr/>
+              </p:nvSpPr>
+              <p:spPr>
+                <a:xfrm>
+                  <a:off x="9315498" y="528483"/>
+                  <a:ext cx="465191" cy="523220"/>
+                </a:xfrm>
+                <a:prstGeom prst="rect">
+                  <a:avLst/>
+                </a:prstGeom>
+                <a:noFill/>
+              </p:spPr>
+              <p:txBody>
+                <a:bodyPr wrap="none" rtlCol="0">
+                  <a:spAutoFit/>
+                </a:bodyPr>
+                <a:lstStyle/>
+                <a:p>
+                  <a:pPr/>
+                  <a14:m>
+                    <m:oMathPara xmlns:m="http://schemas.openxmlformats.org/officeDocument/2006/math">
+                      <m:oMathParaPr>
+                        <m:jc m:val="centerGroup"/>
+                      </m:oMathParaPr>
+                      <m:oMath xmlns:m="http://schemas.openxmlformats.org/officeDocument/2006/math">
+                        <m:r>
+                          <a:rPr lang="en-US" sz="2800" b="0" i="1" smtClean="0">
+                            <a:latin typeface="Cambria Math" panose="02040503050406030204" pitchFamily="18" charset="0"/>
+                          </a:rPr>
+                          <m:t>𝛾</m:t>
+                        </m:r>
+                      </m:oMath>
+                    </m:oMathPara>
+                  </a14:m>
+                  <a:endParaRPr lang="en-US" sz="2800" b="0" dirty="0"/>
+                </a:p>
+              </p:txBody>
+            </p:sp>
+          </mc:Choice>
+          <mc:Fallback xmlns="">
+            <p:sp>
+              <p:nvSpPr>
+                <p:cNvPr id="13" name="TextBox 12">
+                  <a:extLst>
+                    <a:ext uri="{FF2B5EF4-FFF2-40B4-BE49-F238E27FC236}">
+                      <a16:creationId xmlns:a16="http://schemas.microsoft.com/office/drawing/2014/main" id="{9446BF0A-0C53-2DBD-3AB1-D4E755C8B928}"/>
+                    </a:ext>
+                  </a:extLst>
+                </p:cNvPr>
+                <p:cNvSpPr txBox="1">
+                  <a:spLocks noRot="1" noChangeAspect="1" noMove="1" noResize="1" noEditPoints="1" noAdjustHandles="1" noChangeArrowheads="1" noChangeShapeType="1" noTextEdit="1"/>
+                </p:cNvSpPr>
+                <p:nvPr/>
+              </p:nvSpPr>
+              <p:spPr>
+                <a:xfrm>
+                  <a:off x="9315498" y="528483"/>
+                  <a:ext cx="465191" cy="523220"/>
+                </a:xfrm>
+                <a:prstGeom prst="rect">
+                  <a:avLst/>
+                </a:prstGeom>
+                <a:blipFill>
+                  <a:blip r:embed="rId6"/>
+                  <a:stretch>
+                    <a:fillRect/>
+                  </a:stretch>
+                </a:blipFill>
+              </p:spPr>
+              <p:txBody>
+                <a:bodyPr/>
+                <a:lstStyle/>
+                <a:p>
+                  <a:r>
+                    <a:rPr lang="en-US">
+                      <a:noFill/>
+                    </a:rPr>
+                    <a:t> </a:t>
+                  </a:r>
+                </a:p>
+              </p:txBody>
+            </p:sp>
+          </mc:Fallback>
+        </mc:AlternateContent>
+        <mc:AlternateContent xmlns:mc="http://schemas.openxmlformats.org/markup-compatibility/2006" xmlns:a14="http://schemas.microsoft.com/office/drawing/2010/main">
+          <mc:Choice Requires="a14">
+            <p:sp>
+              <p:nvSpPr>
+                <p:cNvPr id="28" name="TextBox 27">
+                  <a:extLst>
+                    <a:ext uri="{FF2B5EF4-FFF2-40B4-BE49-F238E27FC236}">
+                      <a16:creationId xmlns:a16="http://schemas.microsoft.com/office/drawing/2014/main" id="{A0884A98-81CB-3FF3-20F3-8A23FD72172C}"/>
+                    </a:ext>
+                  </a:extLst>
+                </p:cNvPr>
+                <p:cNvSpPr txBox="1"/>
+                <p:nvPr/>
+              </p:nvSpPr>
+              <p:spPr>
+                <a:xfrm>
+                  <a:off x="9663232" y="3880957"/>
+                  <a:ext cx="654666" cy="523220"/>
+                </a:xfrm>
+                <a:prstGeom prst="rect">
+                  <a:avLst/>
+                </a:prstGeom>
+                <a:noFill/>
+              </p:spPr>
+              <p:txBody>
+                <a:bodyPr wrap="none" rtlCol="0">
+                  <a:spAutoFit/>
+                </a:bodyPr>
+                <a:lstStyle/>
+                <a:p>
+                  <a:pPr/>
+                  <a14:m>
+                    <m:oMathPara xmlns:m="http://schemas.openxmlformats.org/officeDocument/2006/math">
+                      <m:oMathParaPr>
+                        <m:jc m:val="centerGroup"/>
+                      </m:oMathParaPr>
+                      <m:oMath xmlns:m="http://schemas.openxmlformats.org/officeDocument/2006/math">
+                        <m:sSub>
+                          <m:sSubPr>
+                            <m:ctrlPr>
+                              <a:rPr lang="en-US" sz="2800" b="0" i="1" smtClean="0">
+                                <a:latin typeface="Cambria Math" panose="02040503050406030204" pitchFamily="18" charset="0"/>
+                              </a:rPr>
+                            </m:ctrlPr>
+                          </m:sSubPr>
+                          <m:e>
+                            <m:r>
+                              <a:rPr lang="en-US" sz="2800" b="0" i="1" smtClean="0">
+                                <a:latin typeface="Cambria Math" panose="02040503050406030204" pitchFamily="18" charset="0"/>
+                              </a:rPr>
+                              <m:t>𝑃</m:t>
+                            </m:r>
+                          </m:e>
+                          <m:sub>
+                            <m:r>
+                              <a:rPr lang="en-US" sz="2800" b="0" i="1" smtClean="0">
+                                <a:latin typeface="Cambria Math" panose="02040503050406030204" pitchFamily="18" charset="0"/>
+                              </a:rPr>
+                              <m:t>𝑂</m:t>
+                            </m:r>
+                          </m:sub>
+                        </m:sSub>
+                      </m:oMath>
+                    </m:oMathPara>
+                  </a14:m>
+                  <a:endParaRPr lang="en-US" sz="2800" b="0" dirty="0"/>
+                </a:p>
+              </p:txBody>
+            </p:sp>
+          </mc:Choice>
+          <mc:Fallback xmlns="">
+            <p:sp>
+              <p:nvSpPr>
+                <p:cNvPr id="28" name="TextBox 27">
+                  <a:extLst>
+                    <a:ext uri="{FF2B5EF4-FFF2-40B4-BE49-F238E27FC236}">
+                      <a16:creationId xmlns:a16="http://schemas.microsoft.com/office/drawing/2014/main" id="{F2E3ABFB-9B4B-5536-C034-4FB1EA268C83}"/>
+                    </a:ext>
+                  </a:extLst>
+                </p:cNvPr>
+                <p:cNvSpPr txBox="1">
+                  <a:spLocks noRot="1" noChangeAspect="1" noMove="1" noResize="1" noEditPoints="1" noAdjustHandles="1" noChangeArrowheads="1" noChangeShapeType="1" noTextEdit="1"/>
+                </p:cNvSpPr>
+                <p:nvPr/>
+              </p:nvSpPr>
+              <p:spPr>
+                <a:xfrm>
+                  <a:off x="9663232" y="3880957"/>
+                  <a:ext cx="654666" cy="523220"/>
+                </a:xfrm>
+                <a:prstGeom prst="rect">
+                  <a:avLst/>
+                </a:prstGeom>
+                <a:blipFill>
+                  <a:blip r:embed="rId7"/>
+                  <a:stretch>
+                    <a:fillRect/>
+                  </a:stretch>
+                </a:blipFill>
+              </p:spPr>
+              <p:txBody>
+                <a:bodyPr/>
+                <a:lstStyle/>
+                <a:p>
+                  <a:r>
+                    <a:rPr lang="en-US">
+                      <a:noFill/>
+                    </a:rPr>
+                    <a:t> </a:t>
+                  </a:r>
+                </a:p>
+              </p:txBody>
+            </p:sp>
+          </mc:Fallback>
+        </mc:AlternateContent>
+      </p:grpSp>
+      <p:grpSp>
+        <p:nvGrpSpPr>
+          <p:cNvPr id="14" name="Group 13">
+            <a:extLst>
+              <a:ext uri="{FF2B5EF4-FFF2-40B4-BE49-F238E27FC236}">
+                <a16:creationId xmlns:a16="http://schemas.microsoft.com/office/drawing/2014/main" id="{7D5A8DAD-88D9-B368-2234-5BEF70DB5CE2}"/>
+              </a:ext>
+            </a:extLst>
+          </p:cNvPr>
+          <p:cNvGrpSpPr/>
+          <p:nvPr/>
+        </p:nvGrpSpPr>
+        <p:grpSpPr>
+          <a:xfrm>
+            <a:off x="7107054" y="1363587"/>
+            <a:ext cx="3520284" cy="4217406"/>
+            <a:chOff x="7492546" y="207002"/>
+            <a:chExt cx="3673978" cy="4401535"/>
+          </a:xfrm>
+        </p:grpSpPr>
+        <p:grpSp>
+          <p:nvGrpSpPr>
+            <p:cNvPr id="15" name="Group 14">
+              <a:extLst>
+                <a:ext uri="{FF2B5EF4-FFF2-40B4-BE49-F238E27FC236}">
+                  <a16:creationId xmlns:a16="http://schemas.microsoft.com/office/drawing/2014/main" id="{E58EF505-C39D-AA4F-F7C4-FC420B1007F2}"/>
+                </a:ext>
+              </a:extLst>
+            </p:cNvPr>
+            <p:cNvGrpSpPr/>
+            <p:nvPr/>
+          </p:nvGrpSpPr>
+          <p:grpSpPr>
+            <a:xfrm>
+              <a:off x="7492546" y="207002"/>
+              <a:ext cx="3673978" cy="4401535"/>
+              <a:chOff x="1221579" y="1260711"/>
+              <a:chExt cx="3673978" cy="4401535"/>
+            </a:xfrm>
+          </p:grpSpPr>
+          <p:grpSp>
+            <p:nvGrpSpPr>
+              <p:cNvPr id="20" name="Group 19">
+                <a:extLst>
+                  <a:ext uri="{FF2B5EF4-FFF2-40B4-BE49-F238E27FC236}">
+                    <a16:creationId xmlns:a16="http://schemas.microsoft.com/office/drawing/2014/main" id="{860ED5F6-97C0-2FBE-2C26-18EC2D913B27}"/>
+                  </a:ext>
+                </a:extLst>
+              </p:cNvPr>
+              <p:cNvGrpSpPr/>
+              <p:nvPr/>
+            </p:nvGrpSpPr>
+            <p:grpSpPr>
+              <a:xfrm>
+                <a:off x="1221579" y="1447610"/>
+                <a:ext cx="3673978" cy="4214636"/>
+                <a:chOff x="1390391" y="1651592"/>
+                <a:chExt cx="2399570" cy="3136308"/>
+              </a:xfrm>
+            </p:grpSpPr>
+            <p:sp>
+              <p:nvSpPr>
+                <p:cNvPr id="29" name="Freeform: Shape 28">
+                  <a:extLst>
+                    <a:ext uri="{FF2B5EF4-FFF2-40B4-BE49-F238E27FC236}">
+                      <a16:creationId xmlns:a16="http://schemas.microsoft.com/office/drawing/2014/main" id="{C354F135-8CAF-311B-B788-CF77F1F8CC3A}"/>
+                    </a:ext>
+                  </a:extLst>
+                </p:cNvPr>
+                <p:cNvSpPr/>
+                <p:nvPr/>
+              </p:nvSpPr>
+              <p:spPr>
+                <a:xfrm>
+                  <a:off x="1390724" y="2701572"/>
+                  <a:ext cx="1260926" cy="506587"/>
+                </a:xfrm>
+                <a:custGeom>
+                  <a:avLst/>
+                  <a:gdLst>
+                    <a:gd name="connsiteX0" fmla="*/ 0 w 1139483"/>
+                    <a:gd name="connsiteY0" fmla="*/ 0 h 506437"/>
+                    <a:gd name="connsiteX1" fmla="*/ 295421 w 1139483"/>
+                    <a:gd name="connsiteY1" fmla="*/ 393896 h 506437"/>
+                    <a:gd name="connsiteX2" fmla="*/ 1139483 w 1139483"/>
+                    <a:gd name="connsiteY2" fmla="*/ 506437 h 506437"/>
+                    <a:gd name="connsiteX0" fmla="*/ 0 w 1139483"/>
+                    <a:gd name="connsiteY0" fmla="*/ 0 h 506437"/>
+                    <a:gd name="connsiteX1" fmla="*/ 295421 w 1139483"/>
+                    <a:gd name="connsiteY1" fmla="*/ 393896 h 506437"/>
+                    <a:gd name="connsiteX2" fmla="*/ 1139483 w 1139483"/>
+                    <a:gd name="connsiteY2" fmla="*/ 506437 h 506437"/>
+                    <a:gd name="connsiteX0" fmla="*/ 0 w 1260926"/>
+                    <a:gd name="connsiteY0" fmla="*/ 0 h 506437"/>
+                    <a:gd name="connsiteX1" fmla="*/ 295421 w 1260926"/>
+                    <a:gd name="connsiteY1" fmla="*/ 393896 h 506437"/>
+                    <a:gd name="connsiteX2" fmla="*/ 1260926 w 1260926"/>
+                    <a:gd name="connsiteY2" fmla="*/ 506437 h 506437"/>
+                    <a:gd name="connsiteX0" fmla="*/ 0 w 1260926"/>
+                    <a:gd name="connsiteY0" fmla="*/ 0 h 506587"/>
+                    <a:gd name="connsiteX1" fmla="*/ 295421 w 1260926"/>
+                    <a:gd name="connsiteY1" fmla="*/ 393896 h 506587"/>
+                    <a:gd name="connsiteX2" fmla="*/ 1260926 w 1260926"/>
+                    <a:gd name="connsiteY2" fmla="*/ 506437 h 506587"/>
+                  </a:gdLst>
+                  <a:ahLst/>
+                  <a:cxnLst>
+                    <a:cxn ang="0">
+                      <a:pos x="connsiteX0" y="connsiteY0"/>
+                    </a:cxn>
+                    <a:cxn ang="0">
+                      <a:pos x="connsiteX1" y="connsiteY1"/>
+                    </a:cxn>
+                    <a:cxn ang="0">
+                      <a:pos x="connsiteX2" y="connsiteY2"/>
+                    </a:cxn>
+                  </a:cxnLst>
+                  <a:rect l="l" t="t" r="r" b="b"/>
+                  <a:pathLst>
+                    <a:path w="1260926" h="506587">
+                      <a:moveTo>
+                        <a:pt x="0" y="0"/>
+                      </a:moveTo>
+                      <a:cubicBezTo>
+                        <a:pt x="365" y="178558"/>
+                        <a:pt x="105507" y="309490"/>
+                        <a:pt x="295421" y="393896"/>
+                      </a:cubicBezTo>
+                      <a:cubicBezTo>
+                        <a:pt x="485335" y="478302"/>
+                        <a:pt x="924327" y="509037"/>
+                        <a:pt x="1260926" y="506437"/>
+                      </a:cubicBezTo>
+                    </a:path>
+                  </a:pathLst>
+                </a:custGeom>
+                <a:noFill/>
+                <a:ln w="38100">
+                  <a:solidFill>
+                    <a:schemeClr val="accent5"/>
+                  </a:solidFill>
+                </a:ln>
+              </p:spPr>
+              <p:style>
+                <a:lnRef idx="2">
+                  <a:schemeClr val="accent1">
+                    <a:shade val="15000"/>
+                  </a:schemeClr>
+                </a:lnRef>
+                <a:fillRef idx="1">
+                  <a:schemeClr val="accent1"/>
+                </a:fillRef>
+                <a:effectRef idx="0">
+                  <a:schemeClr val="accent1"/>
+                </a:effectRef>
+                <a:fontRef idx="minor">
+                  <a:schemeClr val="lt1"/>
+                </a:fontRef>
+              </p:style>
+              <p:txBody>
+                <a:bodyPr rtlCol="0" anchor="ctr"/>
+                <a:lstStyle/>
+                <a:p>
+                  <a:pPr algn="ctr"/>
+                  <a:endParaRPr lang="en-US"/>
+                </a:p>
+              </p:txBody>
+            </p:sp>
+            <p:sp>
+              <p:nvSpPr>
+                <p:cNvPr id="30" name="Freeform: Shape 29">
+                  <a:extLst>
+                    <a:ext uri="{FF2B5EF4-FFF2-40B4-BE49-F238E27FC236}">
+                      <a16:creationId xmlns:a16="http://schemas.microsoft.com/office/drawing/2014/main" id="{9F1A971A-6C2A-3B00-17FE-D6A9B03E0C20}"/>
+                    </a:ext>
+                  </a:extLst>
+                </p:cNvPr>
+                <p:cNvSpPr/>
+                <p:nvPr/>
+              </p:nvSpPr>
+              <p:spPr>
+                <a:xfrm flipH="1">
+                  <a:off x="2649270" y="2700479"/>
+                  <a:ext cx="1139510" cy="507382"/>
+                </a:xfrm>
+                <a:custGeom>
+                  <a:avLst/>
+                  <a:gdLst>
+                    <a:gd name="connsiteX0" fmla="*/ 0 w 1139483"/>
+                    <a:gd name="connsiteY0" fmla="*/ 0 h 506437"/>
+                    <a:gd name="connsiteX1" fmla="*/ 295421 w 1139483"/>
+                    <a:gd name="connsiteY1" fmla="*/ 393896 h 506437"/>
+                    <a:gd name="connsiteX2" fmla="*/ 1139483 w 1139483"/>
+                    <a:gd name="connsiteY2" fmla="*/ 506437 h 506437"/>
+                    <a:gd name="connsiteX0" fmla="*/ 0 w 1139483"/>
+                    <a:gd name="connsiteY0" fmla="*/ 0 h 507382"/>
+                    <a:gd name="connsiteX1" fmla="*/ 295421 w 1139483"/>
+                    <a:gd name="connsiteY1" fmla="*/ 393896 h 507382"/>
+                    <a:gd name="connsiteX2" fmla="*/ 1139483 w 1139483"/>
+                    <a:gd name="connsiteY2" fmla="*/ 506437 h 507382"/>
+                    <a:gd name="connsiteX0" fmla="*/ 27 w 1139510"/>
+                    <a:gd name="connsiteY0" fmla="*/ 0 h 507382"/>
+                    <a:gd name="connsiteX1" fmla="*/ 295448 w 1139510"/>
+                    <a:gd name="connsiteY1" fmla="*/ 393896 h 507382"/>
+                    <a:gd name="connsiteX2" fmla="*/ 1139510 w 1139510"/>
+                    <a:gd name="connsiteY2" fmla="*/ 506437 h 507382"/>
+                  </a:gdLst>
+                  <a:ahLst/>
+                  <a:cxnLst>
+                    <a:cxn ang="0">
+                      <a:pos x="connsiteX0" y="connsiteY0"/>
+                    </a:cxn>
+                    <a:cxn ang="0">
+                      <a:pos x="connsiteX1" y="connsiteY1"/>
+                    </a:cxn>
+                    <a:cxn ang="0">
+                      <a:pos x="connsiteX2" y="connsiteY2"/>
+                    </a:cxn>
+                  </a:cxnLst>
+                  <a:rect l="l" t="t" r="r" b="b"/>
+                  <a:pathLst>
+                    <a:path w="1139510" h="507382">
+                      <a:moveTo>
+                        <a:pt x="27" y="0"/>
+                      </a:moveTo>
+                      <a:cubicBezTo>
+                        <a:pt x="-1989" y="195227"/>
+                        <a:pt x="105534" y="309490"/>
+                        <a:pt x="295448" y="393896"/>
+                      </a:cubicBezTo>
+                      <a:cubicBezTo>
+                        <a:pt x="485362" y="478302"/>
+                        <a:pt x="812436" y="513801"/>
+                        <a:pt x="1139510" y="506437"/>
+                      </a:cubicBezTo>
+                    </a:path>
+                  </a:pathLst>
+                </a:custGeom>
+                <a:noFill/>
+                <a:ln w="38100">
+                  <a:solidFill>
+                    <a:schemeClr val="accent5"/>
+                  </a:solidFill>
+                </a:ln>
+              </p:spPr>
+              <p:style>
+                <a:lnRef idx="2">
+                  <a:schemeClr val="accent1">
+                    <a:shade val="15000"/>
+                  </a:schemeClr>
+                </a:lnRef>
+                <a:fillRef idx="1">
+                  <a:schemeClr val="accent1"/>
+                </a:fillRef>
+                <a:effectRef idx="0">
+                  <a:schemeClr val="accent1"/>
+                </a:effectRef>
+                <a:fontRef idx="minor">
+                  <a:schemeClr val="lt1"/>
+                </a:fontRef>
+              </p:style>
+              <p:txBody>
+                <a:bodyPr rtlCol="0" anchor="ctr"/>
+                <a:lstStyle/>
+                <a:p>
+                  <a:pPr algn="ctr"/>
+                  <a:endParaRPr lang="en-US"/>
+                </a:p>
+              </p:txBody>
+            </p:sp>
+            <p:sp>
+              <p:nvSpPr>
+                <p:cNvPr id="31" name="Freeform: Shape 30">
+                  <a:extLst>
+                    <a:ext uri="{FF2B5EF4-FFF2-40B4-BE49-F238E27FC236}">
+                      <a16:creationId xmlns:a16="http://schemas.microsoft.com/office/drawing/2014/main" id="{B3F878F7-186D-7E14-CEA2-607C13156732}"/>
+                    </a:ext>
+                  </a:extLst>
+                </p:cNvPr>
+                <p:cNvSpPr/>
+                <p:nvPr/>
+              </p:nvSpPr>
+              <p:spPr>
+                <a:xfrm flipV="1">
+                  <a:off x="1390723" y="2297475"/>
+                  <a:ext cx="982320" cy="404098"/>
+                </a:xfrm>
+                <a:custGeom>
+                  <a:avLst/>
+                  <a:gdLst>
+                    <a:gd name="connsiteX0" fmla="*/ 0 w 1139483"/>
+                    <a:gd name="connsiteY0" fmla="*/ 0 h 506437"/>
+                    <a:gd name="connsiteX1" fmla="*/ 295421 w 1139483"/>
+                    <a:gd name="connsiteY1" fmla="*/ 393896 h 506437"/>
+                    <a:gd name="connsiteX2" fmla="*/ 1139483 w 1139483"/>
+                    <a:gd name="connsiteY2" fmla="*/ 506437 h 506437"/>
+                    <a:gd name="connsiteX0" fmla="*/ 0 w 1139483"/>
+                    <a:gd name="connsiteY0" fmla="*/ 0 h 506437"/>
+                    <a:gd name="connsiteX1" fmla="*/ 295421 w 1139483"/>
+                    <a:gd name="connsiteY1" fmla="*/ 393896 h 506437"/>
+                    <a:gd name="connsiteX2" fmla="*/ 1139483 w 1139483"/>
+                    <a:gd name="connsiteY2" fmla="*/ 506437 h 506437"/>
+                    <a:gd name="connsiteX0" fmla="*/ 0 w 994226"/>
+                    <a:gd name="connsiteY0" fmla="*/ 0 h 465956"/>
+                    <a:gd name="connsiteX1" fmla="*/ 295421 w 994226"/>
+                    <a:gd name="connsiteY1" fmla="*/ 393896 h 465956"/>
+                    <a:gd name="connsiteX2" fmla="*/ 994226 w 994226"/>
+                    <a:gd name="connsiteY2" fmla="*/ 465956 h 465956"/>
+                    <a:gd name="connsiteX0" fmla="*/ 0 w 994226"/>
+                    <a:gd name="connsiteY0" fmla="*/ 0 h 465956"/>
+                    <a:gd name="connsiteX1" fmla="*/ 321615 w 994226"/>
+                    <a:gd name="connsiteY1" fmla="*/ 358178 h 465956"/>
+                    <a:gd name="connsiteX2" fmla="*/ 994226 w 994226"/>
+                    <a:gd name="connsiteY2" fmla="*/ 465956 h 465956"/>
+                    <a:gd name="connsiteX0" fmla="*/ 0 w 982320"/>
+                    <a:gd name="connsiteY0" fmla="*/ 0 h 396466"/>
+                    <a:gd name="connsiteX1" fmla="*/ 321615 w 982320"/>
+                    <a:gd name="connsiteY1" fmla="*/ 358178 h 396466"/>
+                    <a:gd name="connsiteX2" fmla="*/ 982320 w 982320"/>
+                    <a:gd name="connsiteY2" fmla="*/ 373087 h 396466"/>
+                    <a:gd name="connsiteX0" fmla="*/ 0 w 982320"/>
+                    <a:gd name="connsiteY0" fmla="*/ 0 h 404098"/>
+                    <a:gd name="connsiteX1" fmla="*/ 321615 w 982320"/>
+                    <a:gd name="connsiteY1" fmla="*/ 358178 h 404098"/>
+                    <a:gd name="connsiteX2" fmla="*/ 982320 w 982320"/>
+                    <a:gd name="connsiteY2" fmla="*/ 373087 h 404098"/>
+                  </a:gdLst>
+                  <a:ahLst/>
+                  <a:cxnLst>
+                    <a:cxn ang="0">
+                      <a:pos x="connsiteX0" y="connsiteY0"/>
+                    </a:cxn>
+                    <a:cxn ang="0">
+                      <a:pos x="connsiteX1" y="connsiteY1"/>
+                    </a:cxn>
+                    <a:cxn ang="0">
+                      <a:pos x="connsiteX2" y="connsiteY2"/>
+                    </a:cxn>
+                  </a:cxnLst>
+                  <a:rect l="l" t="t" r="r" b="b"/>
+                  <a:pathLst>
+                    <a:path w="982320" h="404098">
+                      <a:moveTo>
+                        <a:pt x="0" y="0"/>
+                      </a:moveTo>
+                      <a:cubicBezTo>
+                        <a:pt x="2747" y="169032"/>
+                        <a:pt x="131701" y="273772"/>
+                        <a:pt x="321615" y="358178"/>
+                      </a:cubicBezTo>
+                      <a:cubicBezTo>
+                        <a:pt x="511529" y="442584"/>
+                        <a:pt x="648102" y="387594"/>
+                        <a:pt x="982320" y="373087"/>
+                      </a:cubicBezTo>
+                    </a:path>
+                  </a:pathLst>
+                </a:custGeom>
+                <a:noFill/>
+                <a:ln w="38100">
+                  <a:solidFill>
+                    <a:schemeClr val="accent5"/>
+                  </a:solidFill>
+                  <a:prstDash val="dash"/>
+                </a:ln>
+              </p:spPr>
+              <p:style>
+                <a:lnRef idx="2">
+                  <a:schemeClr val="accent1">
+                    <a:shade val="15000"/>
+                  </a:schemeClr>
+                </a:lnRef>
+                <a:fillRef idx="1">
+                  <a:schemeClr val="accent1"/>
+                </a:fillRef>
+                <a:effectRef idx="0">
+                  <a:schemeClr val="accent1"/>
+                </a:effectRef>
+                <a:fontRef idx="minor">
+                  <a:schemeClr val="lt1"/>
+                </a:fontRef>
+              </p:style>
+              <p:txBody>
+                <a:bodyPr rtlCol="0" anchor="ctr"/>
+                <a:lstStyle/>
+                <a:p>
+                  <a:pPr algn="ctr"/>
+                  <a:endParaRPr lang="en-US"/>
+                </a:p>
+              </p:txBody>
+            </p:sp>
+            <p:sp>
+              <p:nvSpPr>
+                <p:cNvPr id="32" name="Freeform: Shape 31">
+                  <a:extLst>
+                    <a:ext uri="{FF2B5EF4-FFF2-40B4-BE49-F238E27FC236}">
+                      <a16:creationId xmlns:a16="http://schemas.microsoft.com/office/drawing/2014/main" id="{32108133-94A0-E718-AB2F-516CA8C4B40C}"/>
+                    </a:ext>
+                  </a:extLst>
+                </p:cNvPr>
+                <p:cNvSpPr/>
+                <p:nvPr/>
+              </p:nvSpPr>
+              <p:spPr>
+                <a:xfrm flipH="1" flipV="1">
+                  <a:off x="2464740" y="2297853"/>
+                  <a:ext cx="1325221" cy="410203"/>
+                </a:xfrm>
+                <a:custGeom>
+                  <a:avLst/>
+                  <a:gdLst>
+                    <a:gd name="connsiteX0" fmla="*/ 0 w 1139483"/>
+                    <a:gd name="connsiteY0" fmla="*/ 0 h 506437"/>
+                    <a:gd name="connsiteX1" fmla="*/ 295421 w 1139483"/>
+                    <a:gd name="connsiteY1" fmla="*/ 393896 h 506437"/>
+                    <a:gd name="connsiteX2" fmla="*/ 1139483 w 1139483"/>
+                    <a:gd name="connsiteY2" fmla="*/ 506437 h 506437"/>
+                    <a:gd name="connsiteX0" fmla="*/ 0 w 1210921"/>
+                    <a:gd name="connsiteY0" fmla="*/ 0 h 370706"/>
+                    <a:gd name="connsiteX1" fmla="*/ 366859 w 1210921"/>
+                    <a:gd name="connsiteY1" fmla="*/ 258165 h 370706"/>
+                    <a:gd name="connsiteX2" fmla="*/ 1210921 w 1210921"/>
+                    <a:gd name="connsiteY2" fmla="*/ 370706 h 370706"/>
+                    <a:gd name="connsiteX0" fmla="*/ 0 w 1210921"/>
+                    <a:gd name="connsiteY0" fmla="*/ 0 h 370706"/>
+                    <a:gd name="connsiteX1" fmla="*/ 366859 w 1210921"/>
+                    <a:gd name="connsiteY1" fmla="*/ 258165 h 370706"/>
+                    <a:gd name="connsiteX2" fmla="*/ 1210921 w 1210921"/>
+                    <a:gd name="connsiteY2" fmla="*/ 370706 h 370706"/>
+                    <a:gd name="connsiteX0" fmla="*/ 0 w 1210921"/>
+                    <a:gd name="connsiteY0" fmla="*/ 0 h 373087"/>
+                    <a:gd name="connsiteX1" fmla="*/ 366859 w 1210921"/>
+                    <a:gd name="connsiteY1" fmla="*/ 260546 h 373087"/>
+                    <a:gd name="connsiteX2" fmla="*/ 1210921 w 1210921"/>
+                    <a:gd name="connsiteY2" fmla="*/ 373087 h 373087"/>
+                    <a:gd name="connsiteX0" fmla="*/ 0 w 1087096"/>
+                    <a:gd name="connsiteY0" fmla="*/ 0 h 365944"/>
+                    <a:gd name="connsiteX1" fmla="*/ 243034 w 1087096"/>
+                    <a:gd name="connsiteY1" fmla="*/ 253403 h 365944"/>
+                    <a:gd name="connsiteX2" fmla="*/ 1087096 w 1087096"/>
+                    <a:gd name="connsiteY2" fmla="*/ 365944 h 365944"/>
+                    <a:gd name="connsiteX0" fmla="*/ 0 w 1208540"/>
+                    <a:gd name="connsiteY0" fmla="*/ 0 h 363563"/>
+                    <a:gd name="connsiteX1" fmla="*/ 364478 w 1208540"/>
+                    <a:gd name="connsiteY1" fmla="*/ 251022 h 363563"/>
+                    <a:gd name="connsiteX2" fmla="*/ 1208540 w 1208540"/>
+                    <a:gd name="connsiteY2" fmla="*/ 363563 h 363563"/>
+                    <a:gd name="connsiteX0" fmla="*/ 0 w 1208540"/>
+                    <a:gd name="connsiteY0" fmla="*/ 0 h 363563"/>
+                    <a:gd name="connsiteX1" fmla="*/ 364478 w 1208540"/>
+                    <a:gd name="connsiteY1" fmla="*/ 251022 h 363563"/>
+                    <a:gd name="connsiteX2" fmla="*/ 1208540 w 1208540"/>
+                    <a:gd name="connsiteY2" fmla="*/ 363563 h 363563"/>
+                    <a:gd name="connsiteX0" fmla="*/ 0 w 1210921"/>
+                    <a:gd name="connsiteY0" fmla="*/ 0 h 368325"/>
+                    <a:gd name="connsiteX1" fmla="*/ 366859 w 1210921"/>
+                    <a:gd name="connsiteY1" fmla="*/ 255784 h 368325"/>
+                    <a:gd name="connsiteX2" fmla="*/ 1210921 w 1210921"/>
+                    <a:gd name="connsiteY2" fmla="*/ 368325 h 368325"/>
+                    <a:gd name="connsiteX0" fmla="*/ 0 w 1208540"/>
+                    <a:gd name="connsiteY0" fmla="*/ 0 h 373087"/>
+                    <a:gd name="connsiteX1" fmla="*/ 364478 w 1208540"/>
+                    <a:gd name="connsiteY1" fmla="*/ 260546 h 373087"/>
+                    <a:gd name="connsiteX2" fmla="*/ 1208540 w 1208540"/>
+                    <a:gd name="connsiteY2" fmla="*/ 373087 h 373087"/>
+                    <a:gd name="connsiteX0" fmla="*/ 0 w 1363321"/>
+                    <a:gd name="connsiteY0" fmla="*/ 0 h 380231"/>
+                    <a:gd name="connsiteX1" fmla="*/ 364478 w 1363321"/>
+                    <a:gd name="connsiteY1" fmla="*/ 260546 h 380231"/>
+                    <a:gd name="connsiteX2" fmla="*/ 1363321 w 1363321"/>
+                    <a:gd name="connsiteY2" fmla="*/ 380231 h 380231"/>
+                    <a:gd name="connsiteX0" fmla="*/ 0 w 1325221"/>
+                    <a:gd name="connsiteY0" fmla="*/ 0 h 377850"/>
+                    <a:gd name="connsiteX1" fmla="*/ 364478 w 1325221"/>
+                    <a:gd name="connsiteY1" fmla="*/ 260546 h 377850"/>
+                    <a:gd name="connsiteX2" fmla="*/ 1325221 w 1325221"/>
+                    <a:gd name="connsiteY2" fmla="*/ 377850 h 377850"/>
+                    <a:gd name="connsiteX0" fmla="*/ 0 w 1325221"/>
+                    <a:gd name="connsiteY0" fmla="*/ 0 h 377982"/>
+                    <a:gd name="connsiteX1" fmla="*/ 364478 w 1325221"/>
+                    <a:gd name="connsiteY1" fmla="*/ 260546 h 377982"/>
+                    <a:gd name="connsiteX2" fmla="*/ 1325221 w 1325221"/>
+                    <a:gd name="connsiteY2" fmla="*/ 377850 h 377982"/>
+                    <a:gd name="connsiteX0" fmla="*/ 0 w 1325221"/>
+                    <a:gd name="connsiteY0" fmla="*/ 0 h 378132"/>
+                    <a:gd name="connsiteX1" fmla="*/ 219222 w 1325221"/>
+                    <a:gd name="connsiteY1" fmla="*/ 281977 h 378132"/>
+                    <a:gd name="connsiteX2" fmla="*/ 1325221 w 1325221"/>
+                    <a:gd name="connsiteY2" fmla="*/ 377850 h 378132"/>
+                    <a:gd name="connsiteX0" fmla="*/ 0 w 1325221"/>
+                    <a:gd name="connsiteY0" fmla="*/ 0 h 377912"/>
+                    <a:gd name="connsiteX1" fmla="*/ 254941 w 1325221"/>
+                    <a:gd name="connsiteY1" fmla="*/ 217683 h 377912"/>
+                    <a:gd name="connsiteX2" fmla="*/ 1325221 w 1325221"/>
+                    <a:gd name="connsiteY2" fmla="*/ 377850 h 377912"/>
+                    <a:gd name="connsiteX0" fmla="*/ 0 w 1325221"/>
+                    <a:gd name="connsiteY0" fmla="*/ 0 h 377912"/>
+                    <a:gd name="connsiteX1" fmla="*/ 254941 w 1325221"/>
+                    <a:gd name="connsiteY1" fmla="*/ 217683 h 377912"/>
+                    <a:gd name="connsiteX2" fmla="*/ 1325221 w 1325221"/>
+                    <a:gd name="connsiteY2" fmla="*/ 377850 h 377912"/>
+                    <a:gd name="connsiteX0" fmla="*/ 0 w 1325221"/>
+                    <a:gd name="connsiteY0" fmla="*/ 0 h 377912"/>
+                    <a:gd name="connsiteX1" fmla="*/ 254941 w 1325221"/>
+                    <a:gd name="connsiteY1" fmla="*/ 217683 h 377912"/>
+                    <a:gd name="connsiteX2" fmla="*/ 1325221 w 1325221"/>
+                    <a:gd name="connsiteY2" fmla="*/ 377850 h 377912"/>
+                    <a:gd name="connsiteX0" fmla="*/ 0 w 1325221"/>
+                    <a:gd name="connsiteY0" fmla="*/ 0 h 407062"/>
+                    <a:gd name="connsiteX1" fmla="*/ 433534 w 1325221"/>
+                    <a:gd name="connsiteY1" fmla="*/ 365320 h 407062"/>
+                    <a:gd name="connsiteX2" fmla="*/ 1325221 w 1325221"/>
+                    <a:gd name="connsiteY2" fmla="*/ 377850 h 407062"/>
+                    <a:gd name="connsiteX0" fmla="*/ 0 w 1325221"/>
+                    <a:gd name="connsiteY0" fmla="*/ 0 h 410203"/>
+                    <a:gd name="connsiteX1" fmla="*/ 433534 w 1325221"/>
+                    <a:gd name="connsiteY1" fmla="*/ 365320 h 410203"/>
+                    <a:gd name="connsiteX2" fmla="*/ 1325221 w 1325221"/>
+                    <a:gd name="connsiteY2" fmla="*/ 377850 h 410203"/>
+                    <a:gd name="connsiteX0" fmla="*/ 0 w 1325221"/>
+                    <a:gd name="connsiteY0" fmla="*/ 0 h 410203"/>
+                    <a:gd name="connsiteX1" fmla="*/ 433534 w 1325221"/>
+                    <a:gd name="connsiteY1" fmla="*/ 365320 h 410203"/>
+                    <a:gd name="connsiteX2" fmla="*/ 1325221 w 1325221"/>
+                    <a:gd name="connsiteY2" fmla="*/ 377850 h 410203"/>
+                    <a:gd name="connsiteX0" fmla="*/ 0 w 1325221"/>
+                    <a:gd name="connsiteY0" fmla="*/ 0 h 410203"/>
+                    <a:gd name="connsiteX1" fmla="*/ 433534 w 1325221"/>
+                    <a:gd name="connsiteY1" fmla="*/ 365320 h 410203"/>
+                    <a:gd name="connsiteX2" fmla="*/ 1325221 w 1325221"/>
+                    <a:gd name="connsiteY2" fmla="*/ 377850 h 410203"/>
+                  </a:gdLst>
+                  <a:ahLst/>
+                  <a:cxnLst>
+                    <a:cxn ang="0">
+                      <a:pos x="connsiteX0" y="connsiteY0"/>
+                    </a:cxn>
+                    <a:cxn ang="0">
+                      <a:pos x="connsiteX1" y="connsiteY1"/>
+                    </a:cxn>
+                    <a:cxn ang="0">
+                      <a:pos x="connsiteX2" y="connsiteY2"/>
+                    </a:cxn>
+                  </a:cxnLst>
+                  <a:rect l="l" t="t" r="r" b="b"/>
+                  <a:pathLst>
+                    <a:path w="1325221" h="410203">
+                      <a:moveTo>
+                        <a:pt x="0" y="0"/>
+                      </a:moveTo>
+                      <a:cubicBezTo>
+                        <a:pt x="7510" y="116645"/>
+                        <a:pt x="243620" y="273770"/>
+                        <a:pt x="433534" y="365320"/>
+                      </a:cubicBezTo>
+                      <a:cubicBezTo>
+                        <a:pt x="623448" y="456870"/>
+                        <a:pt x="1000529" y="380450"/>
+                        <a:pt x="1325221" y="377850"/>
+                      </a:cubicBezTo>
+                    </a:path>
+                  </a:pathLst>
+                </a:custGeom>
+                <a:noFill/>
+                <a:ln w="38100">
+                  <a:solidFill>
+                    <a:schemeClr val="accent5"/>
+                  </a:solidFill>
+                  <a:prstDash val="dash"/>
+                </a:ln>
+              </p:spPr>
+              <p:style>
+                <a:lnRef idx="2">
+                  <a:schemeClr val="accent1">
+                    <a:shade val="15000"/>
+                  </a:schemeClr>
+                </a:lnRef>
+                <a:fillRef idx="1">
+                  <a:schemeClr val="accent1"/>
+                </a:fillRef>
+                <a:effectRef idx="0">
+                  <a:schemeClr val="accent1"/>
+                </a:effectRef>
+                <a:fontRef idx="minor">
+                  <a:schemeClr val="lt1"/>
+                </a:fontRef>
+              </p:style>
+              <p:txBody>
+                <a:bodyPr rtlCol="0" anchor="ctr"/>
+                <a:lstStyle/>
+                <a:p>
+                  <a:pPr algn="ctr"/>
+                  <a:endParaRPr lang="en-US"/>
+                </a:p>
+              </p:txBody>
+            </p:sp>
+            <p:cxnSp>
+              <p:nvCxnSpPr>
+                <p:cNvPr id="33" name="Straight Connector 32">
+                  <a:extLst>
+                    <a:ext uri="{FF2B5EF4-FFF2-40B4-BE49-F238E27FC236}">
+                      <a16:creationId xmlns:a16="http://schemas.microsoft.com/office/drawing/2014/main" id="{4F7C703C-5C0D-3B32-8F4F-2E8636080435}"/>
+                    </a:ext>
+                  </a:extLst>
+                </p:cNvPr>
+                <p:cNvCxnSpPr>
+                  <a:cxnSpLocks/>
+                </p:cNvCxnSpPr>
+                <p:nvPr/>
+              </p:nvCxnSpPr>
+              <p:spPr>
+                <a:xfrm>
+                  <a:off x="1419225" y="2863850"/>
+                  <a:ext cx="953818" cy="1924050"/>
+                </a:xfrm>
+                <a:prstGeom prst="line">
+                  <a:avLst/>
+                </a:prstGeom>
+                <a:noFill/>
+                <a:ln w="38100">
+                  <a:solidFill>
+                    <a:schemeClr val="accent5"/>
+                  </a:solidFill>
+                </a:ln>
+              </p:spPr>
+              <p:style>
+                <a:lnRef idx="2">
+                  <a:schemeClr val="accent1">
+                    <a:shade val="15000"/>
+                  </a:schemeClr>
+                </a:lnRef>
+                <a:fillRef idx="1">
+                  <a:schemeClr val="accent1"/>
+                </a:fillRef>
+                <a:effectRef idx="0">
+                  <a:schemeClr val="accent1"/>
+                </a:effectRef>
+                <a:fontRef idx="minor">
+                  <a:schemeClr val="lt1"/>
+                </a:fontRef>
+              </p:style>
+            </p:cxnSp>
+            <p:cxnSp>
+              <p:nvCxnSpPr>
+                <p:cNvPr id="34" name="Straight Connector 33">
+                  <a:extLst>
+                    <a:ext uri="{FF2B5EF4-FFF2-40B4-BE49-F238E27FC236}">
+                      <a16:creationId xmlns:a16="http://schemas.microsoft.com/office/drawing/2014/main" id="{980E2149-E08C-77E2-E17D-0B8F59509053}"/>
+                    </a:ext>
+                  </a:extLst>
+                </p:cNvPr>
+                <p:cNvCxnSpPr>
+                  <a:cxnSpLocks/>
+                </p:cNvCxnSpPr>
+                <p:nvPr/>
+              </p:nvCxnSpPr>
+              <p:spPr>
+                <a:xfrm flipH="1">
+                  <a:off x="2373043" y="2901293"/>
+                  <a:ext cx="1371265" cy="1886607"/>
+                </a:xfrm>
+                <a:prstGeom prst="line">
+                  <a:avLst/>
+                </a:prstGeom>
+                <a:noFill/>
+                <a:ln w="38100">
+                  <a:solidFill>
+                    <a:schemeClr val="accent5"/>
+                  </a:solidFill>
+                </a:ln>
+              </p:spPr>
+              <p:style>
+                <a:lnRef idx="2">
+                  <a:schemeClr val="accent1">
+                    <a:shade val="15000"/>
+                  </a:schemeClr>
+                </a:lnRef>
+                <a:fillRef idx="1">
+                  <a:schemeClr val="accent1"/>
+                </a:fillRef>
+                <a:effectRef idx="0">
+                  <a:schemeClr val="accent1"/>
+                </a:effectRef>
+                <a:fontRef idx="minor">
+                  <a:schemeClr val="lt1"/>
+                </a:fontRef>
+              </p:style>
+            </p:cxnSp>
+            <p:cxnSp>
+              <p:nvCxnSpPr>
+                <p:cNvPr id="35" name="Straight Connector 34">
+                  <a:extLst>
+                    <a:ext uri="{FF2B5EF4-FFF2-40B4-BE49-F238E27FC236}">
+                      <a16:creationId xmlns:a16="http://schemas.microsoft.com/office/drawing/2014/main" id="{8E21384E-AA19-2CA7-DC57-E0ABCA92B4F5}"/>
+                    </a:ext>
+                  </a:extLst>
+                </p:cNvPr>
+                <p:cNvCxnSpPr>
+                  <a:stCxn id="30" idx="2"/>
+                </p:cNvCxnSpPr>
+                <p:nvPr/>
+              </p:nvCxnSpPr>
+              <p:spPr>
+                <a:xfrm flipH="1">
+                  <a:off x="2373043" y="3206916"/>
+                  <a:ext cx="276227" cy="1580984"/>
+                </a:xfrm>
+                <a:prstGeom prst="line">
+                  <a:avLst/>
+                </a:prstGeom>
+                <a:noFill/>
+                <a:ln w="38100">
+                  <a:solidFill>
+                    <a:schemeClr val="accent5"/>
+                  </a:solidFill>
+                </a:ln>
+              </p:spPr>
+              <p:style>
+                <a:lnRef idx="2">
+                  <a:schemeClr val="accent1">
+                    <a:shade val="15000"/>
+                  </a:schemeClr>
+                </a:lnRef>
+                <a:fillRef idx="1">
+                  <a:schemeClr val="accent1"/>
+                </a:fillRef>
+                <a:effectRef idx="0">
+                  <a:schemeClr val="accent1"/>
+                </a:effectRef>
+                <a:fontRef idx="minor">
+                  <a:schemeClr val="lt1"/>
+                </a:fontRef>
+              </p:style>
+            </p:cxnSp>
+            <p:cxnSp>
+              <p:nvCxnSpPr>
+                <p:cNvPr id="36" name="Straight Connector 35">
+                  <a:extLst>
+                    <a:ext uri="{FF2B5EF4-FFF2-40B4-BE49-F238E27FC236}">
+                      <a16:creationId xmlns:a16="http://schemas.microsoft.com/office/drawing/2014/main" id="{218F7CF9-A770-C556-5032-07D57AA8F9F9}"/>
+                    </a:ext>
+                  </a:extLst>
+                </p:cNvPr>
+                <p:cNvCxnSpPr>
+                  <a:cxnSpLocks/>
+                </p:cNvCxnSpPr>
+                <p:nvPr/>
+              </p:nvCxnSpPr>
+              <p:spPr>
+                <a:xfrm>
+                  <a:off x="2373043" y="2343150"/>
+                  <a:ext cx="0" cy="2444750"/>
+                </a:xfrm>
+                <a:prstGeom prst="line">
+                  <a:avLst/>
+                </a:prstGeom>
+                <a:noFill/>
+                <a:ln w="38100">
+                  <a:solidFill>
+                    <a:schemeClr val="accent5"/>
+                  </a:solidFill>
+                  <a:prstDash val="dash"/>
+                </a:ln>
+              </p:spPr>
+              <p:style>
+                <a:lnRef idx="2">
+                  <a:schemeClr val="accent1">
+                    <a:shade val="15000"/>
+                  </a:schemeClr>
+                </a:lnRef>
+                <a:fillRef idx="1">
+                  <a:schemeClr val="accent1"/>
+                </a:fillRef>
+                <a:effectRef idx="0">
+                  <a:schemeClr val="accent1"/>
+                </a:effectRef>
+                <a:fontRef idx="minor">
+                  <a:schemeClr val="lt1"/>
+                </a:fontRef>
+              </p:style>
+            </p:cxnSp>
+            <p:sp>
+              <p:nvSpPr>
+                <p:cNvPr id="37" name="Freeform: Shape 36">
+                  <a:extLst>
+                    <a:ext uri="{FF2B5EF4-FFF2-40B4-BE49-F238E27FC236}">
+                      <a16:creationId xmlns:a16="http://schemas.microsoft.com/office/drawing/2014/main" id="{B8CBF735-2868-E0CF-E80E-89C5C518AE99}"/>
+                    </a:ext>
+                  </a:extLst>
+                </p:cNvPr>
+                <p:cNvSpPr/>
+                <p:nvPr/>
+              </p:nvSpPr>
+              <p:spPr>
+                <a:xfrm>
+                  <a:off x="1390391" y="1651592"/>
+                  <a:ext cx="2397188" cy="1060211"/>
+                </a:xfrm>
+                <a:custGeom>
+                  <a:avLst/>
+                  <a:gdLst>
+                    <a:gd name="connsiteX0" fmla="*/ 0 w 2194560"/>
+                    <a:gd name="connsiteY0" fmla="*/ 799656 h 884062"/>
+                    <a:gd name="connsiteX1" fmla="*/ 527538 w 2194560"/>
+                    <a:gd name="connsiteY1" fmla="*/ 159576 h 884062"/>
+                    <a:gd name="connsiteX2" fmla="*/ 1463040 w 2194560"/>
+                    <a:gd name="connsiteY2" fmla="*/ 54069 h 884062"/>
+                    <a:gd name="connsiteX3" fmla="*/ 2194560 w 2194560"/>
+                    <a:gd name="connsiteY3" fmla="*/ 884062 h 884062"/>
+                    <a:gd name="connsiteX0" fmla="*/ 0 w 2194560"/>
+                    <a:gd name="connsiteY0" fmla="*/ 799656 h 884062"/>
+                    <a:gd name="connsiteX1" fmla="*/ 527538 w 2194560"/>
+                    <a:gd name="connsiteY1" fmla="*/ 159576 h 884062"/>
+                    <a:gd name="connsiteX2" fmla="*/ 1463040 w 2194560"/>
+                    <a:gd name="connsiteY2" fmla="*/ 54069 h 884062"/>
+                    <a:gd name="connsiteX3" fmla="*/ 2194560 w 2194560"/>
+                    <a:gd name="connsiteY3" fmla="*/ 884062 h 884062"/>
+                    <a:gd name="connsiteX0" fmla="*/ 0 w 2194560"/>
+                    <a:gd name="connsiteY0" fmla="*/ 799656 h 884062"/>
+                    <a:gd name="connsiteX1" fmla="*/ 527538 w 2194560"/>
+                    <a:gd name="connsiteY1" fmla="*/ 159576 h 884062"/>
+                    <a:gd name="connsiteX2" fmla="*/ 1463040 w 2194560"/>
+                    <a:gd name="connsiteY2" fmla="*/ 54069 h 884062"/>
+                    <a:gd name="connsiteX3" fmla="*/ 2194560 w 2194560"/>
+                    <a:gd name="connsiteY3" fmla="*/ 884062 h 884062"/>
+                    <a:gd name="connsiteX0" fmla="*/ 0 w 2330291"/>
+                    <a:gd name="connsiteY0" fmla="*/ 1288023 h 1288023"/>
+                    <a:gd name="connsiteX1" fmla="*/ 663269 w 2330291"/>
+                    <a:gd name="connsiteY1" fmla="*/ 178837 h 1288023"/>
+                    <a:gd name="connsiteX2" fmla="*/ 1598771 w 2330291"/>
+                    <a:gd name="connsiteY2" fmla="*/ 73330 h 1288023"/>
+                    <a:gd name="connsiteX3" fmla="*/ 2330291 w 2330291"/>
+                    <a:gd name="connsiteY3" fmla="*/ 903323 h 1288023"/>
+                    <a:gd name="connsiteX0" fmla="*/ 165 w 2330456"/>
+                    <a:gd name="connsiteY0" fmla="*/ 1288023 h 1288023"/>
+                    <a:gd name="connsiteX1" fmla="*/ 663434 w 2330456"/>
+                    <a:gd name="connsiteY1" fmla="*/ 178837 h 1288023"/>
+                    <a:gd name="connsiteX2" fmla="*/ 1598936 w 2330456"/>
+                    <a:gd name="connsiteY2" fmla="*/ 73330 h 1288023"/>
+                    <a:gd name="connsiteX3" fmla="*/ 2330456 w 2330456"/>
+                    <a:gd name="connsiteY3" fmla="*/ 903323 h 1288023"/>
+                    <a:gd name="connsiteX0" fmla="*/ 165 w 2330456"/>
+                    <a:gd name="connsiteY0" fmla="*/ 1273056 h 1273056"/>
+                    <a:gd name="connsiteX1" fmla="*/ 663434 w 2330456"/>
+                    <a:gd name="connsiteY1" fmla="*/ 178158 h 1273056"/>
+                    <a:gd name="connsiteX2" fmla="*/ 1598936 w 2330456"/>
+                    <a:gd name="connsiteY2" fmla="*/ 72651 h 1273056"/>
+                    <a:gd name="connsiteX3" fmla="*/ 2330456 w 2330456"/>
+                    <a:gd name="connsiteY3" fmla="*/ 902644 h 1273056"/>
+                    <a:gd name="connsiteX0" fmla="*/ 211 w 2330502"/>
+                    <a:gd name="connsiteY0" fmla="*/ 1242225 h 1242225"/>
+                    <a:gd name="connsiteX1" fmla="*/ 572992 w 2330502"/>
+                    <a:gd name="connsiteY1" fmla="*/ 280677 h 1242225"/>
+                    <a:gd name="connsiteX2" fmla="*/ 1598982 w 2330502"/>
+                    <a:gd name="connsiteY2" fmla="*/ 41820 h 1242225"/>
+                    <a:gd name="connsiteX3" fmla="*/ 2330502 w 2330502"/>
+                    <a:gd name="connsiteY3" fmla="*/ 871813 h 1242225"/>
+                    <a:gd name="connsiteX0" fmla="*/ 222 w 2330513"/>
+                    <a:gd name="connsiteY0" fmla="*/ 1032955 h 1032955"/>
+                    <a:gd name="connsiteX1" fmla="*/ 573003 w 2330513"/>
+                    <a:gd name="connsiteY1" fmla="*/ 71407 h 1032955"/>
+                    <a:gd name="connsiteX2" fmla="*/ 1689481 w 2330513"/>
+                    <a:gd name="connsiteY2" fmla="*/ 151638 h 1032955"/>
+                    <a:gd name="connsiteX3" fmla="*/ 2330513 w 2330513"/>
+                    <a:gd name="connsiteY3" fmla="*/ 662543 h 1032955"/>
+                    <a:gd name="connsiteX0" fmla="*/ 222 w 2397188"/>
+                    <a:gd name="connsiteY0" fmla="*/ 1032955 h 1060211"/>
+                    <a:gd name="connsiteX1" fmla="*/ 573003 w 2397188"/>
+                    <a:gd name="connsiteY1" fmla="*/ 71407 h 1060211"/>
+                    <a:gd name="connsiteX2" fmla="*/ 1689481 w 2397188"/>
+                    <a:gd name="connsiteY2" fmla="*/ 151638 h 1060211"/>
+                    <a:gd name="connsiteX3" fmla="*/ 2397188 w 2397188"/>
+                    <a:gd name="connsiteY3" fmla="*/ 1060211 h 1060211"/>
+                    <a:gd name="connsiteX0" fmla="*/ 222 w 2397188"/>
+                    <a:gd name="connsiteY0" fmla="*/ 1032955 h 1060211"/>
+                    <a:gd name="connsiteX1" fmla="*/ 573003 w 2397188"/>
+                    <a:gd name="connsiteY1" fmla="*/ 71407 h 1060211"/>
+                    <a:gd name="connsiteX2" fmla="*/ 1689481 w 2397188"/>
+                    <a:gd name="connsiteY2" fmla="*/ 151638 h 1060211"/>
+                    <a:gd name="connsiteX3" fmla="*/ 2397188 w 2397188"/>
+                    <a:gd name="connsiteY3" fmla="*/ 1060211 h 1060211"/>
+                  </a:gdLst>
+                  <a:ahLst/>
+                  <a:cxnLst>
+                    <a:cxn ang="0">
+                      <a:pos x="connsiteX0" y="connsiteY0"/>
+                    </a:cxn>
+                    <a:cxn ang="0">
+                      <a:pos x="connsiteX1" y="connsiteY1"/>
+                    </a:cxn>
+                    <a:cxn ang="0">
+                      <a:pos x="connsiteX2" y="connsiteY2"/>
+                    </a:cxn>
+                    <a:cxn ang="0">
+                      <a:pos x="connsiteX3" y="connsiteY3"/>
+                    </a:cxn>
+                  </a:cxnLst>
+                  <a:rect l="l" t="t" r="r" b="b"/>
+                  <a:pathLst>
+                    <a:path w="2397188" h="1060211">
+                      <a:moveTo>
+                        <a:pt x="222" y="1032955"/>
+                      </a:moveTo>
+                      <a:cubicBezTo>
+                        <a:pt x="-9340" y="677636"/>
+                        <a:pt x="291460" y="218293"/>
+                        <a:pt x="573003" y="71407"/>
+                      </a:cubicBezTo>
+                      <a:cubicBezTo>
+                        <a:pt x="854546" y="-75479"/>
+                        <a:pt x="1411644" y="30890"/>
+                        <a:pt x="1689481" y="151638"/>
+                      </a:cubicBezTo>
+                      <a:cubicBezTo>
+                        <a:pt x="1967318" y="272386"/>
+                        <a:pt x="2386234" y="705588"/>
+                        <a:pt x="2397188" y="1060211"/>
+                      </a:cubicBezTo>
+                    </a:path>
+                  </a:pathLst>
+                </a:custGeom>
+                <a:noFill/>
+                <a:ln w="38100">
+                  <a:solidFill>
+                    <a:schemeClr val="accent5"/>
+                  </a:solidFill>
+                </a:ln>
+              </p:spPr>
+              <p:style>
+                <a:lnRef idx="2">
+                  <a:schemeClr val="accent1">
+                    <a:shade val="15000"/>
+                  </a:schemeClr>
+                </a:lnRef>
+                <a:fillRef idx="1">
+                  <a:schemeClr val="accent1"/>
+                </a:fillRef>
+                <a:effectRef idx="0">
+                  <a:schemeClr val="accent1"/>
+                </a:effectRef>
+                <a:fontRef idx="minor">
+                  <a:schemeClr val="lt1"/>
+                </a:fontRef>
+              </p:style>
+              <p:txBody>
+                <a:bodyPr rtlCol="0" anchor="ctr"/>
+                <a:lstStyle/>
+                <a:p>
+                  <a:pPr algn="ctr"/>
+                  <a:endParaRPr lang="en-US"/>
+                </a:p>
+              </p:txBody>
+            </p:sp>
+          </p:grpSp>
+          <mc:AlternateContent xmlns:mc="http://schemas.openxmlformats.org/markup-compatibility/2006" xmlns:a14="http://schemas.microsoft.com/office/drawing/2010/main">
+            <mc:Choice Requires="a14">
+              <p:sp>
+                <p:nvSpPr>
+                  <p:cNvPr id="21" name="TextBox 20">
+                    <a:extLst>
+                      <a:ext uri="{FF2B5EF4-FFF2-40B4-BE49-F238E27FC236}">
+                        <a16:creationId xmlns:a16="http://schemas.microsoft.com/office/drawing/2014/main" id="{E7F5C8DF-54C4-7710-7CAD-5FCD3A180C87}"/>
+                      </a:ext>
+                    </a:extLst>
+                  </p:cNvPr>
+                  <p:cNvSpPr txBox="1"/>
+                  <p:nvPr/>
+                </p:nvSpPr>
+                <p:spPr>
+                  <a:xfrm>
+                    <a:off x="3789604" y="1260711"/>
+                    <a:ext cx="463588" cy="523220"/>
+                  </a:xfrm>
+                  <a:prstGeom prst="rect">
+                    <a:avLst/>
+                  </a:prstGeom>
+                  <a:noFill/>
+                </p:spPr>
+                <p:txBody>
+                  <a:bodyPr wrap="none" rtlCol="0">
+                    <a:spAutoFit/>
+                  </a:bodyPr>
+                  <a:lstStyle/>
+                  <a:p>
+                    <a:pPr/>
+                    <a14:m>
+                      <m:oMathPara xmlns:m="http://schemas.openxmlformats.org/officeDocument/2006/math">
+                        <m:oMathParaPr>
+                          <m:jc m:val="centerGroup"/>
+                        </m:oMathParaPr>
+                        <m:oMath xmlns:m="http://schemas.openxmlformats.org/officeDocument/2006/math">
+                          <m:r>
+                            <m:rPr>
+                              <m:sty m:val="p"/>
+                            </m:rPr>
+                            <a:rPr lang="en-US" sz="2800" b="0" i="1" smtClean="0">
+                              <a:latin typeface="Cambria Math" panose="02040503050406030204" pitchFamily="18" charset="0"/>
+                            </a:rPr>
+                            <m:t>Σ</m:t>
+                          </m:r>
+                        </m:oMath>
+                      </m:oMathPara>
+                    </a14:m>
+                    <a:endParaRPr lang="en-US" sz="2800" b="0" dirty="0"/>
+                  </a:p>
+                </p:txBody>
+              </p:sp>
+            </mc:Choice>
+            <mc:Fallback xmlns="">
+              <p:sp>
+                <p:nvSpPr>
+                  <p:cNvPr id="21" name="TextBox 20">
+                    <a:extLst>
+                      <a:ext uri="{FF2B5EF4-FFF2-40B4-BE49-F238E27FC236}">
+                        <a16:creationId xmlns:a16="http://schemas.microsoft.com/office/drawing/2014/main" id="{119BD0A1-4391-5E8F-FE27-F04711DA90C0}"/>
+                      </a:ext>
+                    </a:extLst>
+                  </p:cNvPr>
+                  <p:cNvSpPr txBox="1">
+                    <a:spLocks noRot="1" noChangeAspect="1" noMove="1" noResize="1" noEditPoints="1" noAdjustHandles="1" noChangeArrowheads="1" noChangeShapeType="1" noTextEdit="1"/>
+                  </p:cNvSpPr>
+                  <p:nvPr/>
+                </p:nvSpPr>
+                <p:spPr>
+                  <a:xfrm>
+                    <a:off x="3789604" y="1260711"/>
+                    <a:ext cx="463588" cy="523220"/>
+                  </a:xfrm>
+                  <a:prstGeom prst="rect">
+                    <a:avLst/>
+                  </a:prstGeom>
+                  <a:blipFill>
+                    <a:blip r:embed="rId8"/>
+                    <a:stretch>
+                      <a:fillRect/>
+                    </a:stretch>
+                  </a:blipFill>
+                </p:spPr>
+                <p:txBody>
+                  <a:bodyPr/>
+                  <a:lstStyle/>
+                  <a:p>
+                    <a:r>
+                      <a:rPr lang="en-US">
+                        <a:noFill/>
+                      </a:rPr>
+                      <a:t> </a:t>
+                    </a:r>
+                  </a:p>
+                </p:txBody>
+              </p:sp>
+            </mc:Fallback>
+          </mc:AlternateContent>
+          <mc:AlternateContent xmlns:mc="http://schemas.openxmlformats.org/markup-compatibility/2006" xmlns:a14="http://schemas.microsoft.com/office/drawing/2010/main">
+            <mc:Choice Requires="a14">
+              <p:sp>
+                <p:nvSpPr>
+                  <p:cNvPr id="23" name="TextBox 22">
+                    <a:extLst>
+                      <a:ext uri="{FF2B5EF4-FFF2-40B4-BE49-F238E27FC236}">
+                        <a16:creationId xmlns:a16="http://schemas.microsoft.com/office/drawing/2014/main" id="{B6ACD4E6-4085-1679-2E99-9D1F3FD6ED33}"/>
+                      </a:ext>
+                    </a:extLst>
+                  </p:cNvPr>
+                  <p:cNvSpPr txBox="1"/>
+                  <p:nvPr/>
+                </p:nvSpPr>
+                <p:spPr>
+                  <a:xfrm>
+                    <a:off x="1995921" y="1783931"/>
+                    <a:ext cx="616323" cy="523220"/>
+                  </a:xfrm>
+                  <a:prstGeom prst="rect">
+                    <a:avLst/>
+                  </a:prstGeom>
+                  <a:noFill/>
+                </p:spPr>
+                <p:txBody>
+                  <a:bodyPr wrap="none" rtlCol="0">
+                    <a:spAutoFit/>
+                  </a:bodyPr>
+                  <a:lstStyle/>
+                  <a:p>
+                    <a:pPr/>
+                    <a14:m>
+                      <m:oMathPara xmlns:m="http://schemas.openxmlformats.org/officeDocument/2006/math">
+                        <m:oMathParaPr>
+                          <m:jc m:val="centerGroup"/>
+                        </m:oMathParaPr>
+                        <m:oMath xmlns:m="http://schemas.openxmlformats.org/officeDocument/2006/math">
+                          <m:sSub>
+                            <m:sSubPr>
+                              <m:ctrlPr>
+                                <a:rPr lang="en-US" sz="2800" b="0" i="1" smtClean="0">
+                                  <a:latin typeface="Cambria Math" panose="02040503050406030204" pitchFamily="18" charset="0"/>
+                                </a:rPr>
+                              </m:ctrlPr>
+                            </m:sSubPr>
+                            <m:e>
+                              <m:r>
+                                <a:rPr lang="en-US" sz="2800" b="0" i="1" smtClean="0">
+                                  <a:latin typeface="Cambria Math" panose="02040503050406030204" pitchFamily="18" charset="0"/>
+                                </a:rPr>
+                                <m:t>𝛾</m:t>
+                              </m:r>
+                            </m:e>
+                            <m:sub>
+                              <m:r>
+                                <a:rPr lang="en-US" sz="2800" b="0" i="1" smtClean="0">
+                                  <a:latin typeface="Cambria Math" panose="02040503050406030204" pitchFamily="18" charset="0"/>
+                                </a:rPr>
+                                <m:t>𝐴</m:t>
+                              </m:r>
+                            </m:sub>
+                          </m:sSub>
+                        </m:oMath>
+                      </m:oMathPara>
+                    </a14:m>
+                    <a:endParaRPr lang="en-US" sz="2800" b="0" dirty="0"/>
+                  </a:p>
+                </p:txBody>
+              </p:sp>
+            </mc:Choice>
+            <mc:Fallback xmlns="">
+              <p:sp>
+                <p:nvSpPr>
+                  <p:cNvPr id="23" name="TextBox 22">
+                    <a:extLst>
+                      <a:ext uri="{FF2B5EF4-FFF2-40B4-BE49-F238E27FC236}">
+                        <a16:creationId xmlns:a16="http://schemas.microsoft.com/office/drawing/2014/main" id="{AC6C6D18-591D-CD33-6EB2-B4AA511DC580}"/>
+                      </a:ext>
+                    </a:extLst>
+                  </p:cNvPr>
+                  <p:cNvSpPr txBox="1">
+                    <a:spLocks noRot="1" noChangeAspect="1" noMove="1" noResize="1" noEditPoints="1" noAdjustHandles="1" noChangeArrowheads="1" noChangeShapeType="1" noTextEdit="1"/>
+                  </p:cNvSpPr>
+                  <p:nvPr/>
+                </p:nvSpPr>
+                <p:spPr>
+                  <a:xfrm>
+                    <a:off x="1995921" y="1783931"/>
+                    <a:ext cx="616323" cy="523220"/>
+                  </a:xfrm>
+                  <a:prstGeom prst="rect">
+                    <a:avLst/>
+                  </a:prstGeom>
+                  <a:blipFill>
+                    <a:blip r:embed="rId10"/>
+                    <a:stretch>
+                      <a:fillRect/>
+                    </a:stretch>
+                  </a:blipFill>
+                </p:spPr>
+                <p:txBody>
+                  <a:bodyPr/>
+                  <a:lstStyle/>
+                  <a:p>
+                    <a:r>
+                      <a:rPr lang="en-US">
+                        <a:noFill/>
+                      </a:rPr>
+                      <a:t> </a:t>
+                    </a:r>
+                  </a:p>
+                </p:txBody>
+              </p:sp>
+            </mc:Fallback>
+          </mc:AlternateContent>
+          <mc:AlternateContent xmlns:mc="http://schemas.openxmlformats.org/markup-compatibility/2006" xmlns:a14="http://schemas.microsoft.com/office/drawing/2010/main">
+            <mc:Choice Requires="a14">
+              <p:sp>
+                <p:nvSpPr>
+                  <p:cNvPr id="24" name="TextBox 23">
+                    <a:extLst>
+                      <a:ext uri="{FF2B5EF4-FFF2-40B4-BE49-F238E27FC236}">
+                        <a16:creationId xmlns:a16="http://schemas.microsoft.com/office/drawing/2014/main" id="{A88670E6-C888-8AA3-7767-EDB262B85AA9}"/>
+                      </a:ext>
+                    </a:extLst>
+                  </p:cNvPr>
+                  <p:cNvSpPr txBox="1"/>
+                  <p:nvPr/>
+                </p:nvSpPr>
+                <p:spPr>
+                  <a:xfrm>
+                    <a:off x="3784857" y="2936431"/>
+                    <a:ext cx="643509" cy="523220"/>
+                  </a:xfrm>
+                  <a:prstGeom prst="rect">
+                    <a:avLst/>
+                  </a:prstGeom>
+                  <a:noFill/>
+                </p:spPr>
+                <p:txBody>
+                  <a:bodyPr wrap="none" rtlCol="0">
+                    <a:spAutoFit/>
+                  </a:bodyPr>
+                  <a:lstStyle/>
+                  <a:p>
+                    <a:pPr/>
+                    <a14:m>
+                      <m:oMathPara xmlns:m="http://schemas.openxmlformats.org/officeDocument/2006/math">
+                        <m:oMathParaPr>
+                          <m:jc m:val="centerGroup"/>
+                        </m:oMathParaPr>
+                        <m:oMath xmlns:m="http://schemas.openxmlformats.org/officeDocument/2006/math">
+                          <m:sSub>
+                            <m:sSubPr>
+                              <m:ctrlPr>
+                                <a:rPr lang="en-US" sz="2800" b="0" i="1" smtClean="0">
+                                  <a:latin typeface="Cambria Math" panose="02040503050406030204" pitchFamily="18" charset="0"/>
+                                </a:rPr>
+                              </m:ctrlPr>
+                            </m:sSubPr>
+                            <m:e>
+                              <m:r>
+                                <a:rPr lang="en-US" sz="2800" b="0" i="1" smtClean="0">
+                                  <a:latin typeface="Cambria Math" panose="02040503050406030204" pitchFamily="18" charset="0"/>
+                                </a:rPr>
+                                <m:t>𝛾</m:t>
+                              </m:r>
+                            </m:e>
+                            <m:sub>
+                              <m:r>
+                                <a:rPr lang="en-US" sz="2800" b="0" i="1" smtClean="0">
+                                  <a:latin typeface="Cambria Math" panose="02040503050406030204" pitchFamily="18" charset="0"/>
+                                </a:rPr>
+                                <m:t>𝐵</m:t>
+                              </m:r>
+                            </m:sub>
+                          </m:sSub>
+                        </m:oMath>
+                      </m:oMathPara>
+                    </a14:m>
+                    <a:endParaRPr lang="en-US" sz="2800" b="0" dirty="0"/>
+                  </a:p>
+                </p:txBody>
+              </p:sp>
+            </mc:Choice>
+            <mc:Fallback xmlns="">
+              <p:sp>
+                <p:nvSpPr>
+                  <p:cNvPr id="24" name="TextBox 23">
+                    <a:extLst>
+                      <a:ext uri="{FF2B5EF4-FFF2-40B4-BE49-F238E27FC236}">
+                        <a16:creationId xmlns:a16="http://schemas.microsoft.com/office/drawing/2014/main" id="{81C9719E-DD5F-816C-FC75-CE63173C88A7}"/>
+                      </a:ext>
+                    </a:extLst>
+                  </p:cNvPr>
+                  <p:cNvSpPr txBox="1">
+                    <a:spLocks noRot="1" noChangeAspect="1" noMove="1" noResize="1" noEditPoints="1" noAdjustHandles="1" noChangeArrowheads="1" noChangeShapeType="1" noTextEdit="1"/>
+                  </p:cNvSpPr>
+                  <p:nvPr/>
+                </p:nvSpPr>
+                <p:spPr>
+                  <a:xfrm>
+                    <a:off x="3784857" y="2936431"/>
+                    <a:ext cx="643509" cy="523220"/>
+                  </a:xfrm>
+                  <a:prstGeom prst="rect">
+                    <a:avLst/>
+                  </a:prstGeom>
+                  <a:blipFill>
+                    <a:blip r:embed="rId11"/>
+                    <a:stretch>
+                      <a:fillRect/>
+                    </a:stretch>
+                  </a:blipFill>
+                </p:spPr>
+                <p:txBody>
+                  <a:bodyPr/>
+                  <a:lstStyle/>
+                  <a:p>
+                    <a:r>
+                      <a:rPr lang="en-US">
+                        <a:noFill/>
+                      </a:rPr>
+                      <a:t> </a:t>
+                    </a:r>
+                  </a:p>
+                </p:txBody>
+              </p:sp>
+            </mc:Fallback>
+          </mc:AlternateContent>
+          <mc:AlternateContent xmlns:mc="http://schemas.openxmlformats.org/markup-compatibility/2006" xmlns:a14="http://schemas.microsoft.com/office/drawing/2010/main">
+            <mc:Choice Requires="a14">
+              <p:sp>
+                <p:nvSpPr>
+                  <p:cNvPr id="25" name="TextBox 24">
+                    <a:extLst>
+                      <a:ext uri="{FF2B5EF4-FFF2-40B4-BE49-F238E27FC236}">
+                        <a16:creationId xmlns:a16="http://schemas.microsoft.com/office/drawing/2014/main" id="{6BC65DDE-D8E1-8A7A-1BA3-3E818E40A92F}"/>
+                      </a:ext>
+                    </a:extLst>
+                  </p:cNvPr>
+                  <p:cNvSpPr txBox="1"/>
+                  <p:nvPr/>
+                </p:nvSpPr>
+                <p:spPr>
+                  <a:xfrm>
+                    <a:off x="3778254" y="4276864"/>
+                    <a:ext cx="845552" cy="523220"/>
+                  </a:xfrm>
+                  <a:prstGeom prst="rect">
+                    <a:avLst/>
+                  </a:prstGeom>
+                  <a:noFill/>
+                </p:spPr>
+                <p:txBody>
+                  <a:bodyPr wrap="none" rtlCol="0">
+                    <a:spAutoFit/>
+                  </a:bodyPr>
+                  <a:lstStyle/>
+                  <a:p>
+                    <a:pPr/>
+                    <a14:m>
+                      <m:oMathPara xmlns:m="http://schemas.openxmlformats.org/officeDocument/2006/math">
+                        <m:oMathParaPr>
+                          <m:jc m:val="centerGroup"/>
+                        </m:oMathParaPr>
+                        <m:oMath xmlns:m="http://schemas.openxmlformats.org/officeDocument/2006/math">
+                          <m:sSub>
+                            <m:sSubPr>
+                              <m:ctrlPr>
+                                <a:rPr lang="en-US" sz="2800" b="0" i="1" smtClean="0">
+                                  <a:latin typeface="Cambria Math" panose="02040503050406030204" pitchFamily="18" charset="0"/>
+                                </a:rPr>
+                              </m:ctrlPr>
+                            </m:sSubPr>
+                            <m:e>
+                              <m:r>
+                                <m:rPr>
+                                  <m:sty m:val="p"/>
+                                </m:rPr>
+                                <a:rPr lang="en-US" sz="2800" b="0" i="0" smtClean="0">
+                                  <a:latin typeface="Cambria Math" panose="02040503050406030204" pitchFamily="18" charset="0"/>
+                                </a:rPr>
+                                <m:t>Σ</m:t>
+                              </m:r>
+                            </m:e>
+                            <m:sub>
+                              <m:r>
+                                <a:rPr lang="en-US" sz="2800" b="0" i="1" smtClean="0">
+                                  <a:latin typeface="Cambria Math" panose="02040503050406030204" pitchFamily="18" charset="0"/>
+                                </a:rPr>
+                                <m:t>𝐵𝑂</m:t>
+                              </m:r>
+                            </m:sub>
+                          </m:sSub>
+                        </m:oMath>
+                      </m:oMathPara>
+                    </a14:m>
+                    <a:endParaRPr lang="en-US" sz="2800" b="0" dirty="0"/>
+                  </a:p>
+                </p:txBody>
+              </p:sp>
+            </mc:Choice>
+            <mc:Fallback xmlns="">
+              <p:sp>
+                <p:nvSpPr>
+                  <p:cNvPr id="25" name="TextBox 24">
+                    <a:extLst>
+                      <a:ext uri="{FF2B5EF4-FFF2-40B4-BE49-F238E27FC236}">
+                        <a16:creationId xmlns:a16="http://schemas.microsoft.com/office/drawing/2014/main" id="{04B9338E-9E54-BE82-988F-950C6B2D8C2D}"/>
+                      </a:ext>
+                    </a:extLst>
+                  </p:cNvPr>
+                  <p:cNvSpPr txBox="1">
+                    <a:spLocks noRot="1" noChangeAspect="1" noMove="1" noResize="1" noEditPoints="1" noAdjustHandles="1" noChangeArrowheads="1" noChangeShapeType="1" noTextEdit="1"/>
+                  </p:cNvSpPr>
+                  <p:nvPr/>
+                </p:nvSpPr>
+                <p:spPr>
+                  <a:xfrm>
+                    <a:off x="3778254" y="4276864"/>
+                    <a:ext cx="845552" cy="523220"/>
+                  </a:xfrm>
+                  <a:prstGeom prst="rect">
+                    <a:avLst/>
+                  </a:prstGeom>
+                  <a:blipFill>
+                    <a:blip r:embed="rId12"/>
+                    <a:stretch>
+                      <a:fillRect/>
+                    </a:stretch>
+                  </a:blipFill>
+                </p:spPr>
+                <p:txBody>
+                  <a:bodyPr/>
+                  <a:lstStyle/>
+                  <a:p>
+                    <a:r>
+                      <a:rPr lang="en-US">
+                        <a:noFill/>
+                      </a:rPr>
+                      <a:t> </a:t>
+                    </a:r>
+                  </a:p>
+                </p:txBody>
+              </p:sp>
+            </mc:Fallback>
+          </mc:AlternateContent>
+          <mc:AlternateContent xmlns:mc="http://schemas.openxmlformats.org/markup-compatibility/2006" xmlns:a14="http://schemas.microsoft.com/office/drawing/2010/main">
+            <mc:Choice Requires="a14">
+              <p:sp>
+                <p:nvSpPr>
+                  <p:cNvPr id="26" name="TextBox 25">
+                    <a:extLst>
+                      <a:ext uri="{FF2B5EF4-FFF2-40B4-BE49-F238E27FC236}">
+                        <a16:creationId xmlns:a16="http://schemas.microsoft.com/office/drawing/2014/main" id="{A3D65EEB-1736-6830-350F-A670FC552B9C}"/>
+                      </a:ext>
+                    </a:extLst>
+                  </p:cNvPr>
+                  <p:cNvSpPr txBox="1"/>
+                  <p:nvPr/>
+                </p:nvSpPr>
+                <p:spPr>
+                  <a:xfrm>
+                    <a:off x="1274055" y="4184791"/>
+                    <a:ext cx="822854" cy="523220"/>
+                  </a:xfrm>
+                  <a:prstGeom prst="rect">
+                    <a:avLst/>
+                  </a:prstGeom>
+                  <a:noFill/>
+                </p:spPr>
+                <p:txBody>
+                  <a:bodyPr wrap="none" rtlCol="0">
+                    <a:spAutoFit/>
+                  </a:bodyPr>
+                  <a:lstStyle/>
+                  <a:p>
+                    <a:pPr/>
+                    <a14:m>
+                      <m:oMathPara xmlns:m="http://schemas.openxmlformats.org/officeDocument/2006/math">
+                        <m:oMathParaPr>
+                          <m:jc m:val="centerGroup"/>
+                        </m:oMathParaPr>
+                        <m:oMath xmlns:m="http://schemas.openxmlformats.org/officeDocument/2006/math">
+                          <m:sSub>
+                            <m:sSubPr>
+                              <m:ctrlPr>
+                                <a:rPr lang="en-US" sz="2800" b="0" i="1" smtClean="0">
+                                  <a:latin typeface="Cambria Math" panose="02040503050406030204" pitchFamily="18" charset="0"/>
+                                </a:rPr>
+                              </m:ctrlPr>
+                            </m:sSubPr>
+                            <m:e>
+                              <m:r>
+                                <m:rPr>
+                                  <m:sty m:val="p"/>
+                                </m:rPr>
+                                <a:rPr lang="en-US" sz="2800" b="0" i="0" smtClean="0">
+                                  <a:latin typeface="Cambria Math" panose="02040503050406030204" pitchFamily="18" charset="0"/>
+                                </a:rPr>
+                                <m:t>Σ</m:t>
+                              </m:r>
+                            </m:e>
+                            <m:sub>
+                              <m:r>
+                                <a:rPr lang="en-US" sz="2800" b="0" i="1" smtClean="0">
+                                  <a:latin typeface="Cambria Math" panose="02040503050406030204" pitchFamily="18" charset="0"/>
+                                </a:rPr>
+                                <m:t>𝐴𝑂</m:t>
+                              </m:r>
+                            </m:sub>
+                          </m:sSub>
+                        </m:oMath>
+                      </m:oMathPara>
+                    </a14:m>
+                    <a:endParaRPr lang="en-US" sz="2800" b="0" dirty="0"/>
+                  </a:p>
+                </p:txBody>
+              </p:sp>
+            </mc:Choice>
+            <mc:Fallback xmlns="">
+              <p:sp>
+                <p:nvSpPr>
+                  <p:cNvPr id="26" name="TextBox 25">
+                    <a:extLst>
+                      <a:ext uri="{FF2B5EF4-FFF2-40B4-BE49-F238E27FC236}">
+                        <a16:creationId xmlns:a16="http://schemas.microsoft.com/office/drawing/2014/main" id="{DC4A7514-0D4E-B85E-B7AA-234987002CB2}"/>
+                      </a:ext>
+                    </a:extLst>
+                  </p:cNvPr>
+                  <p:cNvSpPr txBox="1">
+                    <a:spLocks noRot="1" noChangeAspect="1" noMove="1" noResize="1" noEditPoints="1" noAdjustHandles="1" noChangeArrowheads="1" noChangeShapeType="1" noTextEdit="1"/>
+                  </p:cNvSpPr>
+                  <p:nvPr/>
+                </p:nvSpPr>
+                <p:spPr>
+                  <a:xfrm>
+                    <a:off x="1274055" y="4184791"/>
+                    <a:ext cx="822854" cy="523220"/>
+                  </a:xfrm>
+                  <a:prstGeom prst="rect">
+                    <a:avLst/>
+                  </a:prstGeom>
+                  <a:blipFill>
+                    <a:blip r:embed="rId13"/>
+                    <a:stretch>
+                      <a:fillRect/>
+                    </a:stretch>
+                  </a:blipFill>
+                </p:spPr>
+                <p:txBody>
+                  <a:bodyPr/>
+                  <a:lstStyle/>
+                  <a:p>
+                    <a:r>
+                      <a:rPr lang="en-US">
+                        <a:noFill/>
+                      </a:rPr>
+                      <a:t> </a:t>
+                    </a:r>
+                  </a:p>
+                </p:txBody>
+              </p:sp>
+            </mc:Fallback>
+          </mc:AlternateContent>
+          <mc:AlternateContent xmlns:mc="http://schemas.openxmlformats.org/markup-compatibility/2006" xmlns:a14="http://schemas.microsoft.com/office/drawing/2010/main">
+            <mc:Choice Requires="a14">
+              <p:sp>
+                <p:nvSpPr>
+                  <p:cNvPr id="27" name="TextBox 26">
+                    <a:extLst>
+                      <a:ext uri="{FF2B5EF4-FFF2-40B4-BE49-F238E27FC236}">
+                        <a16:creationId xmlns:a16="http://schemas.microsoft.com/office/drawing/2014/main" id="{630657D5-64C6-57E2-7B15-89DE5C7AE1F5}"/>
+                      </a:ext>
+                    </a:extLst>
+                  </p:cNvPr>
+                  <p:cNvSpPr txBox="1"/>
+                  <p:nvPr/>
+                </p:nvSpPr>
+                <p:spPr>
+                  <a:xfrm>
+                    <a:off x="2134469" y="3672178"/>
+                    <a:ext cx="647677" cy="523220"/>
+                  </a:xfrm>
+                  <a:prstGeom prst="rect">
+                    <a:avLst/>
+                  </a:prstGeom>
+                  <a:noFill/>
+                </p:spPr>
+                <p:txBody>
+                  <a:bodyPr wrap="none" rtlCol="0">
+                    <a:spAutoFit/>
+                  </a:bodyPr>
+                  <a:lstStyle/>
+                  <a:p>
+                    <a:pPr/>
+                    <a14:m>
+                      <m:oMathPara xmlns:m="http://schemas.openxmlformats.org/officeDocument/2006/math">
+                        <m:oMathParaPr>
+                          <m:jc m:val="centerGroup"/>
+                        </m:oMathParaPr>
+                        <m:oMath xmlns:m="http://schemas.openxmlformats.org/officeDocument/2006/math">
+                          <m:sSub>
+                            <m:sSubPr>
+                              <m:ctrlPr>
+                                <a:rPr lang="en-US" sz="2800" b="0" i="1" smtClean="0">
+                                  <a:latin typeface="Cambria Math" panose="02040503050406030204" pitchFamily="18" charset="0"/>
+                                </a:rPr>
+                              </m:ctrlPr>
+                            </m:sSubPr>
+                            <m:e>
+                              <m:r>
+                                <a:rPr lang="en-US" sz="2800" b="0" i="1" smtClean="0">
+                                  <a:latin typeface="Cambria Math" panose="02040503050406030204" pitchFamily="18" charset="0"/>
+                                </a:rPr>
+                                <m:t>𝛾</m:t>
+                              </m:r>
+                            </m:e>
+                            <m:sub>
+                              <m:r>
+                                <a:rPr lang="en-US" sz="2800" b="0" i="1" smtClean="0">
+                                  <a:latin typeface="Cambria Math" panose="02040503050406030204" pitchFamily="18" charset="0"/>
+                                </a:rPr>
+                                <m:t>𝑂</m:t>
+                              </m:r>
+                            </m:sub>
+                          </m:sSub>
+                        </m:oMath>
+                      </m:oMathPara>
+                    </a14:m>
+                    <a:endParaRPr lang="en-US" sz="2800" b="0" dirty="0"/>
+                  </a:p>
+                </p:txBody>
+              </p:sp>
+            </mc:Choice>
+            <mc:Fallback xmlns="">
+              <p:sp>
+                <p:nvSpPr>
+                  <p:cNvPr id="27" name="TextBox 26">
+                    <a:extLst>
+                      <a:ext uri="{FF2B5EF4-FFF2-40B4-BE49-F238E27FC236}">
+                        <a16:creationId xmlns:a16="http://schemas.microsoft.com/office/drawing/2014/main" id="{81E62212-4ADE-E266-557D-9A0A0B0A6CF3}"/>
+                      </a:ext>
+                    </a:extLst>
+                  </p:cNvPr>
+                  <p:cNvSpPr txBox="1">
+                    <a:spLocks noRot="1" noChangeAspect="1" noMove="1" noResize="1" noEditPoints="1" noAdjustHandles="1" noChangeArrowheads="1" noChangeShapeType="1" noTextEdit="1"/>
+                  </p:cNvSpPr>
+                  <p:nvPr/>
+                </p:nvSpPr>
+                <p:spPr>
+                  <a:xfrm>
+                    <a:off x="2134469" y="3672178"/>
+                    <a:ext cx="647677" cy="523220"/>
+                  </a:xfrm>
+                  <a:prstGeom prst="rect">
+                    <a:avLst/>
+                  </a:prstGeom>
+                  <a:blipFill>
+                    <a:blip r:embed="rId14"/>
+                    <a:stretch>
+                      <a:fillRect/>
+                    </a:stretch>
+                  </a:blipFill>
+                </p:spPr>
+                <p:txBody>
+                  <a:bodyPr/>
+                  <a:lstStyle/>
+                  <a:p>
+                    <a:r>
+                      <a:rPr lang="en-US">
+                        <a:noFill/>
+                      </a:rPr>
+                      <a:t> </a:t>
+                    </a:r>
+                  </a:p>
+                </p:txBody>
+              </p:sp>
+            </mc:Fallback>
+          </mc:AlternateContent>
+        </p:grpSp>
+        <p:sp>
+          <p:nvSpPr>
+            <p:cNvPr id="16" name="Isosceles Triangle 15">
+              <a:extLst>
+                <a:ext uri="{FF2B5EF4-FFF2-40B4-BE49-F238E27FC236}">
+                  <a16:creationId xmlns:a16="http://schemas.microsoft.com/office/drawing/2014/main" id="{1D40B49E-086E-0432-6D65-525E37DBDA47}"/>
+                </a:ext>
+              </a:extLst>
+            </p:cNvPr>
+            <p:cNvSpPr/>
+            <p:nvPr/>
+          </p:nvSpPr>
+          <p:spPr>
+            <a:xfrm rot="4940850">
+              <a:off x="10116513" y="2365006"/>
+              <a:ext cx="178842" cy="160020"/>
+            </a:xfrm>
+            <a:prstGeom prst="triangle">
+              <a:avLst/>
+            </a:prstGeom>
+            <a:ln>
+              <a:noFill/>
+            </a:ln>
+          </p:spPr>
+          <p:style>
+            <a:lnRef idx="2">
+              <a:schemeClr val="accent1">
+                <a:shade val="15000"/>
+              </a:schemeClr>
+            </a:lnRef>
+            <a:fillRef idx="1">
+              <a:schemeClr val="accent1"/>
+            </a:fillRef>
+            <a:effectRef idx="0">
+              <a:schemeClr val="accent1"/>
+            </a:effectRef>
+            <a:fontRef idx="minor">
+              <a:schemeClr val="lt1"/>
+            </a:fontRef>
+          </p:style>
+          <p:txBody>
+            <a:bodyPr rtlCol="0" anchor="ctr"/>
+            <a:lstStyle/>
+            <a:p>
+              <a:pPr algn="ctr"/>
+              <a:endParaRPr lang="en-US"/>
+            </a:p>
+          </p:txBody>
+        </p:sp>
+        <p:sp>
+          <p:nvSpPr>
+            <p:cNvPr id="17" name="Isosceles Triangle 16">
+              <a:extLst>
+                <a:ext uri="{FF2B5EF4-FFF2-40B4-BE49-F238E27FC236}">
+                  <a16:creationId xmlns:a16="http://schemas.microsoft.com/office/drawing/2014/main" id="{03ADB9CC-D793-4CB0-DC4F-77AA84C69B64}"/>
+                </a:ext>
+              </a:extLst>
+            </p:cNvPr>
+            <p:cNvSpPr/>
+            <p:nvPr/>
+          </p:nvSpPr>
+          <p:spPr>
+            <a:xfrm rot="17040372">
+              <a:off x="8417053" y="2377577"/>
+              <a:ext cx="178842" cy="160020"/>
+            </a:xfrm>
+            <a:prstGeom prst="triangle">
+              <a:avLst/>
+            </a:prstGeom>
+            <a:ln>
+              <a:noFill/>
+            </a:ln>
+          </p:spPr>
+          <p:style>
+            <a:lnRef idx="2">
+              <a:schemeClr val="accent1">
+                <a:shade val="15000"/>
+              </a:schemeClr>
+            </a:lnRef>
+            <a:fillRef idx="1">
+              <a:schemeClr val="accent1"/>
+            </a:fillRef>
+            <a:effectRef idx="0">
+              <a:schemeClr val="accent1"/>
+            </a:effectRef>
+            <a:fontRef idx="minor">
+              <a:schemeClr val="lt1"/>
+            </a:fontRef>
+          </p:style>
+          <p:txBody>
+            <a:bodyPr rtlCol="0" anchor="ctr"/>
+            <a:lstStyle/>
+            <a:p>
+              <a:pPr algn="ctr"/>
+              <a:endParaRPr lang="en-US"/>
+            </a:p>
+          </p:txBody>
+        </p:sp>
+        <p:sp>
+          <p:nvSpPr>
+            <p:cNvPr id="18" name="Isosceles Triangle 17">
+              <a:extLst>
+                <a:ext uri="{FF2B5EF4-FFF2-40B4-BE49-F238E27FC236}">
+                  <a16:creationId xmlns:a16="http://schemas.microsoft.com/office/drawing/2014/main" id="{126E2185-5FD6-2152-E291-E72F3E3EA756}"/>
+                </a:ext>
+              </a:extLst>
+            </p:cNvPr>
+            <p:cNvSpPr/>
+            <p:nvPr/>
+          </p:nvSpPr>
+          <p:spPr>
+            <a:xfrm rot="684613">
+              <a:off x="9157674" y="3274844"/>
+              <a:ext cx="178842" cy="160020"/>
+            </a:xfrm>
+            <a:prstGeom prst="triangle">
+              <a:avLst/>
+            </a:prstGeom>
+            <a:ln>
+              <a:noFill/>
+            </a:ln>
+          </p:spPr>
+          <p:style>
+            <a:lnRef idx="2">
+              <a:schemeClr val="accent1">
+                <a:shade val="15000"/>
+              </a:schemeClr>
+            </a:lnRef>
+            <a:fillRef idx="1">
+              <a:schemeClr val="accent1"/>
+            </a:fillRef>
+            <a:effectRef idx="0">
+              <a:schemeClr val="accent1"/>
+            </a:effectRef>
+            <a:fontRef idx="minor">
+              <a:schemeClr val="lt1"/>
+            </a:fontRef>
+          </p:style>
+          <p:txBody>
+            <a:bodyPr rtlCol="0" anchor="ctr"/>
+            <a:lstStyle/>
+            <a:p>
+              <a:pPr algn="ctr"/>
+              <a:endParaRPr lang="en-US"/>
+            </a:p>
+          </p:txBody>
+        </p:sp>
+        <p:sp>
+          <p:nvSpPr>
+            <p:cNvPr id="19" name="Isosceles Triangle 18">
+              <a:extLst>
+                <a:ext uri="{FF2B5EF4-FFF2-40B4-BE49-F238E27FC236}">
+                  <a16:creationId xmlns:a16="http://schemas.microsoft.com/office/drawing/2014/main" id="{4EF2DE6B-9904-2887-D110-97D33C915542}"/>
+                </a:ext>
+              </a:extLst>
+            </p:cNvPr>
+            <p:cNvSpPr/>
+            <p:nvPr/>
+          </p:nvSpPr>
+          <p:spPr>
+            <a:xfrm rot="10800000">
+              <a:off x="8911333" y="3234473"/>
+              <a:ext cx="178842" cy="160020"/>
+            </a:xfrm>
+            <a:prstGeom prst="triangle">
+              <a:avLst/>
+            </a:prstGeom>
+            <a:ln>
+              <a:noFill/>
+            </a:ln>
+          </p:spPr>
+          <p:style>
+            <a:lnRef idx="2">
+              <a:schemeClr val="accent1">
+                <a:shade val="15000"/>
+              </a:schemeClr>
+            </a:lnRef>
+            <a:fillRef idx="1">
+              <a:schemeClr val="accent1"/>
+            </a:fillRef>
+            <a:effectRef idx="0">
+              <a:schemeClr val="accent1"/>
+            </a:effectRef>
+            <a:fontRef idx="minor">
+              <a:schemeClr val="lt1"/>
+            </a:fontRef>
+          </p:style>
+          <p:txBody>
+            <a:bodyPr rtlCol="0" anchor="ctr"/>
+            <a:lstStyle/>
+            <a:p>
+              <a:pPr algn="ctr"/>
+              <a:endParaRPr lang="en-US"/>
+            </a:p>
+          </p:txBody>
+        </p:sp>
+      </p:grpSp>
+      <p:sp>
+        <p:nvSpPr>
+          <p:cNvPr id="38" name="TextBox 37">
+            <a:extLst>
+              <a:ext uri="{FF2B5EF4-FFF2-40B4-BE49-F238E27FC236}">
+                <a16:creationId xmlns:a16="http://schemas.microsoft.com/office/drawing/2014/main" id="{B53562AB-A1F7-7A18-966D-ED4666E103D9}"/>
+              </a:ext>
+            </a:extLst>
+          </p:cNvPr>
+          <p:cNvSpPr txBox="1"/>
+          <p:nvPr/>
+        </p:nvSpPr>
+        <p:spPr>
+          <a:xfrm>
+            <a:off x="1176265" y="409531"/>
+            <a:ext cx="4150495" cy="769441"/>
+          </a:xfrm>
+          <a:prstGeom prst="rect">
+            <a:avLst/>
+          </a:prstGeom>
+          <a:noFill/>
+        </p:spPr>
+        <p:txBody>
+          <a:bodyPr wrap="none" rtlCol="0">
+            <a:spAutoFit/>
+          </a:bodyPr>
+          <a:lstStyle/>
+          <a:p>
+            <a:r>
+              <a:rPr lang="en-US" sz="4400" dirty="0"/>
+              <a:t>Scalar potential</a:t>
+            </a:r>
+          </a:p>
+        </p:txBody>
+      </p:sp>
+      <p:sp>
+        <p:nvSpPr>
+          <p:cNvPr id="39" name="TextBox 38">
+            <a:extLst>
+              <a:ext uri="{FF2B5EF4-FFF2-40B4-BE49-F238E27FC236}">
+                <a16:creationId xmlns:a16="http://schemas.microsoft.com/office/drawing/2014/main" id="{1CFA5128-E9BB-97E3-2F51-B097D6D80A37}"/>
+              </a:ext>
+            </a:extLst>
+          </p:cNvPr>
+          <p:cNvSpPr txBox="1"/>
+          <p:nvPr/>
+        </p:nvSpPr>
+        <p:spPr>
+          <a:xfrm>
+            <a:off x="6821760" y="409531"/>
+            <a:ext cx="4288353" cy="769441"/>
+          </a:xfrm>
+          <a:prstGeom prst="rect">
+            <a:avLst/>
+          </a:prstGeom>
+          <a:noFill/>
+        </p:spPr>
+        <p:txBody>
+          <a:bodyPr wrap="none" rtlCol="0">
+            <a:spAutoFit/>
+          </a:bodyPr>
+          <a:lstStyle/>
+          <a:p>
+            <a:r>
+              <a:rPr lang="en-US" sz="4400" dirty="0"/>
+              <a:t>Vector potential</a:t>
+            </a:r>
+          </a:p>
+        </p:txBody>
+      </p:sp>
+      <mc:AlternateContent xmlns:mc="http://schemas.openxmlformats.org/markup-compatibility/2006">
+        <mc:Choice xmlns:a14="http://schemas.microsoft.com/office/drawing/2010/main" Requires="a14">
+          <p:sp>
+            <p:nvSpPr>
+              <p:cNvPr id="22" name="TextBox 21">
+                <a:extLst>
+                  <a:ext uri="{FF2B5EF4-FFF2-40B4-BE49-F238E27FC236}">
+                    <a16:creationId xmlns:a16="http://schemas.microsoft.com/office/drawing/2014/main" id="{BFF8984F-3273-E83A-83D3-EDA3056EE72E}"/>
+                  </a:ext>
+                </a:extLst>
+              </p:cNvPr>
+              <p:cNvSpPr txBox="1"/>
+              <p:nvPr/>
+            </p:nvSpPr>
+            <p:spPr>
+              <a:xfrm>
+                <a:off x="6753463" y="5695128"/>
+                <a:ext cx="4017895" cy="694742"/>
+              </a:xfrm>
+              <a:prstGeom prst="rect">
+                <a:avLst/>
+              </a:prstGeom>
+              <a:noFill/>
+            </p:spPr>
+            <p:txBody>
+              <a:bodyPr wrap="none" rtlCol="0">
+                <a:spAutoFit/>
+              </a:bodyPr>
+              <a:lstStyle/>
+              <a:p>
+                <a14:m>
+                  <m:oMathPara xmlns:m="http://schemas.openxmlformats.org/officeDocument/2006/math">
+                    <m:oMathParaPr>
+                      <m:jc m:val="centerGroup"/>
+                    </m:oMathParaPr>
+                    <m:oMath xmlns:m="http://schemas.openxmlformats.org/officeDocument/2006/math">
+                      <m:nary>
+                        <m:naryPr>
+                          <m:supHide m:val="on"/>
+                          <m:ctrlPr>
+                            <a:rPr lang="en-US" b="0" i="1" smtClean="0">
+                              <a:latin typeface="Cambria Math" panose="02040503050406030204" pitchFamily="18" charset="0"/>
+                            </a:rPr>
+                          </m:ctrlPr>
+                        </m:naryPr>
+                        <m:sub>
+                          <m:sSub>
+                            <m:sSubPr>
+                              <m:ctrlPr>
+                                <a:rPr lang="en-US" b="0" i="1" smtClean="0">
+                                  <a:latin typeface="Cambria Math" panose="02040503050406030204" pitchFamily="18" charset="0"/>
+                                </a:rPr>
+                              </m:ctrlPr>
+                            </m:sSubPr>
+                            <m:e>
+                              <m:r>
+                                <a:rPr lang="en-US" b="0" i="1" smtClean="0">
+                                  <a:latin typeface="Cambria Math" panose="02040503050406030204" pitchFamily="18" charset="0"/>
+                                </a:rPr>
+                                <m:t>𝛾</m:t>
+                              </m:r>
+                            </m:e>
+                            <m:sub>
+                              <m:r>
+                                <a:rPr lang="en-US" b="0" i="1" smtClean="0">
+                                  <a:latin typeface="Cambria Math" panose="02040503050406030204" pitchFamily="18" charset="0"/>
+                                </a:rPr>
+                                <m:t>𝐵</m:t>
+                              </m:r>
+                            </m:sub>
+                          </m:sSub>
+                          <m:sSub>
+                            <m:sSubPr>
+                              <m:ctrlPr>
+                                <a:rPr lang="en-US" b="0" i="1" smtClean="0">
+                                  <a:latin typeface="Cambria Math" panose="02040503050406030204" pitchFamily="18" charset="0"/>
+                                </a:rPr>
+                              </m:ctrlPr>
+                            </m:sSubPr>
+                            <m:e>
+                              <m:r>
+                                <a:rPr lang="en-US" b="0" i="1" smtClean="0">
+                                  <a:latin typeface="Cambria Math" panose="02040503050406030204" pitchFamily="18" charset="0"/>
+                                </a:rPr>
+                                <m:t>𝛾</m:t>
+                              </m:r>
+                            </m:e>
+                            <m:sub>
+                              <m:r>
+                                <a:rPr lang="en-US" b="0" i="1" smtClean="0">
+                                  <a:latin typeface="Cambria Math" panose="02040503050406030204" pitchFamily="18" charset="0"/>
+                                </a:rPr>
+                                <m:t>𝑂</m:t>
+                              </m:r>
+                            </m:sub>
+                          </m:sSub>
+                        </m:sub>
+                        <m:sup/>
+                        <m:e>
+                          <m:acc>
+                            <m:accPr>
+                              <m:chr m:val="⃗"/>
+                              <m:ctrlPr>
+                                <a:rPr lang="en-US" b="0" i="1" smtClean="0">
+                                  <a:latin typeface="Cambria Math" panose="02040503050406030204" pitchFamily="18" charset="0"/>
+                                </a:rPr>
+                              </m:ctrlPr>
+                            </m:accPr>
+                            <m:e>
+                              <m:r>
+                                <a:rPr lang="en-US" b="0" i="1" smtClean="0">
+                                  <a:latin typeface="Cambria Math" panose="02040503050406030204" pitchFamily="18" charset="0"/>
+                                </a:rPr>
+                                <m:t>𝐴</m:t>
+                              </m:r>
+                            </m:e>
+                          </m:acc>
+                          <m:r>
+                            <a:rPr lang="en-US" b="0" i="1" smtClean="0">
+                              <a:latin typeface="Cambria Math" panose="02040503050406030204" pitchFamily="18" charset="0"/>
+                            </a:rPr>
+                            <m:t>⋅</m:t>
+                          </m:r>
+                          <m:r>
+                            <a:rPr lang="en-US" b="0" i="1" smtClean="0">
+                              <a:latin typeface="Cambria Math" panose="02040503050406030204" pitchFamily="18" charset="0"/>
+                            </a:rPr>
+                            <m:t>𝑑</m:t>
+                          </m:r>
+                          <m:acc>
+                            <m:accPr>
+                              <m:chr m:val="⃗"/>
+                              <m:ctrlPr>
+                                <a:rPr lang="en-US" b="0" i="1" smtClean="0">
+                                  <a:latin typeface="Cambria Math" panose="02040503050406030204" pitchFamily="18" charset="0"/>
+                                </a:rPr>
+                              </m:ctrlPr>
+                            </m:accPr>
+                            <m:e>
+                              <m:r>
+                                <a:rPr lang="en-US" b="0" i="1" smtClean="0">
+                                  <a:latin typeface="Cambria Math" panose="02040503050406030204" pitchFamily="18" charset="0"/>
+                                </a:rPr>
+                                <m:t>𝛾</m:t>
+                              </m:r>
+                            </m:e>
+                          </m:acc>
+                        </m:e>
+                      </m:nary>
+                      <m:r>
+                        <a:rPr lang="en-US" b="0" i="1" smtClean="0">
+                          <a:latin typeface="Cambria Math" panose="02040503050406030204" pitchFamily="18" charset="0"/>
+                        </a:rPr>
+                        <m:t>−</m:t>
+                      </m:r>
+                      <m:nary>
+                        <m:naryPr>
+                          <m:supHide m:val="on"/>
+                          <m:ctrlPr>
+                            <a:rPr lang="en-US" i="1">
+                              <a:latin typeface="Cambria Math" panose="02040503050406030204" pitchFamily="18" charset="0"/>
+                            </a:rPr>
+                          </m:ctrlPr>
+                        </m:naryPr>
+                        <m:sub>
+                          <m:sSub>
+                            <m:sSubPr>
+                              <m:ctrlPr>
+                                <a:rPr lang="en-US" i="1">
+                                  <a:latin typeface="Cambria Math" panose="02040503050406030204" pitchFamily="18" charset="0"/>
+                                </a:rPr>
+                              </m:ctrlPr>
+                            </m:sSubPr>
+                            <m:e>
+                              <m:r>
+                                <a:rPr lang="en-US" i="1">
+                                  <a:latin typeface="Cambria Math" panose="02040503050406030204" pitchFamily="18" charset="0"/>
+                                </a:rPr>
+                                <m:t>𝛾</m:t>
+                              </m:r>
+                            </m:e>
+                            <m:sub>
+                              <m:r>
+                                <a:rPr lang="en-US" b="0" i="1" smtClean="0">
+                                  <a:latin typeface="Cambria Math" panose="02040503050406030204" pitchFamily="18" charset="0"/>
+                                </a:rPr>
+                                <m:t>𝐴</m:t>
+                              </m:r>
+                            </m:sub>
+                          </m:sSub>
+                          <m:sSub>
+                            <m:sSubPr>
+                              <m:ctrlPr>
+                                <a:rPr lang="en-US" i="1">
+                                  <a:latin typeface="Cambria Math" panose="02040503050406030204" pitchFamily="18" charset="0"/>
+                                </a:rPr>
+                              </m:ctrlPr>
+                            </m:sSubPr>
+                            <m:e>
+                              <m:r>
+                                <a:rPr lang="en-US" i="1">
+                                  <a:latin typeface="Cambria Math" panose="02040503050406030204" pitchFamily="18" charset="0"/>
+                                </a:rPr>
+                                <m:t>𝛾</m:t>
+                              </m:r>
+                            </m:e>
+                            <m:sub>
+                              <m:r>
+                                <a:rPr lang="en-US" i="1">
+                                  <a:latin typeface="Cambria Math" panose="02040503050406030204" pitchFamily="18" charset="0"/>
+                                </a:rPr>
+                                <m:t>𝑂</m:t>
+                              </m:r>
+                            </m:sub>
+                          </m:sSub>
+                        </m:sub>
+                        <m:sup/>
+                        <m:e>
+                          <m:acc>
+                            <m:accPr>
+                              <m:chr m:val="⃗"/>
+                              <m:ctrlPr>
+                                <a:rPr lang="en-US" i="1">
+                                  <a:latin typeface="Cambria Math" panose="02040503050406030204" pitchFamily="18" charset="0"/>
+                                </a:rPr>
+                              </m:ctrlPr>
+                            </m:accPr>
+                            <m:e>
+                              <m:r>
+                                <a:rPr lang="en-US" i="1">
+                                  <a:latin typeface="Cambria Math" panose="02040503050406030204" pitchFamily="18" charset="0"/>
+                                </a:rPr>
+                                <m:t>𝐴</m:t>
+                              </m:r>
+                            </m:e>
+                          </m:acc>
+                          <m:r>
+                            <a:rPr lang="en-US" i="1">
+                              <a:latin typeface="Cambria Math" panose="02040503050406030204" pitchFamily="18" charset="0"/>
+                            </a:rPr>
+                            <m:t>⋅</m:t>
+                          </m:r>
+                          <m:r>
+                            <a:rPr lang="en-US" i="1">
+                              <a:latin typeface="Cambria Math" panose="02040503050406030204" pitchFamily="18" charset="0"/>
+                            </a:rPr>
+                            <m:t>𝑑</m:t>
+                          </m:r>
+                          <m:acc>
+                            <m:accPr>
+                              <m:chr m:val="⃗"/>
+                              <m:ctrlPr>
+                                <a:rPr lang="en-US" i="1">
+                                  <a:latin typeface="Cambria Math" panose="02040503050406030204" pitchFamily="18" charset="0"/>
+                                </a:rPr>
+                              </m:ctrlPr>
+                            </m:accPr>
+                            <m:e>
+                              <m:r>
+                                <a:rPr lang="en-US" i="1">
+                                  <a:latin typeface="Cambria Math" panose="02040503050406030204" pitchFamily="18" charset="0"/>
+                                </a:rPr>
+                                <m:t>𝛾</m:t>
+                              </m:r>
+                            </m:e>
+                          </m:acc>
+                        </m:e>
+                      </m:nary>
+                      <m:r>
+                        <a:rPr lang="en-US" b="0" i="1" smtClean="0">
+                          <a:latin typeface="Cambria Math" panose="02040503050406030204" pitchFamily="18" charset="0"/>
+                        </a:rPr>
+                        <m:t>=</m:t>
+                      </m:r>
+                      <m:nary>
+                        <m:naryPr>
+                          <m:chr m:val="∬"/>
+                          <m:supHide m:val="on"/>
+                          <m:ctrlPr>
+                            <a:rPr lang="en-US" b="0" i="1" smtClean="0">
+                              <a:latin typeface="Cambria Math" panose="02040503050406030204" pitchFamily="18" charset="0"/>
+                            </a:rPr>
+                          </m:ctrlPr>
+                        </m:naryPr>
+                        <m:sub>
+                          <m:r>
+                            <m:rPr>
+                              <m:sty m:val="p"/>
+                            </m:rPr>
+                            <a:rPr lang="en-US" b="0" i="0" smtClean="0">
+                              <a:latin typeface="Cambria Math" panose="02040503050406030204" pitchFamily="18" charset="0"/>
+                            </a:rPr>
+                            <m:t>Σ</m:t>
+                          </m:r>
+                        </m:sub>
+                        <m:sup/>
+                        <m:e>
+                          <m:acc>
+                            <m:accPr>
+                              <m:chr m:val="⃗"/>
+                              <m:ctrlPr>
+                                <a:rPr lang="en-US" b="0" i="1" smtClean="0">
+                                  <a:latin typeface="Cambria Math" panose="02040503050406030204" pitchFamily="18" charset="0"/>
+                                </a:rPr>
+                              </m:ctrlPr>
+                            </m:accPr>
+                            <m:e>
+                              <m:r>
+                                <a:rPr lang="en-US" b="0" i="1" smtClean="0">
+                                  <a:latin typeface="Cambria Math" panose="02040503050406030204" pitchFamily="18" charset="0"/>
+                                </a:rPr>
+                                <m:t>𝐵</m:t>
+                              </m:r>
+                            </m:e>
+                          </m:acc>
+                          <m:r>
+                            <a:rPr lang="en-US" b="0" i="1" smtClean="0">
+                              <a:latin typeface="Cambria Math" panose="02040503050406030204" pitchFamily="18" charset="0"/>
+                            </a:rPr>
+                            <m:t>⋅</m:t>
+                          </m:r>
+                          <m:acc>
+                            <m:accPr>
+                              <m:chr m:val="⃗"/>
+                              <m:ctrlPr>
+                                <a:rPr lang="en-US" b="0" i="1" smtClean="0">
+                                  <a:latin typeface="Cambria Math" panose="02040503050406030204" pitchFamily="18" charset="0"/>
+                                </a:rPr>
+                              </m:ctrlPr>
+                            </m:accPr>
+                            <m:e>
+                              <m:r>
+                                <a:rPr lang="en-US" i="1">
+                                  <a:latin typeface="Cambria Math" panose="02040503050406030204" pitchFamily="18" charset="0"/>
+                                </a:rPr>
+                                <m:t>𝑑</m:t>
+                              </m:r>
+                              <m:r>
+                                <m:rPr>
+                                  <m:sty m:val="p"/>
+                                </m:rPr>
+                                <a:rPr lang="en-US" b="0" i="0" smtClean="0">
+                                  <a:latin typeface="Cambria Math" panose="02040503050406030204" pitchFamily="18" charset="0"/>
+                                </a:rPr>
+                                <m:t>Σ</m:t>
+                              </m:r>
+                            </m:e>
+                          </m:acc>
+                        </m:e>
+                      </m:nary>
+                      <m:r>
+                        <a:rPr lang="en-US" b="0" i="0" smtClean="0">
+                          <a:latin typeface="Cambria Math" panose="02040503050406030204" pitchFamily="18" charset="0"/>
+                        </a:rPr>
+                        <m:t> </m:t>
+                      </m:r>
+                      <m:r>
+                        <a:rPr lang="en-US" b="0" i="1" smtClean="0">
+                          <a:latin typeface="Cambria Math" panose="02040503050406030204" pitchFamily="18" charset="0"/>
+                        </a:rPr>
+                        <m:t> </m:t>
+                      </m:r>
+                    </m:oMath>
+                  </m:oMathPara>
+                </a14:m>
+                <a:endParaRPr lang="en-US" dirty="0"/>
+              </a:p>
+            </p:txBody>
+          </p:sp>
+        </mc:Choice>
+        <mc:Fallback>
+          <p:sp>
+            <p:nvSpPr>
+              <p:cNvPr id="22" name="TextBox 21">
+                <a:extLst>
+                  <a:ext uri="{FF2B5EF4-FFF2-40B4-BE49-F238E27FC236}">
+                    <a16:creationId xmlns:a16="http://schemas.microsoft.com/office/drawing/2014/main" id="{BFF8984F-3273-E83A-83D3-EDA3056EE72E}"/>
+                  </a:ext>
+                </a:extLst>
+              </p:cNvPr>
+              <p:cNvSpPr txBox="1">
+                <a:spLocks noRot="1" noChangeAspect="1" noMove="1" noResize="1" noEditPoints="1" noAdjustHandles="1" noChangeArrowheads="1" noChangeShapeType="1" noTextEdit="1"/>
+              </p:cNvSpPr>
+              <p:nvPr/>
+            </p:nvSpPr>
+            <p:spPr>
+              <a:xfrm>
+                <a:off x="6753463" y="5695128"/>
+                <a:ext cx="4017895" cy="694742"/>
+              </a:xfrm>
+              <a:prstGeom prst="rect">
+                <a:avLst/>
+              </a:prstGeom>
+              <a:blipFill>
+                <a:blip r:embed="rId15"/>
+                <a:stretch>
+                  <a:fillRect/>
+                </a:stretch>
+              </a:blipFill>
+            </p:spPr>
+            <p:txBody>
+              <a:bodyPr/>
+              <a:lstStyle/>
+              <a:p>
+                <a:r>
+                  <a:rPr lang="en-US">
+                    <a:noFill/>
+                  </a:rPr>
+                  <a:t> </a:t>
+                </a:r>
+              </a:p>
+            </p:txBody>
+          </p:sp>
+        </mc:Fallback>
+      </mc:AlternateContent>
+      <mc:AlternateContent xmlns:mc="http://schemas.openxmlformats.org/markup-compatibility/2006">
+        <mc:Choice xmlns:a14="http://schemas.microsoft.com/office/drawing/2010/main" Requires="a14">
+          <p:sp>
+            <p:nvSpPr>
+              <p:cNvPr id="40" name="TextBox 39">
+                <a:extLst>
+                  <a:ext uri="{FF2B5EF4-FFF2-40B4-BE49-F238E27FC236}">
+                    <a16:creationId xmlns:a16="http://schemas.microsoft.com/office/drawing/2014/main" id="{AFB7E450-F1B5-752E-95CD-7C792B68E790}"/>
+                  </a:ext>
+                </a:extLst>
+              </p:cNvPr>
+              <p:cNvSpPr txBox="1"/>
+              <p:nvPr/>
+            </p:nvSpPr>
+            <p:spPr>
+              <a:xfrm>
+                <a:off x="4515066" y="4547252"/>
+                <a:ext cx="2766719" cy="691408"/>
+              </a:xfrm>
+              <a:prstGeom prst="rect">
+                <a:avLst/>
+              </a:prstGeom>
+              <a:noFill/>
+            </p:spPr>
+            <p:txBody>
+              <a:bodyPr wrap="none" rtlCol="0">
+                <a:spAutoFit/>
+              </a:bodyPr>
+              <a:lstStyle/>
+              <a:p>
+                <a14:m>
+                  <m:oMathPara xmlns:m="http://schemas.openxmlformats.org/officeDocument/2006/math">
+                    <m:oMathParaPr>
+                      <m:jc m:val="centerGroup"/>
+                    </m:oMathParaPr>
+                    <m:oMath xmlns:m="http://schemas.openxmlformats.org/officeDocument/2006/math">
+                      <m:r>
+                        <a:rPr lang="en-US" b="0" i="1" smtClean="0">
+                          <a:latin typeface="Cambria Math" panose="02040503050406030204" pitchFamily="18" charset="0"/>
+                        </a:rPr>
+                        <m:t>𝑉</m:t>
+                      </m:r>
+                      <m:d>
+                        <m:dPr>
+                          <m:ctrlPr>
+                            <a:rPr lang="en-US" b="0" i="1" smtClean="0">
+                              <a:latin typeface="Cambria Math" panose="02040503050406030204" pitchFamily="18" charset="0"/>
+                            </a:rPr>
+                          </m:ctrlPr>
+                        </m:dPr>
+                        <m:e>
+                          <m:sSub>
+                            <m:sSubPr>
+                              <m:ctrlPr>
+                                <a:rPr lang="en-US" b="0" i="1" smtClean="0">
+                                  <a:latin typeface="Cambria Math" panose="02040503050406030204" pitchFamily="18" charset="0"/>
+                                </a:rPr>
+                              </m:ctrlPr>
+                            </m:sSubPr>
+                            <m:e>
+                              <m:r>
+                                <a:rPr lang="en-US" b="0" i="1" smtClean="0">
+                                  <a:latin typeface="Cambria Math" panose="02040503050406030204" pitchFamily="18" charset="0"/>
+                                </a:rPr>
+                                <m:t>𝑃</m:t>
+                              </m:r>
+                            </m:e>
+                            <m:sub>
+                              <m:r>
+                                <a:rPr lang="en-US" b="0" i="1" smtClean="0">
+                                  <a:latin typeface="Cambria Math" panose="02040503050406030204" pitchFamily="18" charset="0"/>
+                                </a:rPr>
+                                <m:t>𝐵</m:t>
+                              </m:r>
+                            </m:sub>
+                          </m:sSub>
+                        </m:e>
+                      </m:d>
+                      <m:r>
+                        <a:rPr lang="en-US" b="0" i="1" smtClean="0">
+                          <a:latin typeface="Cambria Math" panose="02040503050406030204" pitchFamily="18" charset="0"/>
+                        </a:rPr>
+                        <m:t>−</m:t>
+                      </m:r>
+                      <m:r>
+                        <a:rPr lang="en-US" b="0" i="1" smtClean="0">
+                          <a:latin typeface="Cambria Math" panose="02040503050406030204" pitchFamily="18" charset="0"/>
+                        </a:rPr>
+                        <m:t>𝑉</m:t>
+                      </m:r>
+                      <m:d>
+                        <m:dPr>
+                          <m:ctrlPr>
+                            <a:rPr lang="en-US" b="0" i="1" smtClean="0">
+                              <a:latin typeface="Cambria Math" panose="02040503050406030204" pitchFamily="18" charset="0"/>
+                            </a:rPr>
+                          </m:ctrlPr>
+                        </m:dPr>
+                        <m:e>
+                          <m:sSub>
+                            <m:sSubPr>
+                              <m:ctrlPr>
+                                <a:rPr lang="en-US" b="0" i="1" smtClean="0">
+                                  <a:latin typeface="Cambria Math" panose="02040503050406030204" pitchFamily="18" charset="0"/>
+                                </a:rPr>
+                              </m:ctrlPr>
+                            </m:sSubPr>
+                            <m:e>
+                              <m:r>
+                                <a:rPr lang="en-US" b="0" i="1" smtClean="0">
+                                  <a:latin typeface="Cambria Math" panose="02040503050406030204" pitchFamily="18" charset="0"/>
+                                </a:rPr>
+                                <m:t>𝑃</m:t>
+                              </m:r>
+                            </m:e>
+                            <m:sub>
+                              <m:r>
+                                <a:rPr lang="en-US" b="0" i="1" smtClean="0">
+                                  <a:latin typeface="Cambria Math" panose="02040503050406030204" pitchFamily="18" charset="0"/>
+                                </a:rPr>
+                                <m:t>𝐴</m:t>
+                              </m:r>
+                            </m:sub>
+                          </m:sSub>
+                        </m:e>
+                      </m:d>
+                      <m:r>
+                        <a:rPr lang="en-US" b="0" i="1" smtClean="0">
+                          <a:latin typeface="Cambria Math" panose="02040503050406030204" pitchFamily="18" charset="0"/>
+                        </a:rPr>
+                        <m:t>=</m:t>
+                      </m:r>
+                      <m:nary>
+                        <m:naryPr>
+                          <m:supHide m:val="on"/>
+                          <m:ctrlPr>
+                            <a:rPr lang="en-US" i="1">
+                              <a:latin typeface="Cambria Math" panose="02040503050406030204" pitchFamily="18" charset="0"/>
+                            </a:rPr>
+                          </m:ctrlPr>
+                        </m:naryPr>
+                        <m:sub>
+                          <m:r>
+                            <a:rPr lang="en-US" b="0" i="1" smtClean="0">
+                              <a:latin typeface="Cambria Math" panose="02040503050406030204" pitchFamily="18" charset="0"/>
+                            </a:rPr>
+                            <m:t>𝛾</m:t>
+                          </m:r>
+                        </m:sub>
+                        <m:sup/>
+                        <m:e>
+                          <m:acc>
+                            <m:accPr>
+                              <m:chr m:val="⃗"/>
+                              <m:ctrlPr>
+                                <a:rPr lang="en-US" i="1">
+                                  <a:latin typeface="Cambria Math" panose="02040503050406030204" pitchFamily="18" charset="0"/>
+                                </a:rPr>
+                              </m:ctrlPr>
+                            </m:accPr>
+                            <m:e>
+                              <m:r>
+                                <a:rPr lang="en-US" b="0" i="1" smtClean="0">
+                                  <a:latin typeface="Cambria Math" panose="02040503050406030204" pitchFamily="18" charset="0"/>
+                                </a:rPr>
+                                <m:t>𝐹</m:t>
+                              </m:r>
+                            </m:e>
+                          </m:acc>
+                          <m:r>
+                            <a:rPr lang="en-US" i="1">
+                              <a:latin typeface="Cambria Math" panose="02040503050406030204" pitchFamily="18" charset="0"/>
+                            </a:rPr>
+                            <m:t>⋅</m:t>
+                          </m:r>
+                          <m:r>
+                            <a:rPr lang="en-US" i="1">
+                              <a:latin typeface="Cambria Math" panose="02040503050406030204" pitchFamily="18" charset="0"/>
+                            </a:rPr>
+                            <m:t>𝑑</m:t>
+                          </m:r>
+                          <m:acc>
+                            <m:accPr>
+                              <m:chr m:val="⃗"/>
+                              <m:ctrlPr>
+                                <a:rPr lang="en-US" i="1">
+                                  <a:latin typeface="Cambria Math" panose="02040503050406030204" pitchFamily="18" charset="0"/>
+                                </a:rPr>
+                              </m:ctrlPr>
+                            </m:accPr>
+                            <m:e>
+                              <m:r>
+                                <a:rPr lang="en-US" i="1">
+                                  <a:latin typeface="Cambria Math" panose="02040503050406030204" pitchFamily="18" charset="0"/>
+                                </a:rPr>
+                                <m:t>𝛾</m:t>
+                              </m:r>
+                            </m:e>
+                          </m:acc>
+                        </m:e>
+                      </m:nary>
+                    </m:oMath>
+                  </m:oMathPara>
+                </a14:m>
+                <a:endParaRPr lang="en-US" dirty="0"/>
+              </a:p>
+            </p:txBody>
+          </p:sp>
+        </mc:Choice>
+        <mc:Fallback>
+          <p:sp>
+            <p:nvSpPr>
+              <p:cNvPr id="40" name="TextBox 39">
+                <a:extLst>
+                  <a:ext uri="{FF2B5EF4-FFF2-40B4-BE49-F238E27FC236}">
+                    <a16:creationId xmlns:a16="http://schemas.microsoft.com/office/drawing/2014/main" id="{AFB7E450-F1B5-752E-95CD-7C792B68E790}"/>
+                  </a:ext>
+                </a:extLst>
+              </p:cNvPr>
+              <p:cNvSpPr txBox="1">
+                <a:spLocks noRot="1" noChangeAspect="1" noMove="1" noResize="1" noEditPoints="1" noAdjustHandles="1" noChangeArrowheads="1" noChangeShapeType="1" noTextEdit="1"/>
+              </p:cNvSpPr>
+              <p:nvPr/>
+            </p:nvSpPr>
+            <p:spPr>
+              <a:xfrm>
+                <a:off x="4515066" y="4547252"/>
+                <a:ext cx="2766719" cy="691408"/>
+              </a:xfrm>
+              <a:prstGeom prst="rect">
+                <a:avLst/>
+              </a:prstGeom>
+              <a:blipFill>
+                <a:blip r:embed="rId16"/>
+                <a:stretch>
+                  <a:fillRect/>
+                </a:stretch>
+              </a:blipFill>
+            </p:spPr>
+            <p:txBody>
+              <a:bodyPr/>
+              <a:lstStyle/>
+              <a:p>
+                <a:r>
+                  <a:rPr lang="en-US">
+                    <a:noFill/>
+                  </a:rPr>
+                  <a:t> </a:t>
+                </a:r>
+              </a:p>
+            </p:txBody>
+          </p:sp>
+        </mc:Fallback>
+      </mc:AlternateContent>
+    </p:spTree>
+    <p:extLst>
+      <p:ext uri="{BB962C8B-B14F-4D97-AF65-F5344CB8AC3E}">
+        <p14:creationId xmlns:p14="http://schemas.microsoft.com/office/powerpoint/2010/main" val="3678652014"/>
+      </p:ext>
+    </p:extLst>
+  </p:cSld>
+  <p:clrMapOvr>
+    <a:masterClrMapping/>
+  </p:clrMapOvr>
+</p:sld>
+</file>
+
+<file path=ppt/slides/slide14.xml><?xml version="1.0" encoding="utf-8"?>
+<p:sld xmlns:a="http://schemas.openxmlformats.org/drawingml/2006/main" xmlns:r="http://schemas.openxmlformats.org/officeDocument/2006/relationships" xmlns:p="http://schemas.openxmlformats.org/presentationml/2006/main">
+  <p:cSld>
+    <p:spTree>
+      <p:nvGrpSpPr>
+        <p:cNvPr id="1" name="">
+          <a:extLst>
+            <a:ext uri="{FF2B5EF4-FFF2-40B4-BE49-F238E27FC236}">
+              <a16:creationId xmlns:a16="http://schemas.microsoft.com/office/drawing/2014/main" id="{1F9217D5-5C4B-5882-E18B-14BDD8D1E110}"/>
+            </a:ext>
+          </a:extLst>
+        </p:cNvPr>
+        <p:cNvGrpSpPr/>
+        <p:nvPr/>
+      </p:nvGrpSpPr>
+      <p:grpSpPr>
+        <a:xfrm>
+          <a:off x="0" y="0"/>
+          <a:ext cx="0" cy="0"/>
+          <a:chOff x="0" y="0"/>
+          <a:chExt cx="0" cy="0"/>
+        </a:xfrm>
+      </p:grpSpPr>
+      <p:grpSp>
+        <p:nvGrpSpPr>
+          <p:cNvPr id="2" name="Group 1">
+            <a:extLst>
+              <a:ext uri="{FF2B5EF4-FFF2-40B4-BE49-F238E27FC236}">
+                <a16:creationId xmlns:a16="http://schemas.microsoft.com/office/drawing/2014/main" id="{4116A96C-A590-AC04-3199-4C5F870F6623}"/>
+              </a:ext>
+            </a:extLst>
+          </p:cNvPr>
+          <p:cNvGrpSpPr/>
+          <p:nvPr/>
+        </p:nvGrpSpPr>
+        <p:grpSpPr>
+          <a:xfrm>
+            <a:off x="918622" y="1237466"/>
+            <a:ext cx="4239462" cy="4161364"/>
+            <a:chOff x="7537708" y="528483"/>
+            <a:chExt cx="3948431" cy="3875694"/>
+          </a:xfrm>
+        </p:grpSpPr>
+        <p:cxnSp>
+          <p:nvCxnSpPr>
+            <p:cNvPr id="3" name="Straight Connector 2">
+              <a:extLst>
+                <a:ext uri="{FF2B5EF4-FFF2-40B4-BE49-F238E27FC236}">
+                  <a16:creationId xmlns:a16="http://schemas.microsoft.com/office/drawing/2014/main" id="{66E8C1ED-AE2F-29CD-7E5C-97A8ECF3ECA6}"/>
+                </a:ext>
+              </a:extLst>
+            </p:cNvPr>
+            <p:cNvCxnSpPr>
+              <a:cxnSpLocks/>
+            </p:cNvCxnSpPr>
+            <p:nvPr/>
+          </p:nvCxnSpPr>
+          <p:spPr>
+            <a:xfrm>
+              <a:off x="8175625" y="1984375"/>
+              <a:ext cx="1597025" cy="1989487"/>
+            </a:xfrm>
+            <a:prstGeom prst="line">
+              <a:avLst/>
+            </a:prstGeom>
+            <a:noFill/>
+            <a:ln w="38100">
+              <a:solidFill>
+                <a:schemeClr val="accent5"/>
+              </a:solidFill>
+            </a:ln>
+          </p:spPr>
+          <p:style>
+            <a:lnRef idx="2">
+              <a:schemeClr val="accent1">
+                <a:shade val="15000"/>
+              </a:schemeClr>
+            </a:lnRef>
+            <a:fillRef idx="1">
+              <a:schemeClr val="accent1"/>
+            </a:fillRef>
+            <a:effectRef idx="0">
+              <a:schemeClr val="accent1"/>
+            </a:effectRef>
+            <a:fontRef idx="minor">
+              <a:schemeClr val="lt1"/>
+            </a:fontRef>
+          </p:style>
+        </p:cxnSp>
+        <p:cxnSp>
+          <p:nvCxnSpPr>
+            <p:cNvPr id="4" name="Straight Connector 3">
+              <a:extLst>
+                <a:ext uri="{FF2B5EF4-FFF2-40B4-BE49-F238E27FC236}">
+                  <a16:creationId xmlns:a16="http://schemas.microsoft.com/office/drawing/2014/main" id="{503CAD24-6D7C-D549-1C15-1AA26DEFEAC7}"/>
+                </a:ext>
+              </a:extLst>
+            </p:cNvPr>
+            <p:cNvCxnSpPr>
+              <a:cxnSpLocks/>
+            </p:cNvCxnSpPr>
+            <p:nvPr/>
+          </p:nvCxnSpPr>
+          <p:spPr>
+            <a:xfrm flipV="1">
+              <a:off x="9772650" y="1142999"/>
+              <a:ext cx="1611630" cy="2830863"/>
+            </a:xfrm>
+            <a:prstGeom prst="line">
+              <a:avLst/>
+            </a:prstGeom>
+            <a:noFill/>
+            <a:ln w="38100">
+              <a:solidFill>
+                <a:schemeClr val="accent5"/>
+              </a:solidFill>
+            </a:ln>
+          </p:spPr>
+          <p:style>
+            <a:lnRef idx="2">
+              <a:schemeClr val="accent1">
+                <a:shade val="15000"/>
+              </a:schemeClr>
+            </a:lnRef>
+            <a:fillRef idx="1">
+              <a:schemeClr val="accent1"/>
+            </a:fillRef>
+            <a:effectRef idx="0">
+              <a:schemeClr val="accent1"/>
+            </a:effectRef>
+            <a:fontRef idx="minor">
+              <a:schemeClr val="lt1"/>
+            </a:fontRef>
+          </p:style>
+        </p:cxnSp>
+        <mc:AlternateContent xmlns:mc="http://schemas.openxmlformats.org/markup-compatibility/2006" xmlns:a14="http://schemas.microsoft.com/office/drawing/2010/main">
+          <mc:Choice Requires="a14">
+            <p:sp>
+              <p:nvSpPr>
+                <p:cNvPr id="5" name="TextBox 4">
+                  <a:extLst>
+                    <a:ext uri="{FF2B5EF4-FFF2-40B4-BE49-F238E27FC236}">
+                      <a16:creationId xmlns:a16="http://schemas.microsoft.com/office/drawing/2014/main" id="{9D122646-244A-3BD5-81C4-A107AE4BA518}"/>
+                    </a:ext>
+                  </a:extLst>
+                </p:cNvPr>
+                <p:cNvSpPr txBox="1"/>
+                <p:nvPr/>
+              </p:nvSpPr>
+              <p:spPr>
+                <a:xfrm>
+                  <a:off x="7537708" y="1478280"/>
+                  <a:ext cx="623312" cy="523220"/>
+                </a:xfrm>
+                <a:prstGeom prst="rect">
+                  <a:avLst/>
+                </a:prstGeom>
+                <a:noFill/>
+              </p:spPr>
+              <p:txBody>
+                <a:bodyPr wrap="none" rtlCol="0">
+                  <a:spAutoFit/>
+                </a:bodyPr>
+                <a:lstStyle/>
+                <a:p>
+                  <a:pPr/>
+                  <a14:m>
+                    <m:oMathPara xmlns:m="http://schemas.openxmlformats.org/officeDocument/2006/math">
+                      <m:oMathParaPr>
+                        <m:jc m:val="centerGroup"/>
+                      </m:oMathParaPr>
+                      <m:oMath xmlns:m="http://schemas.openxmlformats.org/officeDocument/2006/math">
+                        <m:sSub>
+                          <m:sSubPr>
+                            <m:ctrlPr>
+                              <a:rPr lang="en-US" sz="2800" b="0" i="1" smtClean="0">
+                                <a:latin typeface="Cambria Math" panose="02040503050406030204" pitchFamily="18" charset="0"/>
+                              </a:rPr>
+                            </m:ctrlPr>
+                          </m:sSubPr>
+                          <m:e>
+                            <m:r>
+                              <a:rPr lang="en-US" sz="2800" b="0" i="1" smtClean="0">
+                                <a:latin typeface="Cambria Math" panose="02040503050406030204" pitchFamily="18" charset="0"/>
+                              </a:rPr>
+                              <m:t>𝑃</m:t>
+                            </m:r>
+                          </m:e>
+                          <m:sub>
+                            <m:r>
+                              <a:rPr lang="en-US" sz="2800" b="0" i="1" smtClean="0">
+                                <a:latin typeface="Cambria Math" panose="02040503050406030204" pitchFamily="18" charset="0"/>
+                              </a:rPr>
+                              <m:t>𝐴</m:t>
+                            </m:r>
+                          </m:sub>
+                        </m:sSub>
+                      </m:oMath>
+                    </m:oMathPara>
+                  </a14:m>
+                  <a:endParaRPr lang="en-US" sz="2800" b="0" dirty="0"/>
+                </a:p>
+              </p:txBody>
+            </p:sp>
+          </mc:Choice>
+          <mc:Fallback xmlns="">
+            <p:sp>
+              <p:nvSpPr>
+                <p:cNvPr id="5" name="TextBox 4">
+                  <a:extLst>
+                    <a:ext uri="{FF2B5EF4-FFF2-40B4-BE49-F238E27FC236}">
+                      <a16:creationId xmlns:a16="http://schemas.microsoft.com/office/drawing/2014/main" id="{281B7C11-DD8D-15A1-EB61-64AAC62D55AA}"/>
+                    </a:ext>
+                  </a:extLst>
+                </p:cNvPr>
+                <p:cNvSpPr txBox="1">
+                  <a:spLocks noRot="1" noChangeAspect="1" noMove="1" noResize="1" noEditPoints="1" noAdjustHandles="1" noChangeArrowheads="1" noChangeShapeType="1" noTextEdit="1"/>
+                </p:cNvSpPr>
+                <p:nvPr/>
+              </p:nvSpPr>
+              <p:spPr>
+                <a:xfrm>
+                  <a:off x="7537708" y="1478280"/>
+                  <a:ext cx="623312" cy="523220"/>
+                </a:xfrm>
+                <a:prstGeom prst="rect">
+                  <a:avLst/>
+                </a:prstGeom>
+                <a:blipFill>
+                  <a:blip r:embed="rId2"/>
+                  <a:stretch>
+                    <a:fillRect/>
+                  </a:stretch>
+                </a:blipFill>
+              </p:spPr>
+              <p:txBody>
+                <a:bodyPr/>
+                <a:lstStyle/>
+                <a:p>
+                  <a:r>
+                    <a:rPr lang="en-US">
+                      <a:noFill/>
+                    </a:rPr>
+                    <a:t> </a:t>
+                  </a:r>
+                </a:p>
+              </p:txBody>
+            </p:sp>
+          </mc:Fallback>
+        </mc:AlternateContent>
+        <mc:AlternateContent xmlns:mc="http://schemas.openxmlformats.org/markup-compatibility/2006" xmlns:a14="http://schemas.microsoft.com/office/drawing/2010/main">
+          <mc:Choice Requires="a14">
+            <p:sp>
+              <p:nvSpPr>
+                <p:cNvPr id="6" name="TextBox 5">
+                  <a:extLst>
+                    <a:ext uri="{FF2B5EF4-FFF2-40B4-BE49-F238E27FC236}">
+                      <a16:creationId xmlns:a16="http://schemas.microsoft.com/office/drawing/2014/main" id="{D05113A3-C84C-1ABB-51DB-B0C765CCCC05}"/>
+                    </a:ext>
+                  </a:extLst>
+                </p:cNvPr>
+                <p:cNvSpPr txBox="1"/>
+                <p:nvPr/>
+              </p:nvSpPr>
+              <p:spPr>
+                <a:xfrm>
+                  <a:off x="10835641" y="643882"/>
+                  <a:ext cx="650498" cy="523220"/>
+                </a:xfrm>
+                <a:prstGeom prst="rect">
+                  <a:avLst/>
+                </a:prstGeom>
+                <a:noFill/>
+              </p:spPr>
+              <p:txBody>
+                <a:bodyPr wrap="none" rtlCol="0">
+                  <a:spAutoFit/>
+                </a:bodyPr>
+                <a:lstStyle/>
+                <a:p>
+                  <a:pPr/>
+                  <a14:m>
+                    <m:oMathPara xmlns:m="http://schemas.openxmlformats.org/officeDocument/2006/math">
+                      <m:oMathParaPr>
+                        <m:jc m:val="centerGroup"/>
+                      </m:oMathParaPr>
+                      <m:oMath xmlns:m="http://schemas.openxmlformats.org/officeDocument/2006/math">
+                        <m:sSub>
+                          <m:sSubPr>
+                            <m:ctrlPr>
+                              <a:rPr lang="en-US" sz="2800" b="0" i="1" smtClean="0">
+                                <a:latin typeface="Cambria Math" panose="02040503050406030204" pitchFamily="18" charset="0"/>
+                              </a:rPr>
+                            </m:ctrlPr>
+                          </m:sSubPr>
+                          <m:e>
+                            <m:r>
+                              <a:rPr lang="en-US" sz="2800" b="0" i="1" smtClean="0">
+                                <a:latin typeface="Cambria Math" panose="02040503050406030204" pitchFamily="18" charset="0"/>
+                              </a:rPr>
+                              <m:t>𝑃</m:t>
+                            </m:r>
+                          </m:e>
+                          <m:sub>
+                            <m:r>
+                              <a:rPr lang="en-US" sz="2800" b="0" i="1" smtClean="0">
+                                <a:latin typeface="Cambria Math" panose="02040503050406030204" pitchFamily="18" charset="0"/>
+                              </a:rPr>
+                              <m:t>𝐵</m:t>
+                            </m:r>
+                          </m:sub>
+                        </m:sSub>
+                      </m:oMath>
+                    </m:oMathPara>
+                  </a14:m>
+                  <a:endParaRPr lang="en-US" sz="2800" b="0" dirty="0"/>
+                </a:p>
+              </p:txBody>
+            </p:sp>
+          </mc:Choice>
+          <mc:Fallback xmlns="">
+            <p:sp>
+              <p:nvSpPr>
+                <p:cNvPr id="6" name="TextBox 5">
+                  <a:extLst>
+                    <a:ext uri="{FF2B5EF4-FFF2-40B4-BE49-F238E27FC236}">
+                      <a16:creationId xmlns:a16="http://schemas.microsoft.com/office/drawing/2014/main" id="{ED5FE76E-F32B-922D-06EE-79557219E7EC}"/>
+                    </a:ext>
+                  </a:extLst>
+                </p:cNvPr>
+                <p:cNvSpPr txBox="1">
+                  <a:spLocks noRot="1" noChangeAspect="1" noMove="1" noResize="1" noEditPoints="1" noAdjustHandles="1" noChangeArrowheads="1" noChangeShapeType="1" noTextEdit="1"/>
+                </p:cNvSpPr>
+                <p:nvPr/>
+              </p:nvSpPr>
+              <p:spPr>
+                <a:xfrm>
+                  <a:off x="10835641" y="643882"/>
+                  <a:ext cx="650498" cy="523220"/>
+                </a:xfrm>
+                <a:prstGeom prst="rect">
+                  <a:avLst/>
+                </a:prstGeom>
+                <a:blipFill>
+                  <a:blip r:embed="rId3"/>
+                  <a:stretch>
+                    <a:fillRect/>
+                  </a:stretch>
+                </a:blipFill>
+              </p:spPr>
+              <p:txBody>
+                <a:bodyPr/>
+                <a:lstStyle/>
+                <a:p>
+                  <a:r>
+                    <a:rPr lang="en-US">
+                      <a:noFill/>
+                    </a:rPr>
+                    <a:t> </a:t>
+                  </a:r>
+                </a:p>
+              </p:txBody>
+            </p:sp>
+          </mc:Fallback>
+        </mc:AlternateContent>
+        <mc:AlternateContent xmlns:mc="http://schemas.openxmlformats.org/markup-compatibility/2006" xmlns:a14="http://schemas.microsoft.com/office/drawing/2010/main">
+          <mc:Choice Requires="a14">
+            <p:sp>
+              <p:nvSpPr>
+                <p:cNvPr id="7" name="TextBox 6">
+                  <a:extLst>
+                    <a:ext uri="{FF2B5EF4-FFF2-40B4-BE49-F238E27FC236}">
+                      <a16:creationId xmlns:a16="http://schemas.microsoft.com/office/drawing/2014/main" id="{E8F81038-37CC-1E24-4C46-EC7D62DD11E6}"/>
+                    </a:ext>
+                  </a:extLst>
+                </p:cNvPr>
+                <p:cNvSpPr txBox="1"/>
+                <p:nvPr/>
+              </p:nvSpPr>
+              <p:spPr>
+                <a:xfrm>
+                  <a:off x="10660528" y="2182010"/>
+                  <a:ext cx="825611" cy="523220"/>
+                </a:xfrm>
+                <a:prstGeom prst="rect">
+                  <a:avLst/>
+                </a:prstGeom>
+                <a:noFill/>
+              </p:spPr>
+              <p:txBody>
+                <a:bodyPr wrap="none" rtlCol="0">
+                  <a:spAutoFit/>
+                </a:bodyPr>
+                <a:lstStyle/>
+                <a:p>
+                  <a:pPr/>
+                  <a14:m>
+                    <m:oMathPara xmlns:m="http://schemas.openxmlformats.org/officeDocument/2006/math">
+                      <m:oMathParaPr>
+                        <m:jc m:val="centerGroup"/>
+                      </m:oMathParaPr>
+                      <m:oMath xmlns:m="http://schemas.openxmlformats.org/officeDocument/2006/math">
+                        <m:sSub>
+                          <m:sSubPr>
+                            <m:ctrlPr>
+                              <a:rPr lang="en-US" sz="2800" b="0" i="1" smtClean="0">
+                                <a:latin typeface="Cambria Math" panose="02040503050406030204" pitchFamily="18" charset="0"/>
+                              </a:rPr>
+                            </m:ctrlPr>
+                          </m:sSubPr>
+                          <m:e>
+                            <m:r>
+                              <a:rPr lang="en-US" sz="2800" b="0" i="1" smtClean="0">
+                                <a:latin typeface="Cambria Math" panose="02040503050406030204" pitchFamily="18" charset="0"/>
+                              </a:rPr>
+                              <m:t>𝛾</m:t>
+                            </m:r>
+                          </m:e>
+                          <m:sub>
+                            <m:r>
+                              <a:rPr lang="en-US" sz="2800" b="0" i="1" smtClean="0">
+                                <a:latin typeface="Cambria Math" panose="02040503050406030204" pitchFamily="18" charset="0"/>
+                              </a:rPr>
+                              <m:t>𝐵𝑂</m:t>
+                            </m:r>
+                          </m:sub>
+                        </m:sSub>
+                      </m:oMath>
+                    </m:oMathPara>
+                  </a14:m>
+                  <a:endParaRPr lang="en-US" sz="2800" b="0" dirty="0"/>
+                </a:p>
+              </p:txBody>
+            </p:sp>
+          </mc:Choice>
+          <mc:Fallback xmlns="">
+            <p:sp>
+              <p:nvSpPr>
+                <p:cNvPr id="7" name="TextBox 6">
+                  <a:extLst>
+                    <a:ext uri="{FF2B5EF4-FFF2-40B4-BE49-F238E27FC236}">
+                      <a16:creationId xmlns:a16="http://schemas.microsoft.com/office/drawing/2014/main" id="{68F311E9-EEBC-8FDF-E474-C77922D67450}"/>
+                    </a:ext>
+                  </a:extLst>
+                </p:cNvPr>
+                <p:cNvSpPr txBox="1">
+                  <a:spLocks noRot="1" noChangeAspect="1" noMove="1" noResize="1" noEditPoints="1" noAdjustHandles="1" noChangeArrowheads="1" noChangeShapeType="1" noTextEdit="1"/>
+                </p:cNvSpPr>
+                <p:nvPr/>
+              </p:nvSpPr>
+              <p:spPr>
+                <a:xfrm>
+                  <a:off x="10660528" y="2182010"/>
+                  <a:ext cx="825611" cy="523220"/>
+                </a:xfrm>
+                <a:prstGeom prst="rect">
+                  <a:avLst/>
+                </a:prstGeom>
+                <a:blipFill>
+                  <a:blip r:embed="rId4"/>
+                  <a:stretch>
+                    <a:fillRect/>
+                  </a:stretch>
+                </a:blipFill>
+              </p:spPr>
+              <p:txBody>
+                <a:bodyPr/>
+                <a:lstStyle/>
+                <a:p>
+                  <a:r>
+                    <a:rPr lang="en-US">
+                      <a:noFill/>
+                    </a:rPr>
+                    <a:t> </a:t>
+                  </a:r>
+                </a:p>
+              </p:txBody>
+            </p:sp>
+          </mc:Fallback>
+        </mc:AlternateContent>
+        <mc:AlternateContent xmlns:mc="http://schemas.openxmlformats.org/markup-compatibility/2006" xmlns:a14="http://schemas.microsoft.com/office/drawing/2010/main">
+          <mc:Choice Requires="a14">
+            <p:sp>
+              <p:nvSpPr>
+                <p:cNvPr id="8" name="TextBox 7">
+                  <a:extLst>
+                    <a:ext uri="{FF2B5EF4-FFF2-40B4-BE49-F238E27FC236}">
+                      <a16:creationId xmlns:a16="http://schemas.microsoft.com/office/drawing/2014/main" id="{213118C8-298B-3F25-2E6C-931EA88FA4A3}"/>
+                    </a:ext>
+                  </a:extLst>
+                </p:cNvPr>
+                <p:cNvSpPr txBox="1"/>
+                <p:nvPr/>
+              </p:nvSpPr>
+              <p:spPr>
+                <a:xfrm>
+                  <a:off x="7921815" y="2360918"/>
+                  <a:ext cx="802912" cy="523220"/>
+                </a:xfrm>
+                <a:prstGeom prst="rect">
+                  <a:avLst/>
+                </a:prstGeom>
+                <a:noFill/>
+              </p:spPr>
+              <p:txBody>
+                <a:bodyPr wrap="none" rtlCol="0">
+                  <a:spAutoFit/>
+                </a:bodyPr>
+                <a:lstStyle/>
+                <a:p>
+                  <a:pPr/>
+                  <a14:m>
+                    <m:oMathPara xmlns:m="http://schemas.openxmlformats.org/officeDocument/2006/math">
+                      <m:oMathParaPr>
+                        <m:jc m:val="centerGroup"/>
+                      </m:oMathParaPr>
+                      <m:oMath xmlns:m="http://schemas.openxmlformats.org/officeDocument/2006/math">
+                        <m:sSub>
+                          <m:sSubPr>
+                            <m:ctrlPr>
+                              <a:rPr lang="en-US" sz="2800" b="0" i="1" smtClean="0">
+                                <a:latin typeface="Cambria Math" panose="02040503050406030204" pitchFamily="18" charset="0"/>
+                              </a:rPr>
+                            </m:ctrlPr>
+                          </m:sSubPr>
+                          <m:e>
+                            <m:r>
+                              <a:rPr lang="en-US" sz="2800" b="0" i="1" smtClean="0">
+                                <a:latin typeface="Cambria Math" panose="02040503050406030204" pitchFamily="18" charset="0"/>
+                              </a:rPr>
+                              <m:t>𝛾</m:t>
+                            </m:r>
+                          </m:e>
+                          <m:sub>
+                            <m:r>
+                              <a:rPr lang="en-US" sz="2800" b="0" i="1" smtClean="0">
+                                <a:latin typeface="Cambria Math" panose="02040503050406030204" pitchFamily="18" charset="0"/>
+                              </a:rPr>
+                              <m:t>𝐴𝑂</m:t>
+                            </m:r>
+                          </m:sub>
+                        </m:sSub>
+                      </m:oMath>
+                    </m:oMathPara>
+                  </a14:m>
+                  <a:endParaRPr lang="en-US" sz="2800" b="0" dirty="0"/>
+                </a:p>
+              </p:txBody>
+            </p:sp>
+          </mc:Choice>
+          <mc:Fallback xmlns="">
+            <p:sp>
+              <p:nvSpPr>
+                <p:cNvPr id="8" name="TextBox 7">
+                  <a:extLst>
+                    <a:ext uri="{FF2B5EF4-FFF2-40B4-BE49-F238E27FC236}">
+                      <a16:creationId xmlns:a16="http://schemas.microsoft.com/office/drawing/2014/main" id="{C042D0FC-BFB6-2037-01B2-0853E00AE876}"/>
+                    </a:ext>
+                  </a:extLst>
+                </p:cNvPr>
+                <p:cNvSpPr txBox="1">
+                  <a:spLocks noRot="1" noChangeAspect="1" noMove="1" noResize="1" noEditPoints="1" noAdjustHandles="1" noChangeArrowheads="1" noChangeShapeType="1" noTextEdit="1"/>
+                </p:cNvSpPr>
+                <p:nvPr/>
+              </p:nvSpPr>
+              <p:spPr>
+                <a:xfrm>
+                  <a:off x="7921815" y="2360918"/>
+                  <a:ext cx="802912" cy="523220"/>
+                </a:xfrm>
+                <a:prstGeom prst="rect">
+                  <a:avLst/>
+                </a:prstGeom>
+                <a:blipFill>
+                  <a:blip r:embed="rId5"/>
+                  <a:stretch>
+                    <a:fillRect/>
+                  </a:stretch>
+                </a:blipFill>
+              </p:spPr>
+              <p:txBody>
+                <a:bodyPr/>
+                <a:lstStyle/>
+                <a:p>
+                  <a:r>
+                    <a:rPr lang="en-US">
+                      <a:noFill/>
+                    </a:rPr>
+                    <a:t> </a:t>
+                  </a:r>
+                </a:p>
+              </p:txBody>
+            </p:sp>
+          </mc:Fallback>
+        </mc:AlternateContent>
+        <p:sp>
+          <p:nvSpPr>
+            <p:cNvPr id="9" name="Isosceles Triangle 8">
+              <a:extLst>
+                <a:ext uri="{FF2B5EF4-FFF2-40B4-BE49-F238E27FC236}">
+                  <a16:creationId xmlns:a16="http://schemas.microsoft.com/office/drawing/2014/main" id="{3FB8E45C-1045-E731-6FB7-8DD2196D2FCF}"/>
+                </a:ext>
+              </a:extLst>
+            </p:cNvPr>
+            <p:cNvSpPr/>
+            <p:nvPr/>
+          </p:nvSpPr>
+          <p:spPr>
+            <a:xfrm rot="1876746">
+              <a:off x="10489043" y="2478419"/>
+              <a:ext cx="178842" cy="160020"/>
+            </a:xfrm>
+            <a:prstGeom prst="triangle">
+              <a:avLst/>
+            </a:prstGeom>
+            <a:ln>
+              <a:noFill/>
+            </a:ln>
+          </p:spPr>
+          <p:style>
+            <a:lnRef idx="2">
+              <a:schemeClr val="accent1">
+                <a:shade val="15000"/>
+              </a:schemeClr>
+            </a:lnRef>
+            <a:fillRef idx="1">
+              <a:schemeClr val="accent1"/>
+            </a:fillRef>
+            <a:effectRef idx="0">
+              <a:schemeClr val="accent1"/>
+            </a:effectRef>
+            <a:fontRef idx="minor">
+              <a:schemeClr val="lt1"/>
+            </a:fontRef>
+          </p:style>
+          <p:txBody>
+            <a:bodyPr rtlCol="0" anchor="ctr"/>
+            <a:lstStyle/>
+            <a:p>
+              <a:pPr algn="ctr"/>
+              <a:endParaRPr lang="en-US"/>
+            </a:p>
+          </p:txBody>
+        </p:sp>
+        <p:sp>
+          <p:nvSpPr>
+            <p:cNvPr id="10" name="Isosceles Triangle 9">
+              <a:extLst>
+                <a:ext uri="{FF2B5EF4-FFF2-40B4-BE49-F238E27FC236}">
+                  <a16:creationId xmlns:a16="http://schemas.microsoft.com/office/drawing/2014/main" id="{D10A44BB-449E-3BE3-F04F-CB17CA55C97C}"/>
+                </a:ext>
+              </a:extLst>
+            </p:cNvPr>
+            <p:cNvSpPr/>
+            <p:nvPr/>
+          </p:nvSpPr>
+          <p:spPr>
+            <a:xfrm rot="19137032">
+              <a:off x="8686237" y="2658051"/>
+              <a:ext cx="178842" cy="160020"/>
+            </a:xfrm>
+            <a:prstGeom prst="triangle">
+              <a:avLst/>
+            </a:prstGeom>
+            <a:ln>
+              <a:noFill/>
+            </a:ln>
+          </p:spPr>
+          <p:style>
+            <a:lnRef idx="2">
+              <a:schemeClr val="accent1">
+                <a:shade val="15000"/>
+              </a:schemeClr>
+            </a:lnRef>
+            <a:fillRef idx="1">
+              <a:schemeClr val="accent1"/>
+            </a:fillRef>
+            <a:effectRef idx="0">
+              <a:schemeClr val="accent1"/>
+            </a:effectRef>
+            <a:fontRef idx="minor">
+              <a:schemeClr val="lt1"/>
+            </a:fontRef>
+          </p:style>
+          <p:txBody>
+            <a:bodyPr rtlCol="0" anchor="ctr"/>
+            <a:lstStyle/>
+            <a:p>
+              <a:pPr algn="ctr"/>
+              <a:endParaRPr lang="en-US"/>
+            </a:p>
+          </p:txBody>
+        </p:sp>
+        <p:sp>
+          <p:nvSpPr>
+            <p:cNvPr id="11" name="Freeform: Shape 10">
+              <a:extLst>
+                <a:ext uri="{FF2B5EF4-FFF2-40B4-BE49-F238E27FC236}">
+                  <a16:creationId xmlns:a16="http://schemas.microsoft.com/office/drawing/2014/main" id="{20E020A1-7094-541A-4489-FAB9FBAD4B46}"/>
+                </a:ext>
+              </a:extLst>
+            </p:cNvPr>
+            <p:cNvSpPr/>
+            <p:nvPr/>
+          </p:nvSpPr>
+          <p:spPr>
+            <a:xfrm>
+              <a:off x="8161020" y="1142999"/>
+              <a:ext cx="3223260" cy="861137"/>
+            </a:xfrm>
+            <a:custGeom>
+              <a:avLst/>
+              <a:gdLst>
+                <a:gd name="connsiteX0" fmla="*/ 0 w 2682240"/>
+                <a:gd name="connsiteY0" fmla="*/ 662940 h 662940"/>
+                <a:gd name="connsiteX1" fmla="*/ 830580 w 2682240"/>
+                <a:gd name="connsiteY1" fmla="*/ 274320 h 662940"/>
+                <a:gd name="connsiteX2" fmla="*/ 1950720 w 2682240"/>
+                <a:gd name="connsiteY2" fmla="*/ 312420 h 662940"/>
+                <a:gd name="connsiteX3" fmla="*/ 2682240 w 2682240"/>
+                <a:gd name="connsiteY3" fmla="*/ 0 h 662940"/>
+                <a:gd name="connsiteX0" fmla="*/ 0 w 2682240"/>
+                <a:gd name="connsiteY0" fmla="*/ 662940 h 662940"/>
+                <a:gd name="connsiteX1" fmla="*/ 783023 w 2682240"/>
+                <a:gd name="connsiteY1" fmla="*/ 98334 h 662940"/>
+                <a:gd name="connsiteX2" fmla="*/ 1950720 w 2682240"/>
+                <a:gd name="connsiteY2" fmla="*/ 312420 h 662940"/>
+                <a:gd name="connsiteX3" fmla="*/ 2682240 w 2682240"/>
+                <a:gd name="connsiteY3" fmla="*/ 0 h 662940"/>
+                <a:gd name="connsiteX0" fmla="*/ 0 w 2682240"/>
+                <a:gd name="connsiteY0" fmla="*/ 662940 h 662940"/>
+                <a:gd name="connsiteX1" fmla="*/ 783023 w 2682240"/>
+                <a:gd name="connsiteY1" fmla="*/ 98334 h 662940"/>
+                <a:gd name="connsiteX2" fmla="*/ 2040551 w 2682240"/>
+                <a:gd name="connsiteY2" fmla="*/ 141322 h 662940"/>
+                <a:gd name="connsiteX3" fmla="*/ 2682240 w 2682240"/>
+                <a:gd name="connsiteY3" fmla="*/ 0 h 662940"/>
+                <a:gd name="connsiteX0" fmla="*/ 0 w 2682240"/>
+                <a:gd name="connsiteY0" fmla="*/ 662940 h 662940"/>
+                <a:gd name="connsiteX1" fmla="*/ 783023 w 2682240"/>
+                <a:gd name="connsiteY1" fmla="*/ 98334 h 662940"/>
+                <a:gd name="connsiteX2" fmla="*/ 2040551 w 2682240"/>
+                <a:gd name="connsiteY2" fmla="*/ 141322 h 662940"/>
+                <a:gd name="connsiteX3" fmla="*/ 2682240 w 2682240"/>
+                <a:gd name="connsiteY3" fmla="*/ 0 h 662940"/>
+                <a:gd name="connsiteX0" fmla="*/ 0 w 2682240"/>
+                <a:gd name="connsiteY0" fmla="*/ 662940 h 662940"/>
+                <a:gd name="connsiteX1" fmla="*/ 783023 w 2682240"/>
+                <a:gd name="connsiteY1" fmla="*/ 98334 h 662940"/>
+                <a:gd name="connsiteX2" fmla="*/ 2040551 w 2682240"/>
+                <a:gd name="connsiteY2" fmla="*/ 141322 h 662940"/>
+                <a:gd name="connsiteX3" fmla="*/ 2682240 w 2682240"/>
+                <a:gd name="connsiteY3" fmla="*/ 0 h 662940"/>
+              </a:gdLst>
+              <a:ahLst/>
+              <a:cxnLst>
+                <a:cxn ang="0">
+                  <a:pos x="connsiteX0" y="connsiteY0"/>
+                </a:cxn>
+                <a:cxn ang="0">
+                  <a:pos x="connsiteX1" y="connsiteY1"/>
+                </a:cxn>
+                <a:cxn ang="0">
+                  <a:pos x="connsiteX2" y="connsiteY2"/>
+                </a:cxn>
+                <a:cxn ang="0">
+                  <a:pos x="connsiteX3" y="connsiteY3"/>
+                </a:cxn>
+              </a:cxnLst>
+              <a:rect l="l" t="t" r="r" b="b"/>
+              <a:pathLst>
+                <a:path w="2682240" h="662940">
+                  <a:moveTo>
+                    <a:pt x="0" y="662940"/>
+                  </a:moveTo>
+                  <a:cubicBezTo>
+                    <a:pt x="252730" y="497840"/>
+                    <a:pt x="442931" y="185270"/>
+                    <a:pt x="783023" y="98334"/>
+                  </a:cubicBezTo>
+                  <a:cubicBezTo>
+                    <a:pt x="1123115" y="11398"/>
+                    <a:pt x="1726656" y="113714"/>
+                    <a:pt x="2040551" y="141322"/>
+                  </a:cubicBezTo>
+                  <a:cubicBezTo>
+                    <a:pt x="2354446" y="168930"/>
+                    <a:pt x="2470785" y="133350"/>
+                    <a:pt x="2682240" y="0"/>
+                  </a:cubicBezTo>
+                </a:path>
+              </a:pathLst>
+            </a:custGeom>
+            <a:noFill/>
+            <a:ln w="38100">
+              <a:solidFill>
+                <a:schemeClr val="accent5"/>
+              </a:solidFill>
+            </a:ln>
+          </p:spPr>
+          <p:style>
+            <a:lnRef idx="2">
+              <a:schemeClr val="accent1">
+                <a:shade val="15000"/>
+              </a:schemeClr>
+            </a:lnRef>
+            <a:fillRef idx="1">
+              <a:schemeClr val="accent1"/>
+            </a:fillRef>
+            <a:effectRef idx="0">
+              <a:schemeClr val="accent1"/>
+            </a:effectRef>
+            <a:fontRef idx="minor">
+              <a:schemeClr val="lt1"/>
+            </a:fontRef>
+          </p:style>
+          <p:txBody>
+            <a:bodyPr rtlCol="0" anchor="ctr"/>
+            <a:lstStyle/>
+            <a:p>
+              <a:pPr algn="ctr"/>
+              <a:endParaRPr lang="en-US"/>
+            </a:p>
+          </p:txBody>
+        </p:sp>
+        <p:sp>
+          <p:nvSpPr>
+            <p:cNvPr id="12" name="Isosceles Triangle 11">
+              <a:extLst>
+                <a:ext uri="{FF2B5EF4-FFF2-40B4-BE49-F238E27FC236}">
+                  <a16:creationId xmlns:a16="http://schemas.microsoft.com/office/drawing/2014/main" id="{BA6C784F-C8C6-D161-2B8C-552B3528DBDB}"/>
+                </a:ext>
+              </a:extLst>
+            </p:cNvPr>
+            <p:cNvSpPr/>
+            <p:nvPr/>
+          </p:nvSpPr>
+          <p:spPr>
+            <a:xfrm rot="5868436">
+              <a:off x="9635153" y="1139782"/>
+              <a:ext cx="178842" cy="160020"/>
+            </a:xfrm>
+            <a:prstGeom prst="triangle">
+              <a:avLst/>
+            </a:prstGeom>
+            <a:ln>
+              <a:noFill/>
+            </a:ln>
+          </p:spPr>
+          <p:style>
+            <a:lnRef idx="2">
+              <a:schemeClr val="accent1">
+                <a:shade val="15000"/>
+              </a:schemeClr>
+            </a:lnRef>
+            <a:fillRef idx="1">
+              <a:schemeClr val="accent1"/>
+            </a:fillRef>
+            <a:effectRef idx="0">
+              <a:schemeClr val="accent1"/>
+            </a:effectRef>
+            <a:fontRef idx="minor">
+              <a:schemeClr val="lt1"/>
+            </a:fontRef>
+          </p:style>
+          <p:txBody>
+            <a:bodyPr rtlCol="0" anchor="ctr"/>
+            <a:lstStyle/>
+            <a:p>
+              <a:pPr algn="ctr"/>
+              <a:endParaRPr lang="en-US"/>
+            </a:p>
+          </p:txBody>
+        </p:sp>
+        <mc:AlternateContent xmlns:mc="http://schemas.openxmlformats.org/markup-compatibility/2006" xmlns:a14="http://schemas.microsoft.com/office/drawing/2010/main">
+          <mc:Choice Requires="a14">
+            <p:sp>
+              <p:nvSpPr>
+                <p:cNvPr id="13" name="TextBox 12">
+                  <a:extLst>
+                    <a:ext uri="{FF2B5EF4-FFF2-40B4-BE49-F238E27FC236}">
+                      <a16:creationId xmlns:a16="http://schemas.microsoft.com/office/drawing/2014/main" id="{2F58B552-0894-6EE1-D493-E8BED7C18E4B}"/>
+                    </a:ext>
+                  </a:extLst>
+                </p:cNvPr>
+                <p:cNvSpPr txBox="1"/>
+                <p:nvPr/>
+              </p:nvSpPr>
+              <p:spPr>
+                <a:xfrm>
+                  <a:off x="9315498" y="528483"/>
+                  <a:ext cx="465191" cy="523220"/>
+                </a:xfrm>
+                <a:prstGeom prst="rect">
+                  <a:avLst/>
+                </a:prstGeom>
+                <a:noFill/>
+              </p:spPr>
+              <p:txBody>
+                <a:bodyPr wrap="none" rtlCol="0">
+                  <a:spAutoFit/>
+                </a:bodyPr>
+                <a:lstStyle/>
+                <a:p>
+                  <a:pPr/>
+                  <a14:m>
+                    <m:oMathPara xmlns:m="http://schemas.openxmlformats.org/officeDocument/2006/math">
+                      <m:oMathParaPr>
+                        <m:jc m:val="centerGroup"/>
+                      </m:oMathParaPr>
+                      <m:oMath xmlns:m="http://schemas.openxmlformats.org/officeDocument/2006/math">
+                        <m:r>
+                          <a:rPr lang="en-US" sz="2800" b="0" i="1" smtClean="0">
+                            <a:latin typeface="Cambria Math" panose="02040503050406030204" pitchFamily="18" charset="0"/>
+                          </a:rPr>
+                          <m:t>𝛾</m:t>
+                        </m:r>
+                      </m:oMath>
+                    </m:oMathPara>
+                  </a14:m>
+                  <a:endParaRPr lang="en-US" sz="2800" b="0" dirty="0"/>
+                </a:p>
+              </p:txBody>
+            </p:sp>
+          </mc:Choice>
+          <mc:Fallback xmlns="">
+            <p:sp>
+              <p:nvSpPr>
+                <p:cNvPr id="13" name="TextBox 12">
+                  <a:extLst>
+                    <a:ext uri="{FF2B5EF4-FFF2-40B4-BE49-F238E27FC236}">
+                      <a16:creationId xmlns:a16="http://schemas.microsoft.com/office/drawing/2014/main" id="{9446BF0A-0C53-2DBD-3AB1-D4E755C8B928}"/>
+                    </a:ext>
+                  </a:extLst>
+                </p:cNvPr>
+                <p:cNvSpPr txBox="1">
+                  <a:spLocks noRot="1" noChangeAspect="1" noMove="1" noResize="1" noEditPoints="1" noAdjustHandles="1" noChangeArrowheads="1" noChangeShapeType="1" noTextEdit="1"/>
+                </p:cNvSpPr>
+                <p:nvPr/>
+              </p:nvSpPr>
+              <p:spPr>
+                <a:xfrm>
+                  <a:off x="9315498" y="528483"/>
+                  <a:ext cx="465191" cy="523220"/>
+                </a:xfrm>
+                <a:prstGeom prst="rect">
+                  <a:avLst/>
+                </a:prstGeom>
+                <a:blipFill>
+                  <a:blip r:embed="rId6"/>
+                  <a:stretch>
+                    <a:fillRect/>
+                  </a:stretch>
+                </a:blipFill>
+              </p:spPr>
+              <p:txBody>
+                <a:bodyPr/>
+                <a:lstStyle/>
+                <a:p>
+                  <a:r>
+                    <a:rPr lang="en-US">
+                      <a:noFill/>
+                    </a:rPr>
+                    <a:t> </a:t>
+                  </a:r>
+                </a:p>
+              </p:txBody>
+            </p:sp>
+          </mc:Fallback>
+        </mc:AlternateContent>
+        <mc:AlternateContent xmlns:mc="http://schemas.openxmlformats.org/markup-compatibility/2006" xmlns:a14="http://schemas.microsoft.com/office/drawing/2010/main">
+          <mc:Choice Requires="a14">
+            <p:sp>
+              <p:nvSpPr>
+                <p:cNvPr id="28" name="TextBox 27">
+                  <a:extLst>
+                    <a:ext uri="{FF2B5EF4-FFF2-40B4-BE49-F238E27FC236}">
+                      <a16:creationId xmlns:a16="http://schemas.microsoft.com/office/drawing/2014/main" id="{C4869072-14D0-19AB-2C5D-2A067482A29C}"/>
+                    </a:ext>
+                  </a:extLst>
+                </p:cNvPr>
+                <p:cNvSpPr txBox="1"/>
+                <p:nvPr/>
+              </p:nvSpPr>
+              <p:spPr>
+                <a:xfrm>
+                  <a:off x="9663232" y="3880957"/>
+                  <a:ext cx="654666" cy="523220"/>
+                </a:xfrm>
+                <a:prstGeom prst="rect">
+                  <a:avLst/>
+                </a:prstGeom>
+                <a:noFill/>
+              </p:spPr>
+              <p:txBody>
+                <a:bodyPr wrap="none" rtlCol="0">
+                  <a:spAutoFit/>
+                </a:bodyPr>
+                <a:lstStyle/>
+                <a:p>
+                  <a:pPr/>
+                  <a14:m>
+                    <m:oMathPara xmlns:m="http://schemas.openxmlformats.org/officeDocument/2006/math">
+                      <m:oMathParaPr>
+                        <m:jc m:val="centerGroup"/>
+                      </m:oMathParaPr>
+                      <m:oMath xmlns:m="http://schemas.openxmlformats.org/officeDocument/2006/math">
+                        <m:sSub>
+                          <m:sSubPr>
+                            <m:ctrlPr>
+                              <a:rPr lang="en-US" sz="2800" b="0" i="1" smtClean="0">
+                                <a:latin typeface="Cambria Math" panose="02040503050406030204" pitchFamily="18" charset="0"/>
+                              </a:rPr>
+                            </m:ctrlPr>
+                          </m:sSubPr>
+                          <m:e>
+                            <m:r>
+                              <a:rPr lang="en-US" sz="2800" b="0" i="1" smtClean="0">
+                                <a:latin typeface="Cambria Math" panose="02040503050406030204" pitchFamily="18" charset="0"/>
+                              </a:rPr>
+                              <m:t>𝑃</m:t>
+                            </m:r>
+                          </m:e>
+                          <m:sub>
+                            <m:r>
+                              <a:rPr lang="en-US" sz="2800" b="0" i="1" smtClean="0">
+                                <a:latin typeface="Cambria Math" panose="02040503050406030204" pitchFamily="18" charset="0"/>
+                              </a:rPr>
+                              <m:t>𝑂</m:t>
+                            </m:r>
+                          </m:sub>
+                        </m:sSub>
+                      </m:oMath>
+                    </m:oMathPara>
+                  </a14:m>
+                  <a:endParaRPr lang="en-US" sz="2800" b="0" dirty="0"/>
+                </a:p>
+              </p:txBody>
+            </p:sp>
+          </mc:Choice>
+          <mc:Fallback xmlns="">
+            <p:sp>
+              <p:nvSpPr>
+                <p:cNvPr id="28" name="TextBox 27">
+                  <a:extLst>
+                    <a:ext uri="{FF2B5EF4-FFF2-40B4-BE49-F238E27FC236}">
+                      <a16:creationId xmlns:a16="http://schemas.microsoft.com/office/drawing/2014/main" id="{F2E3ABFB-9B4B-5536-C034-4FB1EA268C83}"/>
+                    </a:ext>
+                  </a:extLst>
+                </p:cNvPr>
+                <p:cNvSpPr txBox="1">
+                  <a:spLocks noRot="1" noChangeAspect="1" noMove="1" noResize="1" noEditPoints="1" noAdjustHandles="1" noChangeArrowheads="1" noChangeShapeType="1" noTextEdit="1"/>
+                </p:cNvSpPr>
+                <p:nvPr/>
+              </p:nvSpPr>
+              <p:spPr>
+                <a:xfrm>
+                  <a:off x="9663232" y="3880957"/>
+                  <a:ext cx="654666" cy="523220"/>
+                </a:xfrm>
+                <a:prstGeom prst="rect">
+                  <a:avLst/>
+                </a:prstGeom>
+                <a:blipFill>
+                  <a:blip r:embed="rId7"/>
+                  <a:stretch>
+                    <a:fillRect/>
+                  </a:stretch>
+                </a:blipFill>
+              </p:spPr>
+              <p:txBody>
+                <a:bodyPr/>
+                <a:lstStyle/>
+                <a:p>
+                  <a:r>
+                    <a:rPr lang="en-US">
+                      <a:noFill/>
+                    </a:rPr>
+                    <a:t> </a:t>
+                  </a:r>
+                </a:p>
+              </p:txBody>
+            </p:sp>
+          </mc:Fallback>
+        </mc:AlternateContent>
+      </p:grpSp>
+      <p:grpSp>
+        <p:nvGrpSpPr>
+          <p:cNvPr id="14" name="Group 13">
+            <a:extLst>
+              <a:ext uri="{FF2B5EF4-FFF2-40B4-BE49-F238E27FC236}">
+                <a16:creationId xmlns:a16="http://schemas.microsoft.com/office/drawing/2014/main" id="{11393D9A-234E-EECC-080B-A81AC9E87E33}"/>
+              </a:ext>
+            </a:extLst>
+          </p:cNvPr>
+          <p:cNvGrpSpPr/>
+          <p:nvPr/>
+        </p:nvGrpSpPr>
+        <p:grpSpPr>
+          <a:xfrm>
+            <a:off x="7137497" y="1135979"/>
+            <a:ext cx="3520284" cy="4217406"/>
+            <a:chOff x="7492546" y="207002"/>
+            <a:chExt cx="3673978" cy="4401535"/>
+          </a:xfrm>
+        </p:grpSpPr>
+        <p:grpSp>
+          <p:nvGrpSpPr>
+            <p:cNvPr id="15" name="Group 14">
+              <a:extLst>
+                <a:ext uri="{FF2B5EF4-FFF2-40B4-BE49-F238E27FC236}">
+                  <a16:creationId xmlns:a16="http://schemas.microsoft.com/office/drawing/2014/main" id="{685ADE87-C19B-2E4E-06F2-C10395AFEBFA}"/>
+                </a:ext>
+              </a:extLst>
+            </p:cNvPr>
+            <p:cNvGrpSpPr/>
+            <p:nvPr/>
+          </p:nvGrpSpPr>
+          <p:grpSpPr>
+            <a:xfrm>
+              <a:off x="7492546" y="207002"/>
+              <a:ext cx="3673978" cy="4401535"/>
+              <a:chOff x="1221579" y="1260711"/>
+              <a:chExt cx="3673978" cy="4401535"/>
+            </a:xfrm>
+          </p:grpSpPr>
+          <p:grpSp>
+            <p:nvGrpSpPr>
+              <p:cNvPr id="20" name="Group 19">
+                <a:extLst>
+                  <a:ext uri="{FF2B5EF4-FFF2-40B4-BE49-F238E27FC236}">
+                    <a16:creationId xmlns:a16="http://schemas.microsoft.com/office/drawing/2014/main" id="{0FDBF6D7-305E-E818-FA64-21FFE436403B}"/>
+                  </a:ext>
+                </a:extLst>
+              </p:cNvPr>
+              <p:cNvGrpSpPr/>
+              <p:nvPr/>
+            </p:nvGrpSpPr>
+            <p:grpSpPr>
+              <a:xfrm>
+                <a:off x="1221579" y="1447610"/>
+                <a:ext cx="3673978" cy="4214636"/>
+                <a:chOff x="1390391" y="1651592"/>
+                <a:chExt cx="2399570" cy="3136308"/>
+              </a:xfrm>
+            </p:grpSpPr>
+            <p:sp>
+              <p:nvSpPr>
+                <p:cNvPr id="29" name="Freeform: Shape 28">
+                  <a:extLst>
+                    <a:ext uri="{FF2B5EF4-FFF2-40B4-BE49-F238E27FC236}">
+                      <a16:creationId xmlns:a16="http://schemas.microsoft.com/office/drawing/2014/main" id="{C1711D32-B635-22A1-4061-DD1FA1F4A5BA}"/>
+                    </a:ext>
+                  </a:extLst>
+                </p:cNvPr>
+                <p:cNvSpPr/>
+                <p:nvPr/>
+              </p:nvSpPr>
+              <p:spPr>
+                <a:xfrm>
+                  <a:off x="1390724" y="2701572"/>
+                  <a:ext cx="1260926" cy="506587"/>
+                </a:xfrm>
+                <a:custGeom>
+                  <a:avLst/>
+                  <a:gdLst>
+                    <a:gd name="connsiteX0" fmla="*/ 0 w 1139483"/>
+                    <a:gd name="connsiteY0" fmla="*/ 0 h 506437"/>
+                    <a:gd name="connsiteX1" fmla="*/ 295421 w 1139483"/>
+                    <a:gd name="connsiteY1" fmla="*/ 393896 h 506437"/>
+                    <a:gd name="connsiteX2" fmla="*/ 1139483 w 1139483"/>
+                    <a:gd name="connsiteY2" fmla="*/ 506437 h 506437"/>
+                    <a:gd name="connsiteX0" fmla="*/ 0 w 1139483"/>
+                    <a:gd name="connsiteY0" fmla="*/ 0 h 506437"/>
+                    <a:gd name="connsiteX1" fmla="*/ 295421 w 1139483"/>
+                    <a:gd name="connsiteY1" fmla="*/ 393896 h 506437"/>
+                    <a:gd name="connsiteX2" fmla="*/ 1139483 w 1139483"/>
+                    <a:gd name="connsiteY2" fmla="*/ 506437 h 506437"/>
+                    <a:gd name="connsiteX0" fmla="*/ 0 w 1260926"/>
+                    <a:gd name="connsiteY0" fmla="*/ 0 h 506437"/>
+                    <a:gd name="connsiteX1" fmla="*/ 295421 w 1260926"/>
+                    <a:gd name="connsiteY1" fmla="*/ 393896 h 506437"/>
+                    <a:gd name="connsiteX2" fmla="*/ 1260926 w 1260926"/>
+                    <a:gd name="connsiteY2" fmla="*/ 506437 h 506437"/>
+                    <a:gd name="connsiteX0" fmla="*/ 0 w 1260926"/>
+                    <a:gd name="connsiteY0" fmla="*/ 0 h 506587"/>
+                    <a:gd name="connsiteX1" fmla="*/ 295421 w 1260926"/>
+                    <a:gd name="connsiteY1" fmla="*/ 393896 h 506587"/>
+                    <a:gd name="connsiteX2" fmla="*/ 1260926 w 1260926"/>
+                    <a:gd name="connsiteY2" fmla="*/ 506437 h 506587"/>
+                  </a:gdLst>
+                  <a:ahLst/>
+                  <a:cxnLst>
+                    <a:cxn ang="0">
+                      <a:pos x="connsiteX0" y="connsiteY0"/>
+                    </a:cxn>
+                    <a:cxn ang="0">
+                      <a:pos x="connsiteX1" y="connsiteY1"/>
+                    </a:cxn>
+                    <a:cxn ang="0">
+                      <a:pos x="connsiteX2" y="connsiteY2"/>
+                    </a:cxn>
+                  </a:cxnLst>
+                  <a:rect l="l" t="t" r="r" b="b"/>
+                  <a:pathLst>
+                    <a:path w="1260926" h="506587">
+                      <a:moveTo>
+                        <a:pt x="0" y="0"/>
+                      </a:moveTo>
+                      <a:cubicBezTo>
+                        <a:pt x="365" y="178558"/>
+                        <a:pt x="105507" y="309490"/>
+                        <a:pt x="295421" y="393896"/>
+                      </a:cubicBezTo>
+                      <a:cubicBezTo>
+                        <a:pt x="485335" y="478302"/>
+                        <a:pt x="924327" y="509037"/>
+                        <a:pt x="1260926" y="506437"/>
+                      </a:cubicBezTo>
+                    </a:path>
+                  </a:pathLst>
+                </a:custGeom>
+                <a:noFill/>
+                <a:ln w="38100">
+                  <a:solidFill>
+                    <a:schemeClr val="accent5"/>
+                  </a:solidFill>
+                </a:ln>
+              </p:spPr>
+              <p:style>
+                <a:lnRef idx="2">
+                  <a:schemeClr val="accent1">
+                    <a:shade val="15000"/>
+                  </a:schemeClr>
+                </a:lnRef>
+                <a:fillRef idx="1">
+                  <a:schemeClr val="accent1"/>
+                </a:fillRef>
+                <a:effectRef idx="0">
+                  <a:schemeClr val="accent1"/>
+                </a:effectRef>
+                <a:fontRef idx="minor">
+                  <a:schemeClr val="lt1"/>
+                </a:fontRef>
+              </p:style>
+              <p:txBody>
+                <a:bodyPr rtlCol="0" anchor="ctr"/>
+                <a:lstStyle/>
+                <a:p>
+                  <a:pPr algn="ctr"/>
+                  <a:endParaRPr lang="en-US"/>
+                </a:p>
+              </p:txBody>
+            </p:sp>
+            <p:sp>
+              <p:nvSpPr>
+                <p:cNvPr id="30" name="Freeform: Shape 29">
+                  <a:extLst>
+                    <a:ext uri="{FF2B5EF4-FFF2-40B4-BE49-F238E27FC236}">
+                      <a16:creationId xmlns:a16="http://schemas.microsoft.com/office/drawing/2014/main" id="{373F8C3A-8EAF-AB31-3C22-3BCB815F7A7D}"/>
+                    </a:ext>
+                  </a:extLst>
+                </p:cNvPr>
+                <p:cNvSpPr/>
+                <p:nvPr/>
+              </p:nvSpPr>
+              <p:spPr>
+                <a:xfrm flipH="1">
+                  <a:off x="2649270" y="2700479"/>
+                  <a:ext cx="1139510" cy="507382"/>
+                </a:xfrm>
+                <a:custGeom>
+                  <a:avLst/>
+                  <a:gdLst>
+                    <a:gd name="connsiteX0" fmla="*/ 0 w 1139483"/>
+                    <a:gd name="connsiteY0" fmla="*/ 0 h 506437"/>
+                    <a:gd name="connsiteX1" fmla="*/ 295421 w 1139483"/>
+                    <a:gd name="connsiteY1" fmla="*/ 393896 h 506437"/>
+                    <a:gd name="connsiteX2" fmla="*/ 1139483 w 1139483"/>
+                    <a:gd name="connsiteY2" fmla="*/ 506437 h 506437"/>
+                    <a:gd name="connsiteX0" fmla="*/ 0 w 1139483"/>
+                    <a:gd name="connsiteY0" fmla="*/ 0 h 507382"/>
+                    <a:gd name="connsiteX1" fmla="*/ 295421 w 1139483"/>
+                    <a:gd name="connsiteY1" fmla="*/ 393896 h 507382"/>
+                    <a:gd name="connsiteX2" fmla="*/ 1139483 w 1139483"/>
+                    <a:gd name="connsiteY2" fmla="*/ 506437 h 507382"/>
+                    <a:gd name="connsiteX0" fmla="*/ 27 w 1139510"/>
+                    <a:gd name="connsiteY0" fmla="*/ 0 h 507382"/>
+                    <a:gd name="connsiteX1" fmla="*/ 295448 w 1139510"/>
+                    <a:gd name="connsiteY1" fmla="*/ 393896 h 507382"/>
+                    <a:gd name="connsiteX2" fmla="*/ 1139510 w 1139510"/>
+                    <a:gd name="connsiteY2" fmla="*/ 506437 h 507382"/>
+                  </a:gdLst>
+                  <a:ahLst/>
+                  <a:cxnLst>
+                    <a:cxn ang="0">
+                      <a:pos x="connsiteX0" y="connsiteY0"/>
+                    </a:cxn>
+                    <a:cxn ang="0">
+                      <a:pos x="connsiteX1" y="connsiteY1"/>
+                    </a:cxn>
+                    <a:cxn ang="0">
+                      <a:pos x="connsiteX2" y="connsiteY2"/>
+                    </a:cxn>
+                  </a:cxnLst>
+                  <a:rect l="l" t="t" r="r" b="b"/>
+                  <a:pathLst>
+                    <a:path w="1139510" h="507382">
+                      <a:moveTo>
+                        <a:pt x="27" y="0"/>
+                      </a:moveTo>
+                      <a:cubicBezTo>
+                        <a:pt x="-1989" y="195227"/>
+                        <a:pt x="105534" y="309490"/>
+                        <a:pt x="295448" y="393896"/>
+                      </a:cubicBezTo>
+                      <a:cubicBezTo>
+                        <a:pt x="485362" y="478302"/>
+                        <a:pt x="812436" y="513801"/>
+                        <a:pt x="1139510" y="506437"/>
+                      </a:cubicBezTo>
+                    </a:path>
+                  </a:pathLst>
+                </a:custGeom>
+                <a:noFill/>
+                <a:ln w="38100">
+                  <a:solidFill>
+                    <a:schemeClr val="accent5"/>
+                  </a:solidFill>
+                </a:ln>
+              </p:spPr>
+              <p:style>
+                <a:lnRef idx="2">
+                  <a:schemeClr val="accent1">
+                    <a:shade val="15000"/>
+                  </a:schemeClr>
+                </a:lnRef>
+                <a:fillRef idx="1">
+                  <a:schemeClr val="accent1"/>
+                </a:fillRef>
+                <a:effectRef idx="0">
+                  <a:schemeClr val="accent1"/>
+                </a:effectRef>
+                <a:fontRef idx="minor">
+                  <a:schemeClr val="lt1"/>
+                </a:fontRef>
+              </p:style>
+              <p:txBody>
+                <a:bodyPr rtlCol="0" anchor="ctr"/>
+                <a:lstStyle/>
+                <a:p>
+                  <a:pPr algn="ctr"/>
+                  <a:endParaRPr lang="en-US"/>
+                </a:p>
+              </p:txBody>
+            </p:sp>
+            <p:sp>
+              <p:nvSpPr>
+                <p:cNvPr id="31" name="Freeform: Shape 30">
+                  <a:extLst>
+                    <a:ext uri="{FF2B5EF4-FFF2-40B4-BE49-F238E27FC236}">
+                      <a16:creationId xmlns:a16="http://schemas.microsoft.com/office/drawing/2014/main" id="{2092A10E-90C2-B2A6-E369-F5381BF5E9A9}"/>
+                    </a:ext>
+                  </a:extLst>
+                </p:cNvPr>
+                <p:cNvSpPr/>
+                <p:nvPr/>
+              </p:nvSpPr>
+              <p:spPr>
+                <a:xfrm flipV="1">
+                  <a:off x="1390723" y="2297475"/>
+                  <a:ext cx="982320" cy="404098"/>
+                </a:xfrm>
+                <a:custGeom>
+                  <a:avLst/>
+                  <a:gdLst>
+                    <a:gd name="connsiteX0" fmla="*/ 0 w 1139483"/>
+                    <a:gd name="connsiteY0" fmla="*/ 0 h 506437"/>
+                    <a:gd name="connsiteX1" fmla="*/ 295421 w 1139483"/>
+                    <a:gd name="connsiteY1" fmla="*/ 393896 h 506437"/>
+                    <a:gd name="connsiteX2" fmla="*/ 1139483 w 1139483"/>
+                    <a:gd name="connsiteY2" fmla="*/ 506437 h 506437"/>
+                    <a:gd name="connsiteX0" fmla="*/ 0 w 1139483"/>
+                    <a:gd name="connsiteY0" fmla="*/ 0 h 506437"/>
+                    <a:gd name="connsiteX1" fmla="*/ 295421 w 1139483"/>
+                    <a:gd name="connsiteY1" fmla="*/ 393896 h 506437"/>
+                    <a:gd name="connsiteX2" fmla="*/ 1139483 w 1139483"/>
+                    <a:gd name="connsiteY2" fmla="*/ 506437 h 506437"/>
+                    <a:gd name="connsiteX0" fmla="*/ 0 w 994226"/>
+                    <a:gd name="connsiteY0" fmla="*/ 0 h 465956"/>
+                    <a:gd name="connsiteX1" fmla="*/ 295421 w 994226"/>
+                    <a:gd name="connsiteY1" fmla="*/ 393896 h 465956"/>
+                    <a:gd name="connsiteX2" fmla="*/ 994226 w 994226"/>
+                    <a:gd name="connsiteY2" fmla="*/ 465956 h 465956"/>
+                    <a:gd name="connsiteX0" fmla="*/ 0 w 994226"/>
+                    <a:gd name="connsiteY0" fmla="*/ 0 h 465956"/>
+                    <a:gd name="connsiteX1" fmla="*/ 321615 w 994226"/>
+                    <a:gd name="connsiteY1" fmla="*/ 358178 h 465956"/>
+                    <a:gd name="connsiteX2" fmla="*/ 994226 w 994226"/>
+                    <a:gd name="connsiteY2" fmla="*/ 465956 h 465956"/>
+                    <a:gd name="connsiteX0" fmla="*/ 0 w 982320"/>
+                    <a:gd name="connsiteY0" fmla="*/ 0 h 396466"/>
+                    <a:gd name="connsiteX1" fmla="*/ 321615 w 982320"/>
+                    <a:gd name="connsiteY1" fmla="*/ 358178 h 396466"/>
+                    <a:gd name="connsiteX2" fmla="*/ 982320 w 982320"/>
+                    <a:gd name="connsiteY2" fmla="*/ 373087 h 396466"/>
+                    <a:gd name="connsiteX0" fmla="*/ 0 w 982320"/>
+                    <a:gd name="connsiteY0" fmla="*/ 0 h 404098"/>
+                    <a:gd name="connsiteX1" fmla="*/ 321615 w 982320"/>
+                    <a:gd name="connsiteY1" fmla="*/ 358178 h 404098"/>
+                    <a:gd name="connsiteX2" fmla="*/ 982320 w 982320"/>
+                    <a:gd name="connsiteY2" fmla="*/ 373087 h 404098"/>
+                  </a:gdLst>
+                  <a:ahLst/>
+                  <a:cxnLst>
+                    <a:cxn ang="0">
+                      <a:pos x="connsiteX0" y="connsiteY0"/>
+                    </a:cxn>
+                    <a:cxn ang="0">
+                      <a:pos x="connsiteX1" y="connsiteY1"/>
+                    </a:cxn>
+                    <a:cxn ang="0">
+                      <a:pos x="connsiteX2" y="connsiteY2"/>
+                    </a:cxn>
+                  </a:cxnLst>
+                  <a:rect l="l" t="t" r="r" b="b"/>
+                  <a:pathLst>
+                    <a:path w="982320" h="404098">
+                      <a:moveTo>
+                        <a:pt x="0" y="0"/>
+                      </a:moveTo>
+                      <a:cubicBezTo>
+                        <a:pt x="2747" y="169032"/>
+                        <a:pt x="131701" y="273772"/>
+                        <a:pt x="321615" y="358178"/>
+                      </a:cubicBezTo>
+                      <a:cubicBezTo>
+                        <a:pt x="511529" y="442584"/>
+                        <a:pt x="648102" y="387594"/>
+                        <a:pt x="982320" y="373087"/>
+                      </a:cubicBezTo>
+                    </a:path>
+                  </a:pathLst>
+                </a:custGeom>
+                <a:noFill/>
+                <a:ln w="38100">
+                  <a:solidFill>
+                    <a:schemeClr val="accent5"/>
+                  </a:solidFill>
+                  <a:prstDash val="dash"/>
+                </a:ln>
+              </p:spPr>
+              <p:style>
+                <a:lnRef idx="2">
+                  <a:schemeClr val="accent1">
+                    <a:shade val="15000"/>
+                  </a:schemeClr>
+                </a:lnRef>
+                <a:fillRef idx="1">
+                  <a:schemeClr val="accent1"/>
+                </a:fillRef>
+                <a:effectRef idx="0">
+                  <a:schemeClr val="accent1"/>
+                </a:effectRef>
+                <a:fontRef idx="minor">
+                  <a:schemeClr val="lt1"/>
+                </a:fontRef>
+              </p:style>
+              <p:txBody>
+                <a:bodyPr rtlCol="0" anchor="ctr"/>
+                <a:lstStyle/>
+                <a:p>
+                  <a:pPr algn="ctr"/>
+                  <a:endParaRPr lang="en-US"/>
+                </a:p>
+              </p:txBody>
+            </p:sp>
+            <p:sp>
+              <p:nvSpPr>
+                <p:cNvPr id="32" name="Freeform: Shape 31">
+                  <a:extLst>
+                    <a:ext uri="{FF2B5EF4-FFF2-40B4-BE49-F238E27FC236}">
+                      <a16:creationId xmlns:a16="http://schemas.microsoft.com/office/drawing/2014/main" id="{060DA900-C5AC-E46C-B3F5-7CF7118A0012}"/>
+                    </a:ext>
+                  </a:extLst>
+                </p:cNvPr>
+                <p:cNvSpPr/>
+                <p:nvPr/>
+              </p:nvSpPr>
+              <p:spPr>
+                <a:xfrm flipH="1" flipV="1">
+                  <a:off x="2464740" y="2297853"/>
+                  <a:ext cx="1325221" cy="410203"/>
+                </a:xfrm>
+                <a:custGeom>
+                  <a:avLst/>
+                  <a:gdLst>
+                    <a:gd name="connsiteX0" fmla="*/ 0 w 1139483"/>
+                    <a:gd name="connsiteY0" fmla="*/ 0 h 506437"/>
+                    <a:gd name="connsiteX1" fmla="*/ 295421 w 1139483"/>
+                    <a:gd name="connsiteY1" fmla="*/ 393896 h 506437"/>
+                    <a:gd name="connsiteX2" fmla="*/ 1139483 w 1139483"/>
+                    <a:gd name="connsiteY2" fmla="*/ 506437 h 506437"/>
+                    <a:gd name="connsiteX0" fmla="*/ 0 w 1210921"/>
+                    <a:gd name="connsiteY0" fmla="*/ 0 h 370706"/>
+                    <a:gd name="connsiteX1" fmla="*/ 366859 w 1210921"/>
+                    <a:gd name="connsiteY1" fmla="*/ 258165 h 370706"/>
+                    <a:gd name="connsiteX2" fmla="*/ 1210921 w 1210921"/>
+                    <a:gd name="connsiteY2" fmla="*/ 370706 h 370706"/>
+                    <a:gd name="connsiteX0" fmla="*/ 0 w 1210921"/>
+                    <a:gd name="connsiteY0" fmla="*/ 0 h 370706"/>
+                    <a:gd name="connsiteX1" fmla="*/ 366859 w 1210921"/>
+                    <a:gd name="connsiteY1" fmla="*/ 258165 h 370706"/>
+                    <a:gd name="connsiteX2" fmla="*/ 1210921 w 1210921"/>
+                    <a:gd name="connsiteY2" fmla="*/ 370706 h 370706"/>
+                    <a:gd name="connsiteX0" fmla="*/ 0 w 1210921"/>
+                    <a:gd name="connsiteY0" fmla="*/ 0 h 373087"/>
+                    <a:gd name="connsiteX1" fmla="*/ 366859 w 1210921"/>
+                    <a:gd name="connsiteY1" fmla="*/ 260546 h 373087"/>
+                    <a:gd name="connsiteX2" fmla="*/ 1210921 w 1210921"/>
+                    <a:gd name="connsiteY2" fmla="*/ 373087 h 373087"/>
+                    <a:gd name="connsiteX0" fmla="*/ 0 w 1087096"/>
+                    <a:gd name="connsiteY0" fmla="*/ 0 h 365944"/>
+                    <a:gd name="connsiteX1" fmla="*/ 243034 w 1087096"/>
+                    <a:gd name="connsiteY1" fmla="*/ 253403 h 365944"/>
+                    <a:gd name="connsiteX2" fmla="*/ 1087096 w 1087096"/>
+                    <a:gd name="connsiteY2" fmla="*/ 365944 h 365944"/>
+                    <a:gd name="connsiteX0" fmla="*/ 0 w 1208540"/>
+                    <a:gd name="connsiteY0" fmla="*/ 0 h 363563"/>
+                    <a:gd name="connsiteX1" fmla="*/ 364478 w 1208540"/>
+                    <a:gd name="connsiteY1" fmla="*/ 251022 h 363563"/>
+                    <a:gd name="connsiteX2" fmla="*/ 1208540 w 1208540"/>
+                    <a:gd name="connsiteY2" fmla="*/ 363563 h 363563"/>
+                    <a:gd name="connsiteX0" fmla="*/ 0 w 1208540"/>
+                    <a:gd name="connsiteY0" fmla="*/ 0 h 363563"/>
+                    <a:gd name="connsiteX1" fmla="*/ 364478 w 1208540"/>
+                    <a:gd name="connsiteY1" fmla="*/ 251022 h 363563"/>
+                    <a:gd name="connsiteX2" fmla="*/ 1208540 w 1208540"/>
+                    <a:gd name="connsiteY2" fmla="*/ 363563 h 363563"/>
+                    <a:gd name="connsiteX0" fmla="*/ 0 w 1210921"/>
+                    <a:gd name="connsiteY0" fmla="*/ 0 h 368325"/>
+                    <a:gd name="connsiteX1" fmla="*/ 366859 w 1210921"/>
+                    <a:gd name="connsiteY1" fmla="*/ 255784 h 368325"/>
+                    <a:gd name="connsiteX2" fmla="*/ 1210921 w 1210921"/>
+                    <a:gd name="connsiteY2" fmla="*/ 368325 h 368325"/>
+                    <a:gd name="connsiteX0" fmla="*/ 0 w 1208540"/>
+                    <a:gd name="connsiteY0" fmla="*/ 0 h 373087"/>
+                    <a:gd name="connsiteX1" fmla="*/ 364478 w 1208540"/>
+                    <a:gd name="connsiteY1" fmla="*/ 260546 h 373087"/>
+                    <a:gd name="connsiteX2" fmla="*/ 1208540 w 1208540"/>
+                    <a:gd name="connsiteY2" fmla="*/ 373087 h 373087"/>
+                    <a:gd name="connsiteX0" fmla="*/ 0 w 1363321"/>
+                    <a:gd name="connsiteY0" fmla="*/ 0 h 380231"/>
+                    <a:gd name="connsiteX1" fmla="*/ 364478 w 1363321"/>
+                    <a:gd name="connsiteY1" fmla="*/ 260546 h 380231"/>
+                    <a:gd name="connsiteX2" fmla="*/ 1363321 w 1363321"/>
+                    <a:gd name="connsiteY2" fmla="*/ 380231 h 380231"/>
+                    <a:gd name="connsiteX0" fmla="*/ 0 w 1325221"/>
+                    <a:gd name="connsiteY0" fmla="*/ 0 h 377850"/>
+                    <a:gd name="connsiteX1" fmla="*/ 364478 w 1325221"/>
+                    <a:gd name="connsiteY1" fmla="*/ 260546 h 377850"/>
+                    <a:gd name="connsiteX2" fmla="*/ 1325221 w 1325221"/>
+                    <a:gd name="connsiteY2" fmla="*/ 377850 h 377850"/>
+                    <a:gd name="connsiteX0" fmla="*/ 0 w 1325221"/>
+                    <a:gd name="connsiteY0" fmla="*/ 0 h 377982"/>
+                    <a:gd name="connsiteX1" fmla="*/ 364478 w 1325221"/>
+                    <a:gd name="connsiteY1" fmla="*/ 260546 h 377982"/>
+                    <a:gd name="connsiteX2" fmla="*/ 1325221 w 1325221"/>
+                    <a:gd name="connsiteY2" fmla="*/ 377850 h 377982"/>
+                    <a:gd name="connsiteX0" fmla="*/ 0 w 1325221"/>
+                    <a:gd name="connsiteY0" fmla="*/ 0 h 378132"/>
+                    <a:gd name="connsiteX1" fmla="*/ 219222 w 1325221"/>
+                    <a:gd name="connsiteY1" fmla="*/ 281977 h 378132"/>
+                    <a:gd name="connsiteX2" fmla="*/ 1325221 w 1325221"/>
+                    <a:gd name="connsiteY2" fmla="*/ 377850 h 378132"/>
+                    <a:gd name="connsiteX0" fmla="*/ 0 w 1325221"/>
+                    <a:gd name="connsiteY0" fmla="*/ 0 h 377912"/>
+                    <a:gd name="connsiteX1" fmla="*/ 254941 w 1325221"/>
+                    <a:gd name="connsiteY1" fmla="*/ 217683 h 377912"/>
+                    <a:gd name="connsiteX2" fmla="*/ 1325221 w 1325221"/>
+                    <a:gd name="connsiteY2" fmla="*/ 377850 h 377912"/>
+                    <a:gd name="connsiteX0" fmla="*/ 0 w 1325221"/>
+                    <a:gd name="connsiteY0" fmla="*/ 0 h 377912"/>
+                    <a:gd name="connsiteX1" fmla="*/ 254941 w 1325221"/>
+                    <a:gd name="connsiteY1" fmla="*/ 217683 h 377912"/>
+                    <a:gd name="connsiteX2" fmla="*/ 1325221 w 1325221"/>
+                    <a:gd name="connsiteY2" fmla="*/ 377850 h 377912"/>
+                    <a:gd name="connsiteX0" fmla="*/ 0 w 1325221"/>
+                    <a:gd name="connsiteY0" fmla="*/ 0 h 377912"/>
+                    <a:gd name="connsiteX1" fmla="*/ 254941 w 1325221"/>
+                    <a:gd name="connsiteY1" fmla="*/ 217683 h 377912"/>
+                    <a:gd name="connsiteX2" fmla="*/ 1325221 w 1325221"/>
+                    <a:gd name="connsiteY2" fmla="*/ 377850 h 377912"/>
+                    <a:gd name="connsiteX0" fmla="*/ 0 w 1325221"/>
+                    <a:gd name="connsiteY0" fmla="*/ 0 h 407062"/>
+                    <a:gd name="connsiteX1" fmla="*/ 433534 w 1325221"/>
+                    <a:gd name="connsiteY1" fmla="*/ 365320 h 407062"/>
+                    <a:gd name="connsiteX2" fmla="*/ 1325221 w 1325221"/>
+                    <a:gd name="connsiteY2" fmla="*/ 377850 h 407062"/>
+                    <a:gd name="connsiteX0" fmla="*/ 0 w 1325221"/>
+                    <a:gd name="connsiteY0" fmla="*/ 0 h 410203"/>
+                    <a:gd name="connsiteX1" fmla="*/ 433534 w 1325221"/>
+                    <a:gd name="connsiteY1" fmla="*/ 365320 h 410203"/>
+                    <a:gd name="connsiteX2" fmla="*/ 1325221 w 1325221"/>
+                    <a:gd name="connsiteY2" fmla="*/ 377850 h 410203"/>
+                    <a:gd name="connsiteX0" fmla="*/ 0 w 1325221"/>
+                    <a:gd name="connsiteY0" fmla="*/ 0 h 410203"/>
+                    <a:gd name="connsiteX1" fmla="*/ 433534 w 1325221"/>
+                    <a:gd name="connsiteY1" fmla="*/ 365320 h 410203"/>
+                    <a:gd name="connsiteX2" fmla="*/ 1325221 w 1325221"/>
+                    <a:gd name="connsiteY2" fmla="*/ 377850 h 410203"/>
+                    <a:gd name="connsiteX0" fmla="*/ 0 w 1325221"/>
+                    <a:gd name="connsiteY0" fmla="*/ 0 h 410203"/>
+                    <a:gd name="connsiteX1" fmla="*/ 433534 w 1325221"/>
+                    <a:gd name="connsiteY1" fmla="*/ 365320 h 410203"/>
+                    <a:gd name="connsiteX2" fmla="*/ 1325221 w 1325221"/>
+                    <a:gd name="connsiteY2" fmla="*/ 377850 h 410203"/>
+                  </a:gdLst>
+                  <a:ahLst/>
+                  <a:cxnLst>
+                    <a:cxn ang="0">
+                      <a:pos x="connsiteX0" y="connsiteY0"/>
+                    </a:cxn>
+                    <a:cxn ang="0">
+                      <a:pos x="connsiteX1" y="connsiteY1"/>
+                    </a:cxn>
+                    <a:cxn ang="0">
+                      <a:pos x="connsiteX2" y="connsiteY2"/>
+                    </a:cxn>
+                  </a:cxnLst>
+                  <a:rect l="l" t="t" r="r" b="b"/>
+                  <a:pathLst>
+                    <a:path w="1325221" h="410203">
+                      <a:moveTo>
+                        <a:pt x="0" y="0"/>
+                      </a:moveTo>
+                      <a:cubicBezTo>
+                        <a:pt x="7510" y="116645"/>
+                        <a:pt x="243620" y="273770"/>
+                        <a:pt x="433534" y="365320"/>
+                      </a:cubicBezTo>
+                      <a:cubicBezTo>
+                        <a:pt x="623448" y="456870"/>
+                        <a:pt x="1000529" y="380450"/>
+                        <a:pt x="1325221" y="377850"/>
+                      </a:cubicBezTo>
+                    </a:path>
+                  </a:pathLst>
+                </a:custGeom>
+                <a:noFill/>
+                <a:ln w="38100">
+                  <a:solidFill>
+                    <a:schemeClr val="accent5"/>
+                  </a:solidFill>
+                  <a:prstDash val="dash"/>
+                </a:ln>
+              </p:spPr>
+              <p:style>
+                <a:lnRef idx="2">
+                  <a:schemeClr val="accent1">
+                    <a:shade val="15000"/>
+                  </a:schemeClr>
+                </a:lnRef>
+                <a:fillRef idx="1">
+                  <a:schemeClr val="accent1"/>
+                </a:fillRef>
+                <a:effectRef idx="0">
+                  <a:schemeClr val="accent1"/>
+                </a:effectRef>
+                <a:fontRef idx="minor">
+                  <a:schemeClr val="lt1"/>
+                </a:fontRef>
+              </p:style>
+              <p:txBody>
+                <a:bodyPr rtlCol="0" anchor="ctr"/>
+                <a:lstStyle/>
+                <a:p>
+                  <a:pPr algn="ctr"/>
+                  <a:endParaRPr lang="en-US"/>
+                </a:p>
+              </p:txBody>
+            </p:sp>
+            <p:cxnSp>
+              <p:nvCxnSpPr>
+                <p:cNvPr id="33" name="Straight Connector 32">
+                  <a:extLst>
+                    <a:ext uri="{FF2B5EF4-FFF2-40B4-BE49-F238E27FC236}">
+                      <a16:creationId xmlns:a16="http://schemas.microsoft.com/office/drawing/2014/main" id="{9CAA2F1D-C178-E9AA-4378-7AA52285D32F}"/>
+                    </a:ext>
+                  </a:extLst>
+                </p:cNvPr>
+                <p:cNvCxnSpPr>
+                  <a:cxnSpLocks/>
+                </p:cNvCxnSpPr>
+                <p:nvPr/>
+              </p:nvCxnSpPr>
+              <p:spPr>
+                <a:xfrm>
+                  <a:off x="1419225" y="2863850"/>
+                  <a:ext cx="953818" cy="1924050"/>
+                </a:xfrm>
+                <a:prstGeom prst="line">
+                  <a:avLst/>
+                </a:prstGeom>
+                <a:noFill/>
+                <a:ln w="38100">
+                  <a:solidFill>
+                    <a:schemeClr val="accent5"/>
+                  </a:solidFill>
+                </a:ln>
+              </p:spPr>
+              <p:style>
+                <a:lnRef idx="2">
+                  <a:schemeClr val="accent1">
+                    <a:shade val="15000"/>
+                  </a:schemeClr>
+                </a:lnRef>
+                <a:fillRef idx="1">
+                  <a:schemeClr val="accent1"/>
+                </a:fillRef>
+                <a:effectRef idx="0">
+                  <a:schemeClr val="accent1"/>
+                </a:effectRef>
+                <a:fontRef idx="minor">
+                  <a:schemeClr val="lt1"/>
+                </a:fontRef>
+              </p:style>
+            </p:cxnSp>
+            <p:cxnSp>
+              <p:nvCxnSpPr>
+                <p:cNvPr id="34" name="Straight Connector 33">
+                  <a:extLst>
+                    <a:ext uri="{FF2B5EF4-FFF2-40B4-BE49-F238E27FC236}">
+                      <a16:creationId xmlns:a16="http://schemas.microsoft.com/office/drawing/2014/main" id="{E926E98B-23C6-E058-9574-EAF2B21EEF32}"/>
+                    </a:ext>
+                  </a:extLst>
+                </p:cNvPr>
+                <p:cNvCxnSpPr>
+                  <a:cxnSpLocks/>
+                </p:cNvCxnSpPr>
+                <p:nvPr/>
+              </p:nvCxnSpPr>
+              <p:spPr>
+                <a:xfrm flipH="1">
+                  <a:off x="2373043" y="2901293"/>
+                  <a:ext cx="1371265" cy="1886607"/>
+                </a:xfrm>
+                <a:prstGeom prst="line">
+                  <a:avLst/>
+                </a:prstGeom>
+                <a:noFill/>
+                <a:ln w="38100">
+                  <a:solidFill>
+                    <a:schemeClr val="accent5"/>
+                  </a:solidFill>
+                </a:ln>
+              </p:spPr>
+              <p:style>
+                <a:lnRef idx="2">
+                  <a:schemeClr val="accent1">
+                    <a:shade val="15000"/>
+                  </a:schemeClr>
+                </a:lnRef>
+                <a:fillRef idx="1">
+                  <a:schemeClr val="accent1"/>
+                </a:fillRef>
+                <a:effectRef idx="0">
+                  <a:schemeClr val="accent1"/>
+                </a:effectRef>
+                <a:fontRef idx="minor">
+                  <a:schemeClr val="lt1"/>
+                </a:fontRef>
+              </p:style>
+            </p:cxnSp>
+            <p:cxnSp>
+              <p:nvCxnSpPr>
+                <p:cNvPr id="35" name="Straight Connector 34">
+                  <a:extLst>
+                    <a:ext uri="{FF2B5EF4-FFF2-40B4-BE49-F238E27FC236}">
+                      <a16:creationId xmlns:a16="http://schemas.microsoft.com/office/drawing/2014/main" id="{FDD02A2E-A63F-5B1A-37B3-F147779922FB}"/>
+                    </a:ext>
+                  </a:extLst>
+                </p:cNvPr>
+                <p:cNvCxnSpPr>
+                  <a:stCxn id="30" idx="2"/>
+                </p:cNvCxnSpPr>
+                <p:nvPr/>
+              </p:nvCxnSpPr>
+              <p:spPr>
+                <a:xfrm flipH="1">
+                  <a:off x="2373043" y="3206916"/>
+                  <a:ext cx="276227" cy="1580984"/>
+                </a:xfrm>
+                <a:prstGeom prst="line">
+                  <a:avLst/>
+                </a:prstGeom>
+                <a:noFill/>
+                <a:ln w="38100">
+                  <a:solidFill>
+                    <a:schemeClr val="accent5"/>
+                  </a:solidFill>
+                </a:ln>
+              </p:spPr>
+              <p:style>
+                <a:lnRef idx="2">
+                  <a:schemeClr val="accent1">
+                    <a:shade val="15000"/>
+                  </a:schemeClr>
+                </a:lnRef>
+                <a:fillRef idx="1">
+                  <a:schemeClr val="accent1"/>
+                </a:fillRef>
+                <a:effectRef idx="0">
+                  <a:schemeClr val="accent1"/>
+                </a:effectRef>
+                <a:fontRef idx="minor">
+                  <a:schemeClr val="lt1"/>
+                </a:fontRef>
+              </p:style>
+            </p:cxnSp>
+            <p:cxnSp>
+              <p:nvCxnSpPr>
+                <p:cNvPr id="36" name="Straight Connector 35">
+                  <a:extLst>
+                    <a:ext uri="{FF2B5EF4-FFF2-40B4-BE49-F238E27FC236}">
+                      <a16:creationId xmlns:a16="http://schemas.microsoft.com/office/drawing/2014/main" id="{0B8E49D2-BCF9-CE7A-C535-7156423E579B}"/>
+                    </a:ext>
+                  </a:extLst>
+                </p:cNvPr>
+                <p:cNvCxnSpPr>
+                  <a:cxnSpLocks/>
+                </p:cNvCxnSpPr>
+                <p:nvPr/>
+              </p:nvCxnSpPr>
+              <p:spPr>
+                <a:xfrm>
+                  <a:off x="2373043" y="2343150"/>
+                  <a:ext cx="0" cy="2444750"/>
+                </a:xfrm>
+                <a:prstGeom prst="line">
+                  <a:avLst/>
+                </a:prstGeom>
+                <a:noFill/>
+                <a:ln w="38100">
+                  <a:solidFill>
+                    <a:schemeClr val="accent5"/>
+                  </a:solidFill>
+                  <a:prstDash val="dash"/>
+                </a:ln>
+              </p:spPr>
+              <p:style>
+                <a:lnRef idx="2">
+                  <a:schemeClr val="accent1">
+                    <a:shade val="15000"/>
+                  </a:schemeClr>
+                </a:lnRef>
+                <a:fillRef idx="1">
+                  <a:schemeClr val="accent1"/>
+                </a:fillRef>
+                <a:effectRef idx="0">
+                  <a:schemeClr val="accent1"/>
+                </a:effectRef>
+                <a:fontRef idx="minor">
+                  <a:schemeClr val="lt1"/>
+                </a:fontRef>
+              </p:style>
+            </p:cxnSp>
+            <p:sp>
+              <p:nvSpPr>
+                <p:cNvPr id="37" name="Freeform: Shape 36">
+                  <a:extLst>
+                    <a:ext uri="{FF2B5EF4-FFF2-40B4-BE49-F238E27FC236}">
+                      <a16:creationId xmlns:a16="http://schemas.microsoft.com/office/drawing/2014/main" id="{B3827BD4-4CD6-39BA-91B8-7346691CEB55}"/>
+                    </a:ext>
+                  </a:extLst>
+                </p:cNvPr>
+                <p:cNvSpPr/>
+                <p:nvPr/>
+              </p:nvSpPr>
+              <p:spPr>
+                <a:xfrm>
+                  <a:off x="1390391" y="1651592"/>
+                  <a:ext cx="2397188" cy="1060211"/>
+                </a:xfrm>
+                <a:custGeom>
+                  <a:avLst/>
+                  <a:gdLst>
+                    <a:gd name="connsiteX0" fmla="*/ 0 w 2194560"/>
+                    <a:gd name="connsiteY0" fmla="*/ 799656 h 884062"/>
+                    <a:gd name="connsiteX1" fmla="*/ 527538 w 2194560"/>
+                    <a:gd name="connsiteY1" fmla="*/ 159576 h 884062"/>
+                    <a:gd name="connsiteX2" fmla="*/ 1463040 w 2194560"/>
+                    <a:gd name="connsiteY2" fmla="*/ 54069 h 884062"/>
+                    <a:gd name="connsiteX3" fmla="*/ 2194560 w 2194560"/>
+                    <a:gd name="connsiteY3" fmla="*/ 884062 h 884062"/>
+                    <a:gd name="connsiteX0" fmla="*/ 0 w 2194560"/>
+                    <a:gd name="connsiteY0" fmla="*/ 799656 h 884062"/>
+                    <a:gd name="connsiteX1" fmla="*/ 527538 w 2194560"/>
+                    <a:gd name="connsiteY1" fmla="*/ 159576 h 884062"/>
+                    <a:gd name="connsiteX2" fmla="*/ 1463040 w 2194560"/>
+                    <a:gd name="connsiteY2" fmla="*/ 54069 h 884062"/>
+                    <a:gd name="connsiteX3" fmla="*/ 2194560 w 2194560"/>
+                    <a:gd name="connsiteY3" fmla="*/ 884062 h 884062"/>
+                    <a:gd name="connsiteX0" fmla="*/ 0 w 2194560"/>
+                    <a:gd name="connsiteY0" fmla="*/ 799656 h 884062"/>
+                    <a:gd name="connsiteX1" fmla="*/ 527538 w 2194560"/>
+                    <a:gd name="connsiteY1" fmla="*/ 159576 h 884062"/>
+                    <a:gd name="connsiteX2" fmla="*/ 1463040 w 2194560"/>
+                    <a:gd name="connsiteY2" fmla="*/ 54069 h 884062"/>
+                    <a:gd name="connsiteX3" fmla="*/ 2194560 w 2194560"/>
+                    <a:gd name="connsiteY3" fmla="*/ 884062 h 884062"/>
+                    <a:gd name="connsiteX0" fmla="*/ 0 w 2330291"/>
+                    <a:gd name="connsiteY0" fmla="*/ 1288023 h 1288023"/>
+                    <a:gd name="connsiteX1" fmla="*/ 663269 w 2330291"/>
+                    <a:gd name="connsiteY1" fmla="*/ 178837 h 1288023"/>
+                    <a:gd name="connsiteX2" fmla="*/ 1598771 w 2330291"/>
+                    <a:gd name="connsiteY2" fmla="*/ 73330 h 1288023"/>
+                    <a:gd name="connsiteX3" fmla="*/ 2330291 w 2330291"/>
+                    <a:gd name="connsiteY3" fmla="*/ 903323 h 1288023"/>
+                    <a:gd name="connsiteX0" fmla="*/ 165 w 2330456"/>
+                    <a:gd name="connsiteY0" fmla="*/ 1288023 h 1288023"/>
+                    <a:gd name="connsiteX1" fmla="*/ 663434 w 2330456"/>
+                    <a:gd name="connsiteY1" fmla="*/ 178837 h 1288023"/>
+                    <a:gd name="connsiteX2" fmla="*/ 1598936 w 2330456"/>
+                    <a:gd name="connsiteY2" fmla="*/ 73330 h 1288023"/>
+                    <a:gd name="connsiteX3" fmla="*/ 2330456 w 2330456"/>
+                    <a:gd name="connsiteY3" fmla="*/ 903323 h 1288023"/>
+                    <a:gd name="connsiteX0" fmla="*/ 165 w 2330456"/>
+                    <a:gd name="connsiteY0" fmla="*/ 1273056 h 1273056"/>
+                    <a:gd name="connsiteX1" fmla="*/ 663434 w 2330456"/>
+                    <a:gd name="connsiteY1" fmla="*/ 178158 h 1273056"/>
+                    <a:gd name="connsiteX2" fmla="*/ 1598936 w 2330456"/>
+                    <a:gd name="connsiteY2" fmla="*/ 72651 h 1273056"/>
+                    <a:gd name="connsiteX3" fmla="*/ 2330456 w 2330456"/>
+                    <a:gd name="connsiteY3" fmla="*/ 902644 h 1273056"/>
+                    <a:gd name="connsiteX0" fmla="*/ 211 w 2330502"/>
+                    <a:gd name="connsiteY0" fmla="*/ 1242225 h 1242225"/>
+                    <a:gd name="connsiteX1" fmla="*/ 572992 w 2330502"/>
+                    <a:gd name="connsiteY1" fmla="*/ 280677 h 1242225"/>
+                    <a:gd name="connsiteX2" fmla="*/ 1598982 w 2330502"/>
+                    <a:gd name="connsiteY2" fmla="*/ 41820 h 1242225"/>
+                    <a:gd name="connsiteX3" fmla="*/ 2330502 w 2330502"/>
+                    <a:gd name="connsiteY3" fmla="*/ 871813 h 1242225"/>
+                    <a:gd name="connsiteX0" fmla="*/ 222 w 2330513"/>
+                    <a:gd name="connsiteY0" fmla="*/ 1032955 h 1032955"/>
+                    <a:gd name="connsiteX1" fmla="*/ 573003 w 2330513"/>
+                    <a:gd name="connsiteY1" fmla="*/ 71407 h 1032955"/>
+                    <a:gd name="connsiteX2" fmla="*/ 1689481 w 2330513"/>
+                    <a:gd name="connsiteY2" fmla="*/ 151638 h 1032955"/>
+                    <a:gd name="connsiteX3" fmla="*/ 2330513 w 2330513"/>
+                    <a:gd name="connsiteY3" fmla="*/ 662543 h 1032955"/>
+                    <a:gd name="connsiteX0" fmla="*/ 222 w 2397188"/>
+                    <a:gd name="connsiteY0" fmla="*/ 1032955 h 1060211"/>
+                    <a:gd name="connsiteX1" fmla="*/ 573003 w 2397188"/>
+                    <a:gd name="connsiteY1" fmla="*/ 71407 h 1060211"/>
+                    <a:gd name="connsiteX2" fmla="*/ 1689481 w 2397188"/>
+                    <a:gd name="connsiteY2" fmla="*/ 151638 h 1060211"/>
+                    <a:gd name="connsiteX3" fmla="*/ 2397188 w 2397188"/>
+                    <a:gd name="connsiteY3" fmla="*/ 1060211 h 1060211"/>
+                    <a:gd name="connsiteX0" fmla="*/ 222 w 2397188"/>
+                    <a:gd name="connsiteY0" fmla="*/ 1032955 h 1060211"/>
+                    <a:gd name="connsiteX1" fmla="*/ 573003 w 2397188"/>
+                    <a:gd name="connsiteY1" fmla="*/ 71407 h 1060211"/>
+                    <a:gd name="connsiteX2" fmla="*/ 1689481 w 2397188"/>
+                    <a:gd name="connsiteY2" fmla="*/ 151638 h 1060211"/>
+                    <a:gd name="connsiteX3" fmla="*/ 2397188 w 2397188"/>
+                    <a:gd name="connsiteY3" fmla="*/ 1060211 h 1060211"/>
+                  </a:gdLst>
+                  <a:ahLst/>
+                  <a:cxnLst>
+                    <a:cxn ang="0">
+                      <a:pos x="connsiteX0" y="connsiteY0"/>
+                    </a:cxn>
+                    <a:cxn ang="0">
+                      <a:pos x="connsiteX1" y="connsiteY1"/>
+                    </a:cxn>
+                    <a:cxn ang="0">
+                      <a:pos x="connsiteX2" y="connsiteY2"/>
+                    </a:cxn>
+                    <a:cxn ang="0">
+                      <a:pos x="connsiteX3" y="connsiteY3"/>
+                    </a:cxn>
+                  </a:cxnLst>
+                  <a:rect l="l" t="t" r="r" b="b"/>
+                  <a:pathLst>
+                    <a:path w="2397188" h="1060211">
+                      <a:moveTo>
+                        <a:pt x="222" y="1032955"/>
+                      </a:moveTo>
+                      <a:cubicBezTo>
+                        <a:pt x="-9340" y="677636"/>
+                        <a:pt x="291460" y="218293"/>
+                        <a:pt x="573003" y="71407"/>
+                      </a:cubicBezTo>
+                      <a:cubicBezTo>
+                        <a:pt x="854546" y="-75479"/>
+                        <a:pt x="1411644" y="30890"/>
+                        <a:pt x="1689481" y="151638"/>
+                      </a:cubicBezTo>
+                      <a:cubicBezTo>
+                        <a:pt x="1967318" y="272386"/>
+                        <a:pt x="2386234" y="705588"/>
+                        <a:pt x="2397188" y="1060211"/>
+                      </a:cubicBezTo>
+                    </a:path>
+                  </a:pathLst>
+                </a:custGeom>
+                <a:noFill/>
+                <a:ln w="38100">
+                  <a:solidFill>
+                    <a:schemeClr val="accent5"/>
+                  </a:solidFill>
+                </a:ln>
+              </p:spPr>
+              <p:style>
+                <a:lnRef idx="2">
+                  <a:schemeClr val="accent1">
+                    <a:shade val="15000"/>
+                  </a:schemeClr>
+                </a:lnRef>
+                <a:fillRef idx="1">
+                  <a:schemeClr val="accent1"/>
+                </a:fillRef>
+                <a:effectRef idx="0">
+                  <a:schemeClr val="accent1"/>
+                </a:effectRef>
+                <a:fontRef idx="minor">
+                  <a:schemeClr val="lt1"/>
+                </a:fontRef>
+              </p:style>
+              <p:txBody>
+                <a:bodyPr rtlCol="0" anchor="ctr"/>
+                <a:lstStyle/>
+                <a:p>
+                  <a:pPr algn="ctr"/>
+                  <a:endParaRPr lang="en-US"/>
+                </a:p>
+              </p:txBody>
+            </p:sp>
+          </p:grpSp>
+          <mc:AlternateContent xmlns:mc="http://schemas.openxmlformats.org/markup-compatibility/2006" xmlns:a14="http://schemas.microsoft.com/office/drawing/2010/main">
+            <mc:Choice Requires="a14">
+              <p:sp>
+                <p:nvSpPr>
+                  <p:cNvPr id="21" name="TextBox 20">
+                    <a:extLst>
+                      <a:ext uri="{FF2B5EF4-FFF2-40B4-BE49-F238E27FC236}">
+                        <a16:creationId xmlns:a16="http://schemas.microsoft.com/office/drawing/2014/main" id="{1E5E46CA-68CE-3566-2B65-CDC2751D2B71}"/>
+                      </a:ext>
+                    </a:extLst>
+                  </p:cNvPr>
+                  <p:cNvSpPr txBox="1"/>
+                  <p:nvPr/>
+                </p:nvSpPr>
+                <p:spPr>
+                  <a:xfrm>
+                    <a:off x="3789604" y="1260711"/>
+                    <a:ext cx="463588" cy="523220"/>
+                  </a:xfrm>
+                  <a:prstGeom prst="rect">
+                    <a:avLst/>
+                  </a:prstGeom>
+                  <a:noFill/>
+                </p:spPr>
+                <p:txBody>
+                  <a:bodyPr wrap="none" rtlCol="0">
+                    <a:spAutoFit/>
+                  </a:bodyPr>
+                  <a:lstStyle/>
+                  <a:p>
+                    <a:pPr/>
+                    <a14:m>
+                      <m:oMathPara xmlns:m="http://schemas.openxmlformats.org/officeDocument/2006/math">
+                        <m:oMathParaPr>
+                          <m:jc m:val="centerGroup"/>
+                        </m:oMathParaPr>
+                        <m:oMath xmlns:m="http://schemas.openxmlformats.org/officeDocument/2006/math">
+                          <m:r>
+                            <m:rPr>
+                              <m:sty m:val="p"/>
+                            </m:rPr>
+                            <a:rPr lang="en-US" sz="2800" b="0" i="1" smtClean="0">
+                              <a:latin typeface="Cambria Math" panose="02040503050406030204" pitchFamily="18" charset="0"/>
+                            </a:rPr>
+                            <m:t>Σ</m:t>
+                          </m:r>
+                        </m:oMath>
+                      </m:oMathPara>
+                    </a14:m>
+                    <a:endParaRPr lang="en-US" sz="2800" b="0" dirty="0"/>
+                  </a:p>
+                </p:txBody>
+              </p:sp>
+            </mc:Choice>
+            <mc:Fallback xmlns="">
+              <p:sp>
+                <p:nvSpPr>
+                  <p:cNvPr id="21" name="TextBox 20">
+                    <a:extLst>
+                      <a:ext uri="{FF2B5EF4-FFF2-40B4-BE49-F238E27FC236}">
+                        <a16:creationId xmlns:a16="http://schemas.microsoft.com/office/drawing/2014/main" id="{119BD0A1-4391-5E8F-FE27-F04711DA90C0}"/>
+                      </a:ext>
+                    </a:extLst>
+                  </p:cNvPr>
+                  <p:cNvSpPr txBox="1">
+                    <a:spLocks noRot="1" noChangeAspect="1" noMove="1" noResize="1" noEditPoints="1" noAdjustHandles="1" noChangeArrowheads="1" noChangeShapeType="1" noTextEdit="1"/>
+                  </p:cNvSpPr>
+                  <p:nvPr/>
+                </p:nvSpPr>
+                <p:spPr>
+                  <a:xfrm>
+                    <a:off x="3789604" y="1260711"/>
+                    <a:ext cx="463588" cy="523220"/>
+                  </a:xfrm>
+                  <a:prstGeom prst="rect">
+                    <a:avLst/>
+                  </a:prstGeom>
+                  <a:blipFill>
+                    <a:blip r:embed="rId8"/>
+                    <a:stretch>
+                      <a:fillRect/>
+                    </a:stretch>
+                  </a:blipFill>
+                </p:spPr>
+                <p:txBody>
+                  <a:bodyPr/>
+                  <a:lstStyle/>
+                  <a:p>
+                    <a:r>
+                      <a:rPr lang="en-US">
+                        <a:noFill/>
+                      </a:rPr>
+                      <a:t> </a:t>
+                    </a:r>
+                  </a:p>
+                </p:txBody>
+              </p:sp>
+            </mc:Fallback>
+          </mc:AlternateContent>
+          <mc:AlternateContent xmlns:mc="http://schemas.openxmlformats.org/markup-compatibility/2006" xmlns:a14="http://schemas.microsoft.com/office/drawing/2010/main">
+            <mc:Choice Requires="a14">
+              <p:sp>
+                <p:nvSpPr>
+                  <p:cNvPr id="23" name="TextBox 22">
+                    <a:extLst>
+                      <a:ext uri="{FF2B5EF4-FFF2-40B4-BE49-F238E27FC236}">
+                        <a16:creationId xmlns:a16="http://schemas.microsoft.com/office/drawing/2014/main" id="{6A701D27-28A6-6F4A-F286-AAE1B2F199BB}"/>
+                      </a:ext>
+                    </a:extLst>
+                  </p:cNvPr>
+                  <p:cNvSpPr txBox="1"/>
+                  <p:nvPr/>
+                </p:nvSpPr>
+                <p:spPr>
+                  <a:xfrm>
+                    <a:off x="1995921" y="1783931"/>
+                    <a:ext cx="616323" cy="523220"/>
+                  </a:xfrm>
+                  <a:prstGeom prst="rect">
+                    <a:avLst/>
+                  </a:prstGeom>
+                  <a:noFill/>
+                </p:spPr>
+                <p:txBody>
+                  <a:bodyPr wrap="none" rtlCol="0">
+                    <a:spAutoFit/>
+                  </a:bodyPr>
+                  <a:lstStyle/>
+                  <a:p>
+                    <a:pPr/>
+                    <a14:m>
+                      <m:oMathPara xmlns:m="http://schemas.openxmlformats.org/officeDocument/2006/math">
+                        <m:oMathParaPr>
+                          <m:jc m:val="centerGroup"/>
+                        </m:oMathParaPr>
+                        <m:oMath xmlns:m="http://schemas.openxmlformats.org/officeDocument/2006/math">
+                          <m:sSub>
+                            <m:sSubPr>
+                              <m:ctrlPr>
+                                <a:rPr lang="en-US" sz="2800" b="0" i="1" smtClean="0">
+                                  <a:latin typeface="Cambria Math" panose="02040503050406030204" pitchFamily="18" charset="0"/>
+                                </a:rPr>
+                              </m:ctrlPr>
+                            </m:sSubPr>
+                            <m:e>
+                              <m:r>
+                                <a:rPr lang="en-US" sz="2800" b="0" i="1" smtClean="0">
+                                  <a:latin typeface="Cambria Math" panose="02040503050406030204" pitchFamily="18" charset="0"/>
+                                </a:rPr>
+                                <m:t>𝛾</m:t>
+                              </m:r>
+                            </m:e>
+                            <m:sub>
+                              <m:r>
+                                <a:rPr lang="en-US" sz="2800" b="0" i="1" smtClean="0">
+                                  <a:latin typeface="Cambria Math" panose="02040503050406030204" pitchFamily="18" charset="0"/>
+                                </a:rPr>
+                                <m:t>𝐴</m:t>
+                              </m:r>
+                            </m:sub>
+                          </m:sSub>
+                        </m:oMath>
+                      </m:oMathPara>
+                    </a14:m>
+                    <a:endParaRPr lang="en-US" sz="2800" b="0" dirty="0"/>
+                  </a:p>
+                </p:txBody>
+              </p:sp>
+            </mc:Choice>
+            <mc:Fallback xmlns="">
+              <p:sp>
+                <p:nvSpPr>
+                  <p:cNvPr id="23" name="TextBox 22">
+                    <a:extLst>
+                      <a:ext uri="{FF2B5EF4-FFF2-40B4-BE49-F238E27FC236}">
+                        <a16:creationId xmlns:a16="http://schemas.microsoft.com/office/drawing/2014/main" id="{AC6C6D18-591D-CD33-6EB2-B4AA511DC580}"/>
+                      </a:ext>
+                    </a:extLst>
+                  </p:cNvPr>
+                  <p:cNvSpPr txBox="1">
+                    <a:spLocks noRot="1" noChangeAspect="1" noMove="1" noResize="1" noEditPoints="1" noAdjustHandles="1" noChangeArrowheads="1" noChangeShapeType="1" noTextEdit="1"/>
+                  </p:cNvSpPr>
+                  <p:nvPr/>
+                </p:nvSpPr>
+                <p:spPr>
+                  <a:xfrm>
+                    <a:off x="1995921" y="1783931"/>
+                    <a:ext cx="616323" cy="523220"/>
+                  </a:xfrm>
+                  <a:prstGeom prst="rect">
+                    <a:avLst/>
+                  </a:prstGeom>
+                  <a:blipFill>
+                    <a:blip r:embed="rId10"/>
+                    <a:stretch>
+                      <a:fillRect/>
+                    </a:stretch>
+                  </a:blipFill>
+                </p:spPr>
+                <p:txBody>
+                  <a:bodyPr/>
+                  <a:lstStyle/>
+                  <a:p>
+                    <a:r>
+                      <a:rPr lang="en-US">
+                        <a:noFill/>
+                      </a:rPr>
+                      <a:t> </a:t>
+                    </a:r>
+                  </a:p>
+                </p:txBody>
+              </p:sp>
+            </mc:Fallback>
+          </mc:AlternateContent>
+          <mc:AlternateContent xmlns:mc="http://schemas.openxmlformats.org/markup-compatibility/2006" xmlns:a14="http://schemas.microsoft.com/office/drawing/2010/main">
+            <mc:Choice Requires="a14">
+              <p:sp>
+                <p:nvSpPr>
+                  <p:cNvPr id="24" name="TextBox 23">
+                    <a:extLst>
+                      <a:ext uri="{FF2B5EF4-FFF2-40B4-BE49-F238E27FC236}">
+                        <a16:creationId xmlns:a16="http://schemas.microsoft.com/office/drawing/2014/main" id="{002FF599-69FB-011C-8526-217A5FF1123F}"/>
+                      </a:ext>
+                    </a:extLst>
+                  </p:cNvPr>
+                  <p:cNvSpPr txBox="1"/>
+                  <p:nvPr/>
+                </p:nvSpPr>
+                <p:spPr>
+                  <a:xfrm>
+                    <a:off x="3784857" y="2936431"/>
+                    <a:ext cx="643509" cy="523220"/>
+                  </a:xfrm>
+                  <a:prstGeom prst="rect">
+                    <a:avLst/>
+                  </a:prstGeom>
+                  <a:noFill/>
+                </p:spPr>
+                <p:txBody>
+                  <a:bodyPr wrap="none" rtlCol="0">
+                    <a:spAutoFit/>
+                  </a:bodyPr>
+                  <a:lstStyle/>
+                  <a:p>
+                    <a:pPr/>
+                    <a14:m>
+                      <m:oMathPara xmlns:m="http://schemas.openxmlformats.org/officeDocument/2006/math">
+                        <m:oMathParaPr>
+                          <m:jc m:val="centerGroup"/>
+                        </m:oMathParaPr>
+                        <m:oMath xmlns:m="http://schemas.openxmlformats.org/officeDocument/2006/math">
+                          <m:sSub>
+                            <m:sSubPr>
+                              <m:ctrlPr>
+                                <a:rPr lang="en-US" sz="2800" b="0" i="1" smtClean="0">
+                                  <a:latin typeface="Cambria Math" panose="02040503050406030204" pitchFamily="18" charset="0"/>
+                                </a:rPr>
+                              </m:ctrlPr>
+                            </m:sSubPr>
+                            <m:e>
+                              <m:r>
+                                <a:rPr lang="en-US" sz="2800" b="0" i="1" smtClean="0">
+                                  <a:latin typeface="Cambria Math" panose="02040503050406030204" pitchFamily="18" charset="0"/>
+                                </a:rPr>
+                                <m:t>𝛾</m:t>
+                              </m:r>
+                            </m:e>
+                            <m:sub>
+                              <m:r>
+                                <a:rPr lang="en-US" sz="2800" b="0" i="1" smtClean="0">
+                                  <a:latin typeface="Cambria Math" panose="02040503050406030204" pitchFamily="18" charset="0"/>
+                                </a:rPr>
+                                <m:t>𝐵</m:t>
+                              </m:r>
+                            </m:sub>
+                          </m:sSub>
+                        </m:oMath>
+                      </m:oMathPara>
+                    </a14:m>
+                    <a:endParaRPr lang="en-US" sz="2800" b="0" dirty="0"/>
+                  </a:p>
+                </p:txBody>
+              </p:sp>
+            </mc:Choice>
+            <mc:Fallback xmlns="">
+              <p:sp>
+                <p:nvSpPr>
+                  <p:cNvPr id="24" name="TextBox 23">
+                    <a:extLst>
+                      <a:ext uri="{FF2B5EF4-FFF2-40B4-BE49-F238E27FC236}">
+                        <a16:creationId xmlns:a16="http://schemas.microsoft.com/office/drawing/2014/main" id="{81C9719E-DD5F-816C-FC75-CE63173C88A7}"/>
+                      </a:ext>
+                    </a:extLst>
+                  </p:cNvPr>
+                  <p:cNvSpPr txBox="1">
+                    <a:spLocks noRot="1" noChangeAspect="1" noMove="1" noResize="1" noEditPoints="1" noAdjustHandles="1" noChangeArrowheads="1" noChangeShapeType="1" noTextEdit="1"/>
+                  </p:cNvSpPr>
+                  <p:nvPr/>
+                </p:nvSpPr>
+                <p:spPr>
+                  <a:xfrm>
+                    <a:off x="3784857" y="2936431"/>
+                    <a:ext cx="643509" cy="523220"/>
+                  </a:xfrm>
+                  <a:prstGeom prst="rect">
+                    <a:avLst/>
+                  </a:prstGeom>
+                  <a:blipFill>
+                    <a:blip r:embed="rId11"/>
+                    <a:stretch>
+                      <a:fillRect/>
+                    </a:stretch>
+                  </a:blipFill>
+                </p:spPr>
+                <p:txBody>
+                  <a:bodyPr/>
+                  <a:lstStyle/>
+                  <a:p>
+                    <a:r>
+                      <a:rPr lang="en-US">
+                        <a:noFill/>
+                      </a:rPr>
+                      <a:t> </a:t>
+                    </a:r>
+                  </a:p>
+                </p:txBody>
+              </p:sp>
+            </mc:Fallback>
+          </mc:AlternateContent>
+          <mc:AlternateContent xmlns:mc="http://schemas.openxmlformats.org/markup-compatibility/2006" xmlns:a14="http://schemas.microsoft.com/office/drawing/2010/main">
+            <mc:Choice Requires="a14">
+              <p:sp>
+                <p:nvSpPr>
+                  <p:cNvPr id="25" name="TextBox 24">
+                    <a:extLst>
+                      <a:ext uri="{FF2B5EF4-FFF2-40B4-BE49-F238E27FC236}">
+                        <a16:creationId xmlns:a16="http://schemas.microsoft.com/office/drawing/2014/main" id="{49B9E02D-3950-E897-7D78-4E949C2A3EEF}"/>
+                      </a:ext>
+                    </a:extLst>
+                  </p:cNvPr>
+                  <p:cNvSpPr txBox="1"/>
+                  <p:nvPr/>
+                </p:nvSpPr>
+                <p:spPr>
+                  <a:xfrm>
+                    <a:off x="3778254" y="4276864"/>
+                    <a:ext cx="845552" cy="523220"/>
+                  </a:xfrm>
+                  <a:prstGeom prst="rect">
+                    <a:avLst/>
+                  </a:prstGeom>
+                  <a:noFill/>
+                </p:spPr>
+                <p:txBody>
+                  <a:bodyPr wrap="none" rtlCol="0">
+                    <a:spAutoFit/>
+                  </a:bodyPr>
+                  <a:lstStyle/>
+                  <a:p>
+                    <a:pPr/>
+                    <a14:m>
+                      <m:oMathPara xmlns:m="http://schemas.openxmlformats.org/officeDocument/2006/math">
+                        <m:oMathParaPr>
+                          <m:jc m:val="centerGroup"/>
+                        </m:oMathParaPr>
+                        <m:oMath xmlns:m="http://schemas.openxmlformats.org/officeDocument/2006/math">
+                          <m:sSub>
+                            <m:sSubPr>
+                              <m:ctrlPr>
+                                <a:rPr lang="en-US" sz="2800" b="0" i="1" smtClean="0">
+                                  <a:latin typeface="Cambria Math" panose="02040503050406030204" pitchFamily="18" charset="0"/>
+                                </a:rPr>
+                              </m:ctrlPr>
+                            </m:sSubPr>
+                            <m:e>
+                              <m:r>
+                                <m:rPr>
+                                  <m:sty m:val="p"/>
+                                </m:rPr>
+                                <a:rPr lang="en-US" sz="2800" b="0" i="0" smtClean="0">
+                                  <a:latin typeface="Cambria Math" panose="02040503050406030204" pitchFamily="18" charset="0"/>
+                                </a:rPr>
+                                <m:t>Σ</m:t>
+                              </m:r>
+                            </m:e>
+                            <m:sub>
+                              <m:r>
+                                <a:rPr lang="en-US" sz="2800" b="0" i="1" smtClean="0">
+                                  <a:latin typeface="Cambria Math" panose="02040503050406030204" pitchFamily="18" charset="0"/>
+                                </a:rPr>
+                                <m:t>𝐵𝑂</m:t>
+                              </m:r>
+                            </m:sub>
+                          </m:sSub>
+                        </m:oMath>
+                      </m:oMathPara>
+                    </a14:m>
+                    <a:endParaRPr lang="en-US" sz="2800" b="0" dirty="0"/>
+                  </a:p>
+                </p:txBody>
+              </p:sp>
+            </mc:Choice>
+            <mc:Fallback xmlns="">
+              <p:sp>
+                <p:nvSpPr>
+                  <p:cNvPr id="25" name="TextBox 24">
+                    <a:extLst>
+                      <a:ext uri="{FF2B5EF4-FFF2-40B4-BE49-F238E27FC236}">
+                        <a16:creationId xmlns:a16="http://schemas.microsoft.com/office/drawing/2014/main" id="{04B9338E-9E54-BE82-988F-950C6B2D8C2D}"/>
+                      </a:ext>
+                    </a:extLst>
+                  </p:cNvPr>
+                  <p:cNvSpPr txBox="1">
+                    <a:spLocks noRot="1" noChangeAspect="1" noMove="1" noResize="1" noEditPoints="1" noAdjustHandles="1" noChangeArrowheads="1" noChangeShapeType="1" noTextEdit="1"/>
+                  </p:cNvSpPr>
+                  <p:nvPr/>
+                </p:nvSpPr>
+                <p:spPr>
+                  <a:xfrm>
+                    <a:off x="3778254" y="4276864"/>
+                    <a:ext cx="845552" cy="523220"/>
+                  </a:xfrm>
+                  <a:prstGeom prst="rect">
+                    <a:avLst/>
+                  </a:prstGeom>
+                  <a:blipFill>
+                    <a:blip r:embed="rId12"/>
+                    <a:stretch>
+                      <a:fillRect/>
+                    </a:stretch>
+                  </a:blipFill>
+                </p:spPr>
+                <p:txBody>
+                  <a:bodyPr/>
+                  <a:lstStyle/>
+                  <a:p>
+                    <a:r>
+                      <a:rPr lang="en-US">
+                        <a:noFill/>
+                      </a:rPr>
+                      <a:t> </a:t>
+                    </a:r>
+                  </a:p>
+                </p:txBody>
+              </p:sp>
+            </mc:Fallback>
+          </mc:AlternateContent>
+          <mc:AlternateContent xmlns:mc="http://schemas.openxmlformats.org/markup-compatibility/2006" xmlns:a14="http://schemas.microsoft.com/office/drawing/2010/main">
+            <mc:Choice Requires="a14">
+              <p:sp>
+                <p:nvSpPr>
+                  <p:cNvPr id="26" name="TextBox 25">
+                    <a:extLst>
+                      <a:ext uri="{FF2B5EF4-FFF2-40B4-BE49-F238E27FC236}">
+                        <a16:creationId xmlns:a16="http://schemas.microsoft.com/office/drawing/2014/main" id="{2AA94BD0-B8B8-99FF-2145-207DAB658CE2}"/>
+                      </a:ext>
+                    </a:extLst>
+                  </p:cNvPr>
+                  <p:cNvSpPr txBox="1"/>
+                  <p:nvPr/>
+                </p:nvSpPr>
+                <p:spPr>
+                  <a:xfrm>
+                    <a:off x="1274055" y="4184791"/>
+                    <a:ext cx="822854" cy="523220"/>
+                  </a:xfrm>
+                  <a:prstGeom prst="rect">
+                    <a:avLst/>
+                  </a:prstGeom>
+                  <a:noFill/>
+                </p:spPr>
+                <p:txBody>
+                  <a:bodyPr wrap="none" rtlCol="0">
+                    <a:spAutoFit/>
+                  </a:bodyPr>
+                  <a:lstStyle/>
+                  <a:p>
+                    <a:pPr/>
+                    <a14:m>
+                      <m:oMathPara xmlns:m="http://schemas.openxmlformats.org/officeDocument/2006/math">
+                        <m:oMathParaPr>
+                          <m:jc m:val="centerGroup"/>
+                        </m:oMathParaPr>
+                        <m:oMath xmlns:m="http://schemas.openxmlformats.org/officeDocument/2006/math">
+                          <m:sSub>
+                            <m:sSubPr>
+                              <m:ctrlPr>
+                                <a:rPr lang="en-US" sz="2800" b="0" i="1" smtClean="0">
+                                  <a:latin typeface="Cambria Math" panose="02040503050406030204" pitchFamily="18" charset="0"/>
+                                </a:rPr>
+                              </m:ctrlPr>
+                            </m:sSubPr>
+                            <m:e>
+                              <m:r>
+                                <m:rPr>
+                                  <m:sty m:val="p"/>
+                                </m:rPr>
+                                <a:rPr lang="en-US" sz="2800" b="0" i="0" smtClean="0">
+                                  <a:latin typeface="Cambria Math" panose="02040503050406030204" pitchFamily="18" charset="0"/>
+                                </a:rPr>
+                                <m:t>Σ</m:t>
+                              </m:r>
+                            </m:e>
+                            <m:sub>
+                              <m:r>
+                                <a:rPr lang="en-US" sz="2800" b="0" i="1" smtClean="0">
+                                  <a:latin typeface="Cambria Math" panose="02040503050406030204" pitchFamily="18" charset="0"/>
+                                </a:rPr>
+                                <m:t>𝐴𝑂</m:t>
+                              </m:r>
+                            </m:sub>
+                          </m:sSub>
+                        </m:oMath>
+                      </m:oMathPara>
+                    </a14:m>
+                    <a:endParaRPr lang="en-US" sz="2800" b="0" dirty="0"/>
+                  </a:p>
+                </p:txBody>
+              </p:sp>
+            </mc:Choice>
+            <mc:Fallback xmlns="">
+              <p:sp>
+                <p:nvSpPr>
+                  <p:cNvPr id="26" name="TextBox 25">
+                    <a:extLst>
+                      <a:ext uri="{FF2B5EF4-FFF2-40B4-BE49-F238E27FC236}">
+                        <a16:creationId xmlns:a16="http://schemas.microsoft.com/office/drawing/2014/main" id="{DC4A7514-0D4E-B85E-B7AA-234987002CB2}"/>
+                      </a:ext>
+                    </a:extLst>
+                  </p:cNvPr>
+                  <p:cNvSpPr txBox="1">
+                    <a:spLocks noRot="1" noChangeAspect="1" noMove="1" noResize="1" noEditPoints="1" noAdjustHandles="1" noChangeArrowheads="1" noChangeShapeType="1" noTextEdit="1"/>
+                  </p:cNvSpPr>
+                  <p:nvPr/>
+                </p:nvSpPr>
+                <p:spPr>
+                  <a:xfrm>
+                    <a:off x="1274055" y="4184791"/>
+                    <a:ext cx="822854" cy="523220"/>
+                  </a:xfrm>
+                  <a:prstGeom prst="rect">
+                    <a:avLst/>
+                  </a:prstGeom>
+                  <a:blipFill>
+                    <a:blip r:embed="rId13"/>
+                    <a:stretch>
+                      <a:fillRect/>
+                    </a:stretch>
+                  </a:blipFill>
+                </p:spPr>
+                <p:txBody>
+                  <a:bodyPr/>
+                  <a:lstStyle/>
+                  <a:p>
+                    <a:r>
+                      <a:rPr lang="en-US">
+                        <a:noFill/>
+                      </a:rPr>
+                      <a:t> </a:t>
+                    </a:r>
+                  </a:p>
+                </p:txBody>
+              </p:sp>
+            </mc:Fallback>
+          </mc:AlternateContent>
+          <mc:AlternateContent xmlns:mc="http://schemas.openxmlformats.org/markup-compatibility/2006" xmlns:a14="http://schemas.microsoft.com/office/drawing/2010/main">
+            <mc:Choice Requires="a14">
+              <p:sp>
+                <p:nvSpPr>
+                  <p:cNvPr id="27" name="TextBox 26">
+                    <a:extLst>
+                      <a:ext uri="{FF2B5EF4-FFF2-40B4-BE49-F238E27FC236}">
+                        <a16:creationId xmlns:a16="http://schemas.microsoft.com/office/drawing/2014/main" id="{EE385713-7B7E-0BA7-E07D-EF9A37B04795}"/>
+                      </a:ext>
+                    </a:extLst>
+                  </p:cNvPr>
+                  <p:cNvSpPr txBox="1"/>
+                  <p:nvPr/>
+                </p:nvSpPr>
+                <p:spPr>
+                  <a:xfrm>
+                    <a:off x="2134469" y="3672178"/>
+                    <a:ext cx="647677" cy="523220"/>
+                  </a:xfrm>
+                  <a:prstGeom prst="rect">
+                    <a:avLst/>
+                  </a:prstGeom>
+                  <a:noFill/>
+                </p:spPr>
+                <p:txBody>
+                  <a:bodyPr wrap="none" rtlCol="0">
+                    <a:spAutoFit/>
+                  </a:bodyPr>
+                  <a:lstStyle/>
+                  <a:p>
+                    <a:pPr/>
+                    <a14:m>
+                      <m:oMathPara xmlns:m="http://schemas.openxmlformats.org/officeDocument/2006/math">
+                        <m:oMathParaPr>
+                          <m:jc m:val="centerGroup"/>
+                        </m:oMathParaPr>
+                        <m:oMath xmlns:m="http://schemas.openxmlformats.org/officeDocument/2006/math">
+                          <m:sSub>
+                            <m:sSubPr>
+                              <m:ctrlPr>
+                                <a:rPr lang="en-US" sz="2800" b="0" i="1" smtClean="0">
+                                  <a:latin typeface="Cambria Math" panose="02040503050406030204" pitchFamily="18" charset="0"/>
+                                </a:rPr>
+                              </m:ctrlPr>
+                            </m:sSubPr>
+                            <m:e>
+                              <m:r>
+                                <a:rPr lang="en-US" sz="2800" b="0" i="1" smtClean="0">
+                                  <a:latin typeface="Cambria Math" panose="02040503050406030204" pitchFamily="18" charset="0"/>
+                                </a:rPr>
+                                <m:t>𝛾</m:t>
+                              </m:r>
+                            </m:e>
+                            <m:sub>
+                              <m:r>
+                                <a:rPr lang="en-US" sz="2800" b="0" i="1" smtClean="0">
+                                  <a:latin typeface="Cambria Math" panose="02040503050406030204" pitchFamily="18" charset="0"/>
+                                </a:rPr>
+                                <m:t>𝑂</m:t>
+                              </m:r>
+                            </m:sub>
+                          </m:sSub>
+                        </m:oMath>
+                      </m:oMathPara>
+                    </a14:m>
+                    <a:endParaRPr lang="en-US" sz="2800" b="0" dirty="0"/>
+                  </a:p>
+                </p:txBody>
+              </p:sp>
+            </mc:Choice>
+            <mc:Fallback xmlns="">
+              <p:sp>
+                <p:nvSpPr>
+                  <p:cNvPr id="27" name="TextBox 26">
+                    <a:extLst>
+                      <a:ext uri="{FF2B5EF4-FFF2-40B4-BE49-F238E27FC236}">
+                        <a16:creationId xmlns:a16="http://schemas.microsoft.com/office/drawing/2014/main" id="{81E62212-4ADE-E266-557D-9A0A0B0A6CF3}"/>
+                      </a:ext>
+                    </a:extLst>
+                  </p:cNvPr>
+                  <p:cNvSpPr txBox="1">
+                    <a:spLocks noRot="1" noChangeAspect="1" noMove="1" noResize="1" noEditPoints="1" noAdjustHandles="1" noChangeArrowheads="1" noChangeShapeType="1" noTextEdit="1"/>
+                  </p:cNvSpPr>
+                  <p:nvPr/>
+                </p:nvSpPr>
+                <p:spPr>
+                  <a:xfrm>
+                    <a:off x="2134469" y="3672178"/>
+                    <a:ext cx="647677" cy="523220"/>
+                  </a:xfrm>
+                  <a:prstGeom prst="rect">
+                    <a:avLst/>
+                  </a:prstGeom>
+                  <a:blipFill>
+                    <a:blip r:embed="rId14"/>
+                    <a:stretch>
+                      <a:fillRect/>
+                    </a:stretch>
+                  </a:blipFill>
+                </p:spPr>
+                <p:txBody>
+                  <a:bodyPr/>
+                  <a:lstStyle/>
+                  <a:p>
+                    <a:r>
+                      <a:rPr lang="en-US">
+                        <a:noFill/>
+                      </a:rPr>
+                      <a:t> </a:t>
+                    </a:r>
+                  </a:p>
+                </p:txBody>
+              </p:sp>
+            </mc:Fallback>
+          </mc:AlternateContent>
+        </p:grpSp>
+        <p:sp>
+          <p:nvSpPr>
+            <p:cNvPr id="16" name="Isosceles Triangle 15">
+              <a:extLst>
+                <a:ext uri="{FF2B5EF4-FFF2-40B4-BE49-F238E27FC236}">
+                  <a16:creationId xmlns:a16="http://schemas.microsoft.com/office/drawing/2014/main" id="{4B77EC32-8065-A707-9058-B37004BC3BFC}"/>
+                </a:ext>
+              </a:extLst>
+            </p:cNvPr>
+            <p:cNvSpPr/>
+            <p:nvPr/>
+          </p:nvSpPr>
+          <p:spPr>
+            <a:xfrm rot="4940850">
+              <a:off x="10116513" y="2365006"/>
+              <a:ext cx="178842" cy="160020"/>
+            </a:xfrm>
+            <a:prstGeom prst="triangle">
+              <a:avLst/>
+            </a:prstGeom>
+            <a:ln>
+              <a:noFill/>
+            </a:ln>
+          </p:spPr>
+          <p:style>
+            <a:lnRef idx="2">
+              <a:schemeClr val="accent1">
+                <a:shade val="15000"/>
+              </a:schemeClr>
+            </a:lnRef>
+            <a:fillRef idx="1">
+              <a:schemeClr val="accent1"/>
+            </a:fillRef>
+            <a:effectRef idx="0">
+              <a:schemeClr val="accent1"/>
+            </a:effectRef>
+            <a:fontRef idx="minor">
+              <a:schemeClr val="lt1"/>
+            </a:fontRef>
+          </p:style>
+          <p:txBody>
+            <a:bodyPr rtlCol="0" anchor="ctr"/>
+            <a:lstStyle/>
+            <a:p>
+              <a:pPr algn="ctr"/>
+              <a:endParaRPr lang="en-US"/>
+            </a:p>
+          </p:txBody>
+        </p:sp>
+        <p:sp>
+          <p:nvSpPr>
+            <p:cNvPr id="17" name="Isosceles Triangle 16">
+              <a:extLst>
+                <a:ext uri="{FF2B5EF4-FFF2-40B4-BE49-F238E27FC236}">
+                  <a16:creationId xmlns:a16="http://schemas.microsoft.com/office/drawing/2014/main" id="{AFA00583-4726-A2EE-7C63-D926EEF219CD}"/>
+                </a:ext>
+              </a:extLst>
+            </p:cNvPr>
+            <p:cNvSpPr/>
+            <p:nvPr/>
+          </p:nvSpPr>
+          <p:spPr>
+            <a:xfrm rot="17040372">
+              <a:off x="8417053" y="2377577"/>
+              <a:ext cx="178842" cy="160020"/>
+            </a:xfrm>
+            <a:prstGeom prst="triangle">
+              <a:avLst/>
+            </a:prstGeom>
+            <a:ln>
+              <a:noFill/>
+            </a:ln>
+          </p:spPr>
+          <p:style>
+            <a:lnRef idx="2">
+              <a:schemeClr val="accent1">
+                <a:shade val="15000"/>
+              </a:schemeClr>
+            </a:lnRef>
+            <a:fillRef idx="1">
+              <a:schemeClr val="accent1"/>
+            </a:fillRef>
+            <a:effectRef idx="0">
+              <a:schemeClr val="accent1"/>
+            </a:effectRef>
+            <a:fontRef idx="minor">
+              <a:schemeClr val="lt1"/>
+            </a:fontRef>
+          </p:style>
+          <p:txBody>
+            <a:bodyPr rtlCol="0" anchor="ctr"/>
+            <a:lstStyle/>
+            <a:p>
+              <a:pPr algn="ctr"/>
+              <a:endParaRPr lang="en-US"/>
+            </a:p>
+          </p:txBody>
+        </p:sp>
+        <p:sp>
+          <p:nvSpPr>
+            <p:cNvPr id="18" name="Isosceles Triangle 17">
+              <a:extLst>
+                <a:ext uri="{FF2B5EF4-FFF2-40B4-BE49-F238E27FC236}">
+                  <a16:creationId xmlns:a16="http://schemas.microsoft.com/office/drawing/2014/main" id="{B09FDDDF-C6FC-A480-1AC5-6C9504BC760C}"/>
+                </a:ext>
+              </a:extLst>
+            </p:cNvPr>
+            <p:cNvSpPr/>
+            <p:nvPr/>
+          </p:nvSpPr>
+          <p:spPr>
+            <a:xfrm rot="684613">
+              <a:off x="9157674" y="3274844"/>
+              <a:ext cx="178842" cy="160020"/>
+            </a:xfrm>
+            <a:prstGeom prst="triangle">
+              <a:avLst/>
+            </a:prstGeom>
+            <a:ln>
+              <a:noFill/>
+            </a:ln>
+          </p:spPr>
+          <p:style>
+            <a:lnRef idx="2">
+              <a:schemeClr val="accent1">
+                <a:shade val="15000"/>
+              </a:schemeClr>
+            </a:lnRef>
+            <a:fillRef idx="1">
+              <a:schemeClr val="accent1"/>
+            </a:fillRef>
+            <a:effectRef idx="0">
+              <a:schemeClr val="accent1"/>
+            </a:effectRef>
+            <a:fontRef idx="minor">
+              <a:schemeClr val="lt1"/>
+            </a:fontRef>
+          </p:style>
+          <p:txBody>
+            <a:bodyPr rtlCol="0" anchor="ctr"/>
+            <a:lstStyle/>
+            <a:p>
+              <a:pPr algn="ctr"/>
+              <a:endParaRPr lang="en-US"/>
+            </a:p>
+          </p:txBody>
+        </p:sp>
+        <p:sp>
+          <p:nvSpPr>
+            <p:cNvPr id="19" name="Isosceles Triangle 18">
+              <a:extLst>
+                <a:ext uri="{FF2B5EF4-FFF2-40B4-BE49-F238E27FC236}">
+                  <a16:creationId xmlns:a16="http://schemas.microsoft.com/office/drawing/2014/main" id="{2CB4F7DD-A614-DFF8-73F0-D283B87F74BE}"/>
+                </a:ext>
+              </a:extLst>
+            </p:cNvPr>
+            <p:cNvSpPr/>
+            <p:nvPr/>
+          </p:nvSpPr>
+          <p:spPr>
+            <a:xfrm rot="10800000">
+              <a:off x="8911333" y="3234473"/>
+              <a:ext cx="178842" cy="160020"/>
+            </a:xfrm>
+            <a:prstGeom prst="triangle">
+              <a:avLst/>
+            </a:prstGeom>
+            <a:ln>
+              <a:noFill/>
+            </a:ln>
+          </p:spPr>
+          <p:style>
+            <a:lnRef idx="2">
+              <a:schemeClr val="accent1">
+                <a:shade val="15000"/>
+              </a:schemeClr>
+            </a:lnRef>
+            <a:fillRef idx="1">
+              <a:schemeClr val="accent1"/>
+            </a:fillRef>
+            <a:effectRef idx="0">
+              <a:schemeClr val="accent1"/>
+            </a:effectRef>
+            <a:fontRef idx="minor">
+              <a:schemeClr val="lt1"/>
+            </a:fontRef>
+          </p:style>
+          <p:txBody>
+            <a:bodyPr rtlCol="0" anchor="ctr"/>
+            <a:lstStyle/>
+            <a:p>
+              <a:pPr algn="ctr"/>
+              <a:endParaRPr lang="en-US"/>
+            </a:p>
+          </p:txBody>
+        </p:sp>
+      </p:grpSp>
+      <p:sp>
+        <p:nvSpPr>
+          <p:cNvPr id="38" name="TextBox 37">
+            <a:extLst>
+              <a:ext uri="{FF2B5EF4-FFF2-40B4-BE49-F238E27FC236}">
+                <a16:creationId xmlns:a16="http://schemas.microsoft.com/office/drawing/2014/main" id="{C860800F-C321-890F-934A-3B2C5793AECD}"/>
+              </a:ext>
+            </a:extLst>
+          </p:cNvPr>
+          <p:cNvSpPr txBox="1"/>
+          <p:nvPr/>
+        </p:nvSpPr>
+        <p:spPr>
+          <a:xfrm>
+            <a:off x="1135523" y="239021"/>
+            <a:ext cx="4150495" cy="769441"/>
+          </a:xfrm>
+          <a:prstGeom prst="rect">
+            <a:avLst/>
+          </a:prstGeom>
+          <a:noFill/>
+        </p:spPr>
+        <p:txBody>
+          <a:bodyPr wrap="none" rtlCol="0">
+            <a:spAutoFit/>
+          </a:bodyPr>
+          <a:lstStyle/>
+          <a:p>
+            <a:r>
+              <a:rPr lang="en-US" sz="4400" dirty="0"/>
+              <a:t>Scalar potential</a:t>
+            </a:r>
+          </a:p>
+        </p:txBody>
+      </p:sp>
+      <p:sp>
+        <p:nvSpPr>
+          <p:cNvPr id="39" name="TextBox 38">
+            <a:extLst>
+              <a:ext uri="{FF2B5EF4-FFF2-40B4-BE49-F238E27FC236}">
+                <a16:creationId xmlns:a16="http://schemas.microsoft.com/office/drawing/2014/main" id="{2000D470-5D23-FE04-E84D-58C2D55E018C}"/>
+              </a:ext>
+            </a:extLst>
+          </p:cNvPr>
+          <p:cNvSpPr txBox="1"/>
+          <p:nvPr/>
+        </p:nvSpPr>
+        <p:spPr>
+          <a:xfrm>
+            <a:off x="6753463" y="252997"/>
+            <a:ext cx="4288353" cy="769441"/>
+          </a:xfrm>
+          <a:prstGeom prst="rect">
+            <a:avLst/>
+          </a:prstGeom>
+          <a:noFill/>
+        </p:spPr>
+        <p:txBody>
+          <a:bodyPr wrap="none" rtlCol="0">
+            <a:spAutoFit/>
+          </a:bodyPr>
+          <a:lstStyle/>
+          <a:p>
+            <a:r>
+              <a:rPr lang="en-US" sz="4400" dirty="0"/>
+              <a:t>Vector potential</a:t>
+            </a:r>
+          </a:p>
+        </p:txBody>
+      </p:sp>
+      <p:sp>
+        <p:nvSpPr>
+          <p:cNvPr id="41" name="TextBox 40">
+            <a:extLst>
+              <a:ext uri="{FF2B5EF4-FFF2-40B4-BE49-F238E27FC236}">
+                <a16:creationId xmlns:a16="http://schemas.microsoft.com/office/drawing/2014/main" id="{E6FEE993-F6A9-757D-EF1B-8FACE2E6A248}"/>
+              </a:ext>
+            </a:extLst>
+          </p:cNvPr>
+          <p:cNvSpPr txBox="1"/>
+          <p:nvPr/>
+        </p:nvSpPr>
+        <p:spPr>
+          <a:xfrm>
+            <a:off x="2730987" y="5746907"/>
+            <a:ext cx="8441735" cy="769441"/>
+          </a:xfrm>
+          <a:prstGeom prst="rect">
+            <a:avLst/>
+          </a:prstGeom>
+          <a:noFill/>
+        </p:spPr>
+        <p:txBody>
+          <a:bodyPr wrap="none" rtlCol="0">
+            <a:spAutoFit/>
+          </a:bodyPr>
+          <a:lstStyle/>
+          <a:p>
+            <a:r>
+              <a:rPr lang="en-US" sz="4400" dirty="0"/>
+              <a:t>Same geometrical interpretation</a:t>
+            </a:r>
+          </a:p>
+        </p:txBody>
+      </p:sp>
+    </p:spTree>
+    <p:extLst>
+      <p:ext uri="{BB962C8B-B14F-4D97-AF65-F5344CB8AC3E}">
+        <p14:creationId xmlns:p14="http://schemas.microsoft.com/office/powerpoint/2010/main" val="3356011762"/>
       </p:ext>
     </p:extLst>
   </p:cSld>
